--- a/pets2017-paper/flows.pptx
+++ b/pets2017-paper/flows.pptx
@@ -1,25 +1,458 @@
 
 <file path=ppt/presentation.xml><?xml version="1.0" encoding="utf-8"?>
-<p:presentation xmlns:a="http://schemas.openxmlformats.org/drawingml/2006/main" xmlns:p="http://schemas.openxmlformats.org/presentationml/2006/main" xmlns:r="http://schemas.openxmlformats.org/officeDocument/2006/relationships" xmlns:p14="http://schemas.microsoft.com/office/powerpoint/2010/main" xmlns:p15="http://schemas.microsoft.com/office/powerpoint/2012/main" xmlns:mc="http://schemas.openxmlformats.org/markup-compatibility/2006">
+<p:presentation xmlns:a="http://schemas.openxmlformats.org/drawingml/2006/main" xmlns:r="http://schemas.openxmlformats.org/officeDocument/2006/relationships" xmlns:p="http://schemas.openxmlformats.org/presentationml/2006/main">
   <p:sldMasterIdLst>
-    <p:sldMasterId id="2147483648" r:id="rId2"/>
-    <p:sldMasterId id="2147483661" r:id="rId3"/>
+    <p:sldMasterId id="2147483648" r:id="rId1"/>
+    <p:sldMasterId id="2147483661" r:id="rId2"/>
   </p:sldMasterIdLst>
   <p:notesMasterIdLst>
-    <p:notesMasterId r:id="rId4"/>
+    <p:notesMasterId r:id="rId6"/>
   </p:notesMasterIdLst>
   <p:sldIdLst>
-    <p:sldId id="256" r:id="rId5"/>
-    <p:sldId id="257" r:id="rId6"/>
-    <p:sldId id="258" r:id="rId7"/>
+    <p:sldId id="256" r:id="rId3"/>
+    <p:sldId id="257" r:id="rId4"/>
+    <p:sldId id="258" r:id="rId5"/>
   </p:sldIdLst>
   <p:sldSz cx="32918400" cy="27432000"/>
   <p:notesSz cx="6858000" cy="9144000"/>
+  <p:defaultTextStyle>
+    <a:defPPr>
+      <a:defRPr lang="en-US"/>
+    </a:defPPr>
+    <a:lvl1pPr marL="0" algn="l" defTabSz="457200" rtl="0" eaLnBrk="1" latinLnBrk="0" hangingPunct="1">
+      <a:defRPr sz="1800" kern="1200">
+        <a:solidFill>
+          <a:schemeClr val="tx1"/>
+        </a:solidFill>
+        <a:latin typeface="+mn-lt"/>
+        <a:ea typeface="+mn-ea"/>
+        <a:cs typeface="+mn-cs"/>
+      </a:defRPr>
+    </a:lvl1pPr>
+    <a:lvl2pPr marL="457200" algn="l" defTabSz="457200" rtl="0" eaLnBrk="1" latinLnBrk="0" hangingPunct="1">
+      <a:defRPr sz="1800" kern="1200">
+        <a:solidFill>
+          <a:schemeClr val="tx1"/>
+        </a:solidFill>
+        <a:latin typeface="+mn-lt"/>
+        <a:ea typeface="+mn-ea"/>
+        <a:cs typeface="+mn-cs"/>
+      </a:defRPr>
+    </a:lvl2pPr>
+    <a:lvl3pPr marL="914400" algn="l" defTabSz="457200" rtl="0" eaLnBrk="1" latinLnBrk="0" hangingPunct="1">
+      <a:defRPr sz="1800" kern="1200">
+        <a:solidFill>
+          <a:schemeClr val="tx1"/>
+        </a:solidFill>
+        <a:latin typeface="+mn-lt"/>
+        <a:ea typeface="+mn-ea"/>
+        <a:cs typeface="+mn-cs"/>
+      </a:defRPr>
+    </a:lvl3pPr>
+    <a:lvl4pPr marL="1371600" algn="l" defTabSz="457200" rtl="0" eaLnBrk="1" latinLnBrk="0" hangingPunct="1">
+      <a:defRPr sz="1800" kern="1200">
+        <a:solidFill>
+          <a:schemeClr val="tx1"/>
+        </a:solidFill>
+        <a:latin typeface="+mn-lt"/>
+        <a:ea typeface="+mn-ea"/>
+        <a:cs typeface="+mn-cs"/>
+      </a:defRPr>
+    </a:lvl4pPr>
+    <a:lvl5pPr marL="1828800" algn="l" defTabSz="457200" rtl="0" eaLnBrk="1" latinLnBrk="0" hangingPunct="1">
+      <a:defRPr sz="1800" kern="1200">
+        <a:solidFill>
+          <a:schemeClr val="tx1"/>
+        </a:solidFill>
+        <a:latin typeface="+mn-lt"/>
+        <a:ea typeface="+mn-ea"/>
+        <a:cs typeface="+mn-cs"/>
+      </a:defRPr>
+    </a:lvl5pPr>
+    <a:lvl6pPr marL="2286000" algn="l" defTabSz="457200" rtl="0" eaLnBrk="1" latinLnBrk="0" hangingPunct="1">
+      <a:defRPr sz="1800" kern="1200">
+        <a:solidFill>
+          <a:schemeClr val="tx1"/>
+        </a:solidFill>
+        <a:latin typeface="+mn-lt"/>
+        <a:ea typeface="+mn-ea"/>
+        <a:cs typeface="+mn-cs"/>
+      </a:defRPr>
+    </a:lvl6pPr>
+    <a:lvl7pPr marL="2743200" algn="l" defTabSz="457200" rtl="0" eaLnBrk="1" latinLnBrk="0" hangingPunct="1">
+      <a:defRPr sz="1800" kern="1200">
+        <a:solidFill>
+          <a:schemeClr val="tx1"/>
+        </a:solidFill>
+        <a:latin typeface="+mn-lt"/>
+        <a:ea typeface="+mn-ea"/>
+        <a:cs typeface="+mn-cs"/>
+      </a:defRPr>
+    </a:lvl7pPr>
+    <a:lvl8pPr marL="3200400" algn="l" defTabSz="457200" rtl="0" eaLnBrk="1" latinLnBrk="0" hangingPunct="1">
+      <a:defRPr sz="1800" kern="1200">
+        <a:solidFill>
+          <a:schemeClr val="tx1"/>
+        </a:solidFill>
+        <a:latin typeface="+mn-lt"/>
+        <a:ea typeface="+mn-ea"/>
+        <a:cs typeface="+mn-cs"/>
+      </a:defRPr>
+    </a:lvl8pPr>
+    <a:lvl9pPr marL="3657600" algn="l" defTabSz="457200" rtl="0" eaLnBrk="1" latinLnBrk="0" hangingPunct="1">
+      <a:defRPr sz="1800" kern="1200">
+        <a:solidFill>
+          <a:schemeClr val="tx1"/>
+        </a:solidFill>
+        <a:latin typeface="+mn-lt"/>
+        <a:ea typeface="+mn-ea"/>
+        <a:cs typeface="+mn-cs"/>
+      </a:defRPr>
+    </a:lvl9pPr>
+  </p:defaultTextStyle>
 </p:presentation>
 </file>
 
 <file path=ppt/notesMasters/notesMaster1.xml><?xml version="1.0" encoding="utf-8"?>
-<p:notesMaster xmlns:a="http://schemas.openxmlformats.org/drawingml/2006/main" xmlns:p="http://schemas.openxmlformats.org/presentationml/2006/main" xmlns:r="http://schemas.openxmlformats.org/officeDocument/2006/relationships" xmlns:p14="http://schemas.microsoft.com/office/powerpoint/2010/main" xmlns:p15="http://schemas.microsoft.com/office/powerpoint/2012/main" xmlns:mc="http://schemas.openxmlformats.org/markup-compatibility/2006">
+<p:notesMaster xmlns:a="http://schemas.openxmlformats.org/drawingml/2006/main" xmlns:r="http://schemas.openxmlformats.org/officeDocument/2006/relationships" xmlns:p="http://schemas.openxmlformats.org/presentationml/2006/main">
+  <p:cSld>
+    <p:bg>
+      <p:bgRef idx="1001">
+        <a:schemeClr val="bg1"/>
+      </p:bgRef>
+    </p:bg>
+    <p:spTree>
+      <p:nvGrpSpPr>
+        <p:cNvPr id="1" name=""/>
+        <p:cNvGrpSpPr/>
+        <p:nvPr/>
+      </p:nvGrpSpPr>
+      <p:grpSpPr>
+        <a:xfrm>
+          <a:off x="0" y="0"/>
+          <a:ext cx="0" cy="0"/>
+          <a:chOff x="0" y="0"/>
+          <a:chExt cx="0" cy="0"/>
+        </a:xfrm>
+      </p:grpSpPr>
+      <p:sp>
+        <p:nvSpPr>
+          <p:cNvPr id="78" name="PlaceHolder 1"/>
+          <p:cNvSpPr>
+            <a:spLocks noGrp="1"/>
+          </p:cNvSpPr>
+          <p:nvPr>
+            <p:ph type="body"/>
+          </p:nvPr>
+        </p:nvSpPr>
+        <p:spPr>
+          <a:xfrm>
+            <a:off x="777240" y="4777560"/>
+            <a:ext cx="6217560" cy="4525920"/>
+          </a:xfrm>
+          <a:prstGeom prst="rect">
+            <a:avLst/>
+          </a:prstGeom>
+        </p:spPr>
+        <p:txBody>
+          <a:bodyPr lIns="0" tIns="0" rIns="0" bIns="0"/>
+          <a:lstStyle/>
+          <a:p>
+            <a:r>
+              <a:rPr lang="en-US" sz="2000" b="0" strike="noStrike" spc="-1">
+                <a:solidFill>
+                  <a:srgbClr val="000000"/>
+                </a:solidFill>
+                <a:uFill>
+                  <a:solidFill>
+                    <a:srgbClr val="FFFFFF"/>
+                  </a:solidFill>
+                </a:uFill>
+                <a:latin typeface="Arial"/>
+              </a:rPr>
+              <a:t>Click to edit the notes format</a:t>
+            </a:r>
+          </a:p>
+        </p:txBody>
+      </p:sp>
+      <p:sp>
+        <p:nvSpPr>
+          <p:cNvPr id="79" name="PlaceHolder 2"/>
+          <p:cNvSpPr>
+            <a:spLocks noGrp="1"/>
+          </p:cNvSpPr>
+          <p:nvPr>
+            <p:ph type="hdr"/>
+          </p:nvPr>
+        </p:nvSpPr>
+        <p:spPr>
+          <a:xfrm>
+            <a:off x="0" y="0"/>
+            <a:ext cx="3372840" cy="502560"/>
+          </a:xfrm>
+          <a:prstGeom prst="rect">
+            <a:avLst/>
+          </a:prstGeom>
+        </p:spPr>
+        <p:txBody>
+          <a:bodyPr lIns="0" tIns="0" rIns="0" bIns="0"/>
+          <a:lstStyle/>
+          <a:p>
+            <a:r>
+              <a:rPr lang="en-US" sz="1400" b="0" strike="noStrike" spc="-1">
+                <a:solidFill>
+                  <a:srgbClr val="000000"/>
+                </a:solidFill>
+                <a:uFill>
+                  <a:solidFill>
+                    <a:srgbClr val="FFFFFF"/>
+                  </a:solidFill>
+                </a:uFill>
+                <a:latin typeface="Times New Roman"/>
+              </a:rPr>
+              <a:t>&lt;header&gt;</a:t>
+            </a:r>
+          </a:p>
+        </p:txBody>
+      </p:sp>
+      <p:sp>
+        <p:nvSpPr>
+          <p:cNvPr id="80" name="PlaceHolder 3"/>
+          <p:cNvSpPr>
+            <a:spLocks noGrp="1"/>
+          </p:cNvSpPr>
+          <p:nvPr>
+            <p:ph type="dt"/>
+          </p:nvPr>
+        </p:nvSpPr>
+        <p:spPr>
+          <a:xfrm>
+            <a:off x="4399200" y="0"/>
+            <a:ext cx="3372840" cy="502560"/>
+          </a:xfrm>
+          <a:prstGeom prst="rect">
+            <a:avLst/>
+          </a:prstGeom>
+        </p:spPr>
+        <p:txBody>
+          <a:bodyPr lIns="0" tIns="0" rIns="0" bIns="0"/>
+          <a:lstStyle/>
+          <a:p>
+            <a:pPr algn="r"/>
+            <a:r>
+              <a:rPr lang="en-US" sz="1400" b="0" strike="noStrike" spc="-1">
+                <a:solidFill>
+                  <a:srgbClr val="000000"/>
+                </a:solidFill>
+                <a:uFill>
+                  <a:solidFill>
+                    <a:srgbClr val="FFFFFF"/>
+                  </a:solidFill>
+                </a:uFill>
+                <a:latin typeface="Times New Roman"/>
+              </a:rPr>
+              <a:t>&lt;date/time&gt;</a:t>
+            </a:r>
+          </a:p>
+        </p:txBody>
+      </p:sp>
+      <p:sp>
+        <p:nvSpPr>
+          <p:cNvPr id="81" name="PlaceHolder 4"/>
+          <p:cNvSpPr>
+            <a:spLocks noGrp="1"/>
+          </p:cNvSpPr>
+          <p:nvPr>
+            <p:ph type="ftr"/>
+          </p:nvPr>
+        </p:nvSpPr>
+        <p:spPr>
+          <a:xfrm>
+            <a:off x="0" y="9555480"/>
+            <a:ext cx="3372840" cy="502560"/>
+          </a:xfrm>
+          <a:prstGeom prst="rect">
+            <a:avLst/>
+          </a:prstGeom>
+        </p:spPr>
+        <p:txBody>
+          <a:bodyPr lIns="0" tIns="0" rIns="0" bIns="0" anchor="b"/>
+          <a:lstStyle/>
+          <a:p>
+            <a:r>
+              <a:rPr lang="en-US" sz="1400" b="0" strike="noStrike" spc="-1">
+                <a:solidFill>
+                  <a:srgbClr val="000000"/>
+                </a:solidFill>
+                <a:uFill>
+                  <a:solidFill>
+                    <a:srgbClr val="FFFFFF"/>
+                  </a:solidFill>
+                </a:uFill>
+                <a:latin typeface="Times New Roman"/>
+              </a:rPr>
+              <a:t>&lt;footer&gt;</a:t>
+            </a:r>
+          </a:p>
+        </p:txBody>
+      </p:sp>
+      <p:sp>
+        <p:nvSpPr>
+          <p:cNvPr id="82" name="PlaceHolder 5"/>
+          <p:cNvSpPr>
+            <a:spLocks noGrp="1"/>
+          </p:cNvSpPr>
+          <p:nvPr>
+            <p:ph type="sldNum"/>
+          </p:nvPr>
+        </p:nvSpPr>
+        <p:spPr>
+          <a:xfrm>
+            <a:off x="4399200" y="9555480"/>
+            <a:ext cx="3372840" cy="502560"/>
+          </a:xfrm>
+          <a:prstGeom prst="rect">
+            <a:avLst/>
+          </a:prstGeom>
+        </p:spPr>
+        <p:txBody>
+          <a:bodyPr lIns="0" tIns="0" rIns="0" bIns="0" anchor="b"/>
+          <a:lstStyle/>
+          <a:p>
+            <a:pPr algn="r"/>
+            <a:fld id="{0D2F6497-EE14-4BC4-B1F8-7A6F63BBD190}" type="slidenum">
+              <a:rPr lang="en-US" sz="1400" b="0" strike="noStrike" spc="-1">
+                <a:solidFill>
+                  <a:srgbClr val="000000"/>
+                </a:solidFill>
+                <a:uFill>
+                  <a:solidFill>
+                    <a:srgbClr val="FFFFFF"/>
+                  </a:solidFill>
+                </a:uFill>
+                <a:latin typeface="Times New Roman"/>
+              </a:rPr>
+              <a:t>‹#›</a:t>
+            </a:fld>
+            <a:endParaRPr lang="en-US" sz="1400" b="0" strike="noStrike" spc="-1">
+              <a:solidFill>
+                <a:srgbClr val="000000"/>
+              </a:solidFill>
+              <a:uFill>
+                <a:solidFill>
+                  <a:srgbClr val="FFFFFF"/>
+                </a:solidFill>
+              </a:uFill>
+              <a:latin typeface="Times New Roman"/>
+            </a:endParaRPr>
+          </a:p>
+        </p:txBody>
+      </p:sp>
+    </p:spTree>
+    <p:extLst>
+      <p:ext uri="{BB962C8B-B14F-4D97-AF65-F5344CB8AC3E}">
+        <p14:creationId xmlns:p14="http://schemas.microsoft.com/office/powerpoint/2010/main" val="20983402"/>
+      </p:ext>
+    </p:extLst>
+  </p:cSld>
+  <p:clrMap bg1="lt1" tx1="dk1" bg2="lt2" tx2="dk2" accent1="accent1" accent2="accent2" accent3="accent3" accent4="accent4" accent5="accent5" accent6="accent6" hlink="hlink" folHlink="folHlink"/>
+  <p:notesStyle>
+    <a:lvl1pPr marL="0" algn="l" defTabSz="457200" rtl="0" eaLnBrk="1" latinLnBrk="0" hangingPunct="1">
+      <a:defRPr sz="1200" kern="1200">
+        <a:solidFill>
+          <a:schemeClr val="tx1"/>
+        </a:solidFill>
+        <a:latin typeface="+mn-lt"/>
+        <a:ea typeface="+mn-ea"/>
+        <a:cs typeface="+mn-cs"/>
+      </a:defRPr>
+    </a:lvl1pPr>
+    <a:lvl2pPr marL="457200" algn="l" defTabSz="457200" rtl="0" eaLnBrk="1" latinLnBrk="0" hangingPunct="1">
+      <a:defRPr sz="1200" kern="1200">
+        <a:solidFill>
+          <a:schemeClr val="tx1"/>
+        </a:solidFill>
+        <a:latin typeface="+mn-lt"/>
+        <a:ea typeface="+mn-ea"/>
+        <a:cs typeface="+mn-cs"/>
+      </a:defRPr>
+    </a:lvl2pPr>
+    <a:lvl3pPr marL="914400" algn="l" defTabSz="457200" rtl="0" eaLnBrk="1" latinLnBrk="0" hangingPunct="1">
+      <a:defRPr sz="1200" kern="1200">
+        <a:solidFill>
+          <a:schemeClr val="tx1"/>
+        </a:solidFill>
+        <a:latin typeface="+mn-lt"/>
+        <a:ea typeface="+mn-ea"/>
+        <a:cs typeface="+mn-cs"/>
+      </a:defRPr>
+    </a:lvl3pPr>
+    <a:lvl4pPr marL="1371600" algn="l" defTabSz="457200" rtl="0" eaLnBrk="1" latinLnBrk="0" hangingPunct="1">
+      <a:defRPr sz="1200" kern="1200">
+        <a:solidFill>
+          <a:schemeClr val="tx1"/>
+        </a:solidFill>
+        <a:latin typeface="+mn-lt"/>
+        <a:ea typeface="+mn-ea"/>
+        <a:cs typeface="+mn-cs"/>
+      </a:defRPr>
+    </a:lvl4pPr>
+    <a:lvl5pPr marL="1828800" algn="l" defTabSz="457200" rtl="0" eaLnBrk="1" latinLnBrk="0" hangingPunct="1">
+      <a:defRPr sz="1200" kern="1200">
+        <a:solidFill>
+          <a:schemeClr val="tx1"/>
+        </a:solidFill>
+        <a:latin typeface="+mn-lt"/>
+        <a:ea typeface="+mn-ea"/>
+        <a:cs typeface="+mn-cs"/>
+      </a:defRPr>
+    </a:lvl5pPr>
+    <a:lvl6pPr marL="2286000" algn="l" defTabSz="457200" rtl="0" eaLnBrk="1" latinLnBrk="0" hangingPunct="1">
+      <a:defRPr sz="1200" kern="1200">
+        <a:solidFill>
+          <a:schemeClr val="tx1"/>
+        </a:solidFill>
+        <a:latin typeface="+mn-lt"/>
+        <a:ea typeface="+mn-ea"/>
+        <a:cs typeface="+mn-cs"/>
+      </a:defRPr>
+    </a:lvl6pPr>
+    <a:lvl7pPr marL="2743200" algn="l" defTabSz="457200" rtl="0" eaLnBrk="1" latinLnBrk="0" hangingPunct="1">
+      <a:defRPr sz="1200" kern="1200">
+        <a:solidFill>
+          <a:schemeClr val="tx1"/>
+        </a:solidFill>
+        <a:latin typeface="+mn-lt"/>
+        <a:ea typeface="+mn-ea"/>
+        <a:cs typeface="+mn-cs"/>
+      </a:defRPr>
+    </a:lvl7pPr>
+    <a:lvl8pPr marL="3200400" algn="l" defTabSz="457200" rtl="0" eaLnBrk="1" latinLnBrk="0" hangingPunct="1">
+      <a:defRPr sz="1200" kern="1200">
+        <a:solidFill>
+          <a:schemeClr val="tx1"/>
+        </a:solidFill>
+        <a:latin typeface="+mn-lt"/>
+        <a:ea typeface="+mn-ea"/>
+        <a:cs typeface="+mn-cs"/>
+      </a:defRPr>
+    </a:lvl8pPr>
+    <a:lvl9pPr marL="3657600" algn="l" defTabSz="457200" rtl="0" eaLnBrk="1" latinLnBrk="0" hangingPunct="1">
+      <a:defRPr sz="1200" kern="1200">
+        <a:solidFill>
+          <a:schemeClr val="tx1"/>
+        </a:solidFill>
+        <a:latin typeface="+mn-lt"/>
+        <a:ea typeface="+mn-ea"/>
+        <a:cs typeface="+mn-cs"/>
+      </a:defRPr>
+    </a:lvl9pPr>
+  </p:notesStyle>
+</p:notesMaster>
+</file>
+
+<file path=ppt/notesSlides/notesSlide1.xml><?xml version="1.0" encoding="utf-8"?>
+<p:notes xmlns:a="http://schemas.openxmlformats.org/drawingml/2006/main" xmlns:r="http://schemas.openxmlformats.org/officeDocument/2006/relationships" xmlns:p="http://schemas.openxmlformats.org/presentationml/2006/main">
   <p:cSld>
     <p:spTree>
       <p:nvGrpSpPr>
@@ -37,281 +470,6 @@
       </p:grpSpPr>
       <p:sp>
         <p:nvSpPr>
-          <p:cNvPr id="78" name="PlaceHolder 1"/>
-          <p:cNvSpPr>
-            <a:spLocks noGrp="1"/>
-          </p:cNvSpPr>
-          <p:nvPr>
-            <p:ph type="body"/>
-          </p:nvPr>
-        </p:nvSpPr>
-        <p:spPr>
-          <a:xfrm>
-            <a:off x="777240" y="4777560"/>
-            <a:ext cx="6217560" cy="4525920"/>
-          </a:xfrm>
-          <a:prstGeom prst="rect">
-            <a:avLst/>
-          </a:prstGeom>
-        </p:spPr>
-        <p:txBody>
-          <a:bodyPr lIns="0" rIns="0" tIns="0" bIns="0"/>
-          <a:p>
-            <a:r>
-              <a:rPr b="0" lang="en-US" sz="2000" spc="-1" strike="noStrike">
-                <a:solidFill>
-                  <a:srgbClr val="000000"/>
-                </a:solidFill>
-                <a:uFill>
-                  <a:solidFill>
-                    <a:srgbClr val="ffffff"/>
-                  </a:solidFill>
-                </a:uFill>
-                <a:latin typeface="Arial"/>
-              </a:rPr>
-              <a:t>Click to edit the notes format</a:t>
-            </a:r>
-            <a:endParaRPr b="0" lang="en-US" sz="2000" spc="-1" strike="noStrike">
-              <a:solidFill>
-                <a:srgbClr val="000000"/>
-              </a:solidFill>
-              <a:uFill>
-                <a:solidFill>
-                  <a:srgbClr val="ffffff"/>
-                </a:solidFill>
-              </a:uFill>
-              <a:latin typeface="Arial"/>
-            </a:endParaRPr>
-          </a:p>
-        </p:txBody>
-      </p:sp>
-      <p:sp>
-        <p:nvSpPr>
-          <p:cNvPr id="79" name="PlaceHolder 2"/>
-          <p:cNvSpPr>
-            <a:spLocks noGrp="1"/>
-          </p:cNvSpPr>
-          <p:nvPr>
-            <p:ph type="hdr"/>
-          </p:nvPr>
-        </p:nvSpPr>
-        <p:spPr>
-          <a:xfrm>
-            <a:off x="0" y="0"/>
-            <a:ext cx="3372840" cy="502560"/>
-          </a:xfrm>
-          <a:prstGeom prst="rect">
-            <a:avLst/>
-          </a:prstGeom>
-        </p:spPr>
-        <p:txBody>
-          <a:bodyPr lIns="0" rIns="0" tIns="0" bIns="0"/>
-          <a:p>
-            <a:r>
-              <a:rPr b="0" lang="en-US" sz="1400" spc="-1" strike="noStrike">
-                <a:solidFill>
-                  <a:srgbClr val="000000"/>
-                </a:solidFill>
-                <a:uFill>
-                  <a:solidFill>
-                    <a:srgbClr val="ffffff"/>
-                  </a:solidFill>
-                </a:uFill>
-                <a:latin typeface="Times New Roman"/>
-              </a:rPr>
-              <a:t>&lt;header&gt;</a:t>
-            </a:r>
-            <a:endParaRPr b="0" lang="en-US" sz="1400" spc="-1" strike="noStrike">
-              <a:solidFill>
-                <a:srgbClr val="000000"/>
-              </a:solidFill>
-              <a:uFill>
-                <a:solidFill>
-                  <a:srgbClr val="ffffff"/>
-                </a:solidFill>
-              </a:uFill>
-              <a:latin typeface="Times New Roman"/>
-            </a:endParaRPr>
-          </a:p>
-        </p:txBody>
-      </p:sp>
-      <p:sp>
-        <p:nvSpPr>
-          <p:cNvPr id="80" name="PlaceHolder 3"/>
-          <p:cNvSpPr>
-            <a:spLocks noGrp="1"/>
-          </p:cNvSpPr>
-          <p:nvPr>
-            <p:ph type="dt"/>
-          </p:nvPr>
-        </p:nvSpPr>
-        <p:spPr>
-          <a:xfrm>
-            <a:off x="4399200" y="0"/>
-            <a:ext cx="3372840" cy="502560"/>
-          </a:xfrm>
-          <a:prstGeom prst="rect">
-            <a:avLst/>
-          </a:prstGeom>
-        </p:spPr>
-        <p:txBody>
-          <a:bodyPr lIns="0" rIns="0" tIns="0" bIns="0"/>
-          <a:p>
-            <a:pPr algn="r"/>
-            <a:r>
-              <a:rPr b="0" lang="en-US" sz="1400" spc="-1" strike="noStrike">
-                <a:solidFill>
-                  <a:srgbClr val="000000"/>
-                </a:solidFill>
-                <a:uFill>
-                  <a:solidFill>
-                    <a:srgbClr val="ffffff"/>
-                  </a:solidFill>
-                </a:uFill>
-                <a:latin typeface="Times New Roman"/>
-              </a:rPr>
-              <a:t>&lt;date/time&gt;</a:t>
-            </a:r>
-            <a:endParaRPr b="0" lang="en-US" sz="1400" spc="-1" strike="noStrike">
-              <a:solidFill>
-                <a:srgbClr val="000000"/>
-              </a:solidFill>
-              <a:uFill>
-                <a:solidFill>
-                  <a:srgbClr val="ffffff"/>
-                </a:solidFill>
-              </a:uFill>
-              <a:latin typeface="Times New Roman"/>
-            </a:endParaRPr>
-          </a:p>
-        </p:txBody>
-      </p:sp>
-      <p:sp>
-        <p:nvSpPr>
-          <p:cNvPr id="81" name="PlaceHolder 4"/>
-          <p:cNvSpPr>
-            <a:spLocks noGrp="1"/>
-          </p:cNvSpPr>
-          <p:nvPr>
-            <p:ph type="ftr"/>
-          </p:nvPr>
-        </p:nvSpPr>
-        <p:spPr>
-          <a:xfrm>
-            <a:off x="0" y="9555480"/>
-            <a:ext cx="3372840" cy="502560"/>
-          </a:xfrm>
-          <a:prstGeom prst="rect">
-            <a:avLst/>
-          </a:prstGeom>
-        </p:spPr>
-        <p:txBody>
-          <a:bodyPr lIns="0" rIns="0" tIns="0" bIns="0" anchor="b"/>
-          <a:p>
-            <a:r>
-              <a:rPr b="0" lang="en-US" sz="1400" spc="-1" strike="noStrike">
-                <a:solidFill>
-                  <a:srgbClr val="000000"/>
-                </a:solidFill>
-                <a:uFill>
-                  <a:solidFill>
-                    <a:srgbClr val="ffffff"/>
-                  </a:solidFill>
-                </a:uFill>
-                <a:latin typeface="Times New Roman"/>
-              </a:rPr>
-              <a:t>&lt;footer&gt;</a:t>
-            </a:r>
-            <a:endParaRPr b="0" lang="en-US" sz="1400" spc="-1" strike="noStrike">
-              <a:solidFill>
-                <a:srgbClr val="000000"/>
-              </a:solidFill>
-              <a:uFill>
-                <a:solidFill>
-                  <a:srgbClr val="ffffff"/>
-                </a:solidFill>
-              </a:uFill>
-              <a:latin typeface="Times New Roman"/>
-            </a:endParaRPr>
-          </a:p>
-        </p:txBody>
-      </p:sp>
-      <p:sp>
-        <p:nvSpPr>
-          <p:cNvPr id="82" name="PlaceHolder 5"/>
-          <p:cNvSpPr>
-            <a:spLocks noGrp="1"/>
-          </p:cNvSpPr>
-          <p:nvPr>
-            <p:ph type="sldNum"/>
-          </p:nvPr>
-        </p:nvSpPr>
-        <p:spPr>
-          <a:xfrm>
-            <a:off x="4399200" y="9555480"/>
-            <a:ext cx="3372840" cy="502560"/>
-          </a:xfrm>
-          <a:prstGeom prst="rect">
-            <a:avLst/>
-          </a:prstGeom>
-        </p:spPr>
-        <p:txBody>
-          <a:bodyPr lIns="0" rIns="0" tIns="0" bIns="0" anchor="b"/>
-          <a:p>
-            <a:pPr algn="r"/>
-            <a:fld id="{0D2F6497-EE14-4BC4-B1F8-7A6F63BBD190}" type="slidenum">
-              <a:rPr b="0" lang="en-US" sz="1400" spc="-1" strike="noStrike">
-                <a:solidFill>
-                  <a:srgbClr val="000000"/>
-                </a:solidFill>
-                <a:uFill>
-                  <a:solidFill>
-                    <a:srgbClr val="ffffff"/>
-                  </a:solidFill>
-                </a:uFill>
-                <a:latin typeface="Times New Roman"/>
-              </a:rPr>
-              <a:t>&lt;number&gt;</a:t>
-            </a:fld>
-            <a:endParaRPr b="0" lang="en-US" sz="1400" spc="-1" strike="noStrike">
-              <a:solidFill>
-                <a:srgbClr val="000000"/>
-              </a:solidFill>
-              <a:uFill>
-                <a:solidFill>
-                  <a:srgbClr val="ffffff"/>
-                </a:solidFill>
-              </a:uFill>
-              <a:latin typeface="Times New Roman"/>
-            </a:endParaRPr>
-          </a:p>
-        </p:txBody>
-      </p:sp>
-    </p:spTree>
-  </p:cSld>
-  <p:clrMap bg1="lt1" bg2="lt2" tx1="dk1" tx2="dk2" accent1="accent1" accent2="accent2" accent3="accent3" accent4="accent4" accent5="accent5" accent6="accent6" hlink="hlink" folHlink="folHlink"/>
-</p:notesMaster>
-</file>
-
-<file path=ppt/notesSlides/notesSlide1.xml><?xml version="1.0" encoding="utf-8"?>
-<p:notes xmlns:a="http://schemas.openxmlformats.org/drawingml/2006/main" xmlns:p="http://schemas.openxmlformats.org/presentationml/2006/main" xmlns:r="http://schemas.openxmlformats.org/officeDocument/2006/relationships" xmlns:p14="http://schemas.microsoft.com/office/powerpoint/2010/main" xmlns:p15="http://schemas.microsoft.com/office/powerpoint/2012/main" xmlns:mc="http://schemas.openxmlformats.org/markup-compatibility/2006">
-  <p:cSld>
-    <p:spTree>
-      <p:nvGrpSpPr>
-        <p:cNvPr id="1" name=""/>
-        <p:cNvGrpSpPr/>
-        <p:nvPr/>
-      </p:nvGrpSpPr>
-      <p:grpSpPr>
-        <a:xfrm>
-          <a:off x="0" y="0"/>
-          <a:ext cx="0" cy="0"/>
-          <a:chOff x="0" y="0"/>
-          <a:chExt cx="0" cy="0"/>
-        </a:xfrm>
-      </p:grpSpPr>
-      <p:sp>
-        <p:nvSpPr>
           <p:cNvPr id="149" name="PlaceHolder 1"/>
           <p:cNvSpPr>
             <a:spLocks noGrp="1"/>
@@ -331,14 +489,15 @@
         </p:spPr>
         <p:txBody>
           <a:bodyPr/>
-          <a:p>
-            <a:endParaRPr b="0" lang="en-US" sz="2000" spc="-1" strike="noStrike">
-              <a:solidFill>
-                <a:srgbClr val="000000"/>
-              </a:solidFill>
-              <a:uFill>
-                <a:solidFill>
-                  <a:srgbClr val="ffffff"/>
+          <a:lstStyle/>
+          <a:p>
+            <a:endParaRPr lang="en-US" sz="2000" b="0" strike="noStrike" spc="-1">
+              <a:solidFill>
+                <a:srgbClr val="000000"/>
+              </a:solidFill>
+              <a:uFill>
+                <a:solidFill>
+                  <a:srgbClr val="FFFFFF"/>
                 </a:solidFill>
               </a:uFill>
               <a:latin typeface="Arial"/>
@@ -367,6 +526,7 @@
         </p:spPr>
         <p:txBody>
           <a:bodyPr anchor="b"/>
+          <a:lstStyle/>
           <a:p>
             <a:pPr algn="r">
               <a:lnSpc>
@@ -374,27 +534,27 @@
               </a:lnSpc>
             </a:pPr>
             <a:fld id="{6BC91D2E-758F-4850-B417-199CD31F6C6C}" type="slidenum">
-              <a:rPr b="0" lang="en-US" sz="1200" spc="-1" strike="noStrike">
+              <a:rPr lang="en-US" sz="1200" b="0" strike="noStrike" spc="-1">
                 <a:solidFill>
                   <a:srgbClr val="000000"/>
                 </a:solidFill>
                 <a:uFill>
                   <a:solidFill>
-                    <a:srgbClr val="ffffff"/>
+                    <a:srgbClr val="FFFFFF"/>
                   </a:solidFill>
                 </a:uFill>
                 <a:latin typeface="+mn-lt"/>
                 <a:ea typeface="+mn-ea"/>
               </a:rPr>
-              <a:t>&lt;number&gt;</a:t>
+              <a:t>1</a:t>
             </a:fld>
-            <a:endParaRPr b="0" lang="en-US" sz="1400" spc="-1" strike="noStrike">
-              <a:solidFill>
-                <a:srgbClr val="000000"/>
-              </a:solidFill>
-              <a:uFill>
-                <a:solidFill>
-                  <a:srgbClr val="ffffff"/>
+            <a:endParaRPr lang="en-US" sz="1400" b="0" strike="noStrike" spc="-1">
+              <a:solidFill>
+                <a:srgbClr val="000000"/>
+              </a:solidFill>
+              <a:uFill>
+                <a:solidFill>
+                  <a:srgbClr val="FFFFFF"/>
                 </a:solidFill>
               </a:uFill>
               <a:latin typeface="Times New Roman"/>
@@ -404,11 +564,14 @@
       </p:sp>
     </p:spTree>
   </p:cSld>
+  <p:clrMapOvr>
+    <a:masterClrMapping/>
+  </p:clrMapOvr>
 </p:notes>
 </file>
 
 <file path=ppt/slideLayouts/slideLayout1.xml><?xml version="1.0" encoding="utf-8"?>
-<p:sldLayout xmlns:a="http://schemas.openxmlformats.org/drawingml/2006/main" xmlns:p="http://schemas.openxmlformats.org/presentationml/2006/main" xmlns:r="http://schemas.openxmlformats.org/officeDocument/2006/relationships" xmlns:p14="http://schemas.microsoft.com/office/powerpoint/2010/main" xmlns:p15="http://schemas.microsoft.com/office/powerpoint/2012/main" xmlns:mc="http://schemas.openxmlformats.org/markup-compatibility/2006" type="blank" preserve="1">
+<p:sldLayout xmlns:a="http://schemas.openxmlformats.org/drawingml/2006/main" xmlns:r="http://schemas.openxmlformats.org/officeDocument/2006/relationships" xmlns:p="http://schemas.openxmlformats.org/presentationml/2006/main" type="blank" preserve="1">
   <p:cSld name="Blank Slide">
     <p:spTree>
       <p:nvGrpSpPr>
@@ -426,11 +589,14 @@
       </p:grpSpPr>
     </p:spTree>
   </p:cSld>
+  <p:clrMapOvr>
+    <a:masterClrMapping/>
+  </p:clrMapOvr>
 </p:sldLayout>
 </file>
 
 <file path=ppt/slideLayouts/slideLayout10.xml><?xml version="1.0" encoding="utf-8"?>
-<p:sldLayout xmlns:a="http://schemas.openxmlformats.org/drawingml/2006/main" xmlns:p="http://schemas.openxmlformats.org/presentationml/2006/main" xmlns:r="http://schemas.openxmlformats.org/officeDocument/2006/relationships" xmlns:p14="http://schemas.microsoft.com/office/powerpoint/2010/main" xmlns:p15="http://schemas.microsoft.com/office/powerpoint/2012/main" xmlns:mc="http://schemas.openxmlformats.org/markup-compatibility/2006" type="objOverTx" preserve="1">
+<p:sldLayout xmlns:a="http://schemas.openxmlformats.org/drawingml/2006/main" xmlns:r="http://schemas.openxmlformats.org/officeDocument/2006/relationships" xmlns:p="http://schemas.openxmlformats.org/presentationml/2006/main" type="objOverTx" preserve="1">
   <p:cSld name="Title, Content over Content">
     <p:spTree>
       <p:nvGrpSpPr>
@@ -466,15 +632,16 @@
           </a:prstGeom>
         </p:spPr>
         <p:txBody>
-          <a:bodyPr lIns="0" rIns="0" tIns="0" bIns="0" anchor="ctr"/>
-          <a:p>
-            <a:endParaRPr b="0" lang="en-US" sz="6800" spc="-1" strike="noStrike">
-              <a:solidFill>
-                <a:srgbClr val="000000"/>
-              </a:solidFill>
-              <a:uFill>
-                <a:solidFill>
-                  <a:srgbClr val="ffffff"/>
+          <a:bodyPr lIns="0" tIns="0" rIns="0" bIns="0" anchor="ctr"/>
+          <a:lstStyle/>
+          <a:p>
+            <a:endParaRPr lang="en-US" sz="6800" b="0" strike="noStrike" spc="-1">
+              <a:solidFill>
+                <a:srgbClr val="000000"/>
+              </a:solidFill>
+              <a:uFill>
+                <a:solidFill>
+                  <a:srgbClr val="FFFFFF"/>
                 </a:solidFill>
               </a:uFill>
               <a:latin typeface="Calibri"/>
@@ -502,15 +669,16 @@
           </a:prstGeom>
         </p:spPr>
         <p:txBody>
-          <a:bodyPr lIns="0" rIns="0" tIns="0" bIns="0"/>
-          <a:p>
-            <a:endParaRPr b="0" lang="en-US" sz="12100" spc="-1" strike="noStrike">
-              <a:solidFill>
-                <a:srgbClr val="000000"/>
-              </a:solidFill>
-              <a:uFill>
-                <a:solidFill>
-                  <a:srgbClr val="ffffff"/>
+          <a:bodyPr lIns="0" tIns="0" rIns="0" bIns="0"/>
+          <a:lstStyle/>
+          <a:p>
+            <a:endParaRPr lang="en-US" sz="12100" b="0" strike="noStrike" spc="-1">
+              <a:solidFill>
+                <a:srgbClr val="000000"/>
+              </a:solidFill>
+              <a:uFill>
+                <a:solidFill>
+                  <a:srgbClr val="FFFFFF"/>
                 </a:solidFill>
               </a:uFill>
               <a:latin typeface="Calibri"/>
@@ -538,15 +706,16 @@
           </a:prstGeom>
         </p:spPr>
         <p:txBody>
-          <a:bodyPr lIns="0" rIns="0" tIns="0" bIns="0"/>
-          <a:p>
-            <a:endParaRPr b="0" lang="en-US" sz="12100" spc="-1" strike="noStrike">
-              <a:solidFill>
-                <a:srgbClr val="000000"/>
-              </a:solidFill>
-              <a:uFill>
-                <a:solidFill>
-                  <a:srgbClr val="ffffff"/>
+          <a:bodyPr lIns="0" tIns="0" rIns="0" bIns="0"/>
+          <a:lstStyle/>
+          <a:p>
+            <a:endParaRPr lang="en-US" sz="12100" b="0" strike="noStrike" spc="-1">
+              <a:solidFill>
+                <a:srgbClr val="000000"/>
+              </a:solidFill>
+              <a:uFill>
+                <a:solidFill>
+                  <a:srgbClr val="FFFFFF"/>
                 </a:solidFill>
               </a:uFill>
               <a:latin typeface="Calibri"/>
@@ -556,11 +725,14 @@
       </p:sp>
     </p:spTree>
   </p:cSld>
+  <p:clrMapOvr>
+    <a:masterClrMapping/>
+  </p:clrMapOvr>
 </p:sldLayout>
 </file>
 
 <file path=ppt/slideLayouts/slideLayout11.xml><?xml version="1.0" encoding="utf-8"?>
-<p:sldLayout xmlns:a="http://schemas.openxmlformats.org/drawingml/2006/main" xmlns:p="http://schemas.openxmlformats.org/presentationml/2006/main" xmlns:r="http://schemas.openxmlformats.org/officeDocument/2006/relationships" xmlns:p14="http://schemas.microsoft.com/office/powerpoint/2010/main" xmlns:p15="http://schemas.microsoft.com/office/powerpoint/2012/main" xmlns:mc="http://schemas.openxmlformats.org/markup-compatibility/2006" type="fourObj" preserve="1">
+<p:sldLayout xmlns:a="http://schemas.openxmlformats.org/drawingml/2006/main" xmlns:r="http://schemas.openxmlformats.org/officeDocument/2006/relationships" xmlns:p="http://schemas.openxmlformats.org/presentationml/2006/main" type="fourObj" preserve="1">
   <p:cSld name="Title, 4 Content">
     <p:spTree>
       <p:nvGrpSpPr>
@@ -596,15 +768,16 @@
           </a:prstGeom>
         </p:spPr>
         <p:txBody>
-          <a:bodyPr lIns="0" rIns="0" tIns="0" bIns="0" anchor="ctr"/>
-          <a:p>
-            <a:endParaRPr b="0" lang="en-US" sz="6800" spc="-1" strike="noStrike">
-              <a:solidFill>
-                <a:srgbClr val="000000"/>
-              </a:solidFill>
-              <a:uFill>
-                <a:solidFill>
-                  <a:srgbClr val="ffffff"/>
+          <a:bodyPr lIns="0" tIns="0" rIns="0" bIns="0" anchor="ctr"/>
+          <a:lstStyle/>
+          <a:p>
+            <a:endParaRPr lang="en-US" sz="6800" b="0" strike="noStrike" spc="-1">
+              <a:solidFill>
+                <a:srgbClr val="000000"/>
+              </a:solidFill>
+              <a:uFill>
+                <a:solidFill>
+                  <a:srgbClr val="FFFFFF"/>
                 </a:solidFill>
               </a:uFill>
               <a:latin typeface="Calibri"/>
@@ -632,15 +805,16 @@
           </a:prstGeom>
         </p:spPr>
         <p:txBody>
-          <a:bodyPr lIns="0" rIns="0" tIns="0" bIns="0"/>
-          <a:p>
-            <a:endParaRPr b="0" lang="en-US" sz="12100" spc="-1" strike="noStrike">
-              <a:solidFill>
-                <a:srgbClr val="000000"/>
-              </a:solidFill>
-              <a:uFill>
-                <a:solidFill>
-                  <a:srgbClr val="ffffff"/>
+          <a:bodyPr lIns="0" tIns="0" rIns="0" bIns="0"/>
+          <a:lstStyle/>
+          <a:p>
+            <a:endParaRPr lang="en-US" sz="12100" b="0" strike="noStrike" spc="-1">
+              <a:solidFill>
+                <a:srgbClr val="000000"/>
+              </a:solidFill>
+              <a:uFill>
+                <a:solidFill>
+                  <a:srgbClr val="FFFFFF"/>
                 </a:solidFill>
               </a:uFill>
               <a:latin typeface="Calibri"/>
@@ -668,15 +842,16 @@
           </a:prstGeom>
         </p:spPr>
         <p:txBody>
-          <a:bodyPr lIns="0" rIns="0" tIns="0" bIns="0"/>
-          <a:p>
-            <a:endParaRPr b="0" lang="en-US" sz="12100" spc="-1" strike="noStrike">
-              <a:solidFill>
-                <a:srgbClr val="000000"/>
-              </a:solidFill>
-              <a:uFill>
-                <a:solidFill>
-                  <a:srgbClr val="ffffff"/>
+          <a:bodyPr lIns="0" tIns="0" rIns="0" bIns="0"/>
+          <a:lstStyle/>
+          <a:p>
+            <a:endParaRPr lang="en-US" sz="12100" b="0" strike="noStrike" spc="-1">
+              <a:solidFill>
+                <a:srgbClr val="000000"/>
+              </a:solidFill>
+              <a:uFill>
+                <a:solidFill>
+                  <a:srgbClr val="FFFFFF"/>
                 </a:solidFill>
               </a:uFill>
               <a:latin typeface="Calibri"/>
@@ -704,15 +879,16 @@
           </a:prstGeom>
         </p:spPr>
         <p:txBody>
-          <a:bodyPr lIns="0" rIns="0" tIns="0" bIns="0"/>
-          <a:p>
-            <a:endParaRPr b="0" lang="en-US" sz="12100" spc="-1" strike="noStrike">
-              <a:solidFill>
-                <a:srgbClr val="000000"/>
-              </a:solidFill>
-              <a:uFill>
-                <a:solidFill>
-                  <a:srgbClr val="ffffff"/>
+          <a:bodyPr lIns="0" tIns="0" rIns="0" bIns="0"/>
+          <a:lstStyle/>
+          <a:p>
+            <a:endParaRPr lang="en-US" sz="12100" b="0" strike="noStrike" spc="-1">
+              <a:solidFill>
+                <a:srgbClr val="000000"/>
+              </a:solidFill>
+              <a:uFill>
+                <a:solidFill>
+                  <a:srgbClr val="FFFFFF"/>
                 </a:solidFill>
               </a:uFill>
               <a:latin typeface="Calibri"/>
@@ -740,15 +916,16 @@
           </a:prstGeom>
         </p:spPr>
         <p:txBody>
-          <a:bodyPr lIns="0" rIns="0" tIns="0" bIns="0"/>
-          <a:p>
-            <a:endParaRPr b="0" lang="en-US" sz="12100" spc="-1" strike="noStrike">
-              <a:solidFill>
-                <a:srgbClr val="000000"/>
-              </a:solidFill>
-              <a:uFill>
-                <a:solidFill>
-                  <a:srgbClr val="ffffff"/>
+          <a:bodyPr lIns="0" tIns="0" rIns="0" bIns="0"/>
+          <a:lstStyle/>
+          <a:p>
+            <a:endParaRPr lang="en-US" sz="12100" b="0" strike="noStrike" spc="-1">
+              <a:solidFill>
+                <a:srgbClr val="000000"/>
+              </a:solidFill>
+              <a:uFill>
+                <a:solidFill>
+                  <a:srgbClr val="FFFFFF"/>
                 </a:solidFill>
               </a:uFill>
               <a:latin typeface="Calibri"/>
@@ -758,11 +935,14 @@
       </p:sp>
     </p:spTree>
   </p:cSld>
+  <p:clrMapOvr>
+    <a:masterClrMapping/>
+  </p:clrMapOvr>
 </p:sldLayout>
 </file>
 
 <file path=ppt/slideLayouts/slideLayout12.xml><?xml version="1.0" encoding="utf-8"?>
-<p:sldLayout xmlns:a="http://schemas.openxmlformats.org/drawingml/2006/main" xmlns:p="http://schemas.openxmlformats.org/presentationml/2006/main" xmlns:r="http://schemas.openxmlformats.org/officeDocument/2006/relationships" xmlns:p14="http://schemas.microsoft.com/office/powerpoint/2010/main" xmlns:p15="http://schemas.microsoft.com/office/powerpoint/2012/main" xmlns:mc="http://schemas.openxmlformats.org/markup-compatibility/2006" type="blank" preserve="1">
+<p:sldLayout xmlns:a="http://schemas.openxmlformats.org/drawingml/2006/main" xmlns:r="http://schemas.openxmlformats.org/officeDocument/2006/relationships" xmlns:p="http://schemas.openxmlformats.org/presentationml/2006/main" type="blank" preserve="1">
   <p:cSld name="Title, 6 Content">
     <p:spTree>
       <p:nvGrpSpPr>
@@ -798,15 +978,16 @@
           </a:prstGeom>
         </p:spPr>
         <p:txBody>
-          <a:bodyPr lIns="0" rIns="0" tIns="0" bIns="0" anchor="ctr"/>
-          <a:p>
-            <a:endParaRPr b="0" lang="en-US" sz="6800" spc="-1" strike="noStrike">
-              <a:solidFill>
-                <a:srgbClr val="000000"/>
-              </a:solidFill>
-              <a:uFill>
-                <a:solidFill>
-                  <a:srgbClr val="ffffff"/>
+          <a:bodyPr lIns="0" tIns="0" rIns="0" bIns="0" anchor="ctr"/>
+          <a:lstStyle/>
+          <a:p>
+            <a:endParaRPr lang="en-US" sz="6800" b="0" strike="noStrike" spc="-1">
+              <a:solidFill>
+                <a:srgbClr val="000000"/>
+              </a:solidFill>
+              <a:uFill>
+                <a:solidFill>
+                  <a:srgbClr val="FFFFFF"/>
                 </a:solidFill>
               </a:uFill>
               <a:latin typeface="Calibri"/>
@@ -834,15 +1015,16 @@
           </a:prstGeom>
         </p:spPr>
         <p:txBody>
-          <a:bodyPr lIns="0" rIns="0" tIns="0" bIns="0"/>
-          <a:p>
-            <a:endParaRPr b="0" lang="en-US" sz="12100" spc="-1" strike="noStrike">
-              <a:solidFill>
-                <a:srgbClr val="000000"/>
-              </a:solidFill>
-              <a:uFill>
-                <a:solidFill>
-                  <a:srgbClr val="ffffff"/>
+          <a:bodyPr lIns="0" tIns="0" rIns="0" bIns="0"/>
+          <a:lstStyle/>
+          <a:p>
+            <a:endParaRPr lang="en-US" sz="12100" b="0" strike="noStrike" spc="-1">
+              <a:solidFill>
+                <a:srgbClr val="000000"/>
+              </a:solidFill>
+              <a:uFill>
+                <a:solidFill>
+                  <a:srgbClr val="FFFFFF"/>
                 </a:solidFill>
               </a:uFill>
               <a:latin typeface="Calibri"/>
@@ -870,15 +1052,16 @@
           </a:prstGeom>
         </p:spPr>
         <p:txBody>
-          <a:bodyPr lIns="0" rIns="0" tIns="0" bIns="0"/>
-          <a:p>
-            <a:endParaRPr b="0" lang="en-US" sz="12100" spc="-1" strike="noStrike">
-              <a:solidFill>
-                <a:srgbClr val="000000"/>
-              </a:solidFill>
-              <a:uFill>
-                <a:solidFill>
-                  <a:srgbClr val="ffffff"/>
+          <a:bodyPr lIns="0" tIns="0" rIns="0" bIns="0"/>
+          <a:lstStyle/>
+          <a:p>
+            <a:endParaRPr lang="en-US" sz="12100" b="0" strike="noStrike" spc="-1">
+              <a:solidFill>
+                <a:srgbClr val="000000"/>
+              </a:solidFill>
+              <a:uFill>
+                <a:solidFill>
+                  <a:srgbClr val="FFFFFF"/>
                 </a:solidFill>
               </a:uFill>
               <a:latin typeface="Calibri"/>
@@ -888,7 +1071,7 @@
       </p:sp>
       <p:pic>
         <p:nvPicPr>
-          <p:cNvPr id="37" name="" descr=""/>
+          <p:cNvPr id="37" name="Picture 36"/>
           <p:cNvPicPr/>
           <p:nvPr/>
         </p:nvPicPr>
@@ -911,12 +1094,12 @@
       </p:pic>
       <p:pic>
         <p:nvPicPr>
-          <p:cNvPr id="38" name="" descr=""/>
+          <p:cNvPr id="38" name="Picture 37"/>
           <p:cNvPicPr/>
           <p:nvPr/>
         </p:nvPicPr>
         <p:blipFill>
-          <a:blip r:embed="rId3"/>
+          <a:blip r:embed="rId2"/>
           <a:stretch/>
         </p:blipFill>
         <p:spPr>
@@ -934,11 +1117,14 @@
       </p:pic>
     </p:spTree>
   </p:cSld>
+  <p:clrMapOvr>
+    <a:masterClrMapping/>
+  </p:clrMapOvr>
 </p:sldLayout>
 </file>
 
 <file path=ppt/slideLayouts/slideLayout13.xml><?xml version="1.0" encoding="utf-8"?>
-<p:sldLayout xmlns:a="http://schemas.openxmlformats.org/drawingml/2006/main" xmlns:p="http://schemas.openxmlformats.org/presentationml/2006/main" xmlns:r="http://schemas.openxmlformats.org/officeDocument/2006/relationships" xmlns:p14="http://schemas.microsoft.com/office/powerpoint/2010/main" xmlns:p15="http://schemas.microsoft.com/office/powerpoint/2012/main" xmlns:mc="http://schemas.openxmlformats.org/markup-compatibility/2006" type="blank" preserve="1">
+<p:sldLayout xmlns:a="http://schemas.openxmlformats.org/drawingml/2006/main" xmlns:r="http://schemas.openxmlformats.org/officeDocument/2006/relationships" xmlns:p="http://schemas.openxmlformats.org/presentationml/2006/main" type="blank" preserve="1">
   <p:cSld name="Blank Slide">
     <p:spTree>
       <p:nvGrpSpPr>
@@ -956,11 +1142,14 @@
       </p:grpSpPr>
     </p:spTree>
   </p:cSld>
+  <p:clrMapOvr>
+    <a:masterClrMapping/>
+  </p:clrMapOvr>
 </p:sldLayout>
 </file>
 
 <file path=ppt/slideLayouts/slideLayout14.xml><?xml version="1.0" encoding="utf-8"?>
-<p:sldLayout xmlns:a="http://schemas.openxmlformats.org/drawingml/2006/main" xmlns:p="http://schemas.openxmlformats.org/presentationml/2006/main" xmlns:r="http://schemas.openxmlformats.org/officeDocument/2006/relationships" xmlns:p14="http://schemas.microsoft.com/office/powerpoint/2010/main" xmlns:p15="http://schemas.microsoft.com/office/powerpoint/2012/main" xmlns:mc="http://schemas.openxmlformats.org/markup-compatibility/2006" type="tx" preserve="1">
+<p:sldLayout xmlns:a="http://schemas.openxmlformats.org/drawingml/2006/main" xmlns:r="http://schemas.openxmlformats.org/officeDocument/2006/relationships" xmlns:p="http://schemas.openxmlformats.org/presentationml/2006/main" type="tx" preserve="1">
   <p:cSld name="Title Slide">
     <p:spTree>
       <p:nvGrpSpPr>
@@ -996,15 +1185,16 @@
           </a:prstGeom>
         </p:spPr>
         <p:txBody>
-          <a:bodyPr lIns="0" rIns="0" tIns="0" bIns="0" anchor="ctr"/>
-          <a:p>
-            <a:endParaRPr b="0" lang="en-US" sz="6800" spc="-1" strike="noStrike">
-              <a:solidFill>
-                <a:srgbClr val="000000"/>
-              </a:solidFill>
-              <a:uFill>
-                <a:solidFill>
-                  <a:srgbClr val="ffffff"/>
+          <a:bodyPr lIns="0" tIns="0" rIns="0" bIns="0" anchor="ctr"/>
+          <a:lstStyle/>
+          <a:p>
+            <a:endParaRPr lang="en-US" sz="6800" b="0" strike="noStrike" spc="-1">
+              <a:solidFill>
+                <a:srgbClr val="000000"/>
+              </a:solidFill>
+              <a:uFill>
+                <a:solidFill>
+                  <a:srgbClr val="FFFFFF"/>
                 </a:solidFill>
               </a:uFill>
               <a:latin typeface="Calibri"/>
@@ -1032,16 +1222,17 @@
           </a:prstGeom>
         </p:spPr>
         <p:txBody>
-          <a:bodyPr lIns="0" rIns="0" tIns="0" bIns="0" anchor="ctr"/>
+          <a:bodyPr lIns="0" tIns="0" rIns="0" bIns="0" anchor="ctr"/>
+          <a:lstStyle/>
           <a:p>
             <a:pPr algn="ctr"/>
-            <a:endParaRPr b="0" lang="en-US" sz="3200" spc="-1" strike="noStrike">
-              <a:solidFill>
-                <a:srgbClr val="000000"/>
-              </a:solidFill>
-              <a:uFill>
-                <a:solidFill>
-                  <a:srgbClr val="ffffff"/>
+            <a:endParaRPr lang="en-US" sz="3200" b="0" strike="noStrike" spc="-1">
+              <a:solidFill>
+                <a:srgbClr val="000000"/>
+              </a:solidFill>
+              <a:uFill>
+                <a:solidFill>
+                  <a:srgbClr val="FFFFFF"/>
                 </a:solidFill>
               </a:uFill>
               <a:latin typeface="Arial"/>
@@ -1051,11 +1242,14 @@
       </p:sp>
     </p:spTree>
   </p:cSld>
+  <p:clrMapOvr>
+    <a:masterClrMapping/>
+  </p:clrMapOvr>
 </p:sldLayout>
 </file>
 
 <file path=ppt/slideLayouts/slideLayout15.xml><?xml version="1.0" encoding="utf-8"?>
-<p:sldLayout xmlns:a="http://schemas.openxmlformats.org/drawingml/2006/main" xmlns:p="http://schemas.openxmlformats.org/presentationml/2006/main" xmlns:r="http://schemas.openxmlformats.org/officeDocument/2006/relationships" xmlns:p14="http://schemas.microsoft.com/office/powerpoint/2010/main" xmlns:p15="http://schemas.microsoft.com/office/powerpoint/2012/main" xmlns:mc="http://schemas.openxmlformats.org/markup-compatibility/2006" type="obj" preserve="1">
+<p:sldLayout xmlns:a="http://schemas.openxmlformats.org/drawingml/2006/main" xmlns:r="http://schemas.openxmlformats.org/officeDocument/2006/relationships" xmlns:p="http://schemas.openxmlformats.org/presentationml/2006/main" type="obj" preserve="1">
   <p:cSld name="Title, Content">
     <p:spTree>
       <p:nvGrpSpPr>
@@ -1091,15 +1285,16 @@
           </a:prstGeom>
         </p:spPr>
         <p:txBody>
-          <a:bodyPr lIns="0" rIns="0" tIns="0" bIns="0" anchor="ctr"/>
-          <a:p>
-            <a:endParaRPr b="0" lang="en-US" sz="6800" spc="-1" strike="noStrike">
-              <a:solidFill>
-                <a:srgbClr val="000000"/>
-              </a:solidFill>
-              <a:uFill>
-                <a:solidFill>
-                  <a:srgbClr val="ffffff"/>
+          <a:bodyPr lIns="0" tIns="0" rIns="0" bIns="0" anchor="ctr"/>
+          <a:lstStyle/>
+          <a:p>
+            <a:endParaRPr lang="en-US" sz="6800" b="0" strike="noStrike" spc="-1">
+              <a:solidFill>
+                <a:srgbClr val="000000"/>
+              </a:solidFill>
+              <a:uFill>
+                <a:solidFill>
+                  <a:srgbClr val="FFFFFF"/>
                 </a:solidFill>
               </a:uFill>
               <a:latin typeface="Calibri"/>
@@ -1127,15 +1322,16 @@
           </a:prstGeom>
         </p:spPr>
         <p:txBody>
-          <a:bodyPr lIns="0" rIns="0" tIns="0" bIns="0"/>
-          <a:p>
-            <a:endParaRPr b="0" lang="en-US" sz="12100" spc="-1" strike="noStrike">
-              <a:solidFill>
-                <a:srgbClr val="000000"/>
-              </a:solidFill>
-              <a:uFill>
-                <a:solidFill>
-                  <a:srgbClr val="ffffff"/>
+          <a:bodyPr lIns="0" tIns="0" rIns="0" bIns="0"/>
+          <a:lstStyle/>
+          <a:p>
+            <a:endParaRPr lang="en-US" sz="12100" b="0" strike="noStrike" spc="-1">
+              <a:solidFill>
+                <a:srgbClr val="000000"/>
+              </a:solidFill>
+              <a:uFill>
+                <a:solidFill>
+                  <a:srgbClr val="FFFFFF"/>
                 </a:solidFill>
               </a:uFill>
               <a:latin typeface="Calibri"/>
@@ -1145,11 +1341,14 @@
       </p:sp>
     </p:spTree>
   </p:cSld>
+  <p:clrMapOvr>
+    <a:masterClrMapping/>
+  </p:clrMapOvr>
 </p:sldLayout>
 </file>
 
 <file path=ppt/slideLayouts/slideLayout16.xml><?xml version="1.0" encoding="utf-8"?>
-<p:sldLayout xmlns:a="http://schemas.openxmlformats.org/drawingml/2006/main" xmlns:p="http://schemas.openxmlformats.org/presentationml/2006/main" xmlns:r="http://schemas.openxmlformats.org/officeDocument/2006/relationships" xmlns:p14="http://schemas.microsoft.com/office/powerpoint/2010/main" xmlns:p15="http://schemas.microsoft.com/office/powerpoint/2012/main" xmlns:mc="http://schemas.openxmlformats.org/markup-compatibility/2006" type="twoObj" preserve="1">
+<p:sldLayout xmlns:a="http://schemas.openxmlformats.org/drawingml/2006/main" xmlns:r="http://schemas.openxmlformats.org/officeDocument/2006/relationships" xmlns:p="http://schemas.openxmlformats.org/presentationml/2006/main" type="twoObj" preserve="1">
   <p:cSld name="Title, 2 Content">
     <p:spTree>
       <p:nvGrpSpPr>
@@ -1185,15 +1384,16 @@
           </a:prstGeom>
         </p:spPr>
         <p:txBody>
-          <a:bodyPr lIns="0" rIns="0" tIns="0" bIns="0" anchor="ctr"/>
-          <a:p>
-            <a:endParaRPr b="0" lang="en-US" sz="6800" spc="-1" strike="noStrike">
-              <a:solidFill>
-                <a:srgbClr val="000000"/>
-              </a:solidFill>
-              <a:uFill>
-                <a:solidFill>
-                  <a:srgbClr val="ffffff"/>
+          <a:bodyPr lIns="0" tIns="0" rIns="0" bIns="0" anchor="ctr"/>
+          <a:lstStyle/>
+          <a:p>
+            <a:endParaRPr lang="en-US" sz="6800" b="0" strike="noStrike" spc="-1">
+              <a:solidFill>
+                <a:srgbClr val="000000"/>
+              </a:solidFill>
+              <a:uFill>
+                <a:solidFill>
+                  <a:srgbClr val="FFFFFF"/>
                 </a:solidFill>
               </a:uFill>
               <a:latin typeface="Calibri"/>
@@ -1221,15 +1421,16 @@
           </a:prstGeom>
         </p:spPr>
         <p:txBody>
-          <a:bodyPr lIns="0" rIns="0" tIns="0" bIns="0"/>
-          <a:p>
-            <a:endParaRPr b="0" lang="en-US" sz="12100" spc="-1" strike="noStrike">
-              <a:solidFill>
-                <a:srgbClr val="000000"/>
-              </a:solidFill>
-              <a:uFill>
-                <a:solidFill>
-                  <a:srgbClr val="ffffff"/>
+          <a:bodyPr lIns="0" tIns="0" rIns="0" bIns="0"/>
+          <a:lstStyle/>
+          <a:p>
+            <a:endParaRPr lang="en-US" sz="12100" b="0" strike="noStrike" spc="-1">
+              <a:solidFill>
+                <a:srgbClr val="000000"/>
+              </a:solidFill>
+              <a:uFill>
+                <a:solidFill>
+                  <a:srgbClr val="FFFFFF"/>
                 </a:solidFill>
               </a:uFill>
               <a:latin typeface="Calibri"/>
@@ -1257,15 +1458,16 @@
           </a:prstGeom>
         </p:spPr>
         <p:txBody>
-          <a:bodyPr lIns="0" rIns="0" tIns="0" bIns="0"/>
-          <a:p>
-            <a:endParaRPr b="0" lang="en-US" sz="12100" spc="-1" strike="noStrike">
-              <a:solidFill>
-                <a:srgbClr val="000000"/>
-              </a:solidFill>
-              <a:uFill>
-                <a:solidFill>
-                  <a:srgbClr val="ffffff"/>
+          <a:bodyPr lIns="0" tIns="0" rIns="0" bIns="0"/>
+          <a:lstStyle/>
+          <a:p>
+            <a:endParaRPr lang="en-US" sz="12100" b="0" strike="noStrike" spc="-1">
+              <a:solidFill>
+                <a:srgbClr val="000000"/>
+              </a:solidFill>
+              <a:uFill>
+                <a:solidFill>
+                  <a:srgbClr val="FFFFFF"/>
                 </a:solidFill>
               </a:uFill>
               <a:latin typeface="Calibri"/>
@@ -1275,11 +1477,14 @@
       </p:sp>
     </p:spTree>
   </p:cSld>
+  <p:clrMapOvr>
+    <a:masterClrMapping/>
+  </p:clrMapOvr>
 </p:sldLayout>
 </file>
 
 <file path=ppt/slideLayouts/slideLayout17.xml><?xml version="1.0" encoding="utf-8"?>
-<p:sldLayout xmlns:a="http://schemas.openxmlformats.org/drawingml/2006/main" xmlns:p="http://schemas.openxmlformats.org/presentationml/2006/main" xmlns:r="http://schemas.openxmlformats.org/officeDocument/2006/relationships" xmlns:p14="http://schemas.microsoft.com/office/powerpoint/2010/main" xmlns:p15="http://schemas.microsoft.com/office/powerpoint/2012/main" xmlns:mc="http://schemas.openxmlformats.org/markup-compatibility/2006" type="titleOnly" preserve="1">
+<p:sldLayout xmlns:a="http://schemas.openxmlformats.org/drawingml/2006/main" xmlns:r="http://schemas.openxmlformats.org/officeDocument/2006/relationships" xmlns:p="http://schemas.openxmlformats.org/presentationml/2006/main" type="titleOnly" preserve="1">
   <p:cSld name="Title Only">
     <p:spTree>
       <p:nvGrpSpPr>
@@ -1315,15 +1520,16 @@
           </a:prstGeom>
         </p:spPr>
         <p:txBody>
-          <a:bodyPr lIns="0" rIns="0" tIns="0" bIns="0" anchor="ctr"/>
-          <a:p>
-            <a:endParaRPr b="0" lang="en-US" sz="6800" spc="-1" strike="noStrike">
-              <a:solidFill>
-                <a:srgbClr val="000000"/>
-              </a:solidFill>
-              <a:uFill>
-                <a:solidFill>
-                  <a:srgbClr val="ffffff"/>
+          <a:bodyPr lIns="0" tIns="0" rIns="0" bIns="0" anchor="ctr"/>
+          <a:lstStyle/>
+          <a:p>
+            <a:endParaRPr lang="en-US" sz="6800" b="0" strike="noStrike" spc="-1">
+              <a:solidFill>
+                <a:srgbClr val="000000"/>
+              </a:solidFill>
+              <a:uFill>
+                <a:solidFill>
+                  <a:srgbClr val="FFFFFF"/>
                 </a:solidFill>
               </a:uFill>
               <a:latin typeface="Calibri"/>
@@ -1333,11 +1539,14 @@
       </p:sp>
     </p:spTree>
   </p:cSld>
+  <p:clrMapOvr>
+    <a:masterClrMapping/>
+  </p:clrMapOvr>
 </p:sldLayout>
 </file>
 
 <file path=ppt/slideLayouts/slideLayout18.xml><?xml version="1.0" encoding="utf-8"?>
-<p:sldLayout xmlns:a="http://schemas.openxmlformats.org/drawingml/2006/main" xmlns:p="http://schemas.openxmlformats.org/presentationml/2006/main" xmlns:r="http://schemas.openxmlformats.org/officeDocument/2006/relationships" xmlns:p14="http://schemas.microsoft.com/office/powerpoint/2010/main" xmlns:p15="http://schemas.microsoft.com/office/powerpoint/2012/main" xmlns:mc="http://schemas.openxmlformats.org/markup-compatibility/2006" type="objOnly" preserve="1">
+<p:sldLayout xmlns:a="http://schemas.openxmlformats.org/drawingml/2006/main" xmlns:r="http://schemas.openxmlformats.org/officeDocument/2006/relationships" xmlns:p="http://schemas.openxmlformats.org/presentationml/2006/main" type="objOnly" preserve="1">
   <p:cSld name="Centered Text">
     <p:spTree>
       <p:nvGrpSpPr>
@@ -1373,16 +1582,17 @@
           </a:prstGeom>
         </p:spPr>
         <p:txBody>
-          <a:bodyPr lIns="0" rIns="0" tIns="0" bIns="0" anchor="ctr"/>
+          <a:bodyPr lIns="0" tIns="0" rIns="0" bIns="0" anchor="ctr"/>
+          <a:lstStyle/>
           <a:p>
             <a:pPr algn="ctr"/>
-            <a:endParaRPr b="0" lang="en-US" sz="3200" spc="-1" strike="noStrike">
-              <a:solidFill>
-                <a:srgbClr val="000000"/>
-              </a:solidFill>
-              <a:uFill>
-                <a:solidFill>
-                  <a:srgbClr val="ffffff"/>
+            <a:endParaRPr lang="en-US" sz="3200" b="0" strike="noStrike" spc="-1">
+              <a:solidFill>
+                <a:srgbClr val="000000"/>
+              </a:solidFill>
+              <a:uFill>
+                <a:solidFill>
+                  <a:srgbClr val="FFFFFF"/>
                 </a:solidFill>
               </a:uFill>
               <a:latin typeface="Arial"/>
@@ -1392,11 +1602,14 @@
       </p:sp>
     </p:spTree>
   </p:cSld>
+  <p:clrMapOvr>
+    <a:masterClrMapping/>
+  </p:clrMapOvr>
 </p:sldLayout>
 </file>
 
 <file path=ppt/slideLayouts/slideLayout19.xml><?xml version="1.0" encoding="utf-8"?>
-<p:sldLayout xmlns:a="http://schemas.openxmlformats.org/drawingml/2006/main" xmlns:p="http://schemas.openxmlformats.org/presentationml/2006/main" xmlns:r="http://schemas.openxmlformats.org/officeDocument/2006/relationships" xmlns:p14="http://schemas.microsoft.com/office/powerpoint/2010/main" xmlns:p15="http://schemas.microsoft.com/office/powerpoint/2012/main" xmlns:mc="http://schemas.openxmlformats.org/markup-compatibility/2006" type="twoObjAndObj" preserve="1">
+<p:sldLayout xmlns:a="http://schemas.openxmlformats.org/drawingml/2006/main" xmlns:r="http://schemas.openxmlformats.org/officeDocument/2006/relationships" xmlns:p="http://schemas.openxmlformats.org/presentationml/2006/main" type="twoObjAndObj" preserve="1">
   <p:cSld name="Title, 2 Content and Content">
     <p:spTree>
       <p:nvGrpSpPr>
@@ -1432,15 +1645,16 @@
           </a:prstGeom>
         </p:spPr>
         <p:txBody>
-          <a:bodyPr lIns="0" rIns="0" tIns="0" bIns="0" anchor="ctr"/>
-          <a:p>
-            <a:endParaRPr b="0" lang="en-US" sz="6800" spc="-1" strike="noStrike">
-              <a:solidFill>
-                <a:srgbClr val="000000"/>
-              </a:solidFill>
-              <a:uFill>
-                <a:solidFill>
-                  <a:srgbClr val="ffffff"/>
+          <a:bodyPr lIns="0" tIns="0" rIns="0" bIns="0" anchor="ctr"/>
+          <a:lstStyle/>
+          <a:p>
+            <a:endParaRPr lang="en-US" sz="6800" b="0" strike="noStrike" spc="-1">
+              <a:solidFill>
+                <a:srgbClr val="000000"/>
+              </a:solidFill>
+              <a:uFill>
+                <a:solidFill>
+                  <a:srgbClr val="FFFFFF"/>
                 </a:solidFill>
               </a:uFill>
               <a:latin typeface="Calibri"/>
@@ -1468,15 +1682,16 @@
           </a:prstGeom>
         </p:spPr>
         <p:txBody>
-          <a:bodyPr lIns="0" rIns="0" tIns="0" bIns="0"/>
-          <a:p>
-            <a:endParaRPr b="0" lang="en-US" sz="12100" spc="-1" strike="noStrike">
-              <a:solidFill>
-                <a:srgbClr val="000000"/>
-              </a:solidFill>
-              <a:uFill>
-                <a:solidFill>
-                  <a:srgbClr val="ffffff"/>
+          <a:bodyPr lIns="0" tIns="0" rIns="0" bIns="0"/>
+          <a:lstStyle/>
+          <a:p>
+            <a:endParaRPr lang="en-US" sz="12100" b="0" strike="noStrike" spc="-1">
+              <a:solidFill>
+                <a:srgbClr val="000000"/>
+              </a:solidFill>
+              <a:uFill>
+                <a:solidFill>
+                  <a:srgbClr val="FFFFFF"/>
                 </a:solidFill>
               </a:uFill>
               <a:latin typeface="Calibri"/>
@@ -1504,15 +1719,16 @@
           </a:prstGeom>
         </p:spPr>
         <p:txBody>
-          <a:bodyPr lIns="0" rIns="0" tIns="0" bIns="0"/>
-          <a:p>
-            <a:endParaRPr b="0" lang="en-US" sz="12100" spc="-1" strike="noStrike">
-              <a:solidFill>
-                <a:srgbClr val="000000"/>
-              </a:solidFill>
-              <a:uFill>
-                <a:solidFill>
-                  <a:srgbClr val="ffffff"/>
+          <a:bodyPr lIns="0" tIns="0" rIns="0" bIns="0"/>
+          <a:lstStyle/>
+          <a:p>
+            <a:endParaRPr lang="en-US" sz="12100" b="0" strike="noStrike" spc="-1">
+              <a:solidFill>
+                <a:srgbClr val="000000"/>
+              </a:solidFill>
+              <a:uFill>
+                <a:solidFill>
+                  <a:srgbClr val="FFFFFF"/>
                 </a:solidFill>
               </a:uFill>
               <a:latin typeface="Calibri"/>
@@ -1540,15 +1756,16 @@
           </a:prstGeom>
         </p:spPr>
         <p:txBody>
-          <a:bodyPr lIns="0" rIns="0" tIns="0" bIns="0"/>
-          <a:p>
-            <a:endParaRPr b="0" lang="en-US" sz="12100" spc="-1" strike="noStrike">
-              <a:solidFill>
-                <a:srgbClr val="000000"/>
-              </a:solidFill>
-              <a:uFill>
-                <a:solidFill>
-                  <a:srgbClr val="ffffff"/>
+          <a:bodyPr lIns="0" tIns="0" rIns="0" bIns="0"/>
+          <a:lstStyle/>
+          <a:p>
+            <a:endParaRPr lang="en-US" sz="12100" b="0" strike="noStrike" spc="-1">
+              <a:solidFill>
+                <a:srgbClr val="000000"/>
+              </a:solidFill>
+              <a:uFill>
+                <a:solidFill>
+                  <a:srgbClr val="FFFFFF"/>
                 </a:solidFill>
               </a:uFill>
               <a:latin typeface="Calibri"/>
@@ -1558,11 +1775,14 @@
       </p:sp>
     </p:spTree>
   </p:cSld>
+  <p:clrMapOvr>
+    <a:masterClrMapping/>
+  </p:clrMapOvr>
 </p:sldLayout>
 </file>
 
 <file path=ppt/slideLayouts/slideLayout2.xml><?xml version="1.0" encoding="utf-8"?>
-<p:sldLayout xmlns:a="http://schemas.openxmlformats.org/drawingml/2006/main" xmlns:p="http://schemas.openxmlformats.org/presentationml/2006/main" xmlns:r="http://schemas.openxmlformats.org/officeDocument/2006/relationships" xmlns:p14="http://schemas.microsoft.com/office/powerpoint/2010/main" xmlns:p15="http://schemas.microsoft.com/office/powerpoint/2012/main" xmlns:mc="http://schemas.openxmlformats.org/markup-compatibility/2006" type="tx" preserve="1">
+<p:sldLayout xmlns:a="http://schemas.openxmlformats.org/drawingml/2006/main" xmlns:r="http://schemas.openxmlformats.org/officeDocument/2006/relationships" xmlns:p="http://schemas.openxmlformats.org/presentationml/2006/main" type="tx" preserve="1">
   <p:cSld name="Title Slide">
     <p:spTree>
       <p:nvGrpSpPr>
@@ -1598,15 +1818,16 @@
           </a:prstGeom>
         </p:spPr>
         <p:txBody>
-          <a:bodyPr lIns="0" rIns="0" tIns="0" bIns="0" anchor="ctr"/>
-          <a:p>
-            <a:endParaRPr b="0" lang="en-US" sz="6800" spc="-1" strike="noStrike">
-              <a:solidFill>
-                <a:srgbClr val="000000"/>
-              </a:solidFill>
-              <a:uFill>
-                <a:solidFill>
-                  <a:srgbClr val="ffffff"/>
+          <a:bodyPr lIns="0" tIns="0" rIns="0" bIns="0" anchor="ctr"/>
+          <a:lstStyle/>
+          <a:p>
+            <a:endParaRPr lang="en-US" sz="6800" b="0" strike="noStrike" spc="-1">
+              <a:solidFill>
+                <a:srgbClr val="000000"/>
+              </a:solidFill>
+              <a:uFill>
+                <a:solidFill>
+                  <a:srgbClr val="FFFFFF"/>
                 </a:solidFill>
               </a:uFill>
               <a:latin typeface="Calibri"/>
@@ -1634,16 +1855,17 @@
           </a:prstGeom>
         </p:spPr>
         <p:txBody>
-          <a:bodyPr lIns="0" rIns="0" tIns="0" bIns="0" anchor="ctr"/>
+          <a:bodyPr lIns="0" tIns="0" rIns="0" bIns="0" anchor="ctr"/>
+          <a:lstStyle/>
           <a:p>
             <a:pPr algn="ctr"/>
-            <a:endParaRPr b="0" lang="en-US" sz="3200" spc="-1" strike="noStrike">
-              <a:solidFill>
-                <a:srgbClr val="000000"/>
-              </a:solidFill>
-              <a:uFill>
-                <a:solidFill>
-                  <a:srgbClr val="ffffff"/>
+            <a:endParaRPr lang="en-US" sz="3200" b="0" strike="noStrike" spc="-1">
+              <a:solidFill>
+                <a:srgbClr val="000000"/>
+              </a:solidFill>
+              <a:uFill>
+                <a:solidFill>
+                  <a:srgbClr val="FFFFFF"/>
                 </a:solidFill>
               </a:uFill>
               <a:latin typeface="Arial"/>
@@ -1653,11 +1875,14 @@
       </p:sp>
     </p:spTree>
   </p:cSld>
+  <p:clrMapOvr>
+    <a:masterClrMapping/>
+  </p:clrMapOvr>
 </p:sldLayout>
 </file>
 
 <file path=ppt/slideLayouts/slideLayout20.xml><?xml version="1.0" encoding="utf-8"?>
-<p:sldLayout xmlns:a="http://schemas.openxmlformats.org/drawingml/2006/main" xmlns:p="http://schemas.openxmlformats.org/presentationml/2006/main" xmlns:r="http://schemas.openxmlformats.org/officeDocument/2006/relationships" xmlns:p14="http://schemas.microsoft.com/office/powerpoint/2010/main" xmlns:p15="http://schemas.microsoft.com/office/powerpoint/2012/main" xmlns:mc="http://schemas.openxmlformats.org/markup-compatibility/2006" type="objAndTwoObj" preserve="1">
+<p:sldLayout xmlns:a="http://schemas.openxmlformats.org/drawingml/2006/main" xmlns:r="http://schemas.openxmlformats.org/officeDocument/2006/relationships" xmlns:p="http://schemas.openxmlformats.org/presentationml/2006/main" type="objAndTwoObj" preserve="1">
   <p:cSld name="Title Content and 2 Content">
     <p:spTree>
       <p:nvGrpSpPr>
@@ -1693,15 +1918,16 @@
           </a:prstGeom>
         </p:spPr>
         <p:txBody>
-          <a:bodyPr lIns="0" rIns="0" tIns="0" bIns="0" anchor="ctr"/>
-          <a:p>
-            <a:endParaRPr b="0" lang="en-US" sz="6800" spc="-1" strike="noStrike">
-              <a:solidFill>
-                <a:srgbClr val="000000"/>
-              </a:solidFill>
-              <a:uFill>
-                <a:solidFill>
-                  <a:srgbClr val="ffffff"/>
+          <a:bodyPr lIns="0" tIns="0" rIns="0" bIns="0" anchor="ctr"/>
+          <a:lstStyle/>
+          <a:p>
+            <a:endParaRPr lang="en-US" sz="6800" b="0" strike="noStrike" spc="-1">
+              <a:solidFill>
+                <a:srgbClr val="000000"/>
+              </a:solidFill>
+              <a:uFill>
+                <a:solidFill>
+                  <a:srgbClr val="FFFFFF"/>
                 </a:solidFill>
               </a:uFill>
               <a:latin typeface="Calibri"/>
@@ -1729,15 +1955,16 @@
           </a:prstGeom>
         </p:spPr>
         <p:txBody>
-          <a:bodyPr lIns="0" rIns="0" tIns="0" bIns="0"/>
-          <a:p>
-            <a:endParaRPr b="0" lang="en-US" sz="12100" spc="-1" strike="noStrike">
-              <a:solidFill>
-                <a:srgbClr val="000000"/>
-              </a:solidFill>
-              <a:uFill>
-                <a:solidFill>
-                  <a:srgbClr val="ffffff"/>
+          <a:bodyPr lIns="0" tIns="0" rIns="0" bIns="0"/>
+          <a:lstStyle/>
+          <a:p>
+            <a:endParaRPr lang="en-US" sz="12100" b="0" strike="noStrike" spc="-1">
+              <a:solidFill>
+                <a:srgbClr val="000000"/>
+              </a:solidFill>
+              <a:uFill>
+                <a:solidFill>
+                  <a:srgbClr val="FFFFFF"/>
                 </a:solidFill>
               </a:uFill>
               <a:latin typeface="Calibri"/>
@@ -1765,15 +1992,16 @@
           </a:prstGeom>
         </p:spPr>
         <p:txBody>
-          <a:bodyPr lIns="0" rIns="0" tIns="0" bIns="0"/>
-          <a:p>
-            <a:endParaRPr b="0" lang="en-US" sz="12100" spc="-1" strike="noStrike">
-              <a:solidFill>
-                <a:srgbClr val="000000"/>
-              </a:solidFill>
-              <a:uFill>
-                <a:solidFill>
-                  <a:srgbClr val="ffffff"/>
+          <a:bodyPr lIns="0" tIns="0" rIns="0" bIns="0"/>
+          <a:lstStyle/>
+          <a:p>
+            <a:endParaRPr lang="en-US" sz="12100" b="0" strike="noStrike" spc="-1">
+              <a:solidFill>
+                <a:srgbClr val="000000"/>
+              </a:solidFill>
+              <a:uFill>
+                <a:solidFill>
+                  <a:srgbClr val="FFFFFF"/>
                 </a:solidFill>
               </a:uFill>
               <a:latin typeface="Calibri"/>
@@ -1801,15 +2029,16 @@
           </a:prstGeom>
         </p:spPr>
         <p:txBody>
-          <a:bodyPr lIns="0" rIns="0" tIns="0" bIns="0"/>
-          <a:p>
-            <a:endParaRPr b="0" lang="en-US" sz="12100" spc="-1" strike="noStrike">
-              <a:solidFill>
-                <a:srgbClr val="000000"/>
-              </a:solidFill>
-              <a:uFill>
-                <a:solidFill>
-                  <a:srgbClr val="ffffff"/>
+          <a:bodyPr lIns="0" tIns="0" rIns="0" bIns="0"/>
+          <a:lstStyle/>
+          <a:p>
+            <a:endParaRPr lang="en-US" sz="12100" b="0" strike="noStrike" spc="-1">
+              <a:solidFill>
+                <a:srgbClr val="000000"/>
+              </a:solidFill>
+              <a:uFill>
+                <a:solidFill>
+                  <a:srgbClr val="FFFFFF"/>
                 </a:solidFill>
               </a:uFill>
               <a:latin typeface="Calibri"/>
@@ -1819,11 +2048,14 @@
       </p:sp>
     </p:spTree>
   </p:cSld>
+  <p:clrMapOvr>
+    <a:masterClrMapping/>
+  </p:clrMapOvr>
 </p:sldLayout>
 </file>
 
 <file path=ppt/slideLayouts/slideLayout21.xml><?xml version="1.0" encoding="utf-8"?>
-<p:sldLayout xmlns:a="http://schemas.openxmlformats.org/drawingml/2006/main" xmlns:p="http://schemas.openxmlformats.org/presentationml/2006/main" xmlns:r="http://schemas.openxmlformats.org/officeDocument/2006/relationships" xmlns:p14="http://schemas.microsoft.com/office/powerpoint/2010/main" xmlns:p15="http://schemas.microsoft.com/office/powerpoint/2012/main" xmlns:mc="http://schemas.openxmlformats.org/markup-compatibility/2006" type="twoObjOverTx" preserve="1">
+<p:sldLayout xmlns:a="http://schemas.openxmlformats.org/drawingml/2006/main" xmlns:r="http://schemas.openxmlformats.org/officeDocument/2006/relationships" xmlns:p="http://schemas.openxmlformats.org/presentationml/2006/main" type="twoObjOverTx" preserve="1">
   <p:cSld name="Title, 2 Content over Content">
     <p:spTree>
       <p:nvGrpSpPr>
@@ -1859,15 +2091,16 @@
           </a:prstGeom>
         </p:spPr>
         <p:txBody>
-          <a:bodyPr lIns="0" rIns="0" tIns="0" bIns="0" anchor="ctr"/>
-          <a:p>
-            <a:endParaRPr b="0" lang="en-US" sz="6800" spc="-1" strike="noStrike">
-              <a:solidFill>
-                <a:srgbClr val="000000"/>
-              </a:solidFill>
-              <a:uFill>
-                <a:solidFill>
-                  <a:srgbClr val="ffffff"/>
+          <a:bodyPr lIns="0" tIns="0" rIns="0" bIns="0" anchor="ctr"/>
+          <a:lstStyle/>
+          <a:p>
+            <a:endParaRPr lang="en-US" sz="6800" b="0" strike="noStrike" spc="-1">
+              <a:solidFill>
+                <a:srgbClr val="000000"/>
+              </a:solidFill>
+              <a:uFill>
+                <a:solidFill>
+                  <a:srgbClr val="FFFFFF"/>
                 </a:solidFill>
               </a:uFill>
               <a:latin typeface="Calibri"/>
@@ -1895,15 +2128,16 @@
           </a:prstGeom>
         </p:spPr>
         <p:txBody>
-          <a:bodyPr lIns="0" rIns="0" tIns="0" bIns="0"/>
-          <a:p>
-            <a:endParaRPr b="0" lang="en-US" sz="12100" spc="-1" strike="noStrike">
-              <a:solidFill>
-                <a:srgbClr val="000000"/>
-              </a:solidFill>
-              <a:uFill>
-                <a:solidFill>
-                  <a:srgbClr val="ffffff"/>
+          <a:bodyPr lIns="0" tIns="0" rIns="0" bIns="0"/>
+          <a:lstStyle/>
+          <a:p>
+            <a:endParaRPr lang="en-US" sz="12100" b="0" strike="noStrike" spc="-1">
+              <a:solidFill>
+                <a:srgbClr val="000000"/>
+              </a:solidFill>
+              <a:uFill>
+                <a:solidFill>
+                  <a:srgbClr val="FFFFFF"/>
                 </a:solidFill>
               </a:uFill>
               <a:latin typeface="Calibri"/>
@@ -1931,15 +2165,16 @@
           </a:prstGeom>
         </p:spPr>
         <p:txBody>
-          <a:bodyPr lIns="0" rIns="0" tIns="0" bIns="0"/>
-          <a:p>
-            <a:endParaRPr b="0" lang="en-US" sz="12100" spc="-1" strike="noStrike">
-              <a:solidFill>
-                <a:srgbClr val="000000"/>
-              </a:solidFill>
-              <a:uFill>
-                <a:solidFill>
-                  <a:srgbClr val="ffffff"/>
+          <a:bodyPr lIns="0" tIns="0" rIns="0" bIns="0"/>
+          <a:lstStyle/>
+          <a:p>
+            <a:endParaRPr lang="en-US" sz="12100" b="0" strike="noStrike" spc="-1">
+              <a:solidFill>
+                <a:srgbClr val="000000"/>
+              </a:solidFill>
+              <a:uFill>
+                <a:solidFill>
+                  <a:srgbClr val="FFFFFF"/>
                 </a:solidFill>
               </a:uFill>
               <a:latin typeface="Calibri"/>
@@ -1967,15 +2202,16 @@
           </a:prstGeom>
         </p:spPr>
         <p:txBody>
-          <a:bodyPr lIns="0" rIns="0" tIns="0" bIns="0"/>
-          <a:p>
-            <a:endParaRPr b="0" lang="en-US" sz="12100" spc="-1" strike="noStrike">
-              <a:solidFill>
-                <a:srgbClr val="000000"/>
-              </a:solidFill>
-              <a:uFill>
-                <a:solidFill>
-                  <a:srgbClr val="ffffff"/>
+          <a:bodyPr lIns="0" tIns="0" rIns="0" bIns="0"/>
+          <a:lstStyle/>
+          <a:p>
+            <a:endParaRPr lang="en-US" sz="12100" b="0" strike="noStrike" spc="-1">
+              <a:solidFill>
+                <a:srgbClr val="000000"/>
+              </a:solidFill>
+              <a:uFill>
+                <a:solidFill>
+                  <a:srgbClr val="FFFFFF"/>
                 </a:solidFill>
               </a:uFill>
               <a:latin typeface="Calibri"/>
@@ -1985,11 +2221,14 @@
       </p:sp>
     </p:spTree>
   </p:cSld>
+  <p:clrMapOvr>
+    <a:masterClrMapping/>
+  </p:clrMapOvr>
 </p:sldLayout>
 </file>
 
 <file path=ppt/slideLayouts/slideLayout22.xml><?xml version="1.0" encoding="utf-8"?>
-<p:sldLayout xmlns:a="http://schemas.openxmlformats.org/drawingml/2006/main" xmlns:p="http://schemas.openxmlformats.org/presentationml/2006/main" xmlns:r="http://schemas.openxmlformats.org/officeDocument/2006/relationships" xmlns:p14="http://schemas.microsoft.com/office/powerpoint/2010/main" xmlns:p15="http://schemas.microsoft.com/office/powerpoint/2012/main" xmlns:mc="http://schemas.openxmlformats.org/markup-compatibility/2006" type="objOverTx" preserve="1">
+<p:sldLayout xmlns:a="http://schemas.openxmlformats.org/drawingml/2006/main" xmlns:r="http://schemas.openxmlformats.org/officeDocument/2006/relationships" xmlns:p="http://schemas.openxmlformats.org/presentationml/2006/main" type="objOverTx" preserve="1">
   <p:cSld name="Title, Content over Content">
     <p:spTree>
       <p:nvGrpSpPr>
@@ -2025,15 +2264,16 @@
           </a:prstGeom>
         </p:spPr>
         <p:txBody>
-          <a:bodyPr lIns="0" rIns="0" tIns="0" bIns="0" anchor="ctr"/>
-          <a:p>
-            <a:endParaRPr b="0" lang="en-US" sz="6800" spc="-1" strike="noStrike">
-              <a:solidFill>
-                <a:srgbClr val="000000"/>
-              </a:solidFill>
-              <a:uFill>
-                <a:solidFill>
-                  <a:srgbClr val="ffffff"/>
+          <a:bodyPr lIns="0" tIns="0" rIns="0" bIns="0" anchor="ctr"/>
+          <a:lstStyle/>
+          <a:p>
+            <a:endParaRPr lang="en-US" sz="6800" b="0" strike="noStrike" spc="-1">
+              <a:solidFill>
+                <a:srgbClr val="000000"/>
+              </a:solidFill>
+              <a:uFill>
+                <a:solidFill>
+                  <a:srgbClr val="FFFFFF"/>
                 </a:solidFill>
               </a:uFill>
               <a:latin typeface="Calibri"/>
@@ -2061,15 +2301,16 @@
           </a:prstGeom>
         </p:spPr>
         <p:txBody>
-          <a:bodyPr lIns="0" rIns="0" tIns="0" bIns="0"/>
-          <a:p>
-            <a:endParaRPr b="0" lang="en-US" sz="12100" spc="-1" strike="noStrike">
-              <a:solidFill>
-                <a:srgbClr val="000000"/>
-              </a:solidFill>
-              <a:uFill>
-                <a:solidFill>
-                  <a:srgbClr val="ffffff"/>
+          <a:bodyPr lIns="0" tIns="0" rIns="0" bIns="0"/>
+          <a:lstStyle/>
+          <a:p>
+            <a:endParaRPr lang="en-US" sz="12100" b="0" strike="noStrike" spc="-1">
+              <a:solidFill>
+                <a:srgbClr val="000000"/>
+              </a:solidFill>
+              <a:uFill>
+                <a:solidFill>
+                  <a:srgbClr val="FFFFFF"/>
                 </a:solidFill>
               </a:uFill>
               <a:latin typeface="Calibri"/>
@@ -2097,15 +2338,16 @@
           </a:prstGeom>
         </p:spPr>
         <p:txBody>
-          <a:bodyPr lIns="0" rIns="0" tIns="0" bIns="0"/>
-          <a:p>
-            <a:endParaRPr b="0" lang="en-US" sz="12100" spc="-1" strike="noStrike">
-              <a:solidFill>
-                <a:srgbClr val="000000"/>
-              </a:solidFill>
-              <a:uFill>
-                <a:solidFill>
-                  <a:srgbClr val="ffffff"/>
+          <a:bodyPr lIns="0" tIns="0" rIns="0" bIns="0"/>
+          <a:lstStyle/>
+          <a:p>
+            <a:endParaRPr lang="en-US" sz="12100" b="0" strike="noStrike" spc="-1">
+              <a:solidFill>
+                <a:srgbClr val="000000"/>
+              </a:solidFill>
+              <a:uFill>
+                <a:solidFill>
+                  <a:srgbClr val="FFFFFF"/>
                 </a:solidFill>
               </a:uFill>
               <a:latin typeface="Calibri"/>
@@ -2115,11 +2357,14 @@
       </p:sp>
     </p:spTree>
   </p:cSld>
+  <p:clrMapOvr>
+    <a:masterClrMapping/>
+  </p:clrMapOvr>
 </p:sldLayout>
 </file>
 
 <file path=ppt/slideLayouts/slideLayout23.xml><?xml version="1.0" encoding="utf-8"?>
-<p:sldLayout xmlns:a="http://schemas.openxmlformats.org/drawingml/2006/main" xmlns:p="http://schemas.openxmlformats.org/presentationml/2006/main" xmlns:r="http://schemas.openxmlformats.org/officeDocument/2006/relationships" xmlns:p14="http://schemas.microsoft.com/office/powerpoint/2010/main" xmlns:p15="http://schemas.microsoft.com/office/powerpoint/2012/main" xmlns:mc="http://schemas.openxmlformats.org/markup-compatibility/2006" type="fourObj" preserve="1">
+<p:sldLayout xmlns:a="http://schemas.openxmlformats.org/drawingml/2006/main" xmlns:r="http://schemas.openxmlformats.org/officeDocument/2006/relationships" xmlns:p="http://schemas.openxmlformats.org/presentationml/2006/main" type="fourObj" preserve="1">
   <p:cSld name="Title, 4 Content">
     <p:spTree>
       <p:nvGrpSpPr>
@@ -2155,15 +2400,16 @@
           </a:prstGeom>
         </p:spPr>
         <p:txBody>
-          <a:bodyPr lIns="0" rIns="0" tIns="0" bIns="0" anchor="ctr"/>
-          <a:p>
-            <a:endParaRPr b="0" lang="en-US" sz="6800" spc="-1" strike="noStrike">
-              <a:solidFill>
-                <a:srgbClr val="000000"/>
-              </a:solidFill>
-              <a:uFill>
-                <a:solidFill>
-                  <a:srgbClr val="ffffff"/>
+          <a:bodyPr lIns="0" tIns="0" rIns="0" bIns="0" anchor="ctr"/>
+          <a:lstStyle/>
+          <a:p>
+            <a:endParaRPr lang="en-US" sz="6800" b="0" strike="noStrike" spc="-1">
+              <a:solidFill>
+                <a:srgbClr val="000000"/>
+              </a:solidFill>
+              <a:uFill>
+                <a:solidFill>
+                  <a:srgbClr val="FFFFFF"/>
                 </a:solidFill>
               </a:uFill>
               <a:latin typeface="Calibri"/>
@@ -2191,15 +2437,16 @@
           </a:prstGeom>
         </p:spPr>
         <p:txBody>
-          <a:bodyPr lIns="0" rIns="0" tIns="0" bIns="0"/>
-          <a:p>
-            <a:endParaRPr b="0" lang="en-US" sz="12100" spc="-1" strike="noStrike">
-              <a:solidFill>
-                <a:srgbClr val="000000"/>
-              </a:solidFill>
-              <a:uFill>
-                <a:solidFill>
-                  <a:srgbClr val="ffffff"/>
+          <a:bodyPr lIns="0" tIns="0" rIns="0" bIns="0"/>
+          <a:lstStyle/>
+          <a:p>
+            <a:endParaRPr lang="en-US" sz="12100" b="0" strike="noStrike" spc="-1">
+              <a:solidFill>
+                <a:srgbClr val="000000"/>
+              </a:solidFill>
+              <a:uFill>
+                <a:solidFill>
+                  <a:srgbClr val="FFFFFF"/>
                 </a:solidFill>
               </a:uFill>
               <a:latin typeface="Calibri"/>
@@ -2227,15 +2474,16 @@
           </a:prstGeom>
         </p:spPr>
         <p:txBody>
-          <a:bodyPr lIns="0" rIns="0" tIns="0" bIns="0"/>
-          <a:p>
-            <a:endParaRPr b="0" lang="en-US" sz="12100" spc="-1" strike="noStrike">
-              <a:solidFill>
-                <a:srgbClr val="000000"/>
-              </a:solidFill>
-              <a:uFill>
-                <a:solidFill>
-                  <a:srgbClr val="ffffff"/>
+          <a:bodyPr lIns="0" tIns="0" rIns="0" bIns="0"/>
+          <a:lstStyle/>
+          <a:p>
+            <a:endParaRPr lang="en-US" sz="12100" b="0" strike="noStrike" spc="-1">
+              <a:solidFill>
+                <a:srgbClr val="000000"/>
+              </a:solidFill>
+              <a:uFill>
+                <a:solidFill>
+                  <a:srgbClr val="FFFFFF"/>
                 </a:solidFill>
               </a:uFill>
               <a:latin typeface="Calibri"/>
@@ -2263,15 +2511,16 @@
           </a:prstGeom>
         </p:spPr>
         <p:txBody>
-          <a:bodyPr lIns="0" rIns="0" tIns="0" bIns="0"/>
-          <a:p>
-            <a:endParaRPr b="0" lang="en-US" sz="12100" spc="-1" strike="noStrike">
-              <a:solidFill>
-                <a:srgbClr val="000000"/>
-              </a:solidFill>
-              <a:uFill>
-                <a:solidFill>
-                  <a:srgbClr val="ffffff"/>
+          <a:bodyPr lIns="0" tIns="0" rIns="0" bIns="0"/>
+          <a:lstStyle/>
+          <a:p>
+            <a:endParaRPr lang="en-US" sz="12100" b="0" strike="noStrike" spc="-1">
+              <a:solidFill>
+                <a:srgbClr val="000000"/>
+              </a:solidFill>
+              <a:uFill>
+                <a:solidFill>
+                  <a:srgbClr val="FFFFFF"/>
                 </a:solidFill>
               </a:uFill>
               <a:latin typeface="Calibri"/>
@@ -2299,15 +2548,16 @@
           </a:prstGeom>
         </p:spPr>
         <p:txBody>
-          <a:bodyPr lIns="0" rIns="0" tIns="0" bIns="0"/>
-          <a:p>
-            <a:endParaRPr b="0" lang="en-US" sz="12100" spc="-1" strike="noStrike">
-              <a:solidFill>
-                <a:srgbClr val="000000"/>
-              </a:solidFill>
-              <a:uFill>
-                <a:solidFill>
-                  <a:srgbClr val="ffffff"/>
+          <a:bodyPr lIns="0" tIns="0" rIns="0" bIns="0"/>
+          <a:lstStyle/>
+          <a:p>
+            <a:endParaRPr lang="en-US" sz="12100" b="0" strike="noStrike" spc="-1">
+              <a:solidFill>
+                <a:srgbClr val="000000"/>
+              </a:solidFill>
+              <a:uFill>
+                <a:solidFill>
+                  <a:srgbClr val="FFFFFF"/>
                 </a:solidFill>
               </a:uFill>
               <a:latin typeface="Calibri"/>
@@ -2317,11 +2567,14 @@
       </p:sp>
     </p:spTree>
   </p:cSld>
+  <p:clrMapOvr>
+    <a:masterClrMapping/>
+  </p:clrMapOvr>
 </p:sldLayout>
 </file>
 
 <file path=ppt/slideLayouts/slideLayout24.xml><?xml version="1.0" encoding="utf-8"?>
-<p:sldLayout xmlns:a="http://schemas.openxmlformats.org/drawingml/2006/main" xmlns:p="http://schemas.openxmlformats.org/presentationml/2006/main" xmlns:r="http://schemas.openxmlformats.org/officeDocument/2006/relationships" xmlns:p14="http://schemas.microsoft.com/office/powerpoint/2010/main" xmlns:p15="http://schemas.microsoft.com/office/powerpoint/2012/main" xmlns:mc="http://schemas.openxmlformats.org/markup-compatibility/2006" type="blank" preserve="1">
+<p:sldLayout xmlns:a="http://schemas.openxmlformats.org/drawingml/2006/main" xmlns:r="http://schemas.openxmlformats.org/officeDocument/2006/relationships" xmlns:p="http://schemas.openxmlformats.org/presentationml/2006/main" type="blank" preserve="1">
   <p:cSld name="Title, 6 Content">
     <p:spTree>
       <p:nvGrpSpPr>
@@ -2357,15 +2610,16 @@
           </a:prstGeom>
         </p:spPr>
         <p:txBody>
-          <a:bodyPr lIns="0" rIns="0" tIns="0" bIns="0" anchor="ctr"/>
-          <a:p>
-            <a:endParaRPr b="0" lang="en-US" sz="6800" spc="-1" strike="noStrike">
-              <a:solidFill>
-                <a:srgbClr val="000000"/>
-              </a:solidFill>
-              <a:uFill>
-                <a:solidFill>
-                  <a:srgbClr val="ffffff"/>
+          <a:bodyPr lIns="0" tIns="0" rIns="0" bIns="0" anchor="ctr"/>
+          <a:lstStyle/>
+          <a:p>
+            <a:endParaRPr lang="en-US" sz="6800" b="0" strike="noStrike" spc="-1">
+              <a:solidFill>
+                <a:srgbClr val="000000"/>
+              </a:solidFill>
+              <a:uFill>
+                <a:solidFill>
+                  <a:srgbClr val="FFFFFF"/>
                 </a:solidFill>
               </a:uFill>
               <a:latin typeface="Calibri"/>
@@ -2393,15 +2647,16 @@
           </a:prstGeom>
         </p:spPr>
         <p:txBody>
-          <a:bodyPr lIns="0" rIns="0" tIns="0" bIns="0"/>
-          <a:p>
-            <a:endParaRPr b="0" lang="en-US" sz="12100" spc="-1" strike="noStrike">
-              <a:solidFill>
-                <a:srgbClr val="000000"/>
-              </a:solidFill>
-              <a:uFill>
-                <a:solidFill>
-                  <a:srgbClr val="ffffff"/>
+          <a:bodyPr lIns="0" tIns="0" rIns="0" bIns="0"/>
+          <a:lstStyle/>
+          <a:p>
+            <a:endParaRPr lang="en-US" sz="12100" b="0" strike="noStrike" spc="-1">
+              <a:solidFill>
+                <a:srgbClr val="000000"/>
+              </a:solidFill>
+              <a:uFill>
+                <a:solidFill>
+                  <a:srgbClr val="FFFFFF"/>
                 </a:solidFill>
               </a:uFill>
               <a:latin typeface="Calibri"/>
@@ -2429,15 +2684,16 @@
           </a:prstGeom>
         </p:spPr>
         <p:txBody>
-          <a:bodyPr lIns="0" rIns="0" tIns="0" bIns="0"/>
-          <a:p>
-            <a:endParaRPr b="0" lang="en-US" sz="12100" spc="-1" strike="noStrike">
-              <a:solidFill>
-                <a:srgbClr val="000000"/>
-              </a:solidFill>
-              <a:uFill>
-                <a:solidFill>
-                  <a:srgbClr val="ffffff"/>
+          <a:bodyPr lIns="0" tIns="0" rIns="0" bIns="0"/>
+          <a:lstStyle/>
+          <a:p>
+            <a:endParaRPr lang="en-US" sz="12100" b="0" strike="noStrike" spc="-1">
+              <a:solidFill>
+                <a:srgbClr val="000000"/>
+              </a:solidFill>
+              <a:uFill>
+                <a:solidFill>
+                  <a:srgbClr val="FFFFFF"/>
                 </a:solidFill>
               </a:uFill>
               <a:latin typeface="Calibri"/>
@@ -2447,7 +2703,7 @@
       </p:sp>
       <p:pic>
         <p:nvPicPr>
-          <p:cNvPr id="76" name="" descr=""/>
+          <p:cNvPr id="76" name="Picture 75"/>
           <p:cNvPicPr/>
           <p:nvPr/>
         </p:nvPicPr>
@@ -2470,12 +2726,12 @@
       </p:pic>
       <p:pic>
         <p:nvPicPr>
-          <p:cNvPr id="77" name="" descr=""/>
+          <p:cNvPr id="77" name="Picture 76"/>
           <p:cNvPicPr/>
           <p:nvPr/>
         </p:nvPicPr>
         <p:blipFill>
-          <a:blip r:embed="rId3"/>
+          <a:blip r:embed="rId2"/>
           <a:stretch/>
         </p:blipFill>
         <p:spPr>
@@ -2493,11 +2749,14 @@
       </p:pic>
     </p:spTree>
   </p:cSld>
+  <p:clrMapOvr>
+    <a:masterClrMapping/>
+  </p:clrMapOvr>
 </p:sldLayout>
 </file>
 
 <file path=ppt/slideLayouts/slideLayout3.xml><?xml version="1.0" encoding="utf-8"?>
-<p:sldLayout xmlns:a="http://schemas.openxmlformats.org/drawingml/2006/main" xmlns:p="http://schemas.openxmlformats.org/presentationml/2006/main" xmlns:r="http://schemas.openxmlformats.org/officeDocument/2006/relationships" xmlns:p14="http://schemas.microsoft.com/office/powerpoint/2010/main" xmlns:p15="http://schemas.microsoft.com/office/powerpoint/2012/main" xmlns:mc="http://schemas.openxmlformats.org/markup-compatibility/2006" type="obj" preserve="1">
+<p:sldLayout xmlns:a="http://schemas.openxmlformats.org/drawingml/2006/main" xmlns:r="http://schemas.openxmlformats.org/officeDocument/2006/relationships" xmlns:p="http://schemas.openxmlformats.org/presentationml/2006/main" type="obj" preserve="1">
   <p:cSld name="Title, Content">
     <p:spTree>
       <p:nvGrpSpPr>
@@ -2533,15 +2792,16 @@
           </a:prstGeom>
         </p:spPr>
         <p:txBody>
-          <a:bodyPr lIns="0" rIns="0" tIns="0" bIns="0" anchor="ctr"/>
-          <a:p>
-            <a:endParaRPr b="0" lang="en-US" sz="6800" spc="-1" strike="noStrike">
-              <a:solidFill>
-                <a:srgbClr val="000000"/>
-              </a:solidFill>
-              <a:uFill>
-                <a:solidFill>
-                  <a:srgbClr val="ffffff"/>
+          <a:bodyPr lIns="0" tIns="0" rIns="0" bIns="0" anchor="ctr"/>
+          <a:lstStyle/>
+          <a:p>
+            <a:endParaRPr lang="en-US" sz="6800" b="0" strike="noStrike" spc="-1">
+              <a:solidFill>
+                <a:srgbClr val="000000"/>
+              </a:solidFill>
+              <a:uFill>
+                <a:solidFill>
+                  <a:srgbClr val="FFFFFF"/>
                 </a:solidFill>
               </a:uFill>
               <a:latin typeface="Calibri"/>
@@ -2569,15 +2829,16 @@
           </a:prstGeom>
         </p:spPr>
         <p:txBody>
-          <a:bodyPr lIns="0" rIns="0" tIns="0" bIns="0"/>
-          <a:p>
-            <a:endParaRPr b="0" lang="en-US" sz="12100" spc="-1" strike="noStrike">
-              <a:solidFill>
-                <a:srgbClr val="000000"/>
-              </a:solidFill>
-              <a:uFill>
-                <a:solidFill>
-                  <a:srgbClr val="ffffff"/>
+          <a:bodyPr lIns="0" tIns="0" rIns="0" bIns="0"/>
+          <a:lstStyle/>
+          <a:p>
+            <a:endParaRPr lang="en-US" sz="12100" b="0" strike="noStrike" spc="-1">
+              <a:solidFill>
+                <a:srgbClr val="000000"/>
+              </a:solidFill>
+              <a:uFill>
+                <a:solidFill>
+                  <a:srgbClr val="FFFFFF"/>
                 </a:solidFill>
               </a:uFill>
               <a:latin typeface="Calibri"/>
@@ -2587,11 +2848,14 @@
       </p:sp>
     </p:spTree>
   </p:cSld>
+  <p:clrMapOvr>
+    <a:masterClrMapping/>
+  </p:clrMapOvr>
 </p:sldLayout>
 </file>
 
 <file path=ppt/slideLayouts/slideLayout4.xml><?xml version="1.0" encoding="utf-8"?>
-<p:sldLayout xmlns:a="http://schemas.openxmlformats.org/drawingml/2006/main" xmlns:p="http://schemas.openxmlformats.org/presentationml/2006/main" xmlns:r="http://schemas.openxmlformats.org/officeDocument/2006/relationships" xmlns:p14="http://schemas.microsoft.com/office/powerpoint/2010/main" xmlns:p15="http://schemas.microsoft.com/office/powerpoint/2012/main" xmlns:mc="http://schemas.openxmlformats.org/markup-compatibility/2006" type="twoObj" preserve="1">
+<p:sldLayout xmlns:a="http://schemas.openxmlformats.org/drawingml/2006/main" xmlns:r="http://schemas.openxmlformats.org/officeDocument/2006/relationships" xmlns:p="http://schemas.openxmlformats.org/presentationml/2006/main" type="twoObj" preserve="1">
   <p:cSld name="Title, 2 Content">
     <p:spTree>
       <p:nvGrpSpPr>
@@ -2627,15 +2891,16 @@
           </a:prstGeom>
         </p:spPr>
         <p:txBody>
-          <a:bodyPr lIns="0" rIns="0" tIns="0" bIns="0" anchor="ctr"/>
-          <a:p>
-            <a:endParaRPr b="0" lang="en-US" sz="6800" spc="-1" strike="noStrike">
-              <a:solidFill>
-                <a:srgbClr val="000000"/>
-              </a:solidFill>
-              <a:uFill>
-                <a:solidFill>
-                  <a:srgbClr val="ffffff"/>
+          <a:bodyPr lIns="0" tIns="0" rIns="0" bIns="0" anchor="ctr"/>
+          <a:lstStyle/>
+          <a:p>
+            <a:endParaRPr lang="en-US" sz="6800" b="0" strike="noStrike" spc="-1">
+              <a:solidFill>
+                <a:srgbClr val="000000"/>
+              </a:solidFill>
+              <a:uFill>
+                <a:solidFill>
+                  <a:srgbClr val="FFFFFF"/>
                 </a:solidFill>
               </a:uFill>
               <a:latin typeface="Calibri"/>
@@ -2663,15 +2928,16 @@
           </a:prstGeom>
         </p:spPr>
         <p:txBody>
-          <a:bodyPr lIns="0" rIns="0" tIns="0" bIns="0"/>
-          <a:p>
-            <a:endParaRPr b="0" lang="en-US" sz="12100" spc="-1" strike="noStrike">
-              <a:solidFill>
-                <a:srgbClr val="000000"/>
-              </a:solidFill>
-              <a:uFill>
-                <a:solidFill>
-                  <a:srgbClr val="ffffff"/>
+          <a:bodyPr lIns="0" tIns="0" rIns="0" bIns="0"/>
+          <a:lstStyle/>
+          <a:p>
+            <a:endParaRPr lang="en-US" sz="12100" b="0" strike="noStrike" spc="-1">
+              <a:solidFill>
+                <a:srgbClr val="000000"/>
+              </a:solidFill>
+              <a:uFill>
+                <a:solidFill>
+                  <a:srgbClr val="FFFFFF"/>
                 </a:solidFill>
               </a:uFill>
               <a:latin typeface="Calibri"/>
@@ -2699,15 +2965,16 @@
           </a:prstGeom>
         </p:spPr>
         <p:txBody>
-          <a:bodyPr lIns="0" rIns="0" tIns="0" bIns="0"/>
-          <a:p>
-            <a:endParaRPr b="0" lang="en-US" sz="12100" spc="-1" strike="noStrike">
-              <a:solidFill>
-                <a:srgbClr val="000000"/>
-              </a:solidFill>
-              <a:uFill>
-                <a:solidFill>
-                  <a:srgbClr val="ffffff"/>
+          <a:bodyPr lIns="0" tIns="0" rIns="0" bIns="0"/>
+          <a:lstStyle/>
+          <a:p>
+            <a:endParaRPr lang="en-US" sz="12100" b="0" strike="noStrike" spc="-1">
+              <a:solidFill>
+                <a:srgbClr val="000000"/>
+              </a:solidFill>
+              <a:uFill>
+                <a:solidFill>
+                  <a:srgbClr val="FFFFFF"/>
                 </a:solidFill>
               </a:uFill>
               <a:latin typeface="Calibri"/>
@@ -2717,11 +2984,14 @@
       </p:sp>
     </p:spTree>
   </p:cSld>
+  <p:clrMapOvr>
+    <a:masterClrMapping/>
+  </p:clrMapOvr>
 </p:sldLayout>
 </file>
 
 <file path=ppt/slideLayouts/slideLayout5.xml><?xml version="1.0" encoding="utf-8"?>
-<p:sldLayout xmlns:a="http://schemas.openxmlformats.org/drawingml/2006/main" xmlns:p="http://schemas.openxmlformats.org/presentationml/2006/main" xmlns:r="http://schemas.openxmlformats.org/officeDocument/2006/relationships" xmlns:p14="http://schemas.microsoft.com/office/powerpoint/2010/main" xmlns:p15="http://schemas.microsoft.com/office/powerpoint/2012/main" xmlns:mc="http://schemas.openxmlformats.org/markup-compatibility/2006" type="titleOnly" preserve="1">
+<p:sldLayout xmlns:a="http://schemas.openxmlformats.org/drawingml/2006/main" xmlns:r="http://schemas.openxmlformats.org/officeDocument/2006/relationships" xmlns:p="http://schemas.openxmlformats.org/presentationml/2006/main" type="titleOnly" preserve="1">
   <p:cSld name="Title Only">
     <p:spTree>
       <p:nvGrpSpPr>
@@ -2757,15 +3027,16 @@
           </a:prstGeom>
         </p:spPr>
         <p:txBody>
-          <a:bodyPr lIns="0" rIns="0" tIns="0" bIns="0" anchor="ctr"/>
-          <a:p>
-            <a:endParaRPr b="0" lang="en-US" sz="6800" spc="-1" strike="noStrike">
-              <a:solidFill>
-                <a:srgbClr val="000000"/>
-              </a:solidFill>
-              <a:uFill>
-                <a:solidFill>
-                  <a:srgbClr val="ffffff"/>
+          <a:bodyPr lIns="0" tIns="0" rIns="0" bIns="0" anchor="ctr"/>
+          <a:lstStyle/>
+          <a:p>
+            <a:endParaRPr lang="en-US" sz="6800" b="0" strike="noStrike" spc="-1">
+              <a:solidFill>
+                <a:srgbClr val="000000"/>
+              </a:solidFill>
+              <a:uFill>
+                <a:solidFill>
+                  <a:srgbClr val="FFFFFF"/>
                 </a:solidFill>
               </a:uFill>
               <a:latin typeface="Calibri"/>
@@ -2775,11 +3046,14 @@
       </p:sp>
     </p:spTree>
   </p:cSld>
+  <p:clrMapOvr>
+    <a:masterClrMapping/>
+  </p:clrMapOvr>
 </p:sldLayout>
 </file>
 
 <file path=ppt/slideLayouts/slideLayout6.xml><?xml version="1.0" encoding="utf-8"?>
-<p:sldLayout xmlns:a="http://schemas.openxmlformats.org/drawingml/2006/main" xmlns:p="http://schemas.openxmlformats.org/presentationml/2006/main" xmlns:r="http://schemas.openxmlformats.org/officeDocument/2006/relationships" xmlns:p14="http://schemas.microsoft.com/office/powerpoint/2010/main" xmlns:p15="http://schemas.microsoft.com/office/powerpoint/2012/main" xmlns:mc="http://schemas.openxmlformats.org/markup-compatibility/2006" type="objOnly" preserve="1">
+<p:sldLayout xmlns:a="http://schemas.openxmlformats.org/drawingml/2006/main" xmlns:r="http://schemas.openxmlformats.org/officeDocument/2006/relationships" xmlns:p="http://schemas.openxmlformats.org/presentationml/2006/main" type="objOnly" preserve="1">
   <p:cSld name="Centered Text">
     <p:spTree>
       <p:nvGrpSpPr>
@@ -2815,16 +3089,17 @@
           </a:prstGeom>
         </p:spPr>
         <p:txBody>
-          <a:bodyPr lIns="0" rIns="0" tIns="0" bIns="0" anchor="ctr"/>
+          <a:bodyPr lIns="0" tIns="0" rIns="0" bIns="0" anchor="ctr"/>
+          <a:lstStyle/>
           <a:p>
             <a:pPr algn="ctr"/>
-            <a:endParaRPr b="0" lang="en-US" sz="3200" spc="-1" strike="noStrike">
-              <a:solidFill>
-                <a:srgbClr val="000000"/>
-              </a:solidFill>
-              <a:uFill>
-                <a:solidFill>
-                  <a:srgbClr val="ffffff"/>
+            <a:endParaRPr lang="en-US" sz="3200" b="0" strike="noStrike" spc="-1">
+              <a:solidFill>
+                <a:srgbClr val="000000"/>
+              </a:solidFill>
+              <a:uFill>
+                <a:solidFill>
+                  <a:srgbClr val="FFFFFF"/>
                 </a:solidFill>
               </a:uFill>
               <a:latin typeface="Arial"/>
@@ -2834,11 +3109,14 @@
       </p:sp>
     </p:spTree>
   </p:cSld>
+  <p:clrMapOvr>
+    <a:masterClrMapping/>
+  </p:clrMapOvr>
 </p:sldLayout>
 </file>
 
 <file path=ppt/slideLayouts/slideLayout7.xml><?xml version="1.0" encoding="utf-8"?>
-<p:sldLayout xmlns:a="http://schemas.openxmlformats.org/drawingml/2006/main" xmlns:p="http://schemas.openxmlformats.org/presentationml/2006/main" xmlns:r="http://schemas.openxmlformats.org/officeDocument/2006/relationships" xmlns:p14="http://schemas.microsoft.com/office/powerpoint/2010/main" xmlns:p15="http://schemas.microsoft.com/office/powerpoint/2012/main" xmlns:mc="http://schemas.openxmlformats.org/markup-compatibility/2006" type="twoObjAndObj" preserve="1">
+<p:sldLayout xmlns:a="http://schemas.openxmlformats.org/drawingml/2006/main" xmlns:r="http://schemas.openxmlformats.org/officeDocument/2006/relationships" xmlns:p="http://schemas.openxmlformats.org/presentationml/2006/main" type="twoObjAndObj" preserve="1">
   <p:cSld name="Title, 2 Content and Content">
     <p:spTree>
       <p:nvGrpSpPr>
@@ -2874,15 +3152,16 @@
           </a:prstGeom>
         </p:spPr>
         <p:txBody>
-          <a:bodyPr lIns="0" rIns="0" tIns="0" bIns="0" anchor="ctr"/>
-          <a:p>
-            <a:endParaRPr b="0" lang="en-US" sz="6800" spc="-1" strike="noStrike">
-              <a:solidFill>
-                <a:srgbClr val="000000"/>
-              </a:solidFill>
-              <a:uFill>
-                <a:solidFill>
-                  <a:srgbClr val="ffffff"/>
+          <a:bodyPr lIns="0" tIns="0" rIns="0" bIns="0" anchor="ctr"/>
+          <a:lstStyle/>
+          <a:p>
+            <a:endParaRPr lang="en-US" sz="6800" b="0" strike="noStrike" spc="-1">
+              <a:solidFill>
+                <a:srgbClr val="000000"/>
+              </a:solidFill>
+              <a:uFill>
+                <a:solidFill>
+                  <a:srgbClr val="FFFFFF"/>
                 </a:solidFill>
               </a:uFill>
               <a:latin typeface="Calibri"/>
@@ -2910,15 +3189,16 @@
           </a:prstGeom>
         </p:spPr>
         <p:txBody>
-          <a:bodyPr lIns="0" rIns="0" tIns="0" bIns="0"/>
-          <a:p>
-            <a:endParaRPr b="0" lang="en-US" sz="12100" spc="-1" strike="noStrike">
-              <a:solidFill>
-                <a:srgbClr val="000000"/>
-              </a:solidFill>
-              <a:uFill>
-                <a:solidFill>
-                  <a:srgbClr val="ffffff"/>
+          <a:bodyPr lIns="0" tIns="0" rIns="0" bIns="0"/>
+          <a:lstStyle/>
+          <a:p>
+            <a:endParaRPr lang="en-US" sz="12100" b="0" strike="noStrike" spc="-1">
+              <a:solidFill>
+                <a:srgbClr val="000000"/>
+              </a:solidFill>
+              <a:uFill>
+                <a:solidFill>
+                  <a:srgbClr val="FFFFFF"/>
                 </a:solidFill>
               </a:uFill>
               <a:latin typeface="Calibri"/>
@@ -2946,15 +3226,16 @@
           </a:prstGeom>
         </p:spPr>
         <p:txBody>
-          <a:bodyPr lIns="0" rIns="0" tIns="0" bIns="0"/>
-          <a:p>
-            <a:endParaRPr b="0" lang="en-US" sz="12100" spc="-1" strike="noStrike">
-              <a:solidFill>
-                <a:srgbClr val="000000"/>
-              </a:solidFill>
-              <a:uFill>
-                <a:solidFill>
-                  <a:srgbClr val="ffffff"/>
+          <a:bodyPr lIns="0" tIns="0" rIns="0" bIns="0"/>
+          <a:lstStyle/>
+          <a:p>
+            <a:endParaRPr lang="en-US" sz="12100" b="0" strike="noStrike" spc="-1">
+              <a:solidFill>
+                <a:srgbClr val="000000"/>
+              </a:solidFill>
+              <a:uFill>
+                <a:solidFill>
+                  <a:srgbClr val="FFFFFF"/>
                 </a:solidFill>
               </a:uFill>
               <a:latin typeface="Calibri"/>
@@ -2982,15 +3263,16 @@
           </a:prstGeom>
         </p:spPr>
         <p:txBody>
-          <a:bodyPr lIns="0" rIns="0" tIns="0" bIns="0"/>
-          <a:p>
-            <a:endParaRPr b="0" lang="en-US" sz="12100" spc="-1" strike="noStrike">
-              <a:solidFill>
-                <a:srgbClr val="000000"/>
-              </a:solidFill>
-              <a:uFill>
-                <a:solidFill>
-                  <a:srgbClr val="ffffff"/>
+          <a:bodyPr lIns="0" tIns="0" rIns="0" bIns="0"/>
+          <a:lstStyle/>
+          <a:p>
+            <a:endParaRPr lang="en-US" sz="12100" b="0" strike="noStrike" spc="-1">
+              <a:solidFill>
+                <a:srgbClr val="000000"/>
+              </a:solidFill>
+              <a:uFill>
+                <a:solidFill>
+                  <a:srgbClr val="FFFFFF"/>
                 </a:solidFill>
               </a:uFill>
               <a:latin typeface="Calibri"/>
@@ -3000,11 +3282,14 @@
       </p:sp>
     </p:spTree>
   </p:cSld>
+  <p:clrMapOvr>
+    <a:masterClrMapping/>
+  </p:clrMapOvr>
 </p:sldLayout>
 </file>
 
 <file path=ppt/slideLayouts/slideLayout8.xml><?xml version="1.0" encoding="utf-8"?>
-<p:sldLayout xmlns:a="http://schemas.openxmlformats.org/drawingml/2006/main" xmlns:p="http://schemas.openxmlformats.org/presentationml/2006/main" xmlns:r="http://schemas.openxmlformats.org/officeDocument/2006/relationships" xmlns:p14="http://schemas.microsoft.com/office/powerpoint/2010/main" xmlns:p15="http://schemas.microsoft.com/office/powerpoint/2012/main" xmlns:mc="http://schemas.openxmlformats.org/markup-compatibility/2006" type="objAndTwoObj" preserve="1">
+<p:sldLayout xmlns:a="http://schemas.openxmlformats.org/drawingml/2006/main" xmlns:r="http://schemas.openxmlformats.org/officeDocument/2006/relationships" xmlns:p="http://schemas.openxmlformats.org/presentationml/2006/main" type="objAndTwoObj" preserve="1">
   <p:cSld name="Title Content and 2 Content">
     <p:spTree>
       <p:nvGrpSpPr>
@@ -3040,15 +3325,16 @@
           </a:prstGeom>
         </p:spPr>
         <p:txBody>
-          <a:bodyPr lIns="0" rIns="0" tIns="0" bIns="0" anchor="ctr"/>
-          <a:p>
-            <a:endParaRPr b="0" lang="en-US" sz="6800" spc="-1" strike="noStrike">
-              <a:solidFill>
-                <a:srgbClr val="000000"/>
-              </a:solidFill>
-              <a:uFill>
-                <a:solidFill>
-                  <a:srgbClr val="ffffff"/>
+          <a:bodyPr lIns="0" tIns="0" rIns="0" bIns="0" anchor="ctr"/>
+          <a:lstStyle/>
+          <a:p>
+            <a:endParaRPr lang="en-US" sz="6800" b="0" strike="noStrike" spc="-1">
+              <a:solidFill>
+                <a:srgbClr val="000000"/>
+              </a:solidFill>
+              <a:uFill>
+                <a:solidFill>
+                  <a:srgbClr val="FFFFFF"/>
                 </a:solidFill>
               </a:uFill>
               <a:latin typeface="Calibri"/>
@@ -3076,15 +3362,16 @@
           </a:prstGeom>
         </p:spPr>
         <p:txBody>
-          <a:bodyPr lIns="0" rIns="0" tIns="0" bIns="0"/>
-          <a:p>
-            <a:endParaRPr b="0" lang="en-US" sz="12100" spc="-1" strike="noStrike">
-              <a:solidFill>
-                <a:srgbClr val="000000"/>
-              </a:solidFill>
-              <a:uFill>
-                <a:solidFill>
-                  <a:srgbClr val="ffffff"/>
+          <a:bodyPr lIns="0" tIns="0" rIns="0" bIns="0"/>
+          <a:lstStyle/>
+          <a:p>
+            <a:endParaRPr lang="en-US" sz="12100" b="0" strike="noStrike" spc="-1">
+              <a:solidFill>
+                <a:srgbClr val="000000"/>
+              </a:solidFill>
+              <a:uFill>
+                <a:solidFill>
+                  <a:srgbClr val="FFFFFF"/>
                 </a:solidFill>
               </a:uFill>
               <a:latin typeface="Calibri"/>
@@ -3112,15 +3399,16 @@
           </a:prstGeom>
         </p:spPr>
         <p:txBody>
-          <a:bodyPr lIns="0" rIns="0" tIns="0" bIns="0"/>
-          <a:p>
-            <a:endParaRPr b="0" lang="en-US" sz="12100" spc="-1" strike="noStrike">
-              <a:solidFill>
-                <a:srgbClr val="000000"/>
-              </a:solidFill>
-              <a:uFill>
-                <a:solidFill>
-                  <a:srgbClr val="ffffff"/>
+          <a:bodyPr lIns="0" tIns="0" rIns="0" bIns="0"/>
+          <a:lstStyle/>
+          <a:p>
+            <a:endParaRPr lang="en-US" sz="12100" b="0" strike="noStrike" spc="-1">
+              <a:solidFill>
+                <a:srgbClr val="000000"/>
+              </a:solidFill>
+              <a:uFill>
+                <a:solidFill>
+                  <a:srgbClr val="FFFFFF"/>
                 </a:solidFill>
               </a:uFill>
               <a:latin typeface="Calibri"/>
@@ -3148,15 +3436,16 @@
           </a:prstGeom>
         </p:spPr>
         <p:txBody>
-          <a:bodyPr lIns="0" rIns="0" tIns="0" bIns="0"/>
-          <a:p>
-            <a:endParaRPr b="0" lang="en-US" sz="12100" spc="-1" strike="noStrike">
-              <a:solidFill>
-                <a:srgbClr val="000000"/>
-              </a:solidFill>
-              <a:uFill>
-                <a:solidFill>
-                  <a:srgbClr val="ffffff"/>
+          <a:bodyPr lIns="0" tIns="0" rIns="0" bIns="0"/>
+          <a:lstStyle/>
+          <a:p>
+            <a:endParaRPr lang="en-US" sz="12100" b="0" strike="noStrike" spc="-1">
+              <a:solidFill>
+                <a:srgbClr val="000000"/>
+              </a:solidFill>
+              <a:uFill>
+                <a:solidFill>
+                  <a:srgbClr val="FFFFFF"/>
                 </a:solidFill>
               </a:uFill>
               <a:latin typeface="Calibri"/>
@@ -3166,11 +3455,14 @@
       </p:sp>
     </p:spTree>
   </p:cSld>
+  <p:clrMapOvr>
+    <a:masterClrMapping/>
+  </p:clrMapOvr>
 </p:sldLayout>
 </file>
 
 <file path=ppt/slideLayouts/slideLayout9.xml><?xml version="1.0" encoding="utf-8"?>
-<p:sldLayout xmlns:a="http://schemas.openxmlformats.org/drawingml/2006/main" xmlns:p="http://schemas.openxmlformats.org/presentationml/2006/main" xmlns:r="http://schemas.openxmlformats.org/officeDocument/2006/relationships" xmlns:p14="http://schemas.microsoft.com/office/powerpoint/2010/main" xmlns:p15="http://schemas.microsoft.com/office/powerpoint/2012/main" xmlns:mc="http://schemas.openxmlformats.org/markup-compatibility/2006" type="twoObjOverTx" preserve="1">
+<p:sldLayout xmlns:a="http://schemas.openxmlformats.org/drawingml/2006/main" xmlns:r="http://schemas.openxmlformats.org/officeDocument/2006/relationships" xmlns:p="http://schemas.openxmlformats.org/presentationml/2006/main" type="twoObjOverTx" preserve="1">
   <p:cSld name="Title, 2 Content over Content">
     <p:spTree>
       <p:nvGrpSpPr>
@@ -3206,15 +3498,16 @@
           </a:prstGeom>
         </p:spPr>
         <p:txBody>
-          <a:bodyPr lIns="0" rIns="0" tIns="0" bIns="0" anchor="ctr"/>
-          <a:p>
-            <a:endParaRPr b="0" lang="en-US" sz="6800" spc="-1" strike="noStrike">
-              <a:solidFill>
-                <a:srgbClr val="000000"/>
-              </a:solidFill>
-              <a:uFill>
-                <a:solidFill>
-                  <a:srgbClr val="ffffff"/>
+          <a:bodyPr lIns="0" tIns="0" rIns="0" bIns="0" anchor="ctr"/>
+          <a:lstStyle/>
+          <a:p>
+            <a:endParaRPr lang="en-US" sz="6800" b="0" strike="noStrike" spc="-1">
+              <a:solidFill>
+                <a:srgbClr val="000000"/>
+              </a:solidFill>
+              <a:uFill>
+                <a:solidFill>
+                  <a:srgbClr val="FFFFFF"/>
                 </a:solidFill>
               </a:uFill>
               <a:latin typeface="Calibri"/>
@@ -3242,15 +3535,16 @@
           </a:prstGeom>
         </p:spPr>
         <p:txBody>
-          <a:bodyPr lIns="0" rIns="0" tIns="0" bIns="0"/>
-          <a:p>
-            <a:endParaRPr b="0" lang="en-US" sz="12100" spc="-1" strike="noStrike">
-              <a:solidFill>
-                <a:srgbClr val="000000"/>
-              </a:solidFill>
-              <a:uFill>
-                <a:solidFill>
-                  <a:srgbClr val="ffffff"/>
+          <a:bodyPr lIns="0" tIns="0" rIns="0" bIns="0"/>
+          <a:lstStyle/>
+          <a:p>
+            <a:endParaRPr lang="en-US" sz="12100" b="0" strike="noStrike" spc="-1">
+              <a:solidFill>
+                <a:srgbClr val="000000"/>
+              </a:solidFill>
+              <a:uFill>
+                <a:solidFill>
+                  <a:srgbClr val="FFFFFF"/>
                 </a:solidFill>
               </a:uFill>
               <a:latin typeface="Calibri"/>
@@ -3278,15 +3572,16 @@
           </a:prstGeom>
         </p:spPr>
         <p:txBody>
-          <a:bodyPr lIns="0" rIns="0" tIns="0" bIns="0"/>
-          <a:p>
-            <a:endParaRPr b="0" lang="en-US" sz="12100" spc="-1" strike="noStrike">
-              <a:solidFill>
-                <a:srgbClr val="000000"/>
-              </a:solidFill>
-              <a:uFill>
-                <a:solidFill>
-                  <a:srgbClr val="ffffff"/>
+          <a:bodyPr lIns="0" tIns="0" rIns="0" bIns="0"/>
+          <a:lstStyle/>
+          <a:p>
+            <a:endParaRPr lang="en-US" sz="12100" b="0" strike="noStrike" spc="-1">
+              <a:solidFill>
+                <a:srgbClr val="000000"/>
+              </a:solidFill>
+              <a:uFill>
+                <a:solidFill>
+                  <a:srgbClr val="FFFFFF"/>
                 </a:solidFill>
               </a:uFill>
               <a:latin typeface="Calibri"/>
@@ -3314,15 +3609,16 @@
           </a:prstGeom>
         </p:spPr>
         <p:txBody>
-          <a:bodyPr lIns="0" rIns="0" tIns="0" bIns="0"/>
-          <a:p>
-            <a:endParaRPr b="0" lang="en-US" sz="12100" spc="-1" strike="noStrike">
-              <a:solidFill>
-                <a:srgbClr val="000000"/>
-              </a:solidFill>
-              <a:uFill>
-                <a:solidFill>
-                  <a:srgbClr val="ffffff"/>
+          <a:bodyPr lIns="0" tIns="0" rIns="0" bIns="0"/>
+          <a:lstStyle/>
+          <a:p>
+            <a:endParaRPr lang="en-US" sz="12100" b="0" strike="noStrike" spc="-1">
+              <a:solidFill>
+                <a:srgbClr val="000000"/>
+              </a:solidFill>
+              <a:uFill>
+                <a:solidFill>
+                  <a:srgbClr val="FFFFFF"/>
                 </a:solidFill>
               </a:uFill>
               <a:latin typeface="Calibri"/>
@@ -3332,17 +3628,21 @@
       </p:sp>
     </p:spTree>
   </p:cSld>
+  <p:clrMapOvr>
+    <a:masterClrMapping/>
+  </p:clrMapOvr>
 </p:sldLayout>
 </file>
 
 <file path=ppt/slideMasters/slideMaster1.xml><?xml version="1.0" encoding="utf-8"?>
-<p:sldMaster xmlns:a="http://schemas.openxmlformats.org/drawingml/2006/main" xmlns:p="http://schemas.openxmlformats.org/presentationml/2006/main" xmlns:r="http://schemas.openxmlformats.org/officeDocument/2006/relationships" xmlns:p14="http://schemas.microsoft.com/office/powerpoint/2010/main" xmlns:p15="http://schemas.microsoft.com/office/powerpoint/2012/main" xmlns:mc="http://schemas.openxmlformats.org/markup-compatibility/2006">
+<p:sldMaster xmlns:a="http://schemas.openxmlformats.org/drawingml/2006/main" xmlns:r="http://schemas.openxmlformats.org/officeDocument/2006/relationships" xmlns:p="http://schemas.openxmlformats.org/presentationml/2006/main">
   <p:cSld>
     <p:bg>
       <p:bgPr>
         <a:solidFill>
-          <a:srgbClr val="ffffff"/>
+          <a:srgbClr val="FFFFFF"/>
         </a:solidFill>
+        <a:effectLst/>
       </p:bgPr>
     </p:bg>
     <p:spTree>
@@ -3361,7 +3661,7 @@
       </p:grpSpPr>
       <p:sp>
         <p:nvSpPr>
-          <p:cNvPr id="0" name="PlaceHolder 1"/>
+          <p:cNvPr id="5" name="PlaceHolder 1"/>
           <p:cNvSpPr>
             <a:spLocks noGrp="1"/>
           </p:cNvSpPr>
@@ -3379,7 +3679,8 @@
           </a:prstGeom>
         </p:spPr>
         <p:txBody>
-          <a:bodyPr lIns="344880" rIns="344880" tIns="172440" bIns="172440" anchor="ctr"/>
+          <a:bodyPr lIns="344880" tIns="172440" rIns="344880" bIns="172440" anchor="ctr"/>
+          <a:lstStyle/>
           <a:p>
             <a:pPr algn="ctr">
               <a:lnSpc>
@@ -3387,26 +3688,26 @@
               </a:lnSpc>
             </a:pPr>
             <a:r>
-              <a:rPr b="0" lang="en-US" sz="16600" spc="-1" strike="noStrike">
+              <a:rPr lang="en-US" sz="16600" b="0" strike="noStrike" spc="-1">
                 <a:solidFill>
                   <a:srgbClr val="000000"/>
                 </a:solidFill>
                 <a:uFill>
                   <a:solidFill>
-                    <a:srgbClr val="ffffff"/>
+                    <a:srgbClr val="FFFFFF"/>
                   </a:solidFill>
                 </a:uFill>
                 <a:latin typeface="Calibri"/>
               </a:rPr>
               <a:t>Click to edit Master title style</a:t>
             </a:r>
-            <a:endParaRPr b="0" lang="en-US" sz="6800" spc="-1" strike="noStrike">
-              <a:solidFill>
-                <a:srgbClr val="000000"/>
-              </a:solidFill>
-              <a:uFill>
-                <a:solidFill>
-                  <a:srgbClr val="ffffff"/>
+            <a:endParaRPr lang="en-US" sz="6800" b="0" strike="noStrike" spc="-1">
+              <a:solidFill>
+                <a:srgbClr val="000000"/>
+              </a:solidFill>
+              <a:uFill>
+                <a:solidFill>
+                  <a:srgbClr val="FFFFFF"/>
                 </a:solidFill>
               </a:uFill>
               <a:latin typeface="Calibri"/>
@@ -3416,7 +3717,7 @@
       </p:sp>
       <p:sp>
         <p:nvSpPr>
-          <p:cNvPr id="1" name="PlaceHolder 2"/>
+          <p:cNvPr id="6" name="PlaceHolder 2"/>
           <p:cNvSpPr>
             <a:spLocks noGrp="1"/>
           </p:cNvSpPr>
@@ -3434,7 +3735,8 @@
           </a:prstGeom>
         </p:spPr>
         <p:txBody>
-          <a:bodyPr lIns="344880" rIns="344880" tIns="172440" bIns="172440" anchor="ctr"/>
+          <a:bodyPr lIns="344880" tIns="172440" rIns="344880" bIns="172440" anchor="ctr"/>
+          <a:lstStyle/>
           <a:p>
             <a:pPr>
               <a:lnSpc>
@@ -3442,26 +3744,26 @@
               </a:lnSpc>
             </a:pPr>
             <a:r>
-              <a:rPr b="0" lang="en-US" sz="4500" spc="-1" strike="noStrike">
-                <a:solidFill>
-                  <a:srgbClr val="8b8b8b"/>
+              <a:rPr lang="en-US" sz="4500" b="0" strike="noStrike" spc="-1">
+                <a:solidFill>
+                  <a:srgbClr val="8B8B8B"/>
                 </a:solidFill>
                 <a:uFill>
                   <a:solidFill>
-                    <a:srgbClr val="ffffff"/>
+                    <a:srgbClr val="FFFFFF"/>
                   </a:solidFill>
                 </a:uFill>
                 <a:latin typeface="Calibri"/>
               </a:rPr>
               <a:t>4/14/16</a:t>
             </a:r>
-            <a:endParaRPr b="0" lang="en-US" sz="1400" spc="-1" strike="noStrike">
-              <a:solidFill>
-                <a:srgbClr val="000000"/>
-              </a:solidFill>
-              <a:uFill>
-                <a:solidFill>
-                  <a:srgbClr val="ffffff"/>
+            <a:endParaRPr lang="en-US" sz="1400" b="0" strike="noStrike" spc="-1">
+              <a:solidFill>
+                <a:srgbClr val="000000"/>
+              </a:solidFill>
+              <a:uFill>
+                <a:solidFill>
+                  <a:srgbClr val="FFFFFF"/>
                 </a:solidFill>
               </a:uFill>
               <a:latin typeface="Times New Roman"/>
@@ -3489,15 +3791,16 @@
           </a:prstGeom>
         </p:spPr>
         <p:txBody>
-          <a:bodyPr lIns="344880" rIns="344880" tIns="172440" bIns="172440" anchor="ctr"/>
-          <a:p>
-            <a:endParaRPr b="0" lang="en-US" sz="2400" spc="-1" strike="noStrike">
-              <a:solidFill>
-                <a:srgbClr val="000000"/>
-              </a:solidFill>
-              <a:uFill>
-                <a:solidFill>
-                  <a:srgbClr val="ffffff"/>
+          <a:bodyPr lIns="344880" tIns="172440" rIns="344880" bIns="172440" anchor="ctr"/>
+          <a:lstStyle/>
+          <a:p>
+            <a:endParaRPr lang="en-US" sz="2400" b="0" strike="noStrike" spc="-1">
+              <a:solidFill>
+                <a:srgbClr val="000000"/>
+              </a:solidFill>
+              <a:uFill>
+                <a:solidFill>
+                  <a:srgbClr val="FFFFFF"/>
                 </a:solidFill>
               </a:uFill>
               <a:latin typeface="Times New Roman"/>
@@ -3525,7 +3828,8 @@
           </a:prstGeom>
         </p:spPr>
         <p:txBody>
-          <a:bodyPr lIns="344880" rIns="344880" tIns="172440" bIns="172440" anchor="ctr"/>
+          <a:bodyPr lIns="344880" tIns="172440" rIns="344880" bIns="172440" anchor="ctr"/>
+          <a:lstStyle/>
           <a:p>
             <a:pPr algn="r">
               <a:lnSpc>
@@ -3533,26 +3837,26 @@
               </a:lnSpc>
             </a:pPr>
             <a:fld id="{1E103005-BFFF-4DF8-BF01-80291E7CE72C}" type="slidenum">
-              <a:rPr b="0" lang="en-US" sz="4500" spc="-1" strike="noStrike">
-                <a:solidFill>
-                  <a:srgbClr val="8b8b8b"/>
+              <a:rPr lang="en-US" sz="4500" b="0" strike="noStrike" spc="-1">
+                <a:solidFill>
+                  <a:srgbClr val="8B8B8B"/>
                 </a:solidFill>
                 <a:uFill>
                   <a:solidFill>
-                    <a:srgbClr val="ffffff"/>
+                    <a:srgbClr val="FFFFFF"/>
                   </a:solidFill>
                 </a:uFill>
                 <a:latin typeface="Calibri"/>
               </a:rPr>
-              <a:t>&lt;number&gt;</a:t>
+              <a:t>‹#›</a:t>
             </a:fld>
-            <a:endParaRPr b="0" lang="en-US" sz="1400" spc="-1" strike="noStrike">
-              <a:solidFill>
-                <a:srgbClr val="000000"/>
-              </a:solidFill>
-              <a:uFill>
-                <a:solidFill>
-                  <a:srgbClr val="ffffff"/>
+            <a:endParaRPr lang="en-US" sz="1400" b="0" strike="noStrike" spc="-1">
+              <a:solidFill>
+                <a:srgbClr val="000000"/>
+              </a:solidFill>
+              <a:uFill>
+                <a:solidFill>
+                  <a:srgbClr val="FFFFFF"/>
                 </a:solidFill>
               </a:uFill>
               <a:latin typeface="Times New Roman"/>
@@ -3580,7 +3884,8 @@
           </a:prstGeom>
         </p:spPr>
         <p:txBody>
-          <a:bodyPr lIns="0" rIns="0" tIns="0" bIns="0"/>
+          <a:bodyPr lIns="0" tIns="0" rIns="0" bIns="0"/>
+          <a:lstStyle/>
           <a:p>
             <a:pPr marL="432000" indent="-324000">
               <a:buClr>
@@ -3591,33 +3896,22 @@
               <a:buChar char=""/>
             </a:pPr>
             <a:r>
-              <a:rPr b="0" lang="en-US" sz="12100" spc="-1" strike="noStrike">
+              <a:rPr lang="en-US" sz="12100" b="0" strike="noStrike" spc="-1">
                 <a:solidFill>
                   <a:srgbClr val="000000"/>
                 </a:solidFill>
                 <a:uFill>
                   <a:solidFill>
-                    <a:srgbClr val="ffffff"/>
+                    <a:srgbClr val="FFFFFF"/>
                   </a:solidFill>
                 </a:uFill>
                 <a:latin typeface="Calibri"/>
               </a:rPr>
               <a:t>Click to edit the outline text format</a:t>
             </a:r>
-            <a:endParaRPr b="0" lang="en-US" sz="12100" spc="-1" strike="noStrike">
-              <a:solidFill>
-                <a:srgbClr val="000000"/>
-              </a:solidFill>
-              <a:uFill>
-                <a:solidFill>
-                  <a:srgbClr val="ffffff"/>
-                </a:solidFill>
-              </a:uFill>
-              <a:latin typeface="Calibri"/>
-            </a:endParaRPr>
-          </a:p>
-          <a:p>
-            <a:pPr lvl="1" marL="864000" indent="-324000">
+          </a:p>
+          <a:p>
+            <a:pPr marL="864000" lvl="1" indent="-324000">
               <a:buClr>
                 <a:srgbClr val="000000"/>
               </a:buClr>
@@ -3626,33 +3920,22 @@
               <a:buChar char=""/>
             </a:pPr>
             <a:r>
-              <a:rPr b="0" lang="en-US" sz="9100" spc="-1" strike="noStrike">
+              <a:rPr lang="en-US" sz="9100" b="0" strike="noStrike" spc="-1">
                 <a:solidFill>
                   <a:srgbClr val="000000"/>
                 </a:solidFill>
                 <a:uFill>
                   <a:solidFill>
-                    <a:srgbClr val="ffffff"/>
+                    <a:srgbClr val="FFFFFF"/>
                   </a:solidFill>
                 </a:uFill>
                 <a:latin typeface="Calibri"/>
               </a:rPr>
               <a:t>Second Outline Level</a:t>
             </a:r>
-            <a:endParaRPr b="0" lang="en-US" sz="9100" spc="-1" strike="noStrike">
-              <a:solidFill>
-                <a:srgbClr val="000000"/>
-              </a:solidFill>
-              <a:uFill>
-                <a:solidFill>
-                  <a:srgbClr val="ffffff"/>
-                </a:solidFill>
-              </a:uFill>
-              <a:latin typeface="Calibri"/>
-            </a:endParaRPr>
-          </a:p>
-          <a:p>
-            <a:pPr lvl="2" marL="1296000" indent="-288000">
+          </a:p>
+          <a:p>
+            <a:pPr marL="1296000" lvl="2" indent="-288000">
               <a:buClr>
                 <a:srgbClr val="000000"/>
               </a:buClr>
@@ -3661,33 +3944,22 @@
               <a:buChar char=""/>
             </a:pPr>
             <a:r>
-              <a:rPr b="0" lang="en-US" sz="7500" spc="-1" strike="noStrike">
+              <a:rPr lang="en-US" sz="7500" b="0" strike="noStrike" spc="-1">
                 <a:solidFill>
                   <a:srgbClr val="000000"/>
                 </a:solidFill>
                 <a:uFill>
                   <a:solidFill>
-                    <a:srgbClr val="ffffff"/>
+                    <a:srgbClr val="FFFFFF"/>
                   </a:solidFill>
                 </a:uFill>
                 <a:latin typeface="Calibri"/>
               </a:rPr>
               <a:t>Third Outline Level</a:t>
             </a:r>
-            <a:endParaRPr b="0" lang="en-US" sz="7500" spc="-1" strike="noStrike">
-              <a:solidFill>
-                <a:srgbClr val="000000"/>
-              </a:solidFill>
-              <a:uFill>
-                <a:solidFill>
-                  <a:srgbClr val="ffffff"/>
-                </a:solidFill>
-              </a:uFill>
-              <a:latin typeface="Calibri"/>
-            </a:endParaRPr>
-          </a:p>
-          <a:p>
-            <a:pPr lvl="3" marL="1728000" indent="-216000">
+          </a:p>
+          <a:p>
+            <a:pPr marL="1728000" lvl="3" indent="-216000">
               <a:buClr>
                 <a:srgbClr val="000000"/>
               </a:buClr>
@@ -3696,33 +3968,22 @@
               <a:buChar char=""/>
             </a:pPr>
             <a:r>
-              <a:rPr b="0" lang="en-US" sz="7500" spc="-1" strike="noStrike">
+              <a:rPr lang="en-US" sz="7500" b="0" strike="noStrike" spc="-1">
                 <a:solidFill>
                   <a:srgbClr val="000000"/>
                 </a:solidFill>
                 <a:uFill>
                   <a:solidFill>
-                    <a:srgbClr val="ffffff"/>
+                    <a:srgbClr val="FFFFFF"/>
                   </a:solidFill>
                 </a:uFill>
                 <a:latin typeface="Calibri"/>
               </a:rPr>
               <a:t>Fourth Outline Level</a:t>
             </a:r>
-            <a:endParaRPr b="0" lang="en-US" sz="7500" spc="-1" strike="noStrike">
-              <a:solidFill>
-                <a:srgbClr val="000000"/>
-              </a:solidFill>
-              <a:uFill>
-                <a:solidFill>
-                  <a:srgbClr val="ffffff"/>
-                </a:solidFill>
-              </a:uFill>
-              <a:latin typeface="Calibri"/>
-            </a:endParaRPr>
-          </a:p>
-          <a:p>
-            <a:pPr lvl="4" marL="2160000" indent="-216000">
+          </a:p>
+          <a:p>
+            <a:pPr marL="2160000" lvl="4" indent="-216000">
               <a:buClr>
                 <a:srgbClr val="000000"/>
               </a:buClr>
@@ -3731,33 +3992,22 @@
               <a:buChar char=""/>
             </a:pPr>
             <a:r>
-              <a:rPr b="0" lang="en-US" sz="2000" spc="-1" strike="noStrike">
+              <a:rPr lang="en-US" sz="2000" b="0" strike="noStrike" spc="-1">
                 <a:solidFill>
                   <a:srgbClr val="000000"/>
                 </a:solidFill>
                 <a:uFill>
                   <a:solidFill>
-                    <a:srgbClr val="ffffff"/>
+                    <a:srgbClr val="FFFFFF"/>
                   </a:solidFill>
                 </a:uFill>
                 <a:latin typeface="Calibri"/>
               </a:rPr>
               <a:t>Fifth Outline Level</a:t>
             </a:r>
-            <a:endParaRPr b="0" lang="en-US" sz="2000" spc="-1" strike="noStrike">
-              <a:solidFill>
-                <a:srgbClr val="000000"/>
-              </a:solidFill>
-              <a:uFill>
-                <a:solidFill>
-                  <a:srgbClr val="ffffff"/>
-                </a:solidFill>
-              </a:uFill>
-              <a:latin typeface="Calibri"/>
-            </a:endParaRPr>
-          </a:p>
-          <a:p>
-            <a:pPr lvl="5" marL="2592000" indent="-216000">
+          </a:p>
+          <a:p>
+            <a:pPr marL="2592000" lvl="5" indent="-216000">
               <a:buClr>
                 <a:srgbClr val="000000"/>
               </a:buClr>
@@ -3766,33 +4016,22 @@
               <a:buChar char=""/>
             </a:pPr>
             <a:r>
-              <a:rPr b="0" lang="en-US" sz="2000" spc="-1" strike="noStrike">
+              <a:rPr lang="en-US" sz="2000" b="0" strike="noStrike" spc="-1">
                 <a:solidFill>
                   <a:srgbClr val="000000"/>
                 </a:solidFill>
                 <a:uFill>
                   <a:solidFill>
-                    <a:srgbClr val="ffffff"/>
+                    <a:srgbClr val="FFFFFF"/>
                   </a:solidFill>
                 </a:uFill>
                 <a:latin typeface="Calibri"/>
               </a:rPr>
               <a:t>Sixth Outline Level</a:t>
             </a:r>
-            <a:endParaRPr b="0" lang="en-US" sz="2000" spc="-1" strike="noStrike">
-              <a:solidFill>
-                <a:srgbClr val="000000"/>
-              </a:solidFill>
-              <a:uFill>
-                <a:solidFill>
-                  <a:srgbClr val="ffffff"/>
-                </a:solidFill>
-              </a:uFill>
-              <a:latin typeface="Calibri"/>
-            </a:endParaRPr>
-          </a:p>
-          <a:p>
-            <a:pPr lvl="6" marL="3024000" indent="-216000">
+          </a:p>
+          <a:p>
+            <a:pPr marL="3024000" lvl="6" indent="-216000">
               <a:buClr>
                 <a:srgbClr val="000000"/>
               </a:buClr>
@@ -3801,61 +4040,56 @@
               <a:buChar char=""/>
             </a:pPr>
             <a:r>
-              <a:rPr b="0" lang="en-US" sz="2000" spc="-1" strike="noStrike">
+              <a:rPr lang="en-US" sz="2000" b="0" strike="noStrike" spc="-1">
                 <a:solidFill>
                   <a:srgbClr val="000000"/>
                 </a:solidFill>
                 <a:uFill>
                   <a:solidFill>
-                    <a:srgbClr val="ffffff"/>
+                    <a:srgbClr val="FFFFFF"/>
                   </a:solidFill>
                 </a:uFill>
                 <a:latin typeface="Calibri"/>
               </a:rPr>
               <a:t>Seventh Outline Level</a:t>
             </a:r>
-            <a:endParaRPr b="0" lang="en-US" sz="2000" spc="-1" strike="noStrike">
-              <a:solidFill>
-                <a:srgbClr val="000000"/>
-              </a:solidFill>
-              <a:uFill>
-                <a:solidFill>
-                  <a:srgbClr val="ffffff"/>
-                </a:solidFill>
-              </a:uFill>
-              <a:latin typeface="Calibri"/>
-            </a:endParaRPr>
           </a:p>
         </p:txBody>
       </p:sp>
     </p:spTree>
   </p:cSld>
-  <p:clrMap bg1="lt1" bg2="lt2" tx1="dk1" tx2="dk2" accent1="accent1" accent2="accent2" accent3="accent3" accent4="accent4" accent5="accent5" accent6="accent6" hlink="hlink" folHlink="folHlink"/>
+  <p:clrMap bg1="lt1" tx1="dk1" bg2="lt2" tx2="dk2" accent1="accent1" accent2="accent2" accent3="accent3" accent4="accent4" accent5="accent5" accent6="accent6" hlink="hlink" folHlink="folHlink"/>
   <p:sldLayoutIdLst>
-    <p:sldLayoutId id="2147483649" r:id="rId2"/>
-    <p:sldLayoutId id="2147483650" r:id="rId3"/>
-    <p:sldLayoutId id="2147483651" r:id="rId4"/>
-    <p:sldLayoutId id="2147483652" r:id="rId5"/>
-    <p:sldLayoutId id="2147483653" r:id="rId6"/>
-    <p:sldLayoutId id="2147483654" r:id="rId7"/>
-    <p:sldLayoutId id="2147483655" r:id="rId8"/>
-    <p:sldLayoutId id="2147483656" r:id="rId9"/>
-    <p:sldLayoutId id="2147483657" r:id="rId10"/>
-    <p:sldLayoutId id="2147483658" r:id="rId11"/>
-    <p:sldLayoutId id="2147483659" r:id="rId12"/>
-    <p:sldLayoutId id="2147483660" r:id="rId13"/>
+    <p:sldLayoutId id="2147483649" r:id="rId1"/>
+    <p:sldLayoutId id="2147483650" r:id="rId2"/>
+    <p:sldLayoutId id="2147483651" r:id="rId3"/>
+    <p:sldLayoutId id="2147483652" r:id="rId4"/>
+    <p:sldLayoutId id="2147483653" r:id="rId5"/>
+    <p:sldLayoutId id="2147483654" r:id="rId6"/>
+    <p:sldLayoutId id="2147483655" r:id="rId7"/>
+    <p:sldLayoutId id="2147483656" r:id="rId8"/>
+    <p:sldLayoutId id="2147483657" r:id="rId9"/>
+    <p:sldLayoutId id="2147483658" r:id="rId10"/>
+    <p:sldLayoutId id="2147483659" r:id="rId11"/>
+    <p:sldLayoutId id="2147483660" r:id="rId12"/>
   </p:sldLayoutIdLst>
+  <p:txStyles>
+    <p:titleStyle/>
+    <p:bodyStyle/>
+    <p:otherStyle/>
+  </p:txStyles>
 </p:sldMaster>
 </file>
 
 <file path=ppt/slideMasters/slideMaster2.xml><?xml version="1.0" encoding="utf-8"?>
-<p:sldMaster xmlns:a="http://schemas.openxmlformats.org/drawingml/2006/main" xmlns:p="http://schemas.openxmlformats.org/presentationml/2006/main" xmlns:r="http://schemas.openxmlformats.org/officeDocument/2006/relationships" xmlns:p14="http://schemas.microsoft.com/office/powerpoint/2010/main" xmlns:p15="http://schemas.microsoft.com/office/powerpoint/2012/main" xmlns:mc="http://schemas.openxmlformats.org/markup-compatibility/2006">
+<p:sldMaster xmlns:a="http://schemas.openxmlformats.org/drawingml/2006/main" xmlns:r="http://schemas.openxmlformats.org/officeDocument/2006/relationships" xmlns:p="http://schemas.openxmlformats.org/presentationml/2006/main">
   <p:cSld>
     <p:bg>
       <p:bgPr>
         <a:solidFill>
-          <a:srgbClr val="ffffff"/>
+          <a:srgbClr val="FFFFFF"/>
         </a:solidFill>
+        <a:effectLst/>
       </p:bgPr>
     </p:bg>
     <p:spTree>
@@ -3892,7 +4126,8 @@
           </a:prstGeom>
         </p:spPr>
         <p:txBody>
-          <a:bodyPr lIns="344880" rIns="344880" tIns="172440" bIns="172440" anchor="ctr"/>
+          <a:bodyPr lIns="344880" tIns="172440" rIns="344880" bIns="172440" anchor="ctr"/>
+          <a:lstStyle/>
           <a:p>
             <a:pPr algn="ctr">
               <a:lnSpc>
@@ -3900,26 +4135,26 @@
               </a:lnSpc>
             </a:pPr>
             <a:r>
-              <a:rPr b="0" lang="en-US" sz="16600" spc="-1" strike="noStrike">
+              <a:rPr lang="en-US" sz="16600" b="0" strike="noStrike" spc="-1">
                 <a:solidFill>
                   <a:srgbClr val="000000"/>
                 </a:solidFill>
                 <a:uFill>
                   <a:solidFill>
-                    <a:srgbClr val="ffffff"/>
+                    <a:srgbClr val="FFFFFF"/>
                   </a:solidFill>
                 </a:uFill>
                 <a:latin typeface="Calibri"/>
               </a:rPr>
               <a:t>Click to edit Master title style</a:t>
             </a:r>
-            <a:endParaRPr b="0" lang="en-US" sz="6800" spc="-1" strike="noStrike">
-              <a:solidFill>
-                <a:srgbClr val="000000"/>
-              </a:solidFill>
-              <a:uFill>
-                <a:solidFill>
-                  <a:srgbClr val="ffffff"/>
+            <a:endParaRPr lang="en-US" sz="6800" b="0" strike="noStrike" spc="-1">
+              <a:solidFill>
+                <a:srgbClr val="000000"/>
+              </a:solidFill>
+              <a:uFill>
+                <a:solidFill>
+                  <a:srgbClr val="FFFFFF"/>
                 </a:solidFill>
               </a:uFill>
               <a:latin typeface="Calibri"/>
@@ -3947,7 +4182,8 @@
           </a:prstGeom>
         </p:spPr>
         <p:txBody>
-          <a:bodyPr lIns="344880" rIns="344880" tIns="172440" bIns="172440"/>
+          <a:bodyPr lIns="344880" tIns="172440" rIns="344880" bIns="172440"/>
+          <a:lstStyle/>
           <a:p>
             <a:pPr marL="432000" indent="-324000">
               <a:buClr>
@@ -3958,33 +4194,22 @@
               <a:buChar char=""/>
             </a:pPr>
             <a:r>
-              <a:rPr b="0" lang="en-US" sz="12100" spc="-1" strike="noStrike">
+              <a:rPr lang="en-US" sz="12100" b="0" strike="noStrike" spc="-1">
                 <a:solidFill>
                   <a:srgbClr val="000000"/>
                 </a:solidFill>
                 <a:uFill>
                   <a:solidFill>
-                    <a:srgbClr val="ffffff"/>
+                    <a:srgbClr val="FFFFFF"/>
                   </a:solidFill>
                 </a:uFill>
                 <a:latin typeface="Calibri"/>
               </a:rPr>
               <a:t>Click to edit the outline text format</a:t>
             </a:r>
-            <a:endParaRPr b="0" lang="en-US" sz="12100" spc="-1" strike="noStrike">
-              <a:solidFill>
-                <a:srgbClr val="000000"/>
-              </a:solidFill>
-              <a:uFill>
-                <a:solidFill>
-                  <a:srgbClr val="ffffff"/>
-                </a:solidFill>
-              </a:uFill>
-              <a:latin typeface="Calibri"/>
-            </a:endParaRPr>
-          </a:p>
-          <a:p>
-            <a:pPr lvl="1" marL="864000" indent="-324000">
+          </a:p>
+          <a:p>
+            <a:pPr marL="864000" lvl="1" indent="-324000">
               <a:buClr>
                 <a:srgbClr val="000000"/>
               </a:buClr>
@@ -3993,33 +4218,22 @@
               <a:buChar char=""/>
             </a:pPr>
             <a:r>
-              <a:rPr b="0" lang="en-US" sz="12100" spc="-1" strike="noStrike">
+              <a:rPr lang="en-US" sz="12100" b="0" strike="noStrike" spc="-1">
                 <a:solidFill>
                   <a:srgbClr val="000000"/>
                 </a:solidFill>
                 <a:uFill>
                   <a:solidFill>
-                    <a:srgbClr val="ffffff"/>
+                    <a:srgbClr val="FFFFFF"/>
                   </a:solidFill>
                 </a:uFill>
                 <a:latin typeface="Calibri"/>
               </a:rPr>
               <a:t>Second Outline Level</a:t>
             </a:r>
-            <a:endParaRPr b="0" lang="en-US" sz="12100" spc="-1" strike="noStrike">
-              <a:solidFill>
-                <a:srgbClr val="000000"/>
-              </a:solidFill>
-              <a:uFill>
-                <a:solidFill>
-                  <a:srgbClr val="ffffff"/>
-                </a:solidFill>
-              </a:uFill>
-              <a:latin typeface="Calibri"/>
-            </a:endParaRPr>
-          </a:p>
-          <a:p>
-            <a:pPr lvl="2" marL="1296000" indent="-288000">
+          </a:p>
+          <a:p>
+            <a:pPr marL="1296000" lvl="2" indent="-288000">
               <a:buClr>
                 <a:srgbClr val="000000"/>
               </a:buClr>
@@ -4028,33 +4242,22 @@
               <a:buChar char=""/>
             </a:pPr>
             <a:r>
-              <a:rPr b="0" lang="en-US" sz="12100" spc="-1" strike="noStrike">
+              <a:rPr lang="en-US" sz="12100" b="0" strike="noStrike" spc="-1">
                 <a:solidFill>
                   <a:srgbClr val="000000"/>
                 </a:solidFill>
                 <a:uFill>
                   <a:solidFill>
-                    <a:srgbClr val="ffffff"/>
+                    <a:srgbClr val="FFFFFF"/>
                   </a:solidFill>
                 </a:uFill>
                 <a:latin typeface="Calibri"/>
               </a:rPr>
               <a:t>Third Outline Level</a:t>
             </a:r>
-            <a:endParaRPr b="0" lang="en-US" sz="12100" spc="-1" strike="noStrike">
-              <a:solidFill>
-                <a:srgbClr val="000000"/>
-              </a:solidFill>
-              <a:uFill>
-                <a:solidFill>
-                  <a:srgbClr val="ffffff"/>
-                </a:solidFill>
-              </a:uFill>
-              <a:latin typeface="Calibri"/>
-            </a:endParaRPr>
-          </a:p>
-          <a:p>
-            <a:pPr lvl="3" marL="1728000" indent="-216000">
+          </a:p>
+          <a:p>
+            <a:pPr marL="1728000" lvl="3" indent="-216000">
               <a:buClr>
                 <a:srgbClr val="000000"/>
               </a:buClr>
@@ -4063,33 +4266,22 @@
               <a:buChar char=""/>
             </a:pPr>
             <a:r>
-              <a:rPr b="0" lang="en-US" sz="12100" spc="-1" strike="noStrike">
+              <a:rPr lang="en-US" sz="12100" b="0" strike="noStrike" spc="-1">
                 <a:solidFill>
                   <a:srgbClr val="000000"/>
                 </a:solidFill>
                 <a:uFill>
                   <a:solidFill>
-                    <a:srgbClr val="ffffff"/>
+                    <a:srgbClr val="FFFFFF"/>
                   </a:solidFill>
                 </a:uFill>
                 <a:latin typeface="Calibri"/>
               </a:rPr>
               <a:t>Fourth Outline Level</a:t>
             </a:r>
-            <a:endParaRPr b="0" lang="en-US" sz="12100" spc="-1" strike="noStrike">
-              <a:solidFill>
-                <a:srgbClr val="000000"/>
-              </a:solidFill>
-              <a:uFill>
-                <a:solidFill>
-                  <a:srgbClr val="ffffff"/>
-                </a:solidFill>
-              </a:uFill>
-              <a:latin typeface="Calibri"/>
-            </a:endParaRPr>
-          </a:p>
-          <a:p>
-            <a:pPr lvl="4" marL="2160000" indent="-216000">
+          </a:p>
+          <a:p>
+            <a:pPr marL="2160000" lvl="4" indent="-216000">
               <a:buClr>
                 <a:srgbClr val="000000"/>
               </a:buClr>
@@ -4098,33 +4290,22 @@
               <a:buChar char=""/>
             </a:pPr>
             <a:r>
-              <a:rPr b="0" lang="en-US" sz="12100" spc="-1" strike="noStrike">
+              <a:rPr lang="en-US" sz="12100" b="0" strike="noStrike" spc="-1">
                 <a:solidFill>
                   <a:srgbClr val="000000"/>
                 </a:solidFill>
                 <a:uFill>
                   <a:solidFill>
-                    <a:srgbClr val="ffffff"/>
+                    <a:srgbClr val="FFFFFF"/>
                   </a:solidFill>
                 </a:uFill>
                 <a:latin typeface="Calibri"/>
               </a:rPr>
               <a:t>Fifth Outline Level</a:t>
             </a:r>
-            <a:endParaRPr b="0" lang="en-US" sz="12100" spc="-1" strike="noStrike">
-              <a:solidFill>
-                <a:srgbClr val="000000"/>
-              </a:solidFill>
-              <a:uFill>
-                <a:solidFill>
-                  <a:srgbClr val="ffffff"/>
-                </a:solidFill>
-              </a:uFill>
-              <a:latin typeface="Calibri"/>
-            </a:endParaRPr>
-          </a:p>
-          <a:p>
-            <a:pPr lvl="5" marL="2592000" indent="-216000">
+          </a:p>
+          <a:p>
+            <a:pPr marL="2592000" lvl="5" indent="-216000">
               <a:buClr>
                 <a:srgbClr val="000000"/>
               </a:buClr>
@@ -4133,30 +4314,19 @@
               <a:buChar char=""/>
             </a:pPr>
             <a:r>
-              <a:rPr b="0" lang="en-US" sz="12100" spc="-1" strike="noStrike">
+              <a:rPr lang="en-US" sz="12100" b="0" strike="noStrike" spc="-1">
                 <a:solidFill>
                   <a:srgbClr val="000000"/>
                 </a:solidFill>
                 <a:uFill>
                   <a:solidFill>
-                    <a:srgbClr val="ffffff"/>
+                    <a:srgbClr val="FFFFFF"/>
                   </a:solidFill>
                 </a:uFill>
                 <a:latin typeface="Calibri"/>
               </a:rPr>
               <a:t>Sixth Outline Level</a:t>
             </a:r>
-            <a:endParaRPr b="0" lang="en-US" sz="12100" spc="-1" strike="noStrike">
-              <a:solidFill>
-                <a:srgbClr val="000000"/>
-              </a:solidFill>
-              <a:uFill>
-                <a:solidFill>
-                  <a:srgbClr val="ffffff"/>
-                </a:solidFill>
-              </a:uFill>
-              <a:latin typeface="Calibri"/>
-            </a:endParaRPr>
           </a:p>
           <a:p>
             <a:pPr marL="1293120" indent="-1292760">
@@ -4170,33 +4340,22 @@
               <a:buChar char="•"/>
             </a:pPr>
             <a:r>
-              <a:rPr b="0" lang="en-US" sz="12100" spc="-1" strike="noStrike">
+              <a:rPr lang="en-US" sz="12100" b="0" strike="noStrike" spc="-1">
                 <a:solidFill>
                   <a:srgbClr val="000000"/>
                 </a:solidFill>
                 <a:uFill>
                   <a:solidFill>
-                    <a:srgbClr val="ffffff"/>
+                    <a:srgbClr val="FFFFFF"/>
                   </a:solidFill>
                 </a:uFill>
                 <a:latin typeface="Calibri"/>
               </a:rPr>
               <a:t>Seventh Outline LevelClick to edit Master text styles</a:t>
             </a:r>
-            <a:endParaRPr b="0" lang="en-US" sz="12100" spc="-1" strike="noStrike">
-              <a:solidFill>
-                <a:srgbClr val="000000"/>
-              </a:solidFill>
-              <a:uFill>
-                <a:solidFill>
-                  <a:srgbClr val="ffffff"/>
-                </a:solidFill>
-              </a:uFill>
-              <a:latin typeface="Calibri"/>
-            </a:endParaRPr>
-          </a:p>
-          <a:p>
-            <a:pPr lvl="1" marL="2801520" indent="-1077120">
+          </a:p>
+          <a:p>
+            <a:pPr marL="2801520" lvl="1" indent="-1077120">
               <a:lnSpc>
                 <a:spcPct val="100000"/>
               </a:lnSpc>
@@ -4207,33 +4366,33 @@
               <a:buChar char="–"/>
             </a:pPr>
             <a:r>
-              <a:rPr b="0" lang="en-US" sz="10600" spc="-1" strike="noStrike">
+              <a:rPr lang="en-US" sz="10600" b="0" strike="noStrike" spc="-1">
                 <a:solidFill>
                   <a:srgbClr val="000000"/>
                 </a:solidFill>
                 <a:uFill>
                   <a:solidFill>
-                    <a:srgbClr val="ffffff"/>
+                    <a:srgbClr val="FFFFFF"/>
                   </a:solidFill>
                 </a:uFill>
                 <a:latin typeface="Calibri"/>
               </a:rPr>
               <a:t>Second level</a:t>
             </a:r>
-            <a:endParaRPr b="0" lang="en-US" sz="12100" spc="-1" strike="noStrike">
-              <a:solidFill>
-                <a:srgbClr val="000000"/>
-              </a:solidFill>
-              <a:uFill>
-                <a:solidFill>
-                  <a:srgbClr val="ffffff"/>
+            <a:endParaRPr lang="en-US" sz="12100" b="0" strike="noStrike" spc="-1">
+              <a:solidFill>
+                <a:srgbClr val="000000"/>
+              </a:solidFill>
+              <a:uFill>
+                <a:solidFill>
+                  <a:srgbClr val="FFFFFF"/>
                 </a:solidFill>
               </a:uFill>
               <a:latin typeface="Calibri"/>
             </a:endParaRPr>
           </a:p>
           <a:p>
-            <a:pPr lvl="2" marL="4309920" indent="-861480">
+            <a:pPr marL="4309920" lvl="2" indent="-861480">
               <a:lnSpc>
                 <a:spcPct val="100000"/>
               </a:lnSpc>
@@ -4244,33 +4403,33 @@
               <a:buChar char="•"/>
             </a:pPr>
             <a:r>
-              <a:rPr b="0" lang="en-US" sz="9100" spc="-1" strike="noStrike">
+              <a:rPr lang="en-US" sz="9100" b="0" strike="noStrike" spc="-1">
                 <a:solidFill>
                   <a:srgbClr val="000000"/>
                 </a:solidFill>
                 <a:uFill>
                   <a:solidFill>
-                    <a:srgbClr val="ffffff"/>
+                    <a:srgbClr val="FFFFFF"/>
                   </a:solidFill>
                 </a:uFill>
                 <a:latin typeface="Calibri"/>
               </a:rPr>
               <a:t>Third level</a:t>
             </a:r>
-            <a:endParaRPr b="0" lang="en-US" sz="12100" spc="-1" strike="noStrike">
-              <a:solidFill>
-                <a:srgbClr val="000000"/>
-              </a:solidFill>
-              <a:uFill>
-                <a:solidFill>
-                  <a:srgbClr val="ffffff"/>
+            <a:endParaRPr lang="en-US" sz="12100" b="0" strike="noStrike" spc="-1">
+              <a:solidFill>
+                <a:srgbClr val="000000"/>
+              </a:solidFill>
+              <a:uFill>
+                <a:solidFill>
+                  <a:srgbClr val="FFFFFF"/>
                 </a:solidFill>
               </a:uFill>
               <a:latin typeface="Calibri"/>
             </a:endParaRPr>
           </a:p>
           <a:p>
-            <a:pPr lvl="3" marL="6033960" indent="-861480">
+            <a:pPr marL="6033960" lvl="3" indent="-861480">
               <a:lnSpc>
                 <a:spcPct val="100000"/>
               </a:lnSpc>
@@ -4281,33 +4440,33 @@
               <a:buChar char="–"/>
             </a:pPr>
             <a:r>
-              <a:rPr b="0" lang="en-US" sz="7500" spc="-1" strike="noStrike">
+              <a:rPr lang="en-US" sz="7500" b="0" strike="noStrike" spc="-1">
                 <a:solidFill>
                   <a:srgbClr val="000000"/>
                 </a:solidFill>
                 <a:uFill>
                   <a:solidFill>
-                    <a:srgbClr val="ffffff"/>
+                    <a:srgbClr val="FFFFFF"/>
                   </a:solidFill>
                 </a:uFill>
                 <a:latin typeface="Calibri"/>
               </a:rPr>
               <a:t>Fourth level</a:t>
             </a:r>
-            <a:endParaRPr b="0" lang="en-US" sz="12100" spc="-1" strike="noStrike">
-              <a:solidFill>
-                <a:srgbClr val="000000"/>
-              </a:solidFill>
-              <a:uFill>
-                <a:solidFill>
-                  <a:srgbClr val="ffffff"/>
+            <a:endParaRPr lang="en-US" sz="12100" b="0" strike="noStrike" spc="-1">
+              <a:solidFill>
+                <a:srgbClr val="000000"/>
+              </a:solidFill>
+              <a:uFill>
+                <a:solidFill>
+                  <a:srgbClr val="FFFFFF"/>
                 </a:solidFill>
               </a:uFill>
               <a:latin typeface="Calibri"/>
             </a:endParaRPr>
           </a:p>
           <a:p>
-            <a:pPr lvl="4" marL="7758000" indent="-861480">
+            <a:pPr marL="7758000" lvl="4" indent="-861480">
               <a:lnSpc>
                 <a:spcPct val="100000"/>
               </a:lnSpc>
@@ -4318,26 +4477,26 @@
               <a:buChar char="»"/>
             </a:pPr>
             <a:r>
-              <a:rPr b="0" lang="en-US" sz="7500" spc="-1" strike="noStrike">
+              <a:rPr lang="en-US" sz="7500" b="0" strike="noStrike" spc="-1">
                 <a:solidFill>
                   <a:srgbClr val="000000"/>
                 </a:solidFill>
                 <a:uFill>
                   <a:solidFill>
-                    <a:srgbClr val="ffffff"/>
+                    <a:srgbClr val="FFFFFF"/>
                   </a:solidFill>
                 </a:uFill>
                 <a:latin typeface="Calibri"/>
               </a:rPr>
               <a:t>Fifth level</a:t>
             </a:r>
-            <a:endParaRPr b="0" lang="en-US" sz="12100" spc="-1" strike="noStrike">
-              <a:solidFill>
-                <a:srgbClr val="000000"/>
-              </a:solidFill>
-              <a:uFill>
-                <a:solidFill>
-                  <a:srgbClr val="ffffff"/>
+            <a:endParaRPr lang="en-US" sz="12100" b="0" strike="noStrike" spc="-1">
+              <a:solidFill>
+                <a:srgbClr val="000000"/>
+              </a:solidFill>
+              <a:uFill>
+                <a:solidFill>
+                  <a:srgbClr val="FFFFFF"/>
                 </a:solidFill>
               </a:uFill>
               <a:latin typeface="Calibri"/>
@@ -4365,7 +4524,8 @@
           </a:prstGeom>
         </p:spPr>
         <p:txBody>
-          <a:bodyPr lIns="344880" rIns="344880" tIns="172440" bIns="172440" anchor="ctr"/>
+          <a:bodyPr lIns="344880" tIns="172440" rIns="344880" bIns="172440" anchor="ctr"/>
+          <a:lstStyle/>
           <a:p>
             <a:pPr>
               <a:lnSpc>
@@ -4373,26 +4533,26 @@
               </a:lnSpc>
             </a:pPr>
             <a:r>
-              <a:rPr b="0" lang="en-US" sz="4500" spc="-1" strike="noStrike">
-                <a:solidFill>
-                  <a:srgbClr val="8b8b8b"/>
+              <a:rPr lang="en-US" sz="4500" b="0" strike="noStrike" spc="-1">
+                <a:solidFill>
+                  <a:srgbClr val="8B8B8B"/>
                 </a:solidFill>
                 <a:uFill>
                   <a:solidFill>
-                    <a:srgbClr val="ffffff"/>
+                    <a:srgbClr val="FFFFFF"/>
                   </a:solidFill>
                 </a:uFill>
                 <a:latin typeface="Calibri"/>
               </a:rPr>
               <a:t>4/14/16</a:t>
             </a:r>
-            <a:endParaRPr b="0" lang="en-US" sz="1400" spc="-1" strike="noStrike">
-              <a:solidFill>
-                <a:srgbClr val="000000"/>
-              </a:solidFill>
-              <a:uFill>
-                <a:solidFill>
-                  <a:srgbClr val="ffffff"/>
+            <a:endParaRPr lang="en-US" sz="1400" b="0" strike="noStrike" spc="-1">
+              <a:solidFill>
+                <a:srgbClr val="000000"/>
+              </a:solidFill>
+              <a:uFill>
+                <a:solidFill>
+                  <a:srgbClr val="FFFFFF"/>
                 </a:solidFill>
               </a:uFill>
               <a:latin typeface="Times New Roman"/>
@@ -4420,15 +4580,16 @@
           </a:prstGeom>
         </p:spPr>
         <p:txBody>
-          <a:bodyPr lIns="344880" rIns="344880" tIns="172440" bIns="172440" anchor="ctr"/>
-          <a:p>
-            <a:endParaRPr b="0" lang="en-US" sz="2400" spc="-1" strike="noStrike">
-              <a:solidFill>
-                <a:srgbClr val="000000"/>
-              </a:solidFill>
-              <a:uFill>
-                <a:solidFill>
-                  <a:srgbClr val="ffffff"/>
+          <a:bodyPr lIns="344880" tIns="172440" rIns="344880" bIns="172440" anchor="ctr"/>
+          <a:lstStyle/>
+          <a:p>
+            <a:endParaRPr lang="en-US" sz="2400" b="0" strike="noStrike" spc="-1">
+              <a:solidFill>
+                <a:srgbClr val="000000"/>
+              </a:solidFill>
+              <a:uFill>
+                <a:solidFill>
+                  <a:srgbClr val="FFFFFF"/>
                 </a:solidFill>
               </a:uFill>
               <a:latin typeface="Times New Roman"/>
@@ -4456,7 +4617,8 @@
           </a:prstGeom>
         </p:spPr>
         <p:txBody>
-          <a:bodyPr lIns="344880" rIns="344880" tIns="172440" bIns="172440" anchor="ctr"/>
+          <a:bodyPr lIns="344880" tIns="172440" rIns="344880" bIns="172440" anchor="ctr"/>
+          <a:lstStyle/>
           <a:p>
             <a:pPr algn="r">
               <a:lnSpc>
@@ -4464,26 +4626,26 @@
               </a:lnSpc>
             </a:pPr>
             <a:fld id="{6B3467B6-1C8A-421C-8102-E023CBC3327D}" type="slidenum">
-              <a:rPr b="0" lang="en-US" sz="4500" spc="-1" strike="noStrike">
-                <a:solidFill>
-                  <a:srgbClr val="8b8b8b"/>
+              <a:rPr lang="en-US" sz="4500" b="0" strike="noStrike" spc="-1">
+                <a:solidFill>
+                  <a:srgbClr val="8B8B8B"/>
                 </a:solidFill>
                 <a:uFill>
                   <a:solidFill>
-                    <a:srgbClr val="ffffff"/>
+                    <a:srgbClr val="FFFFFF"/>
                   </a:solidFill>
                 </a:uFill>
                 <a:latin typeface="Calibri"/>
               </a:rPr>
-              <a:t>&lt;number&gt;</a:t>
+              <a:t>‹#›</a:t>
             </a:fld>
-            <a:endParaRPr b="0" lang="en-US" sz="1400" spc="-1" strike="noStrike">
-              <a:solidFill>
-                <a:srgbClr val="000000"/>
-              </a:solidFill>
-              <a:uFill>
-                <a:solidFill>
-                  <a:srgbClr val="ffffff"/>
+            <a:endParaRPr lang="en-US" sz="1400" b="0" strike="noStrike" spc="-1">
+              <a:solidFill>
+                <a:srgbClr val="000000"/>
+              </a:solidFill>
+              <a:uFill>
+                <a:solidFill>
+                  <a:srgbClr val="FFFFFF"/>
                 </a:solidFill>
               </a:uFill>
               <a:latin typeface="Times New Roman"/>
@@ -4493,26 +4655,31 @@
       </p:sp>
     </p:spTree>
   </p:cSld>
-  <p:clrMap bg1="lt1" bg2="lt2" tx1="dk1" tx2="dk2" accent1="accent1" accent2="accent2" accent3="accent3" accent4="accent4" accent5="accent5" accent6="accent6" hlink="hlink" folHlink="folHlink"/>
+  <p:clrMap bg1="lt1" tx1="dk1" bg2="lt2" tx2="dk2" accent1="accent1" accent2="accent2" accent3="accent3" accent4="accent4" accent5="accent5" accent6="accent6" hlink="hlink" folHlink="folHlink"/>
   <p:sldLayoutIdLst>
-    <p:sldLayoutId id="2147483662" r:id="rId2"/>
-    <p:sldLayoutId id="2147483663" r:id="rId3"/>
-    <p:sldLayoutId id="2147483664" r:id="rId4"/>
-    <p:sldLayoutId id="2147483665" r:id="rId5"/>
-    <p:sldLayoutId id="2147483666" r:id="rId6"/>
-    <p:sldLayoutId id="2147483667" r:id="rId7"/>
-    <p:sldLayoutId id="2147483668" r:id="rId8"/>
-    <p:sldLayoutId id="2147483669" r:id="rId9"/>
-    <p:sldLayoutId id="2147483670" r:id="rId10"/>
-    <p:sldLayoutId id="2147483671" r:id="rId11"/>
-    <p:sldLayoutId id="2147483672" r:id="rId12"/>
-    <p:sldLayoutId id="2147483673" r:id="rId13"/>
+    <p:sldLayoutId id="2147483662" r:id="rId1"/>
+    <p:sldLayoutId id="2147483663" r:id="rId2"/>
+    <p:sldLayoutId id="2147483664" r:id="rId3"/>
+    <p:sldLayoutId id="2147483665" r:id="rId4"/>
+    <p:sldLayoutId id="2147483666" r:id="rId5"/>
+    <p:sldLayoutId id="2147483667" r:id="rId6"/>
+    <p:sldLayoutId id="2147483668" r:id="rId7"/>
+    <p:sldLayoutId id="2147483669" r:id="rId8"/>
+    <p:sldLayoutId id="2147483670" r:id="rId9"/>
+    <p:sldLayoutId id="2147483671" r:id="rId10"/>
+    <p:sldLayoutId id="2147483672" r:id="rId11"/>
+    <p:sldLayoutId id="2147483673" r:id="rId12"/>
   </p:sldLayoutIdLst>
+  <p:txStyles>
+    <p:titleStyle/>
+    <p:bodyStyle/>
+    <p:otherStyle/>
+  </p:txStyles>
 </p:sldMaster>
 </file>
 
 <file path=ppt/slides/slide1.xml><?xml version="1.0" encoding="utf-8"?>
-<p:sld xmlns:a="http://schemas.openxmlformats.org/drawingml/2006/main" xmlns:p="http://schemas.openxmlformats.org/presentationml/2006/main" xmlns:r="http://schemas.openxmlformats.org/officeDocument/2006/relationships" xmlns:p14="http://schemas.microsoft.com/office/powerpoint/2010/main" xmlns:p15="http://schemas.microsoft.com/office/powerpoint/2012/main" xmlns:mc="http://schemas.openxmlformats.org/markup-compatibility/2006">
+<p:sld xmlns:a="http://schemas.openxmlformats.org/drawingml/2006/main" xmlns:r="http://schemas.openxmlformats.org/officeDocument/2006/relationships" xmlns:p="http://schemas.openxmlformats.org/presentationml/2006/main">
   <p:cSld>
     <p:spTree>
       <p:nvGrpSpPr>
@@ -4530,17 +4697,20 @@
       </p:grpSpPr>
       <p:pic>
         <p:nvPicPr>
-          <p:cNvPr id="83" name="Picture 4" descr=""/>
+          <p:cNvPr id="83" name="Picture 4"/>
           <p:cNvPicPr/>
           <p:nvPr/>
         </p:nvPicPr>
         <p:blipFill>
-          <a:blip r:embed="rId1"/>
+          <a:blip r:embed="rId3">
+            <a:grayscl/>
+            <a:alphaModFix amt="50000"/>
+          </a:blip>
           <a:stretch/>
         </p:blipFill>
         <p:spPr>
           <a:xfrm>
-            <a:off x="1702440" y="3685680"/>
+            <a:off x="3416551" y="3659041"/>
             <a:ext cx="4609800" cy="3443760"/>
           </a:xfrm>
           <a:prstGeom prst="rect">
@@ -4553,17 +4723,20 @@
       </p:pic>
       <p:pic>
         <p:nvPicPr>
-          <p:cNvPr id="84" name="Picture 5" descr=""/>
+          <p:cNvPr id="84" name="Picture 5"/>
           <p:cNvPicPr/>
           <p:nvPr/>
         </p:nvPicPr>
         <p:blipFill>
-          <a:blip r:embed="rId2"/>
+          <a:blip r:embed="rId4">
+            <a:grayscl/>
+            <a:alphaModFix amt="50000"/>
+          </a:blip>
           <a:stretch/>
         </p:blipFill>
         <p:spPr>
           <a:xfrm>
-            <a:off x="6739920" y="3677760"/>
+            <a:off x="8454031" y="3651121"/>
             <a:ext cx="4609800" cy="3443760"/>
           </a:xfrm>
           <a:prstGeom prst="rect">
@@ -4576,17 +4749,20 @@
       </p:pic>
       <p:pic>
         <p:nvPicPr>
-          <p:cNvPr id="85" name="Picture 6" descr=""/>
+          <p:cNvPr id="85" name="Picture 6"/>
           <p:cNvPicPr/>
           <p:nvPr/>
         </p:nvPicPr>
         <p:blipFill>
-          <a:blip r:embed="rId3"/>
+          <a:blip r:embed="rId5">
+            <a:grayscl/>
+            <a:alphaModFix amt="50000"/>
+          </a:blip>
           <a:stretch/>
         </p:blipFill>
         <p:spPr>
           <a:xfrm>
-            <a:off x="11778480" y="3693240"/>
+            <a:off x="13492591" y="3666601"/>
             <a:ext cx="4609800" cy="3436200"/>
           </a:xfrm>
           <a:prstGeom prst="rect">
@@ -4599,17 +4775,20 @@
       </p:pic>
       <p:pic>
         <p:nvPicPr>
-          <p:cNvPr id="86" name="Picture 7" descr=""/>
+          <p:cNvPr id="86" name="Picture 7"/>
           <p:cNvPicPr/>
           <p:nvPr/>
         </p:nvPicPr>
         <p:blipFill>
-          <a:blip r:embed="rId4"/>
+          <a:blip r:embed="rId6">
+            <a:grayscl/>
+            <a:alphaModFix amt="50000"/>
+          </a:blip>
           <a:stretch/>
         </p:blipFill>
         <p:spPr>
           <a:xfrm>
-            <a:off x="16787520" y="3701160"/>
+            <a:off x="18501631" y="3674521"/>
             <a:ext cx="4617360" cy="3428640"/>
           </a:xfrm>
           <a:prstGeom prst="rect">
@@ -4622,17 +4801,20 @@
       </p:pic>
       <p:pic>
         <p:nvPicPr>
-          <p:cNvPr id="87" name="Picture 8" descr=""/>
+          <p:cNvPr id="87" name="Picture 8"/>
           <p:cNvPicPr/>
           <p:nvPr/>
         </p:nvPicPr>
         <p:blipFill>
-          <a:blip r:embed="rId5"/>
+          <a:blip r:embed="rId7">
+            <a:grayscl/>
+            <a:alphaModFix amt="50000"/>
+          </a:blip>
           <a:stretch/>
         </p:blipFill>
         <p:spPr>
           <a:xfrm>
-            <a:off x="21745080" y="3701160"/>
+            <a:off x="23495475" y="3674521"/>
             <a:ext cx="4617360" cy="3451680"/>
           </a:xfrm>
           <a:prstGeom prst="rect">
@@ -4645,17 +4827,20 @@
       </p:pic>
       <p:pic>
         <p:nvPicPr>
-          <p:cNvPr id="88" name="Picture 9" descr=""/>
+          <p:cNvPr id="88" name="Picture 9"/>
           <p:cNvPicPr/>
           <p:nvPr/>
         </p:nvPicPr>
         <p:blipFill>
-          <a:blip r:embed="rId6"/>
+          <a:blip r:embed="rId8">
+            <a:grayscl/>
+            <a:alphaModFix amt="50000"/>
+          </a:blip>
           <a:stretch/>
         </p:blipFill>
         <p:spPr>
           <a:xfrm>
-            <a:off x="26965080" y="4687920"/>
+            <a:off x="28679191" y="4661281"/>
             <a:ext cx="3047760" cy="1515960"/>
           </a:xfrm>
           <a:prstGeom prst="rect">
@@ -4668,17 +4853,20 @@
       </p:pic>
       <p:pic>
         <p:nvPicPr>
-          <p:cNvPr id="89" name="Picture 10" descr=""/>
+          <p:cNvPr id="89" name="Picture 10"/>
           <p:cNvPicPr/>
           <p:nvPr/>
         </p:nvPicPr>
         <p:blipFill>
-          <a:blip r:embed="rId7"/>
+          <a:blip r:embed="rId9">
+            <a:grayscl/>
+            <a:alphaModFix amt="50000"/>
+          </a:blip>
           <a:stretch/>
         </p:blipFill>
         <p:spPr>
           <a:xfrm>
-            <a:off x="672120" y="22536360"/>
+            <a:off x="3576040" y="11404144"/>
             <a:ext cx="4571640" cy="3424680"/>
           </a:xfrm>
           <a:prstGeom prst="rect">
@@ -4691,17 +4879,20 @@
       </p:pic>
       <p:pic>
         <p:nvPicPr>
-          <p:cNvPr id="90" name="Picture 11" descr=""/>
+          <p:cNvPr id="90" name="Picture 11"/>
           <p:cNvPicPr/>
           <p:nvPr/>
         </p:nvPicPr>
         <p:blipFill>
-          <a:blip r:embed="rId8"/>
+          <a:blip r:embed="rId10">
+            <a:grayscl/>
+            <a:alphaModFix amt="50000"/>
+          </a:blip>
           <a:stretch/>
         </p:blipFill>
         <p:spPr>
           <a:xfrm>
-            <a:off x="6739920" y="22536360"/>
+            <a:off x="8963527" y="11440430"/>
             <a:ext cx="4541040" cy="3440160"/>
           </a:xfrm>
           <a:prstGeom prst="rect">
@@ -4714,17 +4905,20 @@
       </p:pic>
       <p:pic>
         <p:nvPicPr>
-          <p:cNvPr id="91" name="Picture 12" descr=""/>
+          <p:cNvPr id="91" name="Picture 12"/>
           <p:cNvPicPr/>
           <p:nvPr/>
         </p:nvPicPr>
         <p:blipFill>
-          <a:blip r:embed="rId9"/>
+          <a:blip r:embed="rId11">
+            <a:grayscl/>
+            <a:alphaModFix amt="50000"/>
+          </a:blip>
           <a:stretch/>
         </p:blipFill>
         <p:spPr>
           <a:xfrm>
-            <a:off x="12707280" y="22599720"/>
+            <a:off x="14114284" y="11462913"/>
             <a:ext cx="4537440" cy="3432600"/>
           </a:xfrm>
           <a:prstGeom prst="rect">
@@ -4737,17 +4931,20 @@
       </p:pic>
       <p:pic>
         <p:nvPicPr>
-          <p:cNvPr id="92" name="Picture 13" descr=""/>
+          <p:cNvPr id="92" name="Picture 13"/>
           <p:cNvPicPr/>
           <p:nvPr/>
         </p:nvPicPr>
         <p:blipFill>
-          <a:blip r:embed="rId10"/>
+          <a:blip r:embed="rId12">
+            <a:grayscl/>
+            <a:alphaModFix amt="50000"/>
+          </a:blip>
           <a:stretch/>
         </p:blipFill>
         <p:spPr>
           <a:xfrm>
-            <a:off x="18799560" y="22599720"/>
+            <a:off x="19358620" y="11467504"/>
             <a:ext cx="4586760" cy="3451680"/>
           </a:xfrm>
           <a:prstGeom prst="rect">
@@ -4760,17 +4957,20 @@
       </p:pic>
       <p:pic>
         <p:nvPicPr>
-          <p:cNvPr id="93" name="Picture 14" descr=""/>
+          <p:cNvPr id="93" name="Picture 14"/>
           <p:cNvPicPr/>
           <p:nvPr/>
         </p:nvPicPr>
         <p:blipFill>
-          <a:blip r:embed="rId11"/>
+          <a:blip r:embed="rId13">
+            <a:grayscl/>
+            <a:alphaModFix amt="50000"/>
+          </a:blip>
           <a:stretch/>
         </p:blipFill>
         <p:spPr>
           <a:xfrm>
-            <a:off x="24914880" y="22689000"/>
+            <a:off x="24539741" y="11556784"/>
             <a:ext cx="4575600" cy="3417120"/>
           </a:xfrm>
           <a:prstGeom prst="rect">
@@ -4788,22 +4988,28 @@
           <p:nvPr/>
         </p:nvSpPr>
         <p:spPr>
-          <a:xfrm flipH="1" rot="16200000">
-            <a:off x="15746400" y="-8053560"/>
+          <a:xfrm rot="16200000" flipH="1">
+            <a:off x="17460511" y="-8080199"/>
             <a:ext cx="1001880" cy="24481080"/>
           </a:xfrm>
           <a:prstGeom prst="curvedConnector3">
             <a:avLst>
-              <a:gd name="adj1" fmla="val -188668"/>
+              <a:gd name="adj1" fmla="val -127098"/>
             </a:avLst>
           </a:prstGeom>
           <a:noFill/>
-          <a:ln>
+          <a:ln w="101600">
+            <a:solidFill>
+              <a:schemeClr val="tx1">
+                <a:lumMod val="50000"/>
+                <a:lumOff val="50000"/>
+              </a:schemeClr>
+            </a:solidFill>
             <a:round/>
-            <a:tailEnd len="med" type="arrow" w="med"/>
+            <a:tailEnd type="triangle" w="lg" len="med"/>
           </a:ln>
           <a:effectLst>
-            <a:outerShdw blurRad="40000" dir="5400000" dist="20000" rotWithShape="0">
+            <a:outerShdw blurRad="40000" dist="20000" dir="5400000" rotWithShape="0">
               <a:srgbClr val="000000">
                 <a:alpha val="38000"/>
               </a:srgbClr>
@@ -4831,7 +5037,7 @@
         </p:nvSpPr>
         <p:spPr>
           <a:xfrm flipV="1">
-            <a:off x="6312600" y="5400000"/>
+            <a:off x="8026711" y="5373361"/>
             <a:ext cx="426960" cy="7200"/>
           </a:xfrm>
           <a:prstGeom prst="curvedConnector3">
@@ -4840,12 +5046,18 @@
             </a:avLst>
           </a:prstGeom>
           <a:noFill/>
-          <a:ln>
+          <a:ln w="101600">
+            <a:solidFill>
+              <a:schemeClr val="tx1">
+                <a:lumMod val="50000"/>
+                <a:lumOff val="50000"/>
+              </a:schemeClr>
+            </a:solidFill>
             <a:round/>
-            <a:tailEnd len="med" type="arrow" w="med"/>
+            <a:tailEnd type="triangle" w="lg" len="med"/>
           </a:ln>
           <a:effectLst>
-            <a:outerShdw blurRad="40000" dir="5400000" dist="20000" rotWithShape="0">
+            <a:outerShdw blurRad="40000" dist="20000" dir="5400000" rotWithShape="0">
               <a:srgbClr val="000000">
                 <a:alpha val="38000"/>
               </a:srgbClr>
@@ -4873,7 +5085,7 @@
         </p:nvSpPr>
         <p:spPr>
           <a:xfrm>
-            <a:off x="11350080" y="5400000"/>
+            <a:off x="13064191" y="5373361"/>
             <a:ext cx="428040" cy="11160"/>
           </a:xfrm>
           <a:prstGeom prst="curvedConnector3">
@@ -4882,12 +5094,18 @@
             </a:avLst>
           </a:prstGeom>
           <a:noFill/>
-          <a:ln>
+          <a:ln w="101600">
+            <a:solidFill>
+              <a:schemeClr val="tx1">
+                <a:lumMod val="50000"/>
+                <a:lumOff val="50000"/>
+              </a:schemeClr>
+            </a:solidFill>
             <a:round/>
-            <a:tailEnd len="med" type="arrow" w="med"/>
+            <a:tailEnd type="triangle" w="lg" len="med"/>
           </a:ln>
           <a:effectLst>
-            <a:outerShdw blurRad="40000" dir="5400000" dist="20000" rotWithShape="0">
+            <a:outerShdw blurRad="40000" dist="20000" dir="5400000" rotWithShape="0">
               <a:srgbClr val="000000">
                 <a:alpha val="38000"/>
               </a:srgbClr>
@@ -4915,7 +5133,7 @@
         </p:nvSpPr>
         <p:spPr>
           <a:xfrm>
-            <a:off x="16388280" y="5411520"/>
+            <a:off x="18102391" y="5384881"/>
             <a:ext cx="398520" cy="3600"/>
           </a:xfrm>
           <a:prstGeom prst="curvedConnector3">
@@ -4924,12 +5142,18 @@
             </a:avLst>
           </a:prstGeom>
           <a:noFill/>
-          <a:ln>
+          <a:ln w="101600">
+            <a:solidFill>
+              <a:schemeClr val="tx1">
+                <a:lumMod val="50000"/>
+                <a:lumOff val="50000"/>
+              </a:schemeClr>
+            </a:solidFill>
             <a:round/>
-            <a:tailEnd len="med" type="arrow" w="med"/>
+            <a:tailEnd type="triangle" w="lg" len="med"/>
           </a:ln>
           <a:effectLst>
-            <a:outerShdw blurRad="40000" dir="5400000" dist="20000" rotWithShape="0">
+            <a:outerShdw blurRad="40000" dist="20000" dir="5400000" rotWithShape="0">
               <a:srgbClr val="000000">
                 <a:alpha val="38000"/>
               </a:srgbClr>
@@ -4957,8 +5181,8 @@
         </p:nvSpPr>
         <p:spPr>
           <a:xfrm>
-            <a:off x="21405240" y="5415480"/>
-            <a:ext cx="339480" cy="11160"/>
+            <a:off x="23118991" y="5308563"/>
+            <a:ext cx="521260" cy="45719"/>
           </a:xfrm>
           <a:prstGeom prst="curvedConnector3">
             <a:avLst>
@@ -4966,12 +5190,18 @@
             </a:avLst>
           </a:prstGeom>
           <a:noFill/>
-          <a:ln>
+          <a:ln w="101600">
+            <a:solidFill>
+              <a:schemeClr val="tx1">
+                <a:lumMod val="50000"/>
+                <a:lumOff val="50000"/>
+              </a:schemeClr>
+            </a:solidFill>
             <a:round/>
-            <a:tailEnd len="med" type="arrow" w="med"/>
+            <a:tailEnd type="triangle" w="lg" len="med"/>
           </a:ln>
           <a:effectLst>
-            <a:outerShdw blurRad="40000" dir="5400000" dist="20000" rotWithShape="0">
+            <a:outerShdw blurRad="40000" dist="20000" dir="5400000" rotWithShape="0">
               <a:srgbClr val="000000">
                 <a:alpha val="38000"/>
               </a:srgbClr>
@@ -4999,13 +5229,14 @@
         </p:nvSpPr>
         <p:spPr>
           <a:xfrm>
-            <a:off x="26362800" y="5427000"/>
+            <a:off x="28076911" y="5400361"/>
             <a:ext cx="601920" cy="18720"/>
           </a:xfrm>
           <a:custGeom>
             <a:avLst/>
             <a:gdLst/>
             <a:ahLst/>
+            <a:cxnLst/>
             <a:rect l="l" t="t" r="r" b="b"/>
             <a:pathLst>
               <a:path w="21600" h="21600">
@@ -5019,12 +5250,18 @@
             </a:pathLst>
           </a:custGeom>
           <a:noFill/>
-          <a:ln>
+          <a:ln w="101600">
+            <a:solidFill>
+              <a:schemeClr val="tx1">
+                <a:lumMod val="50000"/>
+                <a:lumOff val="50000"/>
+              </a:schemeClr>
+            </a:solidFill>
             <a:round/>
-            <a:tailEnd len="med" type="arrow" w="med"/>
+            <a:tailEnd type="triangle" w="lg" len="med"/>
           </a:ln>
           <a:effectLst>
-            <a:outerShdw blurRad="40000" dir="5400000" dist="20000" rotWithShape="0">
+            <a:outerShdw blurRad="40000" dist="20000" dir="5400000" rotWithShape="0">
               <a:srgbClr val="000000">
                 <a:alpha val="38000"/>
               </a:srgbClr>
@@ -5051,22 +5288,28 @@
           <p:nvPr/>
         </p:nvSpPr>
         <p:spPr>
-          <a:xfrm flipH="1" rot="16200000">
-            <a:off x="14065920" y="2100600"/>
+          <a:xfrm rot="16200000" flipH="1">
+            <a:off x="15125731" y="2065681"/>
             <a:ext cx="7560" cy="10050840"/>
           </a:xfrm>
           <a:prstGeom prst="curvedConnector3">
             <a:avLst>
-              <a:gd name="adj1" fmla="val 11249777"/>
+              <a:gd name="adj1" fmla="val 20369193"/>
             </a:avLst>
           </a:prstGeom>
           <a:noFill/>
-          <a:ln>
+          <a:ln w="101600">
+            <a:solidFill>
+              <a:schemeClr val="tx1">
+                <a:lumMod val="50000"/>
+                <a:lumOff val="50000"/>
+              </a:schemeClr>
+            </a:solidFill>
             <a:round/>
-            <a:tailEnd len="med" type="arrow" w="med"/>
+            <a:tailEnd type="triangle" w="lg" len="med"/>
           </a:ln>
           <a:effectLst>
-            <a:outerShdw blurRad="40000" dir="5400000" dist="20000" rotWithShape="0">
+            <a:outerShdw blurRad="40000" dist="20000" dir="5400000" rotWithShape="0">
               <a:srgbClr val="000000">
                 <a:alpha val="38000"/>
               </a:srgbClr>
@@ -5093,22 +5336,28 @@
           <p:nvPr/>
         </p:nvSpPr>
         <p:spPr>
-          <a:xfrm flipH="1" flipV="1" rot="5400000">
-            <a:off x="23330160" y="1970280"/>
+          <a:xfrm rot="5400000" flipH="1" flipV="1">
+            <a:off x="25044271" y="1943641"/>
             <a:ext cx="925200" cy="9392400"/>
           </a:xfrm>
           <a:prstGeom prst="curvedConnector3">
             <a:avLst>
-              <a:gd name="adj1" fmla="val -94537"/>
+              <a:gd name="adj1" fmla="val -110225"/>
             </a:avLst>
           </a:prstGeom>
           <a:noFill/>
-          <a:ln>
+          <a:ln w="101600">
+            <a:solidFill>
+              <a:schemeClr val="tx1">
+                <a:lumMod val="50000"/>
+                <a:lumOff val="50000"/>
+              </a:schemeClr>
+            </a:solidFill>
             <a:round/>
-            <a:tailEnd len="med" type="arrow" w="med"/>
+            <a:tailEnd type="triangle" w="lg" len="med"/>
           </a:ln>
           <a:effectLst>
-            <a:outerShdw blurRad="40000" dir="5400000" dist="20000" rotWithShape="0">
+            <a:outerShdw blurRad="40000" dist="20000" dir="5400000" rotWithShape="0">
               <a:srgbClr val="000000">
                 <a:alpha val="38000"/>
               </a:srgbClr>
@@ -5128,172 +5377,374 @@
           <a:fontRef idx="minor"/>
         </p:style>
       </p:sp>
-      <p:pic>
-        <p:nvPicPr>
-          <p:cNvPr id="102" name="Picture 73" descr=""/>
-          <p:cNvPicPr/>
+      <p:sp>
+        <p:nvSpPr>
+          <p:cNvPr id="125" name="CustomShape 26"/>
+          <p:cNvSpPr/>
           <p:nvPr/>
-        </p:nvPicPr>
-        <p:blipFill>
-          <a:blip r:embed="rId12"/>
-          <a:stretch/>
-        </p:blipFill>
-        <p:spPr>
-          <a:xfrm>
-            <a:off x="2241720" y="11776680"/>
-            <a:ext cx="4609800" cy="3443760"/>
-          </a:xfrm>
-          <a:prstGeom prst="rect">
-            <a:avLst/>
-          </a:prstGeom>
+        </p:nvSpPr>
+        <p:spPr>
+          <a:xfrm>
+            <a:off x="5151760" y="11862064"/>
+            <a:ext cx="1055880" cy="2376360"/>
+          </a:xfrm>
+          <a:prstGeom prst="rect">
+            <a:avLst/>
+          </a:prstGeom>
+          <a:noFill/>
           <a:ln>
             <a:noFill/>
           </a:ln>
         </p:spPr>
-      </p:pic>
-      <p:pic>
-        <p:nvPicPr>
-          <p:cNvPr id="103" name="Picture 74" descr=""/>
-          <p:cNvPicPr/>
+        <p:style>
+          <a:lnRef idx="0">
+            <a:scrgbClr r="0" g="0" b="0"/>
+          </a:lnRef>
+          <a:fillRef idx="0">
+            <a:scrgbClr r="0" g="0" b="0"/>
+          </a:fillRef>
+          <a:effectRef idx="0">
+            <a:scrgbClr r="0" g="0" b="0"/>
+          </a:effectRef>
+          <a:fontRef idx="minor"/>
+        </p:style>
+        <p:txBody>
+          <a:bodyPr wrap="none" lIns="90000" tIns="45000" rIns="90000" bIns="45000"/>
+          <a:lstStyle/>
+          <a:p>
+            <a:pPr>
+              <a:lnSpc>
+                <a:spcPct val="100000"/>
+              </a:lnSpc>
+            </a:pPr>
+            <a:r>
+              <a:rPr lang="en-US" sz="15000" b="0" strike="noStrike" spc="-1" dirty="0">
+                <a:solidFill>
+                  <a:srgbClr val="000000"/>
+                </a:solidFill>
+                <a:uFill>
+                  <a:solidFill>
+                    <a:srgbClr val="FFFFFF"/>
+                  </a:solidFill>
+                </a:uFill>
+                <a:latin typeface="Calibri"/>
+              </a:rPr>
+              <a:t>F</a:t>
+            </a:r>
+            <a:endParaRPr lang="en-US" sz="1800" b="0" strike="noStrike" spc="-1" dirty="0">
+              <a:solidFill>
+                <a:srgbClr val="000000"/>
+              </a:solidFill>
+              <a:uFill>
+                <a:solidFill>
+                  <a:srgbClr val="FFFFFF"/>
+                </a:solidFill>
+              </a:uFill>
+              <a:latin typeface="Arial"/>
+            </a:endParaRPr>
+          </a:p>
+        </p:txBody>
+      </p:sp>
+      <p:sp>
+        <p:nvSpPr>
+          <p:cNvPr id="126" name="CustomShape 27"/>
+          <p:cNvSpPr/>
           <p:nvPr/>
-        </p:nvPicPr>
-        <p:blipFill>
-          <a:blip r:embed="rId13"/>
-          <a:stretch/>
-        </p:blipFill>
-        <p:spPr>
-          <a:xfrm>
-            <a:off x="9034200" y="11791800"/>
-            <a:ext cx="4609800" cy="3443760"/>
-          </a:xfrm>
-          <a:prstGeom prst="rect">
-            <a:avLst/>
-          </a:prstGeom>
+        </p:nvSpPr>
+        <p:spPr>
+          <a:xfrm>
+            <a:off x="10662007" y="11862064"/>
+            <a:ext cx="1165680" cy="2376360"/>
+          </a:xfrm>
+          <a:prstGeom prst="rect">
+            <a:avLst/>
+          </a:prstGeom>
+          <a:noFill/>
           <a:ln>
             <a:noFill/>
           </a:ln>
         </p:spPr>
-      </p:pic>
-      <p:pic>
-        <p:nvPicPr>
-          <p:cNvPr id="104" name="Picture 75" descr=""/>
-          <p:cNvPicPr/>
+        <p:style>
+          <a:lnRef idx="0">
+            <a:scrgbClr r="0" g="0" b="0"/>
+          </a:lnRef>
+          <a:fillRef idx="0">
+            <a:scrgbClr r="0" g="0" b="0"/>
+          </a:fillRef>
+          <a:effectRef idx="0">
+            <a:scrgbClr r="0" g="0" b="0"/>
+          </a:effectRef>
+          <a:fontRef idx="minor"/>
+        </p:style>
+        <p:txBody>
+          <a:bodyPr wrap="none" lIns="90000" tIns="45000" rIns="90000" bIns="45000"/>
+          <a:lstStyle/>
+          <a:p>
+            <a:pPr>
+              <a:lnSpc>
+                <a:spcPct val="100000"/>
+              </a:lnSpc>
+            </a:pPr>
+            <a:r>
+              <a:rPr lang="en-US" sz="15000" b="0" strike="noStrike" spc="-1" dirty="0">
+                <a:solidFill>
+                  <a:srgbClr val="000000"/>
+                </a:solidFill>
+                <a:uFill>
+                  <a:solidFill>
+                    <a:srgbClr val="FFFFFF"/>
+                  </a:solidFill>
+                </a:uFill>
+                <a:latin typeface="Calibri"/>
+              </a:rPr>
+              <a:t>P</a:t>
+            </a:r>
+            <a:endParaRPr lang="en-US" sz="1800" b="0" strike="noStrike" spc="-1" dirty="0">
+              <a:solidFill>
+                <a:srgbClr val="000000"/>
+              </a:solidFill>
+              <a:uFill>
+                <a:solidFill>
+                  <a:srgbClr val="FFFFFF"/>
+                </a:solidFill>
+              </a:uFill>
+              <a:latin typeface="Arial"/>
+            </a:endParaRPr>
+          </a:p>
+        </p:txBody>
+      </p:sp>
+      <p:sp>
+        <p:nvSpPr>
+          <p:cNvPr id="127" name="CustomShape 28"/>
+          <p:cNvSpPr/>
           <p:nvPr/>
-        </p:nvPicPr>
-        <p:blipFill>
-          <a:blip r:embed="rId14"/>
-          <a:stretch/>
-        </p:blipFill>
-        <p:spPr>
-          <a:xfrm>
-            <a:off x="12300840" y="16679520"/>
-            <a:ext cx="4609800" cy="3436200"/>
-          </a:xfrm>
-          <a:prstGeom prst="rect">
-            <a:avLst/>
-          </a:prstGeom>
+        </p:nvSpPr>
+        <p:spPr>
+          <a:xfrm>
+            <a:off x="15797284" y="11870073"/>
+            <a:ext cx="1217520" cy="2376360"/>
+          </a:xfrm>
+          <a:prstGeom prst="rect">
+            <a:avLst/>
+          </a:prstGeom>
+          <a:noFill/>
           <a:ln>
             <a:noFill/>
           </a:ln>
         </p:spPr>
-      </p:pic>
-      <p:pic>
-        <p:nvPicPr>
-          <p:cNvPr id="105" name="Picture 76" descr=""/>
-          <p:cNvPicPr/>
+        <p:style>
+          <a:lnRef idx="0">
+            <a:scrgbClr r="0" g="0" b="0"/>
+          </a:lnRef>
+          <a:fillRef idx="0">
+            <a:scrgbClr r="0" g="0" b="0"/>
+          </a:fillRef>
+          <a:effectRef idx="0">
+            <a:scrgbClr r="0" g="0" b="0"/>
+          </a:effectRef>
+          <a:fontRef idx="minor"/>
+        </p:style>
+        <p:txBody>
+          <a:bodyPr wrap="none" lIns="90000" tIns="45000" rIns="90000" bIns="45000"/>
+          <a:lstStyle/>
+          <a:p>
+            <a:pPr>
+              <a:lnSpc>
+                <a:spcPct val="100000"/>
+              </a:lnSpc>
+            </a:pPr>
+            <a:r>
+              <a:rPr lang="en-US" sz="15000" b="0" strike="noStrike" spc="-1" dirty="0">
+                <a:solidFill>
+                  <a:srgbClr val="000000"/>
+                </a:solidFill>
+                <a:uFill>
+                  <a:solidFill>
+                    <a:srgbClr val="FFFFFF"/>
+                  </a:solidFill>
+                </a:uFill>
+                <a:latin typeface="Calibri"/>
+              </a:rPr>
+              <a:t>B</a:t>
+            </a:r>
+            <a:endParaRPr lang="en-US" sz="1800" b="0" strike="noStrike" spc="-1" dirty="0">
+              <a:solidFill>
+                <a:srgbClr val="000000"/>
+              </a:solidFill>
+              <a:uFill>
+                <a:solidFill>
+                  <a:srgbClr val="FFFFFF"/>
+                </a:solidFill>
+              </a:uFill>
+              <a:latin typeface="Arial"/>
+            </a:endParaRPr>
+          </a:p>
+        </p:txBody>
+      </p:sp>
+      <p:sp>
+        <p:nvSpPr>
+          <p:cNvPr id="128" name="CustomShape 29"/>
+          <p:cNvSpPr/>
           <p:nvPr/>
-        </p:nvPicPr>
-        <p:blipFill>
-          <a:blip r:embed="rId15"/>
-          <a:stretch/>
-        </p:blipFill>
-        <p:spPr>
-          <a:xfrm>
-            <a:off x="16005960" y="11791800"/>
-            <a:ext cx="4617360" cy="3428640"/>
-          </a:xfrm>
-          <a:prstGeom prst="rect">
-            <a:avLst/>
-          </a:prstGeom>
+        </p:nvSpPr>
+        <p:spPr>
+          <a:xfrm>
+            <a:off x="21053860" y="11906704"/>
+            <a:ext cx="1055880" cy="2376360"/>
+          </a:xfrm>
+          <a:prstGeom prst="rect">
+            <a:avLst/>
+          </a:prstGeom>
+          <a:noFill/>
           <a:ln>
             <a:noFill/>
           </a:ln>
         </p:spPr>
-      </p:pic>
-      <p:pic>
-        <p:nvPicPr>
-          <p:cNvPr id="106" name="Picture 77" descr=""/>
-          <p:cNvPicPr/>
+        <p:style>
+          <a:lnRef idx="0">
+            <a:scrgbClr r="0" g="0" b="0"/>
+          </a:lnRef>
+          <a:fillRef idx="0">
+            <a:scrgbClr r="0" g="0" b="0"/>
+          </a:fillRef>
+          <a:effectRef idx="0">
+            <a:scrgbClr r="0" g="0" b="0"/>
+          </a:effectRef>
+          <a:fontRef idx="minor"/>
+        </p:style>
+        <p:txBody>
+          <a:bodyPr wrap="none" lIns="90000" tIns="45000" rIns="90000" bIns="45000"/>
+          <a:lstStyle/>
+          <a:p>
+            <a:pPr>
+              <a:lnSpc>
+                <a:spcPct val="100000"/>
+              </a:lnSpc>
+            </a:pPr>
+            <a:r>
+              <a:rPr lang="en-US" sz="15000" b="0" strike="noStrike" spc="-1" dirty="0">
+                <a:solidFill>
+                  <a:srgbClr val="000000"/>
+                </a:solidFill>
+                <a:uFill>
+                  <a:solidFill>
+                    <a:srgbClr val="FFFFFF"/>
+                  </a:solidFill>
+                </a:uFill>
+                <a:latin typeface="Calibri"/>
+              </a:rPr>
+              <a:t>S</a:t>
+            </a:r>
+            <a:endParaRPr lang="en-US" sz="1800" b="0" strike="noStrike" spc="-1" dirty="0">
+              <a:solidFill>
+                <a:srgbClr val="000000"/>
+              </a:solidFill>
+              <a:uFill>
+                <a:solidFill>
+                  <a:srgbClr val="FFFFFF"/>
+                </a:solidFill>
+              </a:uFill>
+              <a:latin typeface="Arial"/>
+            </a:endParaRPr>
+          </a:p>
+        </p:txBody>
+      </p:sp>
+      <p:sp>
+        <p:nvSpPr>
+          <p:cNvPr id="129" name="CustomShape 30"/>
+          <p:cNvSpPr/>
           <p:nvPr/>
-        </p:nvPicPr>
-        <p:blipFill>
-          <a:blip r:embed="rId16"/>
-          <a:stretch/>
-        </p:blipFill>
-        <p:spPr>
-          <a:xfrm>
-            <a:off x="20388960" y="16664400"/>
-            <a:ext cx="4617360" cy="3451680"/>
-          </a:xfrm>
-          <a:prstGeom prst="rect">
-            <a:avLst/>
-          </a:prstGeom>
+        </p:nvSpPr>
+        <p:spPr>
+          <a:xfrm>
+            <a:off x="25873541" y="11862064"/>
+            <a:ext cx="1829880" cy="2376360"/>
+          </a:xfrm>
+          <a:prstGeom prst="rect">
+            <a:avLst/>
+          </a:prstGeom>
+          <a:noFill/>
           <a:ln>
             <a:noFill/>
           </a:ln>
         </p:spPr>
-      </p:pic>
-      <p:pic>
-        <p:nvPicPr>
-          <p:cNvPr id="107" name="Picture 78" descr=""/>
-          <p:cNvPicPr/>
+        <p:style>
+          <a:lnRef idx="0">
+            <a:scrgbClr r="0" g="0" b="0"/>
+          </a:lnRef>
+          <a:fillRef idx="0">
+            <a:scrgbClr r="0" g="0" b="0"/>
+          </a:fillRef>
+          <a:effectRef idx="0">
+            <a:scrgbClr r="0" g="0" b="0"/>
+          </a:effectRef>
+          <a:fontRef idx="minor"/>
+        </p:style>
+        <p:txBody>
+          <a:bodyPr wrap="none" lIns="90000" tIns="45000" rIns="90000" bIns="45000"/>
+          <a:lstStyle/>
+          <a:p>
+            <a:pPr>
+              <a:lnSpc>
+                <a:spcPct val="100000"/>
+              </a:lnSpc>
+            </a:pPr>
+            <a:r>
+              <a:rPr lang="en-US" sz="15000" b="0" strike="noStrike" spc="-1" dirty="0" err="1">
+                <a:solidFill>
+                  <a:srgbClr val="000000"/>
+                </a:solidFill>
+                <a:uFill>
+                  <a:solidFill>
+                    <a:srgbClr val="FFFFFF"/>
+                  </a:solidFill>
+                </a:uFill>
+                <a:latin typeface="Calibri"/>
+              </a:rPr>
+              <a:t>Pr</a:t>
+            </a:r>
+            <a:endParaRPr lang="en-US" sz="1800" b="0" strike="noStrike" spc="-1" dirty="0">
+              <a:solidFill>
+                <a:srgbClr val="000000"/>
+              </a:solidFill>
+              <a:uFill>
+                <a:solidFill>
+                  <a:srgbClr val="FFFFFF"/>
+                </a:solidFill>
+              </a:uFill>
+              <a:latin typeface="Arial"/>
+            </a:endParaRPr>
+          </a:p>
+        </p:txBody>
+      </p:sp>
+      <p:cxnSp>
+        <p:nvCxnSpPr>
+          <p:cNvPr id="5" name="Curved Connector 4"/>
+          <p:cNvCxnSpPr>
+            <a:stCxn id="89" idx="0"/>
+            <a:endCxn id="93" idx="0"/>
+          </p:cNvCxnSpPr>
           <p:nvPr/>
-        </p:nvPicPr>
-        <p:blipFill>
-          <a:blip r:embed="rId17"/>
-          <a:stretch/>
-        </p:blipFill>
-        <p:spPr>
-          <a:xfrm>
-            <a:off x="23831640" y="12743640"/>
-            <a:ext cx="3047760" cy="1515960"/>
-          </a:xfrm>
-          <a:prstGeom prst="rect">
-            <a:avLst/>
-          </a:prstGeom>
-          <a:ln>
-            <a:noFill/>
-          </a:ln>
-        </p:spPr>
-      </p:pic>
-      <p:sp>
-        <p:nvSpPr>
-          <p:cNvPr id="108" name="CustomShape 9"/>
-          <p:cNvSpPr/>
-          <p:nvPr/>
-        </p:nvSpPr>
-        <p:spPr>
-          <a:xfrm>
-            <a:off x="6851880" y="13498560"/>
-            <a:ext cx="2181960" cy="14760"/>
+        </p:nvCxnSpPr>
+        <p:spPr>
+          <a:xfrm rot="16200000" flipH="1">
+            <a:off x="16268380" y="997624"/>
+            <a:ext cx="152640" cy="20965681"/>
           </a:xfrm>
           <a:prstGeom prst="curvedConnector3">
             <a:avLst>
-              <a:gd name="adj1" fmla="val 50000"/>
+              <a:gd name="adj1" fmla="val -839154"/>
             </a:avLst>
           </a:prstGeom>
-          <a:noFill/>
-          <a:ln w="127080">
-            <a:round/>
-            <a:tailEnd len="lg" type="triangle" w="lg"/>
+          <a:ln w="101600">
+            <a:solidFill>
+              <a:schemeClr val="tx1">
+                <a:lumMod val="50000"/>
+                <a:lumOff val="50000"/>
+              </a:schemeClr>
+            </a:solidFill>
+            <a:tailEnd type="triangle" w="lg" len="med"/>
           </a:ln>
-          <a:effectLst>
-            <a:outerShdw blurRad="40000" dir="5400000" dist="20000" rotWithShape="0">
-              <a:srgbClr val="000000">
-                <a:alpha val="38000"/>
-              </a:srgbClr>
-            </a:outerShdw>
-          </a:effectLst>
         </p:spPr>
         <p:style>
           <a:lnRef idx="2">
@@ -5305,48 +5756,36 @@
           <a:effectRef idx="1">
             <a:schemeClr val="accent1"/>
           </a:effectRef>
-          <a:fontRef idx="minor"/>
+          <a:fontRef idx="minor">
+            <a:schemeClr val="tx1"/>
+          </a:fontRef>
         </p:style>
-      </p:sp>
-      <p:sp>
-        <p:nvSpPr>
-          <p:cNvPr id="109" name="CustomShape 10"/>
-          <p:cNvSpPr/>
+      </p:cxnSp>
+      <p:cxnSp>
+        <p:nvCxnSpPr>
+          <p:cNvPr id="8" name="Curved Connector 7"/>
+          <p:cNvCxnSpPr>
+            <a:stCxn id="89" idx="3"/>
+          </p:cNvCxnSpPr>
           <p:nvPr/>
-        </p:nvSpPr>
-        <p:spPr>
-          <a:xfrm>
-            <a:off x="11339280" y="15235920"/>
-            <a:ext cx="3266280" cy="1442880"/>
-          </a:xfrm>
-          <a:custGeom>
-            <a:avLst/>
-            <a:gdLst/>
-            <a:ahLst/>
-            <a:rect l="l" t="t" r="r" b="b"/>
-            <a:pathLst>
-              <a:path w="21600" h="21600">
-                <a:moveTo>
-                  <a:pt x="0" y="0"/>
-                </a:moveTo>
-                <a:lnTo>
-                  <a:pt x="21600" y="21600"/>
-                </a:lnTo>
-              </a:path>
-            </a:pathLst>
-          </a:custGeom>
-          <a:noFill/>
-          <a:ln w="127080">
-            <a:round/>
-            <a:tailEnd len="lg" type="triangle" w="lg"/>
+        </p:nvCxnSpPr>
+        <p:spPr>
+          <a:xfrm flipV="1">
+            <a:off x="8147680" y="13106641"/>
+            <a:ext cx="815847" cy="9843"/>
+          </a:xfrm>
+          <a:prstGeom prst="curvedConnector3">
+            <a:avLst/>
+          </a:prstGeom>
+          <a:ln w="101600">
+            <a:solidFill>
+              <a:schemeClr val="tx1">
+                <a:lumMod val="50000"/>
+                <a:lumOff val="50000"/>
+              </a:schemeClr>
+            </a:solidFill>
+            <a:tailEnd type="triangle" w="lg" len="med"/>
           </a:ln>
-          <a:effectLst>
-            <a:outerShdw blurRad="40000" dir="5400000" dist="20000" rotWithShape="0">
-              <a:srgbClr val="000000">
-                <a:alpha val="38000"/>
-              </a:srgbClr>
-            </a:outerShdw>
-          </a:effectLst>
         </p:spPr>
         <p:style>
           <a:lnRef idx="2">
@@ -5358,48 +5797,36 @@
           <a:effectRef idx="1">
             <a:schemeClr val="accent1"/>
           </a:effectRef>
-          <a:fontRef idx="minor"/>
+          <a:fontRef idx="minor">
+            <a:schemeClr val="tx1"/>
+          </a:fontRef>
         </p:style>
-      </p:sp>
-      <p:sp>
-        <p:nvSpPr>
-          <p:cNvPr id="110" name="CustomShape 11"/>
-          <p:cNvSpPr/>
+      </p:cxnSp>
+      <p:cxnSp>
+        <p:nvCxnSpPr>
+          <p:cNvPr id="16" name="Straight Arrow Connector 15"/>
+          <p:cNvCxnSpPr>
+            <a:stCxn id="92" idx="3"/>
+          </p:cNvCxnSpPr>
           <p:nvPr/>
-        </p:nvSpPr>
-        <p:spPr>
-          <a:xfrm flipV="1">
-            <a:off x="14605920" y="15220080"/>
-            <a:ext cx="3708360" cy="1458360"/>
-          </a:xfrm>
-          <a:custGeom>
-            <a:avLst/>
-            <a:gdLst/>
-            <a:ahLst/>
-            <a:rect l="l" t="t" r="r" b="b"/>
-            <a:pathLst>
-              <a:path w="21600" h="21600">
-                <a:moveTo>
-                  <a:pt x="0" y="0"/>
-                </a:moveTo>
-                <a:lnTo>
-                  <a:pt x="21600" y="21600"/>
-                </a:lnTo>
-              </a:path>
-            </a:pathLst>
-          </a:custGeom>
-          <a:noFill/>
-          <a:ln w="127080">
-            <a:round/>
-            <a:tailEnd len="lg" type="triangle" w="lg"/>
+        </p:nvCxnSpPr>
+        <p:spPr>
+          <a:xfrm>
+            <a:off x="23945380" y="13193344"/>
+            <a:ext cx="594361" cy="0"/>
+          </a:xfrm>
+          <a:prstGeom prst="straightConnector1">
+            <a:avLst/>
+          </a:prstGeom>
+          <a:ln w="101600">
+            <a:solidFill>
+              <a:schemeClr val="tx1">
+                <a:lumMod val="50000"/>
+                <a:lumOff val="50000"/>
+              </a:schemeClr>
+            </a:solidFill>
+            <a:tailEnd type="triangle" w="lg" len="med"/>
           </a:ln>
-          <a:effectLst>
-            <a:outerShdw blurRad="40000" dir="5400000" dist="20000" rotWithShape="0">
-              <a:srgbClr val="000000">
-                <a:alpha val="38000"/>
-              </a:srgbClr>
-            </a:outerShdw>
-          </a:effectLst>
         </p:spPr>
         <p:style>
           <a:lnRef idx="2">
@@ -5411,48 +5838,37 @@
           <a:effectRef idx="1">
             <a:schemeClr val="accent1"/>
           </a:effectRef>
-          <a:fontRef idx="minor"/>
+          <a:fontRef idx="minor">
+            <a:schemeClr val="tx1"/>
+          </a:fontRef>
         </p:style>
-      </p:sp>
-      <p:sp>
-        <p:nvSpPr>
-          <p:cNvPr id="111" name="CustomShape 12"/>
-          <p:cNvSpPr/>
+      </p:cxnSp>
+      <p:cxnSp>
+        <p:nvCxnSpPr>
+          <p:cNvPr id="21" name="Straight Arrow Connector 20"/>
+          <p:cNvCxnSpPr>
+            <a:stCxn id="91" idx="3"/>
+            <a:endCxn id="92" idx="1"/>
+          </p:cNvCxnSpPr>
           <p:nvPr/>
-        </p:nvSpPr>
-        <p:spPr>
-          <a:xfrm>
-            <a:off x="18315000" y="15220800"/>
-            <a:ext cx="4382640" cy="1442880"/>
-          </a:xfrm>
-          <a:custGeom>
-            <a:avLst/>
-            <a:gdLst/>
-            <a:ahLst/>
-            <a:rect l="l" t="t" r="r" b="b"/>
-            <a:pathLst>
-              <a:path w="21600" h="21600">
-                <a:moveTo>
-                  <a:pt x="0" y="0"/>
-                </a:moveTo>
-                <a:lnTo>
-                  <a:pt x="21600" y="21600"/>
-                </a:lnTo>
-              </a:path>
-            </a:pathLst>
-          </a:custGeom>
-          <a:noFill/>
-          <a:ln w="127080">
-            <a:round/>
-            <a:tailEnd len="lg" type="triangle" w="lg"/>
+        </p:nvCxnSpPr>
+        <p:spPr>
+          <a:xfrm>
+            <a:off x="18651724" y="13179213"/>
+            <a:ext cx="706896" cy="14131"/>
+          </a:xfrm>
+          <a:prstGeom prst="straightConnector1">
+            <a:avLst/>
+          </a:prstGeom>
+          <a:ln w="101600">
+            <a:solidFill>
+              <a:schemeClr val="tx1">
+                <a:lumMod val="50000"/>
+                <a:lumOff val="50000"/>
+              </a:schemeClr>
+            </a:solidFill>
+            <a:tailEnd type="triangle" w="lg" len="med"/>
           </a:ln>
-          <a:effectLst>
-            <a:outerShdw blurRad="40000" dir="5400000" dist="20000" rotWithShape="0">
-              <a:srgbClr val="000000">
-                <a:alpha val="38000"/>
-              </a:srgbClr>
-            </a:outerShdw>
-          </a:effectLst>
         </p:spPr>
         <p:style>
           <a:lnRef idx="2">
@@ -5464,48 +5880,37 @@
           <a:effectRef idx="1">
             <a:schemeClr val="accent1"/>
           </a:effectRef>
-          <a:fontRef idx="minor"/>
+          <a:fontRef idx="minor">
+            <a:schemeClr val="tx1"/>
+          </a:fontRef>
         </p:style>
-      </p:sp>
-      <p:sp>
-        <p:nvSpPr>
-          <p:cNvPr id="112" name="CustomShape 13"/>
-          <p:cNvSpPr/>
+      </p:cxnSp>
+      <p:cxnSp>
+        <p:nvCxnSpPr>
+          <p:cNvPr id="23" name="Straight Arrow Connector 22"/>
+          <p:cNvCxnSpPr>
+            <a:stCxn id="90" idx="3"/>
+            <a:endCxn id="91" idx="1"/>
+          </p:cNvCxnSpPr>
           <p:nvPr/>
-        </p:nvSpPr>
-        <p:spPr>
-          <a:xfrm flipV="1">
-            <a:off x="22698000" y="14259960"/>
-            <a:ext cx="2657520" cy="2404080"/>
-          </a:xfrm>
-          <a:custGeom>
-            <a:avLst/>
-            <a:gdLst/>
-            <a:ahLst/>
-            <a:rect l="l" t="t" r="r" b="b"/>
-            <a:pathLst>
-              <a:path w="21600" h="21600">
-                <a:moveTo>
-                  <a:pt x="0" y="0"/>
-                </a:moveTo>
-                <a:lnTo>
-                  <a:pt x="21600" y="21600"/>
-                </a:lnTo>
-              </a:path>
-            </a:pathLst>
-          </a:custGeom>
-          <a:noFill/>
-          <a:ln w="127080">
-            <a:round/>
-            <a:tailEnd len="lg" type="triangle" w="lg"/>
+        </p:nvCxnSpPr>
+        <p:spPr>
+          <a:xfrm>
+            <a:off x="13504567" y="13160510"/>
+            <a:ext cx="609717" cy="18703"/>
+          </a:xfrm>
+          <a:prstGeom prst="straightConnector1">
+            <a:avLst/>
+          </a:prstGeom>
+          <a:ln w="101600">
+            <a:solidFill>
+              <a:schemeClr val="tx1">
+                <a:lumMod val="50000"/>
+                <a:lumOff val="50000"/>
+              </a:schemeClr>
+            </a:solidFill>
+            <a:tailEnd type="triangle" w="lg" len="med"/>
           </a:ln>
-          <a:effectLst>
-            <a:outerShdw blurRad="40000" dir="5400000" dist="20000" rotWithShape="0">
-              <a:srgbClr val="000000">
-                <a:alpha val="38000"/>
-              </a:srgbClr>
-            </a:outerShdw>
-          </a:effectLst>
         </p:spPr>
         <p:style>
           <a:lnRef idx="2">
@@ -5517,293 +5922,21 @@
           <a:effectRef idx="1">
             <a:schemeClr val="accent1"/>
           </a:effectRef>
-          <a:fontRef idx="minor"/>
+          <a:fontRef idx="minor">
+            <a:schemeClr val="tx1"/>
+          </a:fontRef>
         </p:style>
-      </p:sp>
-      <p:sp>
-        <p:nvSpPr>
-          <p:cNvPr id="113" name="CustomShape 14"/>
+      </p:cxnSp>
+      <p:sp>
+        <p:nvSpPr>
+          <p:cNvPr id="51" name="CustomShape 25"/>
           <p:cNvSpPr/>
           <p:nvPr/>
         </p:nvSpPr>
         <p:spPr>
-          <a:xfrm flipV="1">
-            <a:off x="13644360" y="13506480"/>
-            <a:ext cx="2361240" cy="7200"/>
-          </a:xfrm>
-          <a:custGeom>
-            <a:avLst/>
-            <a:gdLst/>
-            <a:ahLst/>
-            <a:rect l="l" t="t" r="r" b="b"/>
-            <a:pathLst>
-              <a:path w="21600" h="21600">
-                <a:moveTo>
-                  <a:pt x="0" y="0"/>
-                </a:moveTo>
-                <a:lnTo>
-                  <a:pt x="21600" y="21600"/>
-                </a:lnTo>
-              </a:path>
-            </a:pathLst>
-          </a:custGeom>
-          <a:noFill/>
-          <a:ln w="127080">
-            <a:round/>
-            <a:tailEnd len="lg" type="triangle" w="lg"/>
-          </a:ln>
-          <a:effectLst>
-            <a:outerShdw blurRad="40000" dir="5400000" dist="20000" rotWithShape="0">
-              <a:srgbClr val="000000">
-                <a:alpha val="38000"/>
-              </a:srgbClr>
-            </a:outerShdw>
-          </a:effectLst>
-        </p:spPr>
-        <p:style>
-          <a:lnRef idx="2">
-            <a:schemeClr val="accent1"/>
-          </a:lnRef>
-          <a:fillRef idx="0">
-            <a:schemeClr val="accent1"/>
-          </a:fillRef>
-          <a:effectRef idx="1">
-            <a:schemeClr val="accent1"/>
-          </a:effectRef>
-          <a:fontRef idx="minor"/>
-        </p:style>
-      </p:sp>
-      <p:sp>
-        <p:nvSpPr>
-          <p:cNvPr id="114" name="CustomShape 15"/>
-          <p:cNvSpPr/>
-          <p:nvPr/>
-        </p:nvSpPr>
-        <p:spPr>
-          <a:xfrm flipV="1">
-            <a:off x="20623680" y="13501800"/>
-            <a:ext cx="3207600" cy="4320"/>
-          </a:xfrm>
-          <a:custGeom>
-            <a:avLst/>
-            <a:gdLst/>
-            <a:ahLst/>
-            <a:rect l="l" t="t" r="r" b="b"/>
-            <a:pathLst>
-              <a:path w="21600" h="21600">
-                <a:moveTo>
-                  <a:pt x="0" y="0"/>
-                </a:moveTo>
-                <a:lnTo>
-                  <a:pt x="21600" y="21600"/>
-                </a:lnTo>
-              </a:path>
-            </a:pathLst>
-          </a:custGeom>
-          <a:noFill/>
-          <a:ln w="127080">
-            <a:round/>
-            <a:tailEnd len="lg" type="triangle" w="lg"/>
-          </a:ln>
-          <a:effectLst>
-            <a:outerShdw blurRad="40000" dir="5400000" dist="20000" rotWithShape="0">
-              <a:srgbClr val="000000">
-                <a:alpha val="38000"/>
-              </a:srgbClr>
-            </a:outerShdw>
-          </a:effectLst>
-        </p:spPr>
-        <p:style>
-          <a:lnRef idx="2">
-            <a:schemeClr val="accent1"/>
-          </a:lnRef>
-          <a:fillRef idx="0">
-            <a:schemeClr val="accent1"/>
-          </a:fillRef>
-          <a:effectRef idx="1">
-            <a:schemeClr val="accent1"/>
-          </a:effectRef>
-          <a:fontRef idx="minor"/>
-        </p:style>
-      </p:sp>
-      <p:sp>
-        <p:nvSpPr>
-          <p:cNvPr id="115" name="CustomShape 16"/>
-          <p:cNvSpPr/>
-          <p:nvPr/>
-        </p:nvSpPr>
-        <p:spPr>
-          <a:xfrm>
-            <a:off x="5244120" y="24385320"/>
-            <a:ext cx="1495080" cy="12240"/>
-          </a:xfrm>
-          <a:prstGeom prst="curvedConnector3">
-            <a:avLst>
-              <a:gd name="adj1" fmla="val 50000"/>
-            </a:avLst>
-          </a:prstGeom>
-          <a:noFill/>
-          <a:ln w="127080">
-            <a:round/>
-            <a:tailEnd len="lg" type="triangle" w="lg"/>
-          </a:ln>
-          <a:effectLst>
-            <a:outerShdw blurRad="40000" dir="5400000" dist="20000" rotWithShape="0">
-              <a:srgbClr val="000000">
-                <a:alpha val="38000"/>
-              </a:srgbClr>
-            </a:outerShdw>
-          </a:effectLst>
-        </p:spPr>
-        <p:style>
-          <a:lnRef idx="2">
-            <a:schemeClr val="accent1"/>
-          </a:lnRef>
-          <a:fillRef idx="0">
-            <a:schemeClr val="accent1"/>
-          </a:fillRef>
-          <a:effectRef idx="1">
-            <a:schemeClr val="accent1"/>
-          </a:effectRef>
-          <a:fontRef idx="minor"/>
-        </p:style>
-      </p:sp>
-      <p:sp>
-        <p:nvSpPr>
-          <p:cNvPr id="116" name="CustomShape 17"/>
-          <p:cNvSpPr/>
-          <p:nvPr/>
-        </p:nvSpPr>
-        <p:spPr>
-          <a:xfrm>
-            <a:off x="11211840" y="24378840"/>
-            <a:ext cx="1495080" cy="12240"/>
-          </a:xfrm>
-          <a:prstGeom prst="curvedConnector3">
-            <a:avLst>
-              <a:gd name="adj1" fmla="val 50000"/>
-            </a:avLst>
-          </a:prstGeom>
-          <a:noFill/>
-          <a:ln w="127080">
-            <a:round/>
-            <a:tailEnd len="lg" type="triangle" w="lg"/>
-          </a:ln>
-          <a:effectLst>
-            <a:outerShdw blurRad="40000" dir="5400000" dist="20000" rotWithShape="0">
-              <a:srgbClr val="000000">
-                <a:alpha val="38000"/>
-              </a:srgbClr>
-            </a:outerShdw>
-          </a:effectLst>
-        </p:spPr>
-        <p:style>
-          <a:lnRef idx="2">
-            <a:schemeClr val="accent1"/>
-          </a:lnRef>
-          <a:fillRef idx="0">
-            <a:schemeClr val="accent1"/>
-          </a:fillRef>
-          <a:effectRef idx="1">
-            <a:schemeClr val="accent1"/>
-          </a:effectRef>
-          <a:fontRef idx="minor"/>
-        </p:style>
-      </p:sp>
-      <p:sp>
-        <p:nvSpPr>
-          <p:cNvPr id="117" name="CustomShape 18"/>
-          <p:cNvSpPr/>
-          <p:nvPr/>
-        </p:nvSpPr>
-        <p:spPr>
-          <a:xfrm>
-            <a:off x="17245080" y="24366240"/>
-            <a:ext cx="1495080" cy="12240"/>
-          </a:xfrm>
-          <a:prstGeom prst="curvedConnector3">
-            <a:avLst>
-              <a:gd name="adj1" fmla="val 50000"/>
-            </a:avLst>
-          </a:prstGeom>
-          <a:noFill/>
-          <a:ln w="127080">
-            <a:round/>
-            <a:tailEnd len="lg" type="triangle" w="lg"/>
-          </a:ln>
-          <a:effectLst>
-            <a:outerShdw blurRad="40000" dir="5400000" dist="20000" rotWithShape="0">
-              <a:srgbClr val="000000">
-                <a:alpha val="38000"/>
-              </a:srgbClr>
-            </a:outerShdw>
-          </a:effectLst>
-        </p:spPr>
-        <p:style>
-          <a:lnRef idx="2">
-            <a:schemeClr val="accent1"/>
-          </a:lnRef>
-          <a:fillRef idx="0">
-            <a:schemeClr val="accent1"/>
-          </a:fillRef>
-          <a:effectRef idx="1">
-            <a:schemeClr val="accent1"/>
-          </a:effectRef>
-          <a:fontRef idx="minor"/>
-        </p:style>
-      </p:sp>
-      <p:sp>
-        <p:nvSpPr>
-          <p:cNvPr id="118" name="CustomShape 19"/>
-          <p:cNvSpPr/>
-          <p:nvPr/>
-        </p:nvSpPr>
-        <p:spPr>
-          <a:xfrm>
-            <a:off x="23346720" y="24353280"/>
-            <a:ext cx="1495080" cy="12240"/>
-          </a:xfrm>
-          <a:prstGeom prst="curvedConnector3">
-            <a:avLst>
-              <a:gd name="adj1" fmla="val 50000"/>
-            </a:avLst>
-          </a:prstGeom>
-          <a:noFill/>
-          <a:ln w="127080">
-            <a:round/>
-            <a:tailEnd len="lg" type="triangle" w="lg"/>
-          </a:ln>
-          <a:effectLst>
-            <a:outerShdw blurRad="40000" dir="5400000" dist="20000" rotWithShape="0">
-              <a:srgbClr val="000000">
-                <a:alpha val="38000"/>
-              </a:srgbClr>
-            </a:outerShdw>
-          </a:effectLst>
-        </p:spPr>
-        <p:style>
-          <a:lnRef idx="2">
-            <a:schemeClr val="accent1"/>
-          </a:lnRef>
-          <a:fillRef idx="0">
-            <a:schemeClr val="accent1"/>
-          </a:fillRef>
-          <a:effectRef idx="1">
-            <a:schemeClr val="accent1"/>
-          </a:effectRef>
-          <a:fontRef idx="minor"/>
-        </p:style>
-      </p:sp>
-      <p:sp>
-        <p:nvSpPr>
-          <p:cNvPr id="119" name="CustomShape 20"/>
-          <p:cNvSpPr/>
-          <p:nvPr/>
-        </p:nvSpPr>
-        <p:spPr>
-          <a:xfrm>
-            <a:off x="24406200" y="12107880"/>
-            <a:ext cx="1829880" cy="2376360"/>
+          <a:xfrm>
+            <a:off x="5130662" y="3904327"/>
+            <a:ext cx="1055880" cy="2376360"/>
           </a:xfrm>
           <a:prstGeom prst="rect">
             <a:avLst/>
@@ -5814,13 +5947,20 @@
           </a:ln>
         </p:spPr>
         <p:style>
-          <a:lnRef idx="0"/>
-          <a:fillRef idx="0"/>
-          <a:effectRef idx="0"/>
+          <a:lnRef idx="0">
+            <a:scrgbClr r="0" g="0" b="0"/>
+          </a:lnRef>
+          <a:fillRef idx="0">
+            <a:scrgbClr r="0" g="0" b="0"/>
+          </a:fillRef>
+          <a:effectRef idx="0">
+            <a:scrgbClr r="0" g="0" b="0"/>
+          </a:effectRef>
           <a:fontRef idx="minor"/>
         </p:style>
         <p:txBody>
-          <a:bodyPr wrap="none" lIns="90000" rIns="90000" tIns="45000" bIns="45000"/>
+          <a:bodyPr wrap="none" lIns="90000" tIns="45000" rIns="90000" bIns="45000"/>
+          <a:lstStyle/>
           <a:p>
             <a:pPr>
               <a:lnSpc>
@@ -5828,26 +5968,366 @@
               </a:lnSpc>
             </a:pPr>
             <a:r>
-              <a:rPr b="0" lang="en-US" sz="15000" spc="-1" strike="noStrike">
+              <a:rPr lang="en-US" sz="15000" b="0" strike="noStrike" spc="-1" dirty="0">
                 <a:solidFill>
                   <a:srgbClr val="000000"/>
                 </a:solidFill>
                 <a:uFill>
                   <a:solidFill>
-                    <a:srgbClr val="ffffff"/>
+                    <a:srgbClr val="FFFFFF"/>
+                  </a:solidFill>
+                </a:uFill>
+                <a:latin typeface="Calibri"/>
+              </a:rPr>
+              <a:t>F</a:t>
+            </a:r>
+            <a:endParaRPr lang="en-US" sz="1800" b="0" strike="noStrike" spc="-1" dirty="0">
+              <a:solidFill>
+                <a:srgbClr val="000000"/>
+              </a:solidFill>
+              <a:uFill>
+                <a:solidFill>
+                  <a:srgbClr val="FFFFFF"/>
+                </a:solidFill>
+              </a:uFill>
+              <a:latin typeface="Arial"/>
+            </a:endParaRPr>
+          </a:p>
+        </p:txBody>
+      </p:sp>
+      <p:sp>
+        <p:nvSpPr>
+          <p:cNvPr id="53" name="CustomShape 21"/>
+          <p:cNvSpPr/>
+          <p:nvPr/>
+        </p:nvSpPr>
+        <p:spPr>
+          <a:xfrm>
+            <a:off x="9656431" y="3904327"/>
+            <a:ext cx="2183760" cy="2376360"/>
+          </a:xfrm>
+          <a:prstGeom prst="rect">
+            <a:avLst/>
+          </a:prstGeom>
+          <a:noFill/>
+          <a:ln>
+            <a:noFill/>
+          </a:ln>
+        </p:spPr>
+        <p:style>
+          <a:lnRef idx="0">
+            <a:scrgbClr r="0" g="0" b="0"/>
+          </a:lnRef>
+          <a:fillRef idx="0">
+            <a:scrgbClr r="0" g="0" b="0"/>
+          </a:fillRef>
+          <a:effectRef idx="0">
+            <a:scrgbClr r="0" g="0" b="0"/>
+          </a:effectRef>
+          <a:fontRef idx="minor"/>
+        </p:style>
+        <p:txBody>
+          <a:bodyPr wrap="none" lIns="90000" tIns="45000" rIns="90000" bIns="45000"/>
+          <a:lstStyle/>
+          <a:p>
+            <a:pPr>
+              <a:lnSpc>
+                <a:spcPct val="100000"/>
+              </a:lnSpc>
+            </a:pPr>
+            <a:r>
+              <a:rPr lang="en-US" sz="15000" b="0" strike="noStrike" spc="-1" dirty="0">
+                <a:solidFill>
+                  <a:srgbClr val="000000"/>
+                </a:solidFill>
+                <a:uFill>
+                  <a:solidFill>
+                    <a:srgbClr val="FFFFFF"/>
+                  </a:solidFill>
+                </a:uFill>
+                <a:latin typeface="Calibri"/>
+              </a:rPr>
+              <a:t>B1</a:t>
+            </a:r>
+            <a:endParaRPr lang="en-US" sz="1800" b="0" strike="noStrike" spc="-1" dirty="0">
+              <a:solidFill>
+                <a:srgbClr val="000000"/>
+              </a:solidFill>
+              <a:uFill>
+                <a:solidFill>
+                  <a:srgbClr val="FFFFFF"/>
+                </a:solidFill>
+              </a:uFill>
+              <a:latin typeface="Arial"/>
+            </a:endParaRPr>
+          </a:p>
+        </p:txBody>
+      </p:sp>
+      <p:sp>
+        <p:nvSpPr>
+          <p:cNvPr id="54" name="CustomShape 22"/>
+          <p:cNvSpPr/>
+          <p:nvPr/>
+        </p:nvSpPr>
+        <p:spPr>
+          <a:xfrm>
+            <a:off x="14731360" y="3880152"/>
+            <a:ext cx="2183760" cy="2376360"/>
+          </a:xfrm>
+          <a:prstGeom prst="rect">
+            <a:avLst/>
+          </a:prstGeom>
+          <a:noFill/>
+          <a:ln>
+            <a:noFill/>
+          </a:ln>
+        </p:spPr>
+        <p:style>
+          <a:lnRef idx="0">
+            <a:scrgbClr r="0" g="0" b="0"/>
+          </a:lnRef>
+          <a:fillRef idx="0">
+            <a:scrgbClr r="0" g="0" b="0"/>
+          </a:fillRef>
+          <a:effectRef idx="0">
+            <a:scrgbClr r="0" g="0" b="0"/>
+          </a:effectRef>
+          <a:fontRef idx="minor"/>
+        </p:style>
+        <p:txBody>
+          <a:bodyPr wrap="none" lIns="90000" tIns="45000" rIns="90000" bIns="45000"/>
+          <a:lstStyle/>
+          <a:p>
+            <a:pPr>
+              <a:lnSpc>
+                <a:spcPct val="100000"/>
+              </a:lnSpc>
+            </a:pPr>
+            <a:r>
+              <a:rPr lang="en-US" sz="15000" b="0" strike="noStrike" spc="-1" dirty="0">
+                <a:solidFill>
+                  <a:srgbClr val="000000"/>
+                </a:solidFill>
+                <a:uFill>
+                  <a:solidFill>
+                    <a:srgbClr val="FFFFFF"/>
+                  </a:solidFill>
+                </a:uFill>
+                <a:latin typeface="Calibri"/>
+              </a:rPr>
+              <a:t>B2</a:t>
+            </a:r>
+            <a:endParaRPr lang="en-US" sz="1800" b="0" strike="noStrike" spc="-1" dirty="0">
+              <a:solidFill>
+                <a:srgbClr val="000000"/>
+              </a:solidFill>
+              <a:uFill>
+                <a:solidFill>
+                  <a:srgbClr val="FFFFFF"/>
+                </a:solidFill>
+              </a:uFill>
+              <a:latin typeface="Arial"/>
+            </a:endParaRPr>
+          </a:p>
+        </p:txBody>
+      </p:sp>
+      <p:sp>
+        <p:nvSpPr>
+          <p:cNvPr id="55" name="CustomShape 23"/>
+          <p:cNvSpPr/>
+          <p:nvPr/>
+        </p:nvSpPr>
+        <p:spPr>
+          <a:xfrm>
+            <a:off x="19720020" y="3904327"/>
+            <a:ext cx="2131920" cy="2376360"/>
+          </a:xfrm>
+          <a:prstGeom prst="rect">
+            <a:avLst/>
+          </a:prstGeom>
+          <a:noFill/>
+          <a:ln>
+            <a:noFill/>
+          </a:ln>
+        </p:spPr>
+        <p:style>
+          <a:lnRef idx="0">
+            <a:scrgbClr r="0" g="0" b="0"/>
+          </a:lnRef>
+          <a:fillRef idx="0">
+            <a:scrgbClr r="0" g="0" b="0"/>
+          </a:fillRef>
+          <a:effectRef idx="0">
+            <a:scrgbClr r="0" g="0" b="0"/>
+          </a:effectRef>
+          <a:fontRef idx="minor"/>
+        </p:style>
+        <p:txBody>
+          <a:bodyPr wrap="none" lIns="90000" tIns="45000" rIns="90000" bIns="45000"/>
+          <a:lstStyle/>
+          <a:p>
+            <a:pPr>
+              <a:lnSpc>
+                <a:spcPct val="100000"/>
+              </a:lnSpc>
+            </a:pPr>
+            <a:r>
+              <a:rPr lang="en-US" sz="15000" b="0" strike="noStrike" spc="-1" dirty="0">
+                <a:solidFill>
+                  <a:srgbClr val="000000"/>
+                </a:solidFill>
+                <a:uFill>
+                  <a:solidFill>
+                    <a:srgbClr val="FFFFFF"/>
+                  </a:solidFill>
+                </a:uFill>
+                <a:latin typeface="Calibri"/>
+              </a:rPr>
+              <a:t>P1</a:t>
+            </a:r>
+            <a:endParaRPr lang="en-US" sz="1800" b="0" strike="noStrike" spc="-1" dirty="0">
+              <a:solidFill>
+                <a:srgbClr val="000000"/>
+              </a:solidFill>
+              <a:uFill>
+                <a:solidFill>
+                  <a:srgbClr val="FFFFFF"/>
+                </a:solidFill>
+              </a:uFill>
+              <a:latin typeface="Arial"/>
+            </a:endParaRPr>
+          </a:p>
+        </p:txBody>
+      </p:sp>
+      <p:sp>
+        <p:nvSpPr>
+          <p:cNvPr id="56" name="CustomShape 24"/>
+          <p:cNvSpPr/>
+          <p:nvPr/>
+        </p:nvSpPr>
+        <p:spPr>
+          <a:xfrm>
+            <a:off x="24695621" y="3868041"/>
+            <a:ext cx="2131920" cy="2376360"/>
+          </a:xfrm>
+          <a:prstGeom prst="rect">
+            <a:avLst/>
+          </a:prstGeom>
+          <a:noFill/>
+          <a:ln>
+            <a:noFill/>
+          </a:ln>
+        </p:spPr>
+        <p:style>
+          <a:lnRef idx="0">
+            <a:scrgbClr r="0" g="0" b="0"/>
+          </a:lnRef>
+          <a:fillRef idx="0">
+            <a:scrgbClr r="0" g="0" b="0"/>
+          </a:fillRef>
+          <a:effectRef idx="0">
+            <a:scrgbClr r="0" g="0" b="0"/>
+          </a:effectRef>
+          <a:fontRef idx="minor"/>
+        </p:style>
+        <p:txBody>
+          <a:bodyPr wrap="none" lIns="90000" tIns="45000" rIns="90000" bIns="45000"/>
+          <a:lstStyle/>
+          <a:p>
+            <a:pPr>
+              <a:lnSpc>
+                <a:spcPct val="100000"/>
+              </a:lnSpc>
+            </a:pPr>
+            <a:r>
+              <a:rPr lang="en-US" sz="15000" b="0" strike="noStrike" spc="-1" dirty="0">
+                <a:solidFill>
+                  <a:srgbClr val="000000"/>
+                </a:solidFill>
+                <a:uFill>
+                  <a:solidFill>
+                    <a:srgbClr val="FFFFFF"/>
+                  </a:solidFill>
+                </a:uFill>
+                <a:latin typeface="Calibri"/>
+              </a:rPr>
+              <a:t>P2</a:t>
+            </a:r>
+            <a:endParaRPr lang="en-US" sz="1800" b="0" strike="noStrike" spc="-1" dirty="0">
+              <a:solidFill>
+                <a:srgbClr val="000000"/>
+              </a:solidFill>
+              <a:uFill>
+                <a:solidFill>
+                  <a:srgbClr val="FFFFFF"/>
+                </a:solidFill>
+              </a:uFill>
+              <a:latin typeface="Arial"/>
+            </a:endParaRPr>
+          </a:p>
+        </p:txBody>
+      </p:sp>
+      <p:sp>
+        <p:nvSpPr>
+          <p:cNvPr id="57" name="CustomShape 20"/>
+          <p:cNvSpPr/>
+          <p:nvPr/>
+        </p:nvSpPr>
+        <p:spPr>
+          <a:xfrm>
+            <a:off x="29431552" y="4120383"/>
+            <a:ext cx="1829880" cy="2376360"/>
+          </a:xfrm>
+          <a:prstGeom prst="rect">
+            <a:avLst/>
+          </a:prstGeom>
+          <a:noFill/>
+          <a:ln>
+            <a:noFill/>
+          </a:ln>
+        </p:spPr>
+        <p:style>
+          <a:lnRef idx="0">
+            <a:scrgbClr r="0" g="0" b="0"/>
+          </a:lnRef>
+          <a:fillRef idx="0">
+            <a:scrgbClr r="0" g="0" b="0"/>
+          </a:fillRef>
+          <a:effectRef idx="0">
+            <a:scrgbClr r="0" g="0" b="0"/>
+          </a:effectRef>
+          <a:fontRef idx="minor"/>
+        </p:style>
+        <p:txBody>
+          <a:bodyPr wrap="none" lIns="90000" tIns="45000" rIns="90000" bIns="45000"/>
+          <a:lstStyle/>
+          <a:p>
+            <a:pPr>
+              <a:lnSpc>
+                <a:spcPct val="100000"/>
+              </a:lnSpc>
+            </a:pPr>
+            <a:r>
+              <a:rPr lang="en-US" sz="15000" b="0" strike="noStrike" spc="-1" dirty="0" err="1">
+                <a:solidFill>
+                  <a:srgbClr val="000000"/>
+                </a:solidFill>
+                <a:uFill>
+                  <a:solidFill>
+                    <a:srgbClr val="FFFFFF"/>
                   </a:solidFill>
                 </a:uFill>
                 <a:latin typeface="Calibri"/>
               </a:rPr>
               <a:t>Pr</a:t>
             </a:r>
-            <a:endParaRPr b="0" lang="en-US" sz="1800" spc="-1" strike="noStrike">
-              <a:solidFill>
-                <a:srgbClr val="000000"/>
-              </a:solidFill>
-              <a:uFill>
-                <a:solidFill>
-                  <a:srgbClr val="ffffff"/>
+            <a:endParaRPr lang="en-US" sz="1800" b="0" strike="noStrike" spc="-1" dirty="0">
+              <a:solidFill>
+                <a:srgbClr val="000000"/>
+              </a:solidFill>
+              <a:uFill>
+                <a:solidFill>
+                  <a:srgbClr val="FFFFFF"/>
                 </a:solidFill>
               </a:uFill>
               <a:latin typeface="Arial"/>
@@ -5857,14 +6337,14 @@
       </p:sp>
       <p:sp>
         <p:nvSpPr>
-          <p:cNvPr id="120" name="CustomShape 21"/>
+          <p:cNvPr id="58" name="CustomShape 20"/>
           <p:cNvSpPr/>
           <p:nvPr/>
         </p:nvSpPr>
         <p:spPr>
-          <a:xfrm>
-            <a:off x="10281600" y="11980800"/>
-            <a:ext cx="2183760" cy="2376360"/>
+          <a:xfrm rot="16200000">
+            <a:off x="-983590" y="4257540"/>
+            <a:ext cx="5198563" cy="2376360"/>
           </a:xfrm>
           <a:prstGeom prst="rect">
             <a:avLst/>
@@ -5875,13 +6355,20 @@
           </a:ln>
         </p:spPr>
         <p:style>
-          <a:lnRef idx="0"/>
-          <a:fillRef idx="0"/>
-          <a:effectRef idx="0"/>
+          <a:lnRef idx="0">
+            <a:scrgbClr r="0" g="0" b="0"/>
+          </a:lnRef>
+          <a:fillRef idx="0">
+            <a:scrgbClr r="0" g="0" b="0"/>
+          </a:fillRef>
+          <a:effectRef idx="0">
+            <a:scrgbClr r="0" g="0" b="0"/>
+          </a:effectRef>
           <a:fontRef idx="minor"/>
         </p:style>
         <p:txBody>
-          <a:bodyPr wrap="none" lIns="90000" rIns="90000" tIns="45000" bIns="45000"/>
+          <a:bodyPr wrap="none" lIns="90000" tIns="45000" rIns="90000" bIns="45000"/>
+          <a:lstStyle/>
           <a:p>
             <a:pPr>
               <a:lnSpc>
@@ -5889,26 +6376,26 @@
               </a:lnSpc>
             </a:pPr>
             <a:r>
-              <a:rPr b="0" lang="en-US" sz="15000" spc="-1" strike="noStrike">
+              <a:rPr lang="en-US" sz="15000" spc="-1" dirty="0" smtClean="0">
                 <a:solidFill>
                   <a:srgbClr val="000000"/>
                 </a:solidFill>
                 <a:uFill>
                   <a:solidFill>
-                    <a:srgbClr val="ffffff"/>
+                    <a:srgbClr val="FFFFFF"/>
                   </a:solidFill>
                 </a:uFill>
                 <a:latin typeface="Calibri"/>
               </a:rPr>
-              <a:t>B1</a:t>
+              <a:t>“OLD”</a:t>
             </a:r>
-            <a:endParaRPr b="0" lang="en-US" sz="1800" spc="-1" strike="noStrike">
-              <a:solidFill>
-                <a:srgbClr val="000000"/>
-              </a:solidFill>
-              <a:uFill>
-                <a:solidFill>
-                  <a:srgbClr val="ffffff"/>
+            <a:endParaRPr lang="en-US" sz="1800" b="0" strike="noStrike" spc="-1" dirty="0">
+              <a:solidFill>
+                <a:srgbClr val="000000"/>
+              </a:solidFill>
+              <a:uFill>
+                <a:solidFill>
+                  <a:srgbClr val="FFFFFF"/>
                 </a:solidFill>
               </a:uFill>
               <a:latin typeface="Arial"/>
@@ -5918,14 +6405,14 @@
       </p:sp>
       <p:sp>
         <p:nvSpPr>
-          <p:cNvPr id="121" name="CustomShape 22"/>
+          <p:cNvPr id="59" name="CustomShape 20"/>
           <p:cNvSpPr/>
           <p:nvPr/>
         </p:nvSpPr>
         <p:spPr>
-          <a:xfrm>
-            <a:off x="13415400" y="17086320"/>
-            <a:ext cx="2183760" cy="2376360"/>
+          <a:xfrm rot="16200000">
+            <a:off x="-831190" y="11729534"/>
+            <a:ext cx="5198563" cy="2376360"/>
           </a:xfrm>
           <a:prstGeom prst="rect">
             <a:avLst/>
@@ -5936,13 +6423,20 @@
           </a:ln>
         </p:spPr>
         <p:style>
-          <a:lnRef idx="0"/>
-          <a:fillRef idx="0"/>
-          <a:effectRef idx="0"/>
+          <a:lnRef idx="0">
+            <a:scrgbClr r="0" g="0" b="0"/>
+          </a:lnRef>
+          <a:fillRef idx="0">
+            <a:scrgbClr r="0" g="0" b="0"/>
+          </a:fillRef>
+          <a:effectRef idx="0">
+            <a:scrgbClr r="0" g="0" b="0"/>
+          </a:effectRef>
           <a:fontRef idx="minor"/>
         </p:style>
         <p:txBody>
-          <a:bodyPr wrap="none" lIns="90000" rIns="90000" tIns="45000" bIns="45000"/>
+          <a:bodyPr wrap="none" lIns="90000" tIns="45000" rIns="90000" bIns="45000"/>
+          <a:lstStyle/>
           <a:p>
             <a:pPr>
               <a:lnSpc>
@@ -5950,514 +6444,26 @@
               </a:lnSpc>
             </a:pPr>
             <a:r>
-              <a:rPr b="0" lang="en-US" sz="15000" spc="-1" strike="noStrike">
+              <a:rPr lang="en-US" sz="15000" spc="-1" dirty="0" smtClean="0">
                 <a:solidFill>
                   <a:srgbClr val="000000"/>
                 </a:solidFill>
                 <a:uFill>
                   <a:solidFill>
-                    <a:srgbClr val="ffffff"/>
+                    <a:srgbClr val="FFFFFF"/>
                   </a:solidFill>
                 </a:uFill>
                 <a:latin typeface="Calibri"/>
               </a:rPr>
-              <a:t>B2</a:t>
+              <a:t>“NEW”</a:t>
             </a:r>
-            <a:endParaRPr b="0" lang="en-US" sz="1800" spc="-1" strike="noStrike">
-              <a:solidFill>
-                <a:srgbClr val="000000"/>
-              </a:solidFill>
-              <a:uFill>
-                <a:solidFill>
-                  <a:srgbClr val="ffffff"/>
-                </a:solidFill>
-              </a:uFill>
-              <a:latin typeface="Arial"/>
-            </a:endParaRPr>
-          </a:p>
-        </p:txBody>
-      </p:sp>
-      <p:sp>
-        <p:nvSpPr>
-          <p:cNvPr id="122" name="CustomShape 23"/>
-          <p:cNvSpPr/>
-          <p:nvPr/>
-        </p:nvSpPr>
-        <p:spPr>
-          <a:xfrm>
-            <a:off x="17219160" y="12012480"/>
-            <a:ext cx="2131920" cy="2376360"/>
-          </a:xfrm>
-          <a:prstGeom prst="rect">
-            <a:avLst/>
-          </a:prstGeom>
-          <a:noFill/>
-          <a:ln>
-            <a:noFill/>
-          </a:ln>
-        </p:spPr>
-        <p:style>
-          <a:lnRef idx="0"/>
-          <a:fillRef idx="0"/>
-          <a:effectRef idx="0"/>
-          <a:fontRef idx="minor"/>
-        </p:style>
-        <p:txBody>
-          <a:bodyPr wrap="none" lIns="90000" rIns="90000" tIns="45000" bIns="45000"/>
-          <a:p>
-            <a:pPr>
-              <a:lnSpc>
-                <a:spcPct val="100000"/>
-              </a:lnSpc>
-            </a:pPr>
-            <a:r>
-              <a:rPr b="0" lang="en-US" sz="15000" spc="-1" strike="noStrike">
-                <a:solidFill>
-                  <a:srgbClr val="000000"/>
-                </a:solidFill>
-                <a:uFill>
-                  <a:solidFill>
-                    <a:srgbClr val="ffffff"/>
-                  </a:solidFill>
-                </a:uFill>
-                <a:latin typeface="Calibri"/>
-              </a:rPr>
-              <a:t>P1</a:t>
-            </a:r>
-            <a:endParaRPr b="0" lang="en-US" sz="1800" spc="-1" strike="noStrike">
-              <a:solidFill>
-                <a:srgbClr val="000000"/>
-              </a:solidFill>
-              <a:uFill>
-                <a:solidFill>
-                  <a:srgbClr val="ffffff"/>
-                </a:solidFill>
-              </a:uFill>
-              <a:latin typeface="Arial"/>
-            </a:endParaRPr>
-          </a:p>
-        </p:txBody>
-      </p:sp>
-      <p:sp>
-        <p:nvSpPr>
-          <p:cNvPr id="123" name="CustomShape 24"/>
-          <p:cNvSpPr/>
-          <p:nvPr/>
-        </p:nvSpPr>
-        <p:spPr>
-          <a:xfrm>
-            <a:off x="21523320" y="17054640"/>
-            <a:ext cx="2131920" cy="2376360"/>
-          </a:xfrm>
-          <a:prstGeom prst="rect">
-            <a:avLst/>
-          </a:prstGeom>
-          <a:noFill/>
-          <a:ln>
-            <a:noFill/>
-          </a:ln>
-        </p:spPr>
-        <p:style>
-          <a:lnRef idx="0"/>
-          <a:fillRef idx="0"/>
-          <a:effectRef idx="0"/>
-          <a:fontRef idx="minor"/>
-        </p:style>
-        <p:txBody>
-          <a:bodyPr wrap="none" lIns="90000" rIns="90000" tIns="45000" bIns="45000"/>
-          <a:p>
-            <a:pPr>
-              <a:lnSpc>
-                <a:spcPct val="100000"/>
-              </a:lnSpc>
-            </a:pPr>
-            <a:r>
-              <a:rPr b="0" lang="en-US" sz="15000" spc="-1" strike="noStrike">
-                <a:solidFill>
-                  <a:srgbClr val="000000"/>
-                </a:solidFill>
-                <a:uFill>
-                  <a:solidFill>
-                    <a:srgbClr val="ffffff"/>
-                  </a:solidFill>
-                </a:uFill>
-                <a:latin typeface="Calibri"/>
-              </a:rPr>
-              <a:t>P2</a:t>
-            </a:r>
-            <a:endParaRPr b="0" lang="en-US" sz="1800" spc="-1" strike="noStrike">
-              <a:solidFill>
-                <a:srgbClr val="000000"/>
-              </a:solidFill>
-              <a:uFill>
-                <a:solidFill>
-                  <a:srgbClr val="ffffff"/>
-                </a:solidFill>
-              </a:uFill>
-              <a:latin typeface="Arial"/>
-            </a:endParaRPr>
-          </a:p>
-        </p:txBody>
-      </p:sp>
-      <p:sp>
-        <p:nvSpPr>
-          <p:cNvPr id="124" name="CustomShape 25"/>
-          <p:cNvSpPr/>
-          <p:nvPr/>
-        </p:nvSpPr>
-        <p:spPr>
-          <a:xfrm>
-            <a:off x="3854520" y="11958480"/>
-            <a:ext cx="1055880" cy="2376360"/>
-          </a:xfrm>
-          <a:prstGeom prst="rect">
-            <a:avLst/>
-          </a:prstGeom>
-          <a:noFill/>
-          <a:ln>
-            <a:noFill/>
-          </a:ln>
-        </p:spPr>
-        <p:style>
-          <a:lnRef idx="0"/>
-          <a:fillRef idx="0"/>
-          <a:effectRef idx="0"/>
-          <a:fontRef idx="minor"/>
-        </p:style>
-        <p:txBody>
-          <a:bodyPr wrap="none" lIns="90000" rIns="90000" tIns="45000" bIns="45000"/>
-          <a:p>
-            <a:pPr>
-              <a:lnSpc>
-                <a:spcPct val="100000"/>
-              </a:lnSpc>
-            </a:pPr>
-            <a:r>
-              <a:rPr b="0" lang="en-US" sz="15000" spc="-1" strike="noStrike">
-                <a:solidFill>
-                  <a:srgbClr val="000000"/>
-                </a:solidFill>
-                <a:uFill>
-                  <a:solidFill>
-                    <a:srgbClr val="ffffff"/>
-                  </a:solidFill>
-                </a:uFill>
-                <a:latin typeface="Calibri"/>
-              </a:rPr>
-              <a:t>F</a:t>
-            </a:r>
-            <a:endParaRPr b="0" lang="en-US" sz="1800" spc="-1" strike="noStrike">
-              <a:solidFill>
-                <a:srgbClr val="000000"/>
-              </a:solidFill>
-              <a:uFill>
-                <a:solidFill>
-                  <a:srgbClr val="ffffff"/>
-                </a:solidFill>
-              </a:uFill>
-              <a:latin typeface="Arial"/>
-            </a:endParaRPr>
-          </a:p>
-        </p:txBody>
-      </p:sp>
-      <p:sp>
-        <p:nvSpPr>
-          <p:cNvPr id="125" name="CustomShape 26"/>
-          <p:cNvSpPr/>
-          <p:nvPr/>
-        </p:nvSpPr>
-        <p:spPr>
-          <a:xfrm>
-            <a:off x="2247840" y="22994280"/>
-            <a:ext cx="1055880" cy="2376360"/>
-          </a:xfrm>
-          <a:prstGeom prst="rect">
-            <a:avLst/>
-          </a:prstGeom>
-          <a:noFill/>
-          <a:ln>
-            <a:noFill/>
-          </a:ln>
-        </p:spPr>
-        <p:style>
-          <a:lnRef idx="0"/>
-          <a:fillRef idx="0"/>
-          <a:effectRef idx="0"/>
-          <a:fontRef idx="minor"/>
-        </p:style>
-        <p:txBody>
-          <a:bodyPr wrap="none" lIns="90000" rIns="90000" tIns="45000" bIns="45000"/>
-          <a:p>
-            <a:pPr>
-              <a:lnSpc>
-                <a:spcPct val="100000"/>
-              </a:lnSpc>
-            </a:pPr>
-            <a:r>
-              <a:rPr b="0" lang="en-US" sz="15000" spc="-1" strike="noStrike">
-                <a:solidFill>
-                  <a:srgbClr val="000000"/>
-                </a:solidFill>
-                <a:uFill>
-                  <a:solidFill>
-                    <a:srgbClr val="ffffff"/>
-                  </a:solidFill>
-                </a:uFill>
-                <a:latin typeface="Calibri"/>
-              </a:rPr>
-              <a:t>F</a:t>
-            </a:r>
-            <a:endParaRPr b="0" lang="en-US" sz="1800" spc="-1" strike="noStrike">
-              <a:solidFill>
-                <a:srgbClr val="000000"/>
-              </a:solidFill>
-              <a:uFill>
-                <a:solidFill>
-                  <a:srgbClr val="ffffff"/>
-                </a:solidFill>
-              </a:uFill>
-              <a:latin typeface="Arial"/>
-            </a:endParaRPr>
-          </a:p>
-        </p:txBody>
-      </p:sp>
-      <p:sp>
-        <p:nvSpPr>
-          <p:cNvPr id="126" name="CustomShape 27"/>
-          <p:cNvSpPr/>
-          <p:nvPr/>
-        </p:nvSpPr>
-        <p:spPr>
-          <a:xfrm>
-            <a:off x="8438400" y="22994280"/>
-            <a:ext cx="1165680" cy="2376360"/>
-          </a:xfrm>
-          <a:prstGeom prst="rect">
-            <a:avLst/>
-          </a:prstGeom>
-          <a:noFill/>
-          <a:ln>
-            <a:noFill/>
-          </a:ln>
-        </p:spPr>
-        <p:style>
-          <a:lnRef idx="0"/>
-          <a:fillRef idx="0"/>
-          <a:effectRef idx="0"/>
-          <a:fontRef idx="minor"/>
-        </p:style>
-        <p:txBody>
-          <a:bodyPr wrap="none" lIns="90000" rIns="90000" tIns="45000" bIns="45000"/>
-          <a:p>
-            <a:pPr>
-              <a:lnSpc>
-                <a:spcPct val="100000"/>
-              </a:lnSpc>
-            </a:pPr>
-            <a:r>
-              <a:rPr b="0" lang="en-US" sz="15000" spc="-1" strike="noStrike">
-                <a:solidFill>
-                  <a:srgbClr val="000000"/>
-                </a:solidFill>
-                <a:uFill>
-                  <a:solidFill>
-                    <a:srgbClr val="ffffff"/>
-                  </a:solidFill>
-                </a:uFill>
-                <a:latin typeface="Calibri"/>
-              </a:rPr>
-              <a:t>P</a:t>
-            </a:r>
-            <a:endParaRPr b="0" lang="en-US" sz="1800" spc="-1" strike="noStrike">
-              <a:solidFill>
-                <a:srgbClr val="000000"/>
-              </a:solidFill>
-              <a:uFill>
-                <a:solidFill>
-                  <a:srgbClr val="ffffff"/>
-                </a:solidFill>
-              </a:uFill>
-              <a:latin typeface="Arial"/>
-            </a:endParaRPr>
-          </a:p>
-        </p:txBody>
-      </p:sp>
-      <p:sp>
-        <p:nvSpPr>
-          <p:cNvPr id="127" name="CustomShape 28"/>
-          <p:cNvSpPr/>
-          <p:nvPr/>
-        </p:nvSpPr>
-        <p:spPr>
-          <a:xfrm>
-            <a:off x="14390280" y="23006880"/>
-            <a:ext cx="1217520" cy="2376360"/>
-          </a:xfrm>
-          <a:prstGeom prst="rect">
-            <a:avLst/>
-          </a:prstGeom>
-          <a:noFill/>
-          <a:ln>
-            <a:noFill/>
-          </a:ln>
-        </p:spPr>
-        <p:style>
-          <a:lnRef idx="0"/>
-          <a:fillRef idx="0"/>
-          <a:effectRef idx="0"/>
-          <a:fontRef idx="minor"/>
-        </p:style>
-        <p:txBody>
-          <a:bodyPr wrap="none" lIns="90000" rIns="90000" tIns="45000" bIns="45000"/>
-          <a:p>
-            <a:pPr>
-              <a:lnSpc>
-                <a:spcPct val="100000"/>
-              </a:lnSpc>
-            </a:pPr>
-            <a:r>
-              <a:rPr b="0" lang="en-US" sz="15000" spc="-1" strike="noStrike">
-                <a:solidFill>
-                  <a:srgbClr val="000000"/>
-                </a:solidFill>
-                <a:uFill>
-                  <a:solidFill>
-                    <a:srgbClr val="ffffff"/>
-                  </a:solidFill>
-                </a:uFill>
-                <a:latin typeface="Calibri"/>
-              </a:rPr>
-              <a:t>B</a:t>
-            </a:r>
-            <a:endParaRPr b="0" lang="en-US" sz="1800" spc="-1" strike="noStrike">
-              <a:solidFill>
-                <a:srgbClr val="000000"/>
-              </a:solidFill>
-              <a:uFill>
-                <a:solidFill>
-                  <a:srgbClr val="ffffff"/>
-                </a:solidFill>
-              </a:uFill>
-              <a:latin typeface="Arial"/>
-            </a:endParaRPr>
-          </a:p>
-        </p:txBody>
-      </p:sp>
-      <p:sp>
-        <p:nvSpPr>
-          <p:cNvPr id="128" name="CustomShape 29"/>
-          <p:cNvSpPr/>
-          <p:nvPr/>
-        </p:nvSpPr>
-        <p:spPr>
-          <a:xfrm>
-            <a:off x="20494800" y="23038920"/>
-            <a:ext cx="1055880" cy="2376360"/>
-          </a:xfrm>
-          <a:prstGeom prst="rect">
-            <a:avLst/>
-          </a:prstGeom>
-          <a:noFill/>
-          <a:ln>
-            <a:noFill/>
-          </a:ln>
-        </p:spPr>
-        <p:style>
-          <a:lnRef idx="0"/>
-          <a:fillRef idx="0"/>
-          <a:effectRef idx="0"/>
-          <a:fontRef idx="minor"/>
-        </p:style>
-        <p:txBody>
-          <a:bodyPr wrap="none" lIns="90000" rIns="90000" tIns="45000" bIns="45000"/>
-          <a:p>
-            <a:pPr>
-              <a:lnSpc>
-                <a:spcPct val="100000"/>
-              </a:lnSpc>
-            </a:pPr>
-            <a:r>
-              <a:rPr b="0" lang="en-US" sz="15000" spc="-1" strike="noStrike">
-                <a:solidFill>
-                  <a:srgbClr val="000000"/>
-                </a:solidFill>
-                <a:uFill>
-                  <a:solidFill>
-                    <a:srgbClr val="ffffff"/>
-                  </a:solidFill>
-                </a:uFill>
-                <a:latin typeface="Calibri"/>
-              </a:rPr>
-              <a:t>S</a:t>
-            </a:r>
-            <a:endParaRPr b="0" lang="en-US" sz="1800" spc="-1" strike="noStrike">
-              <a:solidFill>
-                <a:srgbClr val="000000"/>
-              </a:solidFill>
-              <a:uFill>
-                <a:solidFill>
-                  <a:srgbClr val="ffffff"/>
-                </a:solidFill>
-              </a:uFill>
-              <a:latin typeface="Arial"/>
-            </a:endParaRPr>
-          </a:p>
-        </p:txBody>
-      </p:sp>
-      <p:sp>
-        <p:nvSpPr>
-          <p:cNvPr id="129" name="CustomShape 30"/>
-          <p:cNvSpPr/>
-          <p:nvPr/>
-        </p:nvSpPr>
-        <p:spPr>
-          <a:xfrm>
-            <a:off x="26248680" y="22994280"/>
-            <a:ext cx="1829880" cy="2376360"/>
-          </a:xfrm>
-          <a:prstGeom prst="rect">
-            <a:avLst/>
-          </a:prstGeom>
-          <a:noFill/>
-          <a:ln>
-            <a:noFill/>
-          </a:ln>
-        </p:spPr>
-        <p:style>
-          <a:lnRef idx="0"/>
-          <a:fillRef idx="0"/>
-          <a:effectRef idx="0"/>
-          <a:fontRef idx="minor"/>
-        </p:style>
-        <p:txBody>
-          <a:bodyPr wrap="none" lIns="90000" rIns="90000" tIns="45000" bIns="45000"/>
-          <a:p>
-            <a:pPr>
-              <a:lnSpc>
-                <a:spcPct val="100000"/>
-              </a:lnSpc>
-            </a:pPr>
-            <a:r>
-              <a:rPr b="0" lang="en-US" sz="15000" spc="-1" strike="noStrike">
-                <a:solidFill>
-                  <a:srgbClr val="000000"/>
-                </a:solidFill>
-                <a:uFill>
-                  <a:solidFill>
-                    <a:srgbClr val="ffffff"/>
-                  </a:solidFill>
-                </a:uFill>
-                <a:latin typeface="Calibri"/>
-              </a:rPr>
-              <a:t>Pr</a:t>
-            </a:r>
-            <a:endParaRPr b="0" lang="en-US" sz="1800" spc="-1" strike="noStrike">
-              <a:solidFill>
-                <a:srgbClr val="000000"/>
-              </a:solidFill>
-              <a:uFill>
-                <a:solidFill>
-                  <a:srgbClr val="ffffff"/>
+            <a:endParaRPr lang="en-US" sz="1800" b="0" strike="noStrike" spc="-1" dirty="0">
+              <a:solidFill>
+                <a:srgbClr val="000000"/>
+              </a:solidFill>
+              <a:uFill>
+                <a:solidFill>
+                  <a:srgbClr val="FFFFFF"/>
                 </a:solidFill>
               </a:uFill>
               <a:latin typeface="Arial"/>
@@ -6467,22 +6473,25 @@
       </p:sp>
     </p:spTree>
   </p:cSld>
+  <p:clrMapOvr>
+    <a:masterClrMapping/>
+  </p:clrMapOvr>
   <p:timing>
     <p:tnLst>
       <p:par>
-        <p:cTn id="1" dur="indefinite" restart="never" nodeType="tmRoot">
+        <p:cTn xmlns:p14="http://schemas.microsoft.com/office/powerpoint/2010/main" id="1" dur="indefinite" restart="never" nodeType="tmRoot">
           <p:childTnLst>
             <p:seq>
               <p:cTn id="2" nodeType="mainSeq"/>
               <p:prevCondLst>
-                <p:cond delay="0" evt="onPrev">
+                <p:cond evt="onPrev" delay="0">
                   <p:tgtEl>
                     <p:sldTgt/>
                   </p:tgtEl>
                 </p:cond>
               </p:prevCondLst>
               <p:nextCondLst>
-                <p:cond delay="0" evt="onNext">
+                <p:cond evt="onNext" delay="0">
                   <p:tgtEl>
                     <p:sldTgt/>
                   </p:tgtEl>
@@ -6498,7 +6507,7 @@
 </file>
 
 <file path=ppt/slides/slide2.xml><?xml version="1.0" encoding="utf-8"?>
-<p:sld xmlns:a="http://schemas.openxmlformats.org/drawingml/2006/main" xmlns:p="http://schemas.openxmlformats.org/presentationml/2006/main" xmlns:r="http://schemas.openxmlformats.org/officeDocument/2006/relationships" xmlns:p14="http://schemas.microsoft.com/office/powerpoint/2010/main" xmlns:p15="http://schemas.microsoft.com/office/powerpoint/2012/main" xmlns:mc="http://schemas.openxmlformats.org/markup-compatibility/2006">
+<p:sld xmlns:a="http://schemas.openxmlformats.org/drawingml/2006/main" xmlns:r="http://schemas.openxmlformats.org/officeDocument/2006/relationships" xmlns:p="http://schemas.openxmlformats.org/presentationml/2006/main">
   <p:cSld>
     <p:spTree>
       <p:nvGrpSpPr>
@@ -6516,37 +6525,7 @@
       </p:grpSpPr>
       <p:pic>
         <p:nvPicPr>
-          <p:cNvPr id="130" name="Picture 8" descr=""/>
-          <p:cNvPicPr/>
-          <p:nvPr/>
-        </p:nvPicPr>
-        <p:blipFill>
-          <a:blip r:embed="rId1"/>
-          <a:stretch/>
-        </p:blipFill>
-        <p:spPr>
-          <a:xfrm>
-            <a:off x="5457960" y="12998160"/>
-            <a:ext cx="7695720" cy="5714640"/>
-          </a:xfrm>
-          <a:prstGeom prst="rect">
-            <a:avLst/>
-          </a:prstGeom>
-          <a:ln>
-            <a:noFill/>
-          </a:ln>
-          <a:effectLst>
-            <a:outerShdw algn="tl" blurRad="63500" dir="12900000" dist="152400" rotWithShape="0">
-              <a:srgbClr val="000000">
-                <a:alpha val="43000"/>
-              </a:srgbClr>
-            </a:outerShdw>
-          </a:effectLst>
-        </p:spPr>
-      </p:pic>
-      <p:pic>
-        <p:nvPicPr>
-          <p:cNvPr id="131" name="Picture 6" descr=""/>
+          <p:cNvPr id="130" name="Picture 8"/>
           <p:cNvPicPr/>
           <p:nvPr/>
         </p:nvPicPr>
@@ -6556,8 +6535,8 @@
         </p:blipFill>
         <p:spPr>
           <a:xfrm>
-            <a:off x="7045560" y="14880600"/>
-            <a:ext cx="7695720" cy="5752800"/>
+            <a:off x="5457960" y="12998160"/>
+            <a:ext cx="7695720" cy="5714640"/>
           </a:xfrm>
           <a:prstGeom prst="rect">
             <a:avLst/>
@@ -6566,7 +6545,7 @@
             <a:noFill/>
           </a:ln>
           <a:effectLst>
-            <a:outerShdw algn="tl" blurRad="63500" dir="12900000" dist="152400" rotWithShape="0">
+            <a:outerShdw blurRad="63500" dist="152400" dir="12900000" algn="tl" rotWithShape="0">
               <a:srgbClr val="000000">
                 <a:alpha val="43000"/>
               </a:srgbClr>
@@ -6576,7 +6555,7 @@
       </p:pic>
       <p:pic>
         <p:nvPicPr>
-          <p:cNvPr id="132" name="Picture 7" descr=""/>
+          <p:cNvPr id="131" name="Picture 6"/>
           <p:cNvPicPr/>
           <p:nvPr/>
         </p:nvPicPr>
@@ -6586,8 +6565,8 @@
         </p:blipFill>
         <p:spPr>
           <a:xfrm>
-            <a:off x="5470920" y="2070000"/>
-            <a:ext cx="7683120" cy="5740200"/>
+            <a:off x="7045560" y="14880600"/>
+            <a:ext cx="7695720" cy="5752800"/>
           </a:xfrm>
           <a:prstGeom prst="rect">
             <a:avLst/>
@@ -6596,7 +6575,7 @@
             <a:noFill/>
           </a:ln>
           <a:effectLst>
-            <a:outerShdw algn="tl" blurRad="63500" dir="12900000" dist="152400" rotWithShape="0">
+            <a:outerShdw blurRad="63500" dist="152400" dir="12900000" algn="tl" rotWithShape="0">
               <a:srgbClr val="000000">
                 <a:alpha val="43000"/>
               </a:srgbClr>
@@ -6606,7 +6585,7 @@
       </p:pic>
       <p:pic>
         <p:nvPicPr>
-          <p:cNvPr id="133" name="Picture 3" descr=""/>
+          <p:cNvPr id="132" name="Picture 7"/>
           <p:cNvPicPr/>
           <p:nvPr/>
         </p:nvPicPr>
@@ -6616,8 +6595,8 @@
         </p:blipFill>
         <p:spPr>
           <a:xfrm>
-            <a:off x="17863200" y="13982400"/>
-            <a:ext cx="7569000" cy="5733720"/>
+            <a:off x="5470920" y="2070000"/>
+            <a:ext cx="7683120" cy="5740200"/>
           </a:xfrm>
           <a:prstGeom prst="rect">
             <a:avLst/>
@@ -6626,7 +6605,7 @@
             <a:noFill/>
           </a:ln>
           <a:effectLst>
-            <a:outerShdw algn="tl" blurRad="63500" dir="12900000" dist="152400" rotWithShape="0">
+            <a:outerShdw blurRad="63500" dist="152400" dir="12900000" algn="tl" rotWithShape="0">
               <a:srgbClr val="000000">
                 <a:alpha val="43000"/>
               </a:srgbClr>
@@ -6636,7 +6615,7 @@
       </p:pic>
       <p:pic>
         <p:nvPicPr>
-          <p:cNvPr id="134" name="Picture 4" descr=""/>
+          <p:cNvPr id="133" name="Picture 3"/>
           <p:cNvPicPr/>
           <p:nvPr/>
         </p:nvPicPr>
@@ -6646,8 +6625,8 @@
         </p:blipFill>
         <p:spPr>
           <a:xfrm>
-            <a:off x="17939520" y="2431800"/>
-            <a:ext cx="7562520" cy="5721120"/>
+            <a:off x="17863200" y="13982400"/>
+            <a:ext cx="7569000" cy="5733720"/>
           </a:xfrm>
           <a:prstGeom prst="rect">
             <a:avLst/>
@@ -6656,7 +6635,7 @@
             <a:noFill/>
           </a:ln>
           <a:effectLst>
-            <a:outerShdw algn="tl" blurRad="63500" dir="12900000" dist="152400" rotWithShape="0">
+            <a:outerShdw blurRad="63500" dist="152400" dir="12900000" algn="tl" rotWithShape="0">
               <a:srgbClr val="000000">
                 <a:alpha val="43000"/>
               </a:srgbClr>
@@ -6666,7 +6645,7 @@
       </p:pic>
       <p:pic>
         <p:nvPicPr>
-          <p:cNvPr id="135" name="Picture 5" descr=""/>
+          <p:cNvPr id="134" name="Picture 4"/>
           <p:cNvPicPr/>
           <p:nvPr/>
         </p:nvPicPr>
@@ -6676,8 +6655,8 @@
         </p:blipFill>
         <p:spPr>
           <a:xfrm>
-            <a:off x="7085160" y="4152600"/>
-            <a:ext cx="7683120" cy="5727240"/>
+            <a:off x="17939520" y="2431800"/>
+            <a:ext cx="7562520" cy="5721120"/>
           </a:xfrm>
           <a:prstGeom prst="rect">
             <a:avLst/>
@@ -6686,7 +6665,7 @@
             <a:noFill/>
           </a:ln>
           <a:effectLst>
-            <a:outerShdw algn="tl" blurRad="63500" dir="12900000" dist="152400" rotWithShape="0">
+            <a:outerShdw blurRad="63500" dist="152400" dir="12900000" algn="tl" rotWithShape="0">
               <a:srgbClr val="000000">
                 <a:alpha val="43000"/>
               </a:srgbClr>
@@ -6694,6 +6673,36 @@
           </a:effectLst>
         </p:spPr>
       </p:pic>
+      <p:pic>
+        <p:nvPicPr>
+          <p:cNvPr id="135" name="Picture 5"/>
+          <p:cNvPicPr/>
+          <p:nvPr/>
+        </p:nvPicPr>
+        <p:blipFill>
+          <a:blip r:embed="rId7"/>
+          <a:stretch/>
+        </p:blipFill>
+        <p:spPr>
+          <a:xfrm>
+            <a:off x="7085160" y="4152600"/>
+            <a:ext cx="7683120" cy="5727240"/>
+          </a:xfrm>
+          <a:prstGeom prst="rect">
+            <a:avLst/>
+          </a:prstGeom>
+          <a:ln>
+            <a:noFill/>
+          </a:ln>
+          <a:effectLst>
+            <a:outerShdw blurRad="63500" dist="152400" dir="12900000" algn="tl" rotWithShape="0">
+              <a:srgbClr val="000000">
+                <a:alpha val="43000"/>
+              </a:srgbClr>
+            </a:outerShdw>
+          </a:effectLst>
+        </p:spPr>
+      </p:pic>
       <p:sp>
         <p:nvSpPr>
           <p:cNvPr id="136" name="CustomShape 1"/>
@@ -6709,6 +6718,7 @@
             <a:avLst/>
             <a:gdLst/>
             <a:ahLst/>
+            <a:cxnLst/>
             <a:rect l="l" t="t" r="r" b="b"/>
             <a:pathLst>
               <a:path w="21600" h="21600">
@@ -6729,10 +6739,10 @@
               </a:schemeClr>
             </a:solidFill>
             <a:round/>
-            <a:tailEnd len="lg" type="triangle" w="lg"/>
+            <a:tailEnd type="triangle" w="lg" len="lg"/>
           </a:ln>
           <a:effectLst>
-            <a:outerShdw blurRad="40000" dir="5400000" dist="20000" rotWithShape="0">
+            <a:outerShdw blurRad="40000" dist="20000" dir="5400000" rotWithShape="0">
               <a:srgbClr val="000000">
                 <a:alpha val="38000"/>
               </a:srgbClr>
@@ -6767,6 +6777,7 @@
             <a:avLst/>
             <a:gdLst/>
             <a:ahLst/>
+            <a:cxnLst/>
             <a:rect l="l" t="t" r="r" b="b"/>
             <a:pathLst>
               <a:path w="21600" h="21600">
@@ -6787,10 +6798,10 @@
               </a:schemeClr>
             </a:solidFill>
             <a:round/>
-            <a:tailEnd len="lg" type="triangle" w="lg"/>
+            <a:tailEnd type="triangle" w="lg" len="lg"/>
           </a:ln>
           <a:effectLst>
-            <a:outerShdw blurRad="40000" dir="5400000" dist="20000" rotWithShape="0">
+            <a:outerShdw blurRad="40000" dist="20000" dir="5400000" rotWithShape="0">
               <a:srgbClr val="000000">
                 <a:alpha val="38000"/>
               </a:srgbClr>
@@ -6812,22 +6823,25 @@
       </p:sp>
     </p:spTree>
   </p:cSld>
+  <p:clrMapOvr>
+    <a:masterClrMapping/>
+  </p:clrMapOvr>
   <p:timing>
     <p:tnLst>
       <p:par>
-        <p:cTn id="3" dur="indefinite" restart="never" nodeType="tmRoot">
+        <p:cTn xmlns:p14="http://schemas.microsoft.com/office/powerpoint/2010/main" id="1" dur="indefinite" restart="never" nodeType="tmRoot">
           <p:childTnLst>
             <p:seq>
-              <p:cTn id="4" nodeType="mainSeq"/>
+              <p:cTn id="2" nodeType="mainSeq"/>
               <p:prevCondLst>
-                <p:cond delay="0" evt="onPrev">
+                <p:cond evt="onPrev" delay="0">
                   <p:tgtEl>
                     <p:sldTgt/>
                   </p:tgtEl>
                 </p:cond>
               </p:prevCondLst>
               <p:nextCondLst>
-                <p:cond delay="0" evt="onNext">
+                <p:cond evt="onNext" delay="0">
                   <p:tgtEl>
                     <p:sldTgt/>
                   </p:tgtEl>
@@ -6843,7 +6857,7 @@
 </file>
 
 <file path=ppt/slides/slide3.xml><?xml version="1.0" encoding="utf-8"?>
-<p:sld xmlns:a="http://schemas.openxmlformats.org/drawingml/2006/main" xmlns:p="http://schemas.openxmlformats.org/presentationml/2006/main" xmlns:r="http://schemas.openxmlformats.org/officeDocument/2006/relationships" xmlns:p14="http://schemas.microsoft.com/office/powerpoint/2010/main" xmlns:p15="http://schemas.microsoft.com/office/powerpoint/2012/main" xmlns:mc="http://schemas.openxmlformats.org/markup-compatibility/2006">
+<p:sld xmlns:a="http://schemas.openxmlformats.org/drawingml/2006/main" xmlns:r="http://schemas.openxmlformats.org/officeDocument/2006/relationships" xmlns:p="http://schemas.openxmlformats.org/presentationml/2006/main">
   <p:cSld>
     <p:spTree>
       <p:nvGrpSpPr>
@@ -6876,14 +6890,20 @@
           <a:noFill/>
           <a:ln>
             <a:solidFill>
-              <a:srgbClr val="3465a4"/>
+              <a:srgbClr val="3465A4"/>
             </a:solidFill>
           </a:ln>
         </p:spPr>
         <p:style>
-          <a:lnRef idx="0"/>
-          <a:fillRef idx="0"/>
-          <a:effectRef idx="0"/>
+          <a:lnRef idx="0">
+            <a:scrgbClr r="0" g="0" b="0"/>
+          </a:lnRef>
+          <a:fillRef idx="0">
+            <a:scrgbClr r="0" g="0" b="0"/>
+          </a:fillRef>
+          <a:effectRef idx="0">
+            <a:scrgbClr r="0" g="0" b="0"/>
+          </a:effectRef>
           <a:fontRef idx="minor"/>
         </p:style>
       </p:sp>
@@ -6907,34 +6927,24 @@
           </a:ln>
         </p:spPr>
         <p:txBody>
-          <a:bodyPr lIns="90000" rIns="90000" tIns="45000" bIns="45000"/>
+          <a:bodyPr lIns="90000" tIns="45000" rIns="90000" bIns="45000"/>
+          <a:lstStyle/>
           <a:p>
             <a:pPr algn="ctr"/>
             <a:r>
-              <a:rPr b="0" lang="en-US" sz="900" spc="-1" strike="noStrike">
+              <a:rPr lang="en-US" sz="900" b="0" strike="noStrike" spc="-1">
                 <a:solidFill>
                   <a:srgbClr val="000000"/>
                 </a:solidFill>
                 <a:uFill>
                   <a:solidFill>
-                    <a:srgbClr val="ffffff"/>
+                    <a:srgbClr val="FFFFFF"/>
                   </a:solidFill>
                 </a:uFill>
                 <a:latin typeface="Serif"/>
               </a:rPr>
               <a:t>user</a:t>
             </a:r>
-            <a:endParaRPr b="0" lang="en-US" sz="900" spc="-1" strike="noStrike">
-              <a:solidFill>
-                <a:srgbClr val="000000"/>
-              </a:solidFill>
-              <a:uFill>
-                <a:solidFill>
-                  <a:srgbClr val="ffffff"/>
-                </a:solidFill>
-              </a:uFill>
-              <a:latin typeface="Serif"/>
-            </a:endParaRPr>
           </a:p>
         </p:txBody>
       </p:sp>
@@ -6958,58 +6968,48 @@
           </a:ln>
         </p:spPr>
         <p:txBody>
-          <a:bodyPr lIns="90000" rIns="90000" tIns="45000" bIns="45000"/>
+          <a:bodyPr lIns="90000" tIns="45000" rIns="90000" bIns="45000"/>
+          <a:lstStyle/>
           <a:p>
             <a:pPr algn="ctr"/>
             <a:r>
-              <a:rPr b="0" lang="en-US" sz="900" spc="-1" strike="noStrike">
+              <a:rPr lang="en-US" sz="900" b="0" strike="noStrike" spc="-1">
                 <a:solidFill>
                   <a:srgbClr val="000000"/>
                 </a:solidFill>
                 <a:uFill>
                   <a:solidFill>
-                    <a:srgbClr val="ffffff"/>
+                    <a:srgbClr val="FFFFFF"/>
                   </a:solidFill>
                 </a:uFill>
                 <a:latin typeface="Serif"/>
               </a:rPr>
               <a:t>proxy</a:t>
             </a:r>
-            <a:endParaRPr b="0" lang="en-US" sz="900" spc="-1" strike="noStrike">
-              <a:solidFill>
-                <a:srgbClr val="000000"/>
-              </a:solidFill>
-              <a:uFill>
-                <a:solidFill>
-                  <a:srgbClr val="ffffff"/>
-                </a:solidFill>
-              </a:uFill>
-              <a:latin typeface="Serif"/>
-            </a:endParaRPr>
           </a:p>
           <a:p>
             <a:pPr algn="ctr"/>
             <a:r>
-              <a:rPr b="0" lang="en-US" sz="800" spc="-1" strike="noStrike">
+              <a:rPr lang="en-US" sz="800" b="0" strike="noStrike" spc="-1">
                 <a:solidFill>
                   <a:srgbClr val="000000"/>
                 </a:solidFill>
                 <a:uFill>
                   <a:solidFill>
-                    <a:srgbClr val="ffffff"/>
+                    <a:srgbClr val="FFFFFF"/>
                   </a:solidFill>
                 </a:uFill>
                 <a:latin typeface="Serif"/>
               </a:rPr>
               <a:t>(optional)</a:t>
             </a:r>
-            <a:endParaRPr b="0" lang="en-US" sz="900" spc="-1" strike="noStrike">
-              <a:solidFill>
-                <a:srgbClr val="000000"/>
-              </a:solidFill>
-              <a:uFill>
-                <a:solidFill>
-                  <a:srgbClr val="ffffff"/>
+            <a:endParaRPr lang="en-US" sz="900" b="0" strike="noStrike" spc="-1">
+              <a:solidFill>
+                <a:srgbClr val="000000"/>
+              </a:solidFill>
+              <a:uFill>
+                <a:solidFill>
+                  <a:srgbClr val="FFFFFF"/>
                 </a:solidFill>
               </a:uFill>
               <a:latin typeface="Serif"/>
@@ -7037,58 +7037,48 @@
           </a:ln>
         </p:spPr>
         <p:txBody>
-          <a:bodyPr lIns="90000" rIns="90000" tIns="45000" bIns="45000"/>
+          <a:bodyPr lIns="90000" tIns="45000" rIns="90000" bIns="45000"/>
+          <a:lstStyle/>
           <a:p>
             <a:pPr algn="ctr"/>
             <a:r>
-              <a:rPr b="0" lang="en-US" sz="900" spc="-1" strike="noStrike">
+              <a:rPr lang="en-US" sz="900" b="0" strike="noStrike" spc="-1">
                 <a:solidFill>
                   <a:srgbClr val="000000"/>
                 </a:solidFill>
                 <a:uFill>
                   <a:solidFill>
-                    <a:srgbClr val="ffffff"/>
+                    <a:srgbClr val="FFFFFF"/>
                   </a:solidFill>
                 </a:uFill>
                 <a:latin typeface="Serif"/>
               </a:rPr>
               <a:t>bridge</a:t>
             </a:r>
-            <a:endParaRPr b="0" lang="en-US" sz="900" spc="-1" strike="noStrike">
-              <a:solidFill>
-                <a:srgbClr val="000000"/>
-              </a:solidFill>
-              <a:uFill>
-                <a:solidFill>
-                  <a:srgbClr val="ffffff"/>
-                </a:solidFill>
-              </a:uFill>
-              <a:latin typeface="Serif"/>
-            </a:endParaRPr>
           </a:p>
           <a:p>
             <a:pPr algn="ctr"/>
             <a:r>
-              <a:rPr b="0" lang="en-US" sz="800" spc="-1" strike="noStrike">
+              <a:rPr lang="en-US" sz="800" b="0" strike="noStrike" spc="-1">
                 <a:solidFill>
                   <a:srgbClr val="000000"/>
                 </a:solidFill>
                 <a:uFill>
                   <a:solidFill>
-                    <a:srgbClr val="ffffff"/>
+                    <a:srgbClr val="FFFFFF"/>
                   </a:solidFill>
                 </a:uFill>
                 <a:latin typeface="Serif"/>
               </a:rPr>
               <a:t>(optional)</a:t>
             </a:r>
-            <a:endParaRPr b="0" lang="en-US" sz="900" spc="-1" strike="noStrike">
-              <a:solidFill>
-                <a:srgbClr val="000000"/>
-              </a:solidFill>
-              <a:uFill>
-                <a:solidFill>
-                  <a:srgbClr val="ffffff"/>
+            <a:endParaRPr lang="en-US" sz="900" b="0" strike="noStrike" spc="-1">
+              <a:solidFill>
+                <a:srgbClr val="000000"/>
+              </a:solidFill>
+              <a:uFill>
+                <a:solidFill>
+                  <a:srgbClr val="FFFFFF"/>
                 </a:solidFill>
               </a:uFill>
               <a:latin typeface="Serif"/>
@@ -7116,34 +7106,24 @@
           </a:ln>
         </p:spPr>
         <p:txBody>
-          <a:bodyPr lIns="90000" rIns="90000" tIns="45000" bIns="45000"/>
+          <a:bodyPr lIns="90000" tIns="45000" rIns="90000" bIns="45000"/>
+          <a:lstStyle/>
           <a:p>
             <a:pPr algn="ctr"/>
             <a:r>
-              <a:rPr b="0" lang="en-US" sz="900" spc="-1" strike="noStrike">
+              <a:rPr lang="en-US" sz="900" b="0" strike="noStrike" spc="-1">
                 <a:solidFill>
                   <a:srgbClr val="000000"/>
                 </a:solidFill>
                 <a:uFill>
                   <a:solidFill>
-                    <a:srgbClr val="ffffff"/>
+                    <a:srgbClr val="FFFFFF"/>
                   </a:solidFill>
                 </a:uFill>
                 <a:latin typeface="Serif"/>
               </a:rPr>
               <a:t>Tor</a:t>
             </a:r>
-            <a:endParaRPr b="0" lang="en-US" sz="900" spc="-1" strike="noStrike">
-              <a:solidFill>
-                <a:srgbClr val="000000"/>
-              </a:solidFill>
-              <a:uFill>
-                <a:solidFill>
-                  <a:srgbClr val="ffffff"/>
-                </a:solidFill>
-              </a:uFill>
-              <a:latin typeface="Serif"/>
-            </a:endParaRPr>
           </a:p>
         </p:txBody>
       </p:sp>
@@ -7167,34 +7147,24 @@
           </a:ln>
         </p:spPr>
         <p:txBody>
-          <a:bodyPr lIns="90000" rIns="90000" tIns="45000" bIns="45000"/>
+          <a:bodyPr lIns="90000" tIns="45000" rIns="90000" bIns="45000"/>
+          <a:lstStyle/>
           <a:p>
             <a:pPr algn="ctr"/>
             <a:r>
-              <a:rPr b="0" lang="en-US" sz="900" spc="-1" strike="noStrike">
+              <a:rPr lang="en-US" sz="900" b="0" strike="noStrike" spc="-1">
                 <a:solidFill>
                   <a:srgbClr val="000000"/>
                 </a:solidFill>
                 <a:uFill>
                   <a:solidFill>
-                    <a:srgbClr val="ffffff"/>
+                    <a:srgbClr val="FFFFFF"/>
                   </a:solidFill>
                 </a:uFill>
                 <a:latin typeface="Serif"/>
               </a:rPr>
               <a:t>web</a:t>
             </a:r>
-            <a:endParaRPr b="0" lang="en-US" sz="900" spc="-1" strike="noStrike">
-              <a:solidFill>
-                <a:srgbClr val="000000"/>
-              </a:solidFill>
-              <a:uFill>
-                <a:solidFill>
-                  <a:srgbClr val="ffffff"/>
-                </a:solidFill>
-              </a:uFill>
-              <a:latin typeface="Serif"/>
-            </a:endParaRPr>
           </a:p>
         </p:txBody>
       </p:sp>
@@ -7217,13 +7187,19 @@
               <a:srgbClr val="000000"/>
             </a:solidFill>
             <a:round/>
-            <a:tailEnd len="med" type="triangle" w="med"/>
+            <a:tailEnd type="triangle" w="med" len="med"/>
           </a:ln>
         </p:spPr>
         <p:style>
-          <a:lnRef idx="0"/>
-          <a:fillRef idx="0"/>
-          <a:effectRef idx="0"/>
+          <a:lnRef idx="0">
+            <a:scrgbClr r="0" g="0" b="0"/>
+          </a:lnRef>
+          <a:fillRef idx="0">
+            <a:scrgbClr r="0" g="0" b="0"/>
+          </a:fillRef>
+          <a:effectRef idx="0">
+            <a:scrgbClr r="0" g="0" b="0"/>
+          </a:effectRef>
           <a:fontRef idx="minor"/>
         </p:style>
       </p:sp>
@@ -7246,13 +7222,19 @@
               <a:srgbClr val="000000"/>
             </a:solidFill>
             <a:round/>
-            <a:tailEnd len="med" type="triangle" w="med"/>
+            <a:tailEnd type="triangle" w="med" len="med"/>
           </a:ln>
         </p:spPr>
         <p:style>
-          <a:lnRef idx="0"/>
-          <a:fillRef idx="0"/>
-          <a:effectRef idx="0"/>
+          <a:lnRef idx="0">
+            <a:scrgbClr r="0" g="0" b="0"/>
+          </a:lnRef>
+          <a:fillRef idx="0">
+            <a:scrgbClr r="0" g="0" b="0"/>
+          </a:fillRef>
+          <a:effectRef idx="0">
+            <a:scrgbClr r="0" g="0" b="0"/>
+          </a:effectRef>
           <a:fontRef idx="minor"/>
         </p:style>
       </p:sp>
@@ -7275,13 +7257,19 @@
               <a:srgbClr val="000000"/>
             </a:solidFill>
             <a:round/>
-            <a:tailEnd len="med" type="triangle" w="med"/>
+            <a:tailEnd type="triangle" w="med" len="med"/>
           </a:ln>
         </p:spPr>
         <p:style>
-          <a:lnRef idx="0"/>
-          <a:fillRef idx="0"/>
-          <a:effectRef idx="0"/>
+          <a:lnRef idx="0">
+            <a:scrgbClr r="0" g="0" b="0"/>
+          </a:lnRef>
+          <a:fillRef idx="0">
+            <a:scrgbClr r="0" g="0" b="0"/>
+          </a:fillRef>
+          <a:effectRef idx="0">
+            <a:scrgbClr r="0" g="0" b="0"/>
+          </a:effectRef>
           <a:fontRef idx="minor"/>
         </p:style>
       </p:sp>
@@ -7304,13 +7292,19 @@
               <a:srgbClr val="000000"/>
             </a:solidFill>
             <a:round/>
-            <a:tailEnd len="med" type="triangle" w="med"/>
+            <a:tailEnd type="triangle" w="med" len="med"/>
           </a:ln>
         </p:spPr>
         <p:style>
-          <a:lnRef idx="0"/>
-          <a:fillRef idx="0"/>
-          <a:effectRef idx="0"/>
+          <a:lnRef idx="0">
+            <a:scrgbClr r="0" g="0" b="0"/>
+          </a:lnRef>
+          <a:fillRef idx="0">
+            <a:scrgbClr r="0" g="0" b="0"/>
+          </a:fillRef>
+          <a:effectRef idx="0">
+            <a:scrgbClr r="0" g="0" b="0"/>
+          </a:effectRef>
           <a:fontRef idx="minor"/>
         </p:style>
       </p:sp>
@@ -7329,62 +7323,55 @@
             <a:avLst/>
           </a:prstGeom>
           <a:solidFill>
-            <a:srgbClr val="cccccc"/>
+            <a:srgbClr val="CCCCCC"/>
           </a:solidFill>
           <a:ln>
             <a:noFill/>
           </a:ln>
         </p:spPr>
         <p:txBody>
-          <a:bodyPr lIns="90000" rIns="90000" tIns="45000" bIns="45000"/>
+          <a:bodyPr lIns="90000" tIns="45000" rIns="90000" bIns="45000"/>
+          <a:lstStyle/>
           <a:p>
             <a:pPr algn="ctr"/>
             <a:r>
-              <a:rPr b="0" lang="en-US" sz="900" spc="-1" strike="noStrike">
+              <a:rPr lang="en-US" sz="900" b="0" strike="noStrike" spc="-1">
                 <a:solidFill>
                   <a:srgbClr val="000000"/>
                 </a:solidFill>
                 <a:uFill>
                   <a:solidFill>
-                    <a:srgbClr val="ffffff"/>
+                    <a:srgbClr val="FFFFFF"/>
                   </a:solidFill>
                 </a:uFill>
                 <a:latin typeface="Serif"/>
               </a:rPr>
               <a:t>censor</a:t>
             </a:r>
-            <a:endParaRPr b="0" lang="en-US" sz="900" spc="-1" strike="noStrike">
-              <a:solidFill>
-                <a:srgbClr val="000000"/>
-              </a:solidFill>
-              <a:uFill>
-                <a:solidFill>
-                  <a:srgbClr val="ffffff"/>
-                </a:solidFill>
-              </a:uFill>
-              <a:latin typeface="Serif"/>
-            </a:endParaRPr>
           </a:p>
         </p:txBody>
       </p:sp>
     </p:spTree>
   </p:cSld>
+  <p:clrMapOvr>
+    <a:masterClrMapping/>
+  </p:clrMapOvr>
   <p:timing>
     <p:tnLst>
       <p:par>
-        <p:cTn id="5" dur="indefinite" restart="never" nodeType="tmRoot">
+        <p:cTn xmlns:p14="http://schemas.microsoft.com/office/powerpoint/2010/main" id="1" dur="indefinite" restart="never" nodeType="tmRoot">
           <p:childTnLst>
             <p:seq>
-              <p:cTn id="6" nodeType="mainSeq"/>
+              <p:cTn id="2" nodeType="mainSeq"/>
               <p:prevCondLst>
-                <p:cond delay="0" evt="onPrev">
+                <p:cond evt="onPrev" delay="0">
                   <p:tgtEl>
                     <p:sldTgt/>
                   </p:tgtEl>
                 </p:cond>
               </p:prevCondLst>
               <p:nextCondLst>
-                <p:cond delay="0" evt="onNext">
+                <p:cond evt="onNext" delay="0">
                   <p:tgtEl>
                     <p:sldTgt/>
                   </p:tgtEl>
@@ -7619,6 +7606,8 @@
       </a:bgFillStyleLst>
     </a:fmtScheme>
   </a:themeElements>
+  <a:objectDefaults/>
+  <a:extraClrSchemeLst/>
 </a:theme>
 </file>
 
@@ -7842,6 +7831,8 @@
       </a:bgFillStyleLst>
     </a:fmtScheme>
   </a:themeElements>
+  <a:objectDefaults/>
+  <a:extraClrSchemeLst/>
 </a:theme>
 </file>
 
@@ -8065,5 +8056,7 @@
       </a:bgFillStyleLst>
     </a:fmtScheme>
   </a:themeElements>
+  <a:objectDefaults/>
+  <a:extraClrSchemeLst/>
 </a:theme>
 </file>
--- a/pets2017-paper/flows.pptx
+++ b/pets2017-paper/flows.pptx
@@ -6932,7 +6932,7 @@
           <a:p>
             <a:pPr algn="ctr"/>
             <a:r>
-              <a:rPr lang="en-US" sz="900" b="0" strike="noStrike" spc="-1">
+              <a:rPr lang="en-US" sz="900" b="0" strike="noStrike" spc="-1" dirty="0">
                 <a:solidFill>
                   <a:srgbClr val="000000"/>
                 </a:solidFill>
@@ -6941,7 +6941,8 @@
                     <a:srgbClr val="FFFFFF"/>
                   </a:solidFill>
                 </a:uFill>
-                <a:latin typeface="Serif"/>
+                <a:latin typeface="Calibri"/>
+                <a:cs typeface="Calibri"/>
               </a:rPr>
               <a:t>user</a:t>
             </a:r>
@@ -6973,7 +6974,7 @@
           <a:p>
             <a:pPr algn="ctr"/>
             <a:r>
-              <a:rPr lang="en-US" sz="900" b="0" strike="noStrike" spc="-1">
+              <a:rPr lang="en-US" sz="900" b="0" strike="noStrike" spc="-1" dirty="0">
                 <a:solidFill>
                   <a:srgbClr val="000000"/>
                 </a:solidFill>
@@ -6982,7 +6983,8 @@
                     <a:srgbClr val="FFFFFF"/>
                   </a:solidFill>
                 </a:uFill>
-                <a:latin typeface="Serif"/>
+                <a:latin typeface="Calibri"/>
+                <a:cs typeface="Calibri"/>
               </a:rPr>
               <a:t>proxy</a:t>
             </a:r>
@@ -6990,7 +6992,7 @@
           <a:p>
             <a:pPr algn="ctr"/>
             <a:r>
-              <a:rPr lang="en-US" sz="800" b="0" strike="noStrike" spc="-1">
+              <a:rPr lang="en-US" sz="800" b="0" strike="noStrike" spc="-1" dirty="0">
                 <a:solidFill>
                   <a:srgbClr val="000000"/>
                 </a:solidFill>
@@ -6999,20 +7001,22 @@
                     <a:srgbClr val="FFFFFF"/>
                   </a:solidFill>
                 </a:uFill>
-                <a:latin typeface="Serif"/>
+                <a:latin typeface="Calibri"/>
+                <a:cs typeface="Calibri"/>
               </a:rPr>
               <a:t>(optional)</a:t>
             </a:r>
-            <a:endParaRPr lang="en-US" sz="900" b="0" strike="noStrike" spc="-1">
-              <a:solidFill>
-                <a:srgbClr val="000000"/>
-              </a:solidFill>
-              <a:uFill>
-                <a:solidFill>
-                  <a:srgbClr val="FFFFFF"/>
-                </a:solidFill>
-              </a:uFill>
-              <a:latin typeface="Serif"/>
+            <a:endParaRPr lang="en-US" sz="900" b="0" strike="noStrike" spc="-1" dirty="0">
+              <a:solidFill>
+                <a:srgbClr val="000000"/>
+              </a:solidFill>
+              <a:uFill>
+                <a:solidFill>
+                  <a:srgbClr val="FFFFFF"/>
+                </a:solidFill>
+              </a:uFill>
+              <a:latin typeface="Calibri"/>
+              <a:cs typeface="Calibri"/>
             </a:endParaRPr>
           </a:p>
         </p:txBody>
@@ -7042,7 +7046,7 @@
           <a:p>
             <a:pPr algn="ctr"/>
             <a:r>
-              <a:rPr lang="en-US" sz="900" b="0" strike="noStrike" spc="-1">
+              <a:rPr lang="en-US" sz="900" b="0" strike="noStrike" spc="-1" dirty="0">
                 <a:solidFill>
                   <a:srgbClr val="000000"/>
                 </a:solidFill>
@@ -7051,7 +7055,8 @@
                     <a:srgbClr val="FFFFFF"/>
                   </a:solidFill>
                 </a:uFill>
-                <a:latin typeface="Serif"/>
+                <a:latin typeface="Calibri"/>
+                <a:cs typeface="Calibri"/>
               </a:rPr>
               <a:t>bridge</a:t>
             </a:r>
@@ -7059,7 +7064,7 @@
           <a:p>
             <a:pPr algn="ctr"/>
             <a:r>
-              <a:rPr lang="en-US" sz="800" b="0" strike="noStrike" spc="-1">
+              <a:rPr lang="en-US" sz="800" b="0" strike="noStrike" spc="-1" dirty="0">
                 <a:solidFill>
                   <a:srgbClr val="000000"/>
                 </a:solidFill>
@@ -7068,20 +7073,22 @@
                     <a:srgbClr val="FFFFFF"/>
                   </a:solidFill>
                 </a:uFill>
-                <a:latin typeface="Serif"/>
+                <a:latin typeface="Calibri"/>
+                <a:cs typeface="Calibri"/>
               </a:rPr>
               <a:t>(optional)</a:t>
             </a:r>
-            <a:endParaRPr lang="en-US" sz="900" b="0" strike="noStrike" spc="-1">
-              <a:solidFill>
-                <a:srgbClr val="000000"/>
-              </a:solidFill>
-              <a:uFill>
-                <a:solidFill>
-                  <a:srgbClr val="FFFFFF"/>
-                </a:solidFill>
-              </a:uFill>
-              <a:latin typeface="Serif"/>
+            <a:endParaRPr lang="en-US" sz="900" b="0" strike="noStrike" spc="-1" dirty="0">
+              <a:solidFill>
+                <a:srgbClr val="000000"/>
+              </a:solidFill>
+              <a:uFill>
+                <a:solidFill>
+                  <a:srgbClr val="FFFFFF"/>
+                </a:solidFill>
+              </a:uFill>
+              <a:latin typeface="Calibri"/>
+              <a:cs typeface="Calibri"/>
             </a:endParaRPr>
           </a:p>
         </p:txBody>
@@ -7111,7 +7118,7 @@
           <a:p>
             <a:pPr algn="ctr"/>
             <a:r>
-              <a:rPr lang="en-US" sz="900" b="0" strike="noStrike" spc="-1">
+              <a:rPr lang="en-US" sz="900" b="0" strike="noStrike" spc="-1" dirty="0">
                 <a:solidFill>
                   <a:srgbClr val="000000"/>
                 </a:solidFill>
@@ -7120,7 +7127,8 @@
                     <a:srgbClr val="FFFFFF"/>
                   </a:solidFill>
                 </a:uFill>
-                <a:latin typeface="Serif"/>
+                <a:latin typeface="Calibri"/>
+                <a:cs typeface="Calibri"/>
               </a:rPr>
               <a:t>Tor</a:t>
             </a:r>
@@ -7152,7 +7160,7 @@
           <a:p>
             <a:pPr algn="ctr"/>
             <a:r>
-              <a:rPr lang="en-US" sz="900" b="0" strike="noStrike" spc="-1">
+              <a:rPr lang="en-US" sz="900" b="0" strike="noStrike" spc="-1" dirty="0">
                 <a:solidFill>
                   <a:srgbClr val="000000"/>
                 </a:solidFill>
@@ -7161,7 +7169,8 @@
                     <a:srgbClr val="FFFFFF"/>
                   </a:solidFill>
                 </a:uFill>
-                <a:latin typeface="Serif"/>
+                <a:latin typeface="Calibri"/>
+                <a:cs typeface="Calibri"/>
               </a:rPr>
               <a:t>web</a:t>
             </a:r>
@@ -7335,7 +7344,7 @@
           <a:p>
             <a:pPr algn="ctr"/>
             <a:r>
-              <a:rPr lang="en-US" sz="900" b="0" strike="noStrike" spc="-1">
+              <a:rPr lang="en-US" sz="900" b="0" strike="noStrike" spc="-1" dirty="0">
                 <a:solidFill>
                   <a:srgbClr val="000000"/>
                 </a:solidFill>
@@ -7344,7 +7353,8 @@
                     <a:srgbClr val="FFFFFF"/>
                   </a:solidFill>
                 </a:uFill>
-                <a:latin typeface="Serif"/>
+                <a:latin typeface="Calibri"/>
+                <a:cs typeface="Calibri"/>
               </a:rPr>
               <a:t>censor</a:t>
             </a:r>

--- a/pets2017-paper/flows.pptx
+++ b/pets2017-paper/flows.pptx
@@ -6,12 +6,11 @@
     <p:sldMasterId id="2147483661" r:id="rId2"/>
   </p:sldMasterIdLst>
   <p:notesMasterIdLst>
-    <p:notesMasterId r:id="rId6"/>
+    <p:notesMasterId r:id="rId5"/>
   </p:notesMasterIdLst>
   <p:sldIdLst>
-    <p:sldId id="256" r:id="rId3"/>
-    <p:sldId id="257" r:id="rId4"/>
-    <p:sldId id="258" r:id="rId5"/>
+    <p:sldId id="259" r:id="rId3"/>
+    <p:sldId id="258" r:id="rId4"/>
   </p:sldIdLst>
   <p:sldSz cx="32918400" cy="27432000"/>
   <p:notesSz cx="6858000" cy="9144000"/>
@@ -4697,21 +4696,78 @@
       </p:grpSpPr>
       <p:pic>
         <p:nvPicPr>
+          <p:cNvPr id="42" name="Picture 41"/>
+          <p:cNvPicPr>
+            <a:picLocks noChangeAspect="1"/>
+          </p:cNvPicPr>
+          <p:nvPr/>
+        </p:nvPicPr>
+        <p:blipFill>
+          <a:blip r:embed="rId3"/>
+          <a:stretch>
+            <a:fillRect/>
+          </a:stretch>
+        </p:blipFill>
+        <p:spPr>
+          <a:xfrm>
+            <a:off x="15462757" y="11684000"/>
+            <a:ext cx="7772400" cy="10058400"/>
+          </a:xfrm>
+          <a:prstGeom prst="rect">
+            <a:avLst/>
+          </a:prstGeom>
+          <a:ln w="38100">
+            <a:solidFill>
+              <a:schemeClr val="tx1"/>
+            </a:solidFill>
+          </a:ln>
+        </p:spPr>
+      </p:pic>
+      <p:pic>
+        <p:nvPicPr>
+          <p:cNvPr id="4" name="Picture 3"/>
+          <p:cNvPicPr>
+            <a:picLocks noChangeAspect="1"/>
+          </p:cNvPicPr>
+          <p:nvPr/>
+        </p:nvPicPr>
+        <p:blipFill>
+          <a:blip r:embed="rId3"/>
+          <a:stretch>
+            <a:fillRect/>
+          </a:stretch>
+        </p:blipFill>
+        <p:spPr>
+          <a:xfrm>
+            <a:off x="4800600" y="11531600"/>
+            <a:ext cx="7772400" cy="10058400"/>
+          </a:xfrm>
+          <a:prstGeom prst="rect">
+            <a:avLst/>
+          </a:prstGeom>
+          <a:ln w="38100">
+            <a:solidFill>
+              <a:schemeClr val="tx1"/>
+            </a:solidFill>
+          </a:ln>
+        </p:spPr>
+      </p:pic>
+      <p:pic>
+        <p:nvPicPr>
           <p:cNvPr id="83" name="Picture 4"/>
           <p:cNvPicPr/>
           <p:nvPr/>
         </p:nvPicPr>
         <p:blipFill>
-          <a:blip r:embed="rId3">
-            <a:grayscl/>
-            <a:alphaModFix amt="50000"/>
+          <a:blip r:embed="rId4">
+            <a:alphaModFix/>
           </a:blip>
           <a:stretch/>
         </p:blipFill>
         <p:spPr>
           <a:xfrm>
-            <a:off x="3416551" y="3659041"/>
-            <a:ext cx="4609800" cy="3443760"/>
+            <a:off x="4800600" y="11531600"/>
+            <a:ext cx="3841750" cy="2870200"/>
           </a:xfrm>
           <a:prstGeom prst="rect">
             <a:avLst/>
@@ -4728,16 +4784,15 @@
           <p:nvPr/>
         </p:nvPicPr>
         <p:blipFill>
-          <a:blip r:embed="rId4">
-            <a:grayscl/>
-            <a:alphaModFix amt="50000"/>
+          <a:blip r:embed="rId5">
+            <a:alphaModFix/>
           </a:blip>
           <a:stretch/>
         </p:blipFill>
         <p:spPr>
           <a:xfrm>
-            <a:off x="8454031" y="3651121"/>
-            <a:ext cx="4609800" cy="3443760"/>
+            <a:off x="4800600" y="14497050"/>
+            <a:ext cx="3841750" cy="2870200"/>
           </a:xfrm>
           <a:prstGeom prst="rect">
             <a:avLst/>
@@ -4754,16 +4809,15 @@
           <p:nvPr/>
         </p:nvPicPr>
         <p:blipFill>
-          <a:blip r:embed="rId5">
-            <a:grayscl/>
-            <a:alphaModFix amt="50000"/>
+          <a:blip r:embed="rId6">
+            <a:alphaModFix/>
           </a:blip>
           <a:stretch/>
         </p:blipFill>
         <p:spPr>
           <a:xfrm>
-            <a:off x="13492591" y="3666601"/>
-            <a:ext cx="4609800" cy="3436200"/>
+            <a:off x="4800600" y="17513300"/>
+            <a:ext cx="3841750" cy="2863850"/>
           </a:xfrm>
           <a:prstGeom prst="rect">
             <a:avLst/>
@@ -4780,16 +4834,15 @@
           <p:nvPr/>
         </p:nvPicPr>
         <p:blipFill>
-          <a:blip r:embed="rId6">
-            <a:grayscl/>
-            <a:alphaModFix amt="50000"/>
+          <a:blip r:embed="rId7">
+            <a:alphaModFix/>
           </a:blip>
           <a:stretch/>
         </p:blipFill>
         <p:spPr>
           <a:xfrm>
-            <a:off x="18501631" y="3674521"/>
-            <a:ext cx="4617360" cy="3428640"/>
+            <a:off x="8724900" y="11531600"/>
+            <a:ext cx="3848100" cy="2857500"/>
           </a:xfrm>
           <a:prstGeom prst="rect">
             <a:avLst/>
@@ -4806,16 +4859,15 @@
           <p:nvPr/>
         </p:nvPicPr>
         <p:blipFill>
-          <a:blip r:embed="rId7">
-            <a:grayscl/>
-            <a:alphaModFix amt="50000"/>
+          <a:blip r:embed="rId8">
+            <a:alphaModFix/>
           </a:blip>
           <a:stretch/>
         </p:blipFill>
         <p:spPr>
           <a:xfrm>
-            <a:off x="23495475" y="3674521"/>
-            <a:ext cx="4617360" cy="3451680"/>
+            <a:off x="8724900" y="14636750"/>
+            <a:ext cx="3848100" cy="2876550"/>
           </a:xfrm>
           <a:prstGeom prst="rect">
             <a:avLst/>
@@ -4832,16 +4884,15 @@
           <p:nvPr/>
         </p:nvPicPr>
         <p:blipFill>
-          <a:blip r:embed="rId8">
-            <a:grayscl/>
-            <a:alphaModFix amt="50000"/>
+          <a:blip r:embed="rId9">
+            <a:alphaModFix/>
           </a:blip>
           <a:stretch/>
         </p:blipFill>
         <p:spPr>
           <a:xfrm>
-            <a:off x="28679191" y="4661281"/>
-            <a:ext cx="3047760" cy="1515960"/>
+            <a:off x="9437763" y="18123281"/>
+            <a:ext cx="2540000" cy="1263650"/>
           </a:xfrm>
           <a:prstGeom prst="rect">
             <a:avLst/>
@@ -4853,47 +4904,20 @@
       </p:pic>
       <p:pic>
         <p:nvPicPr>
-          <p:cNvPr id="89" name="Picture 10"/>
-          <p:cNvPicPr/>
-          <p:nvPr/>
-        </p:nvPicPr>
-        <p:blipFill>
-          <a:blip r:embed="rId9">
-            <a:grayscl/>
-            <a:alphaModFix amt="50000"/>
-          </a:blip>
-          <a:stretch/>
-        </p:blipFill>
-        <p:spPr>
-          <a:xfrm>
-            <a:off x="3576040" y="11404144"/>
-            <a:ext cx="4571640" cy="3424680"/>
-          </a:xfrm>
-          <a:prstGeom prst="rect">
-            <a:avLst/>
-          </a:prstGeom>
-          <a:ln>
-            <a:noFill/>
-          </a:ln>
-        </p:spPr>
-      </p:pic>
-      <p:pic>
-        <p:nvPicPr>
-          <p:cNvPr id="90" name="Picture 11"/>
+          <p:cNvPr id="43" name="Picture 10"/>
           <p:cNvPicPr/>
           <p:nvPr/>
         </p:nvPicPr>
         <p:blipFill>
           <a:blip r:embed="rId10">
-            <a:grayscl/>
-            <a:alphaModFix amt="50000"/>
+            <a:alphaModFix/>
           </a:blip>
           <a:stretch/>
         </p:blipFill>
         <p:spPr>
           <a:xfrm>
-            <a:off x="8963527" y="11440430"/>
-            <a:ext cx="4541040" cy="3440160"/>
+            <a:off x="15462757" y="11684000"/>
+            <a:ext cx="3810000" cy="2854325"/>
           </a:xfrm>
           <a:prstGeom prst="rect">
             <a:avLst/>
@@ -4905,21 +4929,20 @@
       </p:pic>
       <p:pic>
         <p:nvPicPr>
-          <p:cNvPr id="91" name="Picture 12"/>
+          <p:cNvPr id="44" name="Picture 11"/>
           <p:cNvPicPr/>
           <p:nvPr/>
         </p:nvPicPr>
         <p:blipFill>
           <a:blip r:embed="rId11">
-            <a:grayscl/>
-            <a:alphaModFix amt="50000"/>
+            <a:alphaModFix/>
           </a:blip>
           <a:stretch/>
         </p:blipFill>
         <p:spPr>
           <a:xfrm>
-            <a:off x="14114284" y="11462913"/>
-            <a:ext cx="4537440" cy="3432600"/>
+            <a:off x="15488157" y="14646275"/>
+            <a:ext cx="3784600" cy="2867025"/>
           </a:xfrm>
           <a:prstGeom prst="rect">
             <a:avLst/>
@@ -4931,21 +4954,20 @@
       </p:pic>
       <p:pic>
         <p:nvPicPr>
-          <p:cNvPr id="92" name="Picture 13"/>
+          <p:cNvPr id="45" name="Picture 12"/>
           <p:cNvPicPr/>
           <p:nvPr/>
         </p:nvPicPr>
         <p:blipFill>
           <a:blip r:embed="rId12">
-            <a:grayscl/>
-            <a:alphaModFix amt="50000"/>
+            <a:alphaModFix/>
           </a:blip>
           <a:stretch/>
         </p:blipFill>
         <p:spPr>
           <a:xfrm>
-            <a:off x="19358620" y="11467504"/>
-            <a:ext cx="4586760" cy="3451680"/>
+            <a:off x="15491332" y="17516475"/>
+            <a:ext cx="3781425" cy="2860675"/>
           </a:xfrm>
           <a:prstGeom prst="rect">
             <a:avLst/>
@@ -4957,21 +4979,20 @@
       </p:pic>
       <p:pic>
         <p:nvPicPr>
-          <p:cNvPr id="93" name="Picture 14"/>
+          <p:cNvPr id="46" name="Picture 13"/>
           <p:cNvPicPr/>
           <p:nvPr/>
         </p:nvPicPr>
         <p:blipFill>
           <a:blip r:embed="rId13">
-            <a:grayscl/>
-            <a:alphaModFix amt="50000"/>
+            <a:alphaModFix/>
           </a:blip>
           <a:stretch/>
         </p:blipFill>
         <p:spPr>
           <a:xfrm>
-            <a:off x="24539741" y="11556784"/>
-            <a:ext cx="4575600" cy="3417120"/>
+            <a:off x="19421982" y="14611350"/>
+            <a:ext cx="3822700" cy="2876550"/>
           </a:xfrm>
           <a:prstGeom prst="rect">
             <a:avLst/>
@@ -4981,1497 +5002,37 @@
           </a:ln>
         </p:spPr>
       </p:pic>
-      <p:sp>
-        <p:nvSpPr>
-          <p:cNvPr id="94" name="CustomShape 1"/>
-          <p:cNvSpPr/>
+      <p:pic>
+        <p:nvPicPr>
+          <p:cNvPr id="47" name="Picture 14"/>
+          <p:cNvPicPr/>
           <p:nvPr/>
-        </p:nvSpPr>
-        <p:spPr>
-          <a:xfrm rot="16200000" flipH="1">
-            <a:off x="17460511" y="-8080199"/>
-            <a:ext cx="1001880" cy="24481080"/>
-          </a:xfrm>
-          <a:prstGeom prst="curvedConnector3">
-            <a:avLst>
-              <a:gd name="adj1" fmla="val -127098"/>
-            </a:avLst>
-          </a:prstGeom>
-          <a:noFill/>
-          <a:ln w="101600">
-            <a:solidFill>
-              <a:schemeClr val="tx1">
-                <a:lumMod val="50000"/>
-                <a:lumOff val="50000"/>
-              </a:schemeClr>
-            </a:solidFill>
-            <a:round/>
-            <a:tailEnd type="triangle" w="lg" len="med"/>
-          </a:ln>
-          <a:effectLst>
-            <a:outerShdw blurRad="40000" dist="20000" dir="5400000" rotWithShape="0">
-              <a:srgbClr val="000000">
-                <a:alpha val="38000"/>
-              </a:srgbClr>
-            </a:outerShdw>
-          </a:effectLst>
-        </p:spPr>
-        <p:style>
-          <a:lnRef idx="2">
-            <a:schemeClr val="accent1"/>
-          </a:lnRef>
-          <a:fillRef idx="0">
-            <a:schemeClr val="accent1"/>
-          </a:fillRef>
-          <a:effectRef idx="1">
-            <a:schemeClr val="accent1"/>
-          </a:effectRef>
-          <a:fontRef idx="minor"/>
-        </p:style>
-      </p:sp>
-      <p:sp>
-        <p:nvSpPr>
-          <p:cNvPr id="95" name="CustomShape 2"/>
-          <p:cNvSpPr/>
-          <p:nvPr/>
-        </p:nvSpPr>
-        <p:spPr>
-          <a:xfrm flipV="1">
-            <a:off x="8026711" y="5373361"/>
-            <a:ext cx="426960" cy="7200"/>
-          </a:xfrm>
-          <a:prstGeom prst="curvedConnector3">
-            <a:avLst>
-              <a:gd name="adj1" fmla="val 50000"/>
-            </a:avLst>
-          </a:prstGeom>
-          <a:noFill/>
-          <a:ln w="101600">
-            <a:solidFill>
-              <a:schemeClr val="tx1">
-                <a:lumMod val="50000"/>
-                <a:lumOff val="50000"/>
-              </a:schemeClr>
-            </a:solidFill>
-            <a:round/>
-            <a:tailEnd type="triangle" w="lg" len="med"/>
-          </a:ln>
-          <a:effectLst>
-            <a:outerShdw blurRad="40000" dist="20000" dir="5400000" rotWithShape="0">
-              <a:srgbClr val="000000">
-                <a:alpha val="38000"/>
-              </a:srgbClr>
-            </a:outerShdw>
-          </a:effectLst>
-        </p:spPr>
-        <p:style>
-          <a:lnRef idx="2">
-            <a:schemeClr val="accent1"/>
-          </a:lnRef>
-          <a:fillRef idx="0">
-            <a:schemeClr val="accent1"/>
-          </a:fillRef>
-          <a:effectRef idx="1">
-            <a:schemeClr val="accent1"/>
-          </a:effectRef>
-          <a:fontRef idx="minor"/>
-        </p:style>
-      </p:sp>
-      <p:sp>
-        <p:nvSpPr>
-          <p:cNvPr id="96" name="CustomShape 3"/>
-          <p:cNvSpPr/>
-          <p:nvPr/>
-        </p:nvSpPr>
-        <p:spPr>
-          <a:xfrm>
-            <a:off x="13064191" y="5373361"/>
-            <a:ext cx="428040" cy="11160"/>
-          </a:xfrm>
-          <a:prstGeom prst="curvedConnector3">
-            <a:avLst>
-              <a:gd name="adj1" fmla="val 50000"/>
-            </a:avLst>
-          </a:prstGeom>
-          <a:noFill/>
-          <a:ln w="101600">
-            <a:solidFill>
-              <a:schemeClr val="tx1">
-                <a:lumMod val="50000"/>
-                <a:lumOff val="50000"/>
-              </a:schemeClr>
-            </a:solidFill>
-            <a:round/>
-            <a:tailEnd type="triangle" w="lg" len="med"/>
-          </a:ln>
-          <a:effectLst>
-            <a:outerShdw blurRad="40000" dist="20000" dir="5400000" rotWithShape="0">
-              <a:srgbClr val="000000">
-                <a:alpha val="38000"/>
-              </a:srgbClr>
-            </a:outerShdw>
-          </a:effectLst>
-        </p:spPr>
-        <p:style>
-          <a:lnRef idx="2">
-            <a:schemeClr val="accent1"/>
-          </a:lnRef>
-          <a:fillRef idx="0">
-            <a:schemeClr val="accent1"/>
-          </a:fillRef>
-          <a:effectRef idx="1">
-            <a:schemeClr val="accent1"/>
-          </a:effectRef>
-          <a:fontRef idx="minor"/>
-        </p:style>
-      </p:sp>
-      <p:sp>
-        <p:nvSpPr>
-          <p:cNvPr id="97" name="CustomShape 4"/>
-          <p:cNvSpPr/>
-          <p:nvPr/>
-        </p:nvSpPr>
-        <p:spPr>
-          <a:xfrm>
-            <a:off x="18102391" y="5384881"/>
-            <a:ext cx="398520" cy="3600"/>
-          </a:xfrm>
-          <a:prstGeom prst="curvedConnector3">
-            <a:avLst>
-              <a:gd name="adj1" fmla="val 50000"/>
-            </a:avLst>
-          </a:prstGeom>
-          <a:noFill/>
-          <a:ln w="101600">
-            <a:solidFill>
-              <a:schemeClr val="tx1">
-                <a:lumMod val="50000"/>
-                <a:lumOff val="50000"/>
-              </a:schemeClr>
-            </a:solidFill>
-            <a:round/>
-            <a:tailEnd type="triangle" w="lg" len="med"/>
-          </a:ln>
-          <a:effectLst>
-            <a:outerShdw blurRad="40000" dist="20000" dir="5400000" rotWithShape="0">
-              <a:srgbClr val="000000">
-                <a:alpha val="38000"/>
-              </a:srgbClr>
-            </a:outerShdw>
-          </a:effectLst>
-        </p:spPr>
-        <p:style>
-          <a:lnRef idx="2">
-            <a:schemeClr val="accent1"/>
-          </a:lnRef>
-          <a:fillRef idx="0">
-            <a:schemeClr val="accent1"/>
-          </a:fillRef>
-          <a:effectRef idx="1">
-            <a:schemeClr val="accent1"/>
-          </a:effectRef>
-          <a:fontRef idx="minor"/>
-        </p:style>
-      </p:sp>
-      <p:sp>
-        <p:nvSpPr>
-          <p:cNvPr id="98" name="CustomShape 5"/>
-          <p:cNvSpPr/>
-          <p:nvPr/>
-        </p:nvSpPr>
-        <p:spPr>
-          <a:xfrm>
-            <a:off x="23118991" y="5308563"/>
-            <a:ext cx="521260" cy="45719"/>
-          </a:xfrm>
-          <a:prstGeom prst="curvedConnector3">
-            <a:avLst>
-              <a:gd name="adj1" fmla="val 50000"/>
-            </a:avLst>
-          </a:prstGeom>
-          <a:noFill/>
-          <a:ln w="101600">
-            <a:solidFill>
-              <a:schemeClr val="tx1">
-                <a:lumMod val="50000"/>
-                <a:lumOff val="50000"/>
-              </a:schemeClr>
-            </a:solidFill>
-            <a:round/>
-            <a:tailEnd type="triangle" w="lg" len="med"/>
-          </a:ln>
-          <a:effectLst>
-            <a:outerShdw blurRad="40000" dist="20000" dir="5400000" rotWithShape="0">
-              <a:srgbClr val="000000">
-                <a:alpha val="38000"/>
-              </a:srgbClr>
-            </a:outerShdw>
-          </a:effectLst>
-        </p:spPr>
-        <p:style>
-          <a:lnRef idx="2">
-            <a:schemeClr val="accent1"/>
-          </a:lnRef>
-          <a:fillRef idx="0">
-            <a:schemeClr val="accent1"/>
-          </a:fillRef>
-          <a:effectRef idx="1">
-            <a:schemeClr val="accent1"/>
-          </a:effectRef>
-          <a:fontRef idx="minor"/>
-        </p:style>
-      </p:sp>
-      <p:sp>
-        <p:nvSpPr>
-          <p:cNvPr id="99" name="CustomShape 6"/>
-          <p:cNvSpPr/>
-          <p:nvPr/>
-        </p:nvSpPr>
-        <p:spPr>
-          <a:xfrm>
-            <a:off x="28076911" y="5400361"/>
-            <a:ext cx="601920" cy="18720"/>
-          </a:xfrm>
-          <a:custGeom>
-            <a:avLst/>
-            <a:gdLst/>
-            <a:ahLst/>
-            <a:cxnLst/>
-            <a:rect l="l" t="t" r="r" b="b"/>
-            <a:pathLst>
-              <a:path w="21600" h="21600">
-                <a:moveTo>
-                  <a:pt x="0" y="0"/>
-                </a:moveTo>
-                <a:lnTo>
-                  <a:pt x="21600" y="21600"/>
-                </a:lnTo>
-              </a:path>
-            </a:pathLst>
-          </a:custGeom>
-          <a:noFill/>
-          <a:ln w="101600">
-            <a:solidFill>
-              <a:schemeClr val="tx1">
-                <a:lumMod val="50000"/>
-                <a:lumOff val="50000"/>
-              </a:schemeClr>
-            </a:solidFill>
-            <a:round/>
-            <a:tailEnd type="triangle" w="lg" len="med"/>
-          </a:ln>
-          <a:effectLst>
-            <a:outerShdw blurRad="40000" dist="20000" dir="5400000" rotWithShape="0">
-              <a:srgbClr val="000000">
-                <a:alpha val="38000"/>
-              </a:srgbClr>
-            </a:outerShdw>
-          </a:effectLst>
-        </p:spPr>
-        <p:style>
-          <a:lnRef idx="2">
-            <a:schemeClr val="accent1"/>
-          </a:lnRef>
-          <a:fillRef idx="0">
-            <a:schemeClr val="accent1"/>
-          </a:fillRef>
-          <a:effectRef idx="1">
-            <a:schemeClr val="accent1"/>
-          </a:effectRef>
-          <a:fontRef idx="minor"/>
-        </p:style>
-      </p:sp>
-      <p:sp>
-        <p:nvSpPr>
-          <p:cNvPr id="100" name="CustomShape 7"/>
-          <p:cNvSpPr/>
-          <p:nvPr/>
-        </p:nvSpPr>
-        <p:spPr>
-          <a:xfrm rot="16200000" flipH="1">
-            <a:off x="15125731" y="2065681"/>
-            <a:ext cx="7560" cy="10050840"/>
-          </a:xfrm>
-          <a:prstGeom prst="curvedConnector3">
-            <a:avLst>
-              <a:gd name="adj1" fmla="val 20369193"/>
-            </a:avLst>
-          </a:prstGeom>
-          <a:noFill/>
-          <a:ln w="101600">
-            <a:solidFill>
-              <a:schemeClr val="tx1">
-                <a:lumMod val="50000"/>
-                <a:lumOff val="50000"/>
-              </a:schemeClr>
-            </a:solidFill>
-            <a:round/>
-            <a:tailEnd type="triangle" w="lg" len="med"/>
-          </a:ln>
-          <a:effectLst>
-            <a:outerShdw blurRad="40000" dist="20000" dir="5400000" rotWithShape="0">
-              <a:srgbClr val="000000">
-                <a:alpha val="38000"/>
-              </a:srgbClr>
-            </a:outerShdw>
-          </a:effectLst>
-        </p:spPr>
-        <p:style>
-          <a:lnRef idx="2">
-            <a:schemeClr val="accent1"/>
-          </a:lnRef>
-          <a:fillRef idx="0">
-            <a:schemeClr val="accent1"/>
-          </a:fillRef>
-          <a:effectRef idx="1">
-            <a:schemeClr val="accent1"/>
-          </a:effectRef>
-          <a:fontRef idx="minor"/>
-        </p:style>
-      </p:sp>
-      <p:sp>
-        <p:nvSpPr>
-          <p:cNvPr id="101" name="CustomShape 8"/>
-          <p:cNvSpPr/>
-          <p:nvPr/>
-        </p:nvSpPr>
-        <p:spPr>
-          <a:xfrm rot="5400000" flipH="1" flipV="1">
-            <a:off x="25044271" y="1943641"/>
-            <a:ext cx="925200" cy="9392400"/>
-          </a:xfrm>
-          <a:prstGeom prst="curvedConnector3">
-            <a:avLst>
-              <a:gd name="adj1" fmla="val -110225"/>
-            </a:avLst>
-          </a:prstGeom>
-          <a:noFill/>
-          <a:ln w="101600">
-            <a:solidFill>
-              <a:schemeClr val="tx1">
-                <a:lumMod val="50000"/>
-                <a:lumOff val="50000"/>
-              </a:schemeClr>
-            </a:solidFill>
-            <a:round/>
-            <a:tailEnd type="triangle" w="lg" len="med"/>
-          </a:ln>
-          <a:effectLst>
-            <a:outerShdw blurRad="40000" dist="20000" dir="5400000" rotWithShape="0">
-              <a:srgbClr val="000000">
-                <a:alpha val="38000"/>
-              </a:srgbClr>
-            </a:outerShdw>
-          </a:effectLst>
-        </p:spPr>
-        <p:style>
-          <a:lnRef idx="2">
-            <a:schemeClr val="accent1"/>
-          </a:lnRef>
-          <a:fillRef idx="0">
-            <a:schemeClr val="accent1"/>
-          </a:fillRef>
-          <a:effectRef idx="1">
-            <a:schemeClr val="accent1"/>
-          </a:effectRef>
-          <a:fontRef idx="minor"/>
-        </p:style>
-      </p:sp>
-      <p:sp>
-        <p:nvSpPr>
-          <p:cNvPr id="125" name="CustomShape 26"/>
-          <p:cNvSpPr/>
-          <p:nvPr/>
-        </p:nvSpPr>
-        <p:spPr>
-          <a:xfrm>
-            <a:off x="5151760" y="11862064"/>
-            <a:ext cx="1055880" cy="2376360"/>
-          </a:xfrm>
-          <a:prstGeom prst="rect">
-            <a:avLst/>
-          </a:prstGeom>
-          <a:noFill/>
+        </p:nvPicPr>
+        <p:blipFill>
+          <a:blip r:embed="rId14">
+            <a:alphaModFix/>
+          </a:blip>
+          <a:stretch/>
+        </p:blipFill>
+        <p:spPr>
+          <a:xfrm>
+            <a:off x="19421982" y="17513300"/>
+            <a:ext cx="3813175" cy="2847975"/>
+          </a:xfrm>
+          <a:prstGeom prst="rect">
+            <a:avLst/>
+          </a:prstGeom>
           <a:ln>
             <a:noFill/>
           </a:ln>
         </p:spPr>
-        <p:style>
-          <a:lnRef idx="0">
-            <a:scrgbClr r="0" g="0" b="0"/>
-          </a:lnRef>
-          <a:fillRef idx="0">
-            <a:scrgbClr r="0" g="0" b="0"/>
-          </a:fillRef>
-          <a:effectRef idx="0">
-            <a:scrgbClr r="0" g="0" b="0"/>
-          </a:effectRef>
-          <a:fontRef idx="minor"/>
-        </p:style>
-        <p:txBody>
-          <a:bodyPr wrap="none" lIns="90000" tIns="45000" rIns="90000" bIns="45000"/>
-          <a:lstStyle/>
-          <a:p>
-            <a:pPr>
-              <a:lnSpc>
-                <a:spcPct val="100000"/>
-              </a:lnSpc>
-            </a:pPr>
-            <a:r>
-              <a:rPr lang="en-US" sz="15000" b="0" strike="noStrike" spc="-1" dirty="0">
-                <a:solidFill>
-                  <a:srgbClr val="000000"/>
-                </a:solidFill>
-                <a:uFill>
-                  <a:solidFill>
-                    <a:srgbClr val="FFFFFF"/>
-                  </a:solidFill>
-                </a:uFill>
-                <a:latin typeface="Calibri"/>
-              </a:rPr>
-              <a:t>F</a:t>
-            </a:r>
-            <a:endParaRPr lang="en-US" sz="1800" b="0" strike="noStrike" spc="-1" dirty="0">
-              <a:solidFill>
-                <a:srgbClr val="000000"/>
-              </a:solidFill>
-              <a:uFill>
-                <a:solidFill>
-                  <a:srgbClr val="FFFFFF"/>
-                </a:solidFill>
-              </a:uFill>
-              <a:latin typeface="Arial"/>
-            </a:endParaRPr>
-          </a:p>
-        </p:txBody>
-      </p:sp>
-      <p:sp>
-        <p:nvSpPr>
-          <p:cNvPr id="126" name="CustomShape 27"/>
-          <p:cNvSpPr/>
-          <p:nvPr/>
-        </p:nvSpPr>
-        <p:spPr>
-          <a:xfrm>
-            <a:off x="10662007" y="11862064"/>
-            <a:ext cx="1165680" cy="2376360"/>
-          </a:xfrm>
-          <a:prstGeom prst="rect">
-            <a:avLst/>
-          </a:prstGeom>
-          <a:noFill/>
-          <a:ln>
-            <a:noFill/>
-          </a:ln>
-        </p:spPr>
-        <p:style>
-          <a:lnRef idx="0">
-            <a:scrgbClr r="0" g="0" b="0"/>
-          </a:lnRef>
-          <a:fillRef idx="0">
-            <a:scrgbClr r="0" g="0" b="0"/>
-          </a:fillRef>
-          <a:effectRef idx="0">
-            <a:scrgbClr r="0" g="0" b="0"/>
-          </a:effectRef>
-          <a:fontRef idx="minor"/>
-        </p:style>
-        <p:txBody>
-          <a:bodyPr wrap="none" lIns="90000" tIns="45000" rIns="90000" bIns="45000"/>
-          <a:lstStyle/>
-          <a:p>
-            <a:pPr>
-              <a:lnSpc>
-                <a:spcPct val="100000"/>
-              </a:lnSpc>
-            </a:pPr>
-            <a:r>
-              <a:rPr lang="en-US" sz="15000" b="0" strike="noStrike" spc="-1" dirty="0">
-                <a:solidFill>
-                  <a:srgbClr val="000000"/>
-                </a:solidFill>
-                <a:uFill>
-                  <a:solidFill>
-                    <a:srgbClr val="FFFFFF"/>
-                  </a:solidFill>
-                </a:uFill>
-                <a:latin typeface="Calibri"/>
-              </a:rPr>
-              <a:t>P</a:t>
-            </a:r>
-            <a:endParaRPr lang="en-US" sz="1800" b="0" strike="noStrike" spc="-1" dirty="0">
-              <a:solidFill>
-                <a:srgbClr val="000000"/>
-              </a:solidFill>
-              <a:uFill>
-                <a:solidFill>
-                  <a:srgbClr val="FFFFFF"/>
-                </a:solidFill>
-              </a:uFill>
-              <a:latin typeface="Arial"/>
-            </a:endParaRPr>
-          </a:p>
-        </p:txBody>
-      </p:sp>
-      <p:sp>
-        <p:nvSpPr>
-          <p:cNvPr id="127" name="CustomShape 28"/>
-          <p:cNvSpPr/>
-          <p:nvPr/>
-        </p:nvSpPr>
-        <p:spPr>
-          <a:xfrm>
-            <a:off x="15797284" y="11870073"/>
-            <a:ext cx="1217520" cy="2376360"/>
-          </a:xfrm>
-          <a:prstGeom prst="rect">
-            <a:avLst/>
-          </a:prstGeom>
-          <a:noFill/>
-          <a:ln>
-            <a:noFill/>
-          </a:ln>
-        </p:spPr>
-        <p:style>
-          <a:lnRef idx="0">
-            <a:scrgbClr r="0" g="0" b="0"/>
-          </a:lnRef>
-          <a:fillRef idx="0">
-            <a:scrgbClr r="0" g="0" b="0"/>
-          </a:fillRef>
-          <a:effectRef idx="0">
-            <a:scrgbClr r="0" g="0" b="0"/>
-          </a:effectRef>
-          <a:fontRef idx="minor"/>
-        </p:style>
-        <p:txBody>
-          <a:bodyPr wrap="none" lIns="90000" tIns="45000" rIns="90000" bIns="45000"/>
-          <a:lstStyle/>
-          <a:p>
-            <a:pPr>
-              <a:lnSpc>
-                <a:spcPct val="100000"/>
-              </a:lnSpc>
-            </a:pPr>
-            <a:r>
-              <a:rPr lang="en-US" sz="15000" b="0" strike="noStrike" spc="-1" dirty="0">
-                <a:solidFill>
-                  <a:srgbClr val="000000"/>
-                </a:solidFill>
-                <a:uFill>
-                  <a:solidFill>
-                    <a:srgbClr val="FFFFFF"/>
-                  </a:solidFill>
-                </a:uFill>
-                <a:latin typeface="Calibri"/>
-              </a:rPr>
-              <a:t>B</a:t>
-            </a:r>
-            <a:endParaRPr lang="en-US" sz="1800" b="0" strike="noStrike" spc="-1" dirty="0">
-              <a:solidFill>
-                <a:srgbClr val="000000"/>
-              </a:solidFill>
-              <a:uFill>
-                <a:solidFill>
-                  <a:srgbClr val="FFFFFF"/>
-                </a:solidFill>
-              </a:uFill>
-              <a:latin typeface="Arial"/>
-            </a:endParaRPr>
-          </a:p>
-        </p:txBody>
-      </p:sp>
-      <p:sp>
-        <p:nvSpPr>
-          <p:cNvPr id="128" name="CustomShape 29"/>
-          <p:cNvSpPr/>
-          <p:nvPr/>
-        </p:nvSpPr>
-        <p:spPr>
-          <a:xfrm>
-            <a:off x="21053860" y="11906704"/>
-            <a:ext cx="1055880" cy="2376360"/>
-          </a:xfrm>
-          <a:prstGeom prst="rect">
-            <a:avLst/>
-          </a:prstGeom>
-          <a:noFill/>
-          <a:ln>
-            <a:noFill/>
-          </a:ln>
-        </p:spPr>
-        <p:style>
-          <a:lnRef idx="0">
-            <a:scrgbClr r="0" g="0" b="0"/>
-          </a:lnRef>
-          <a:fillRef idx="0">
-            <a:scrgbClr r="0" g="0" b="0"/>
-          </a:fillRef>
-          <a:effectRef idx="0">
-            <a:scrgbClr r="0" g="0" b="0"/>
-          </a:effectRef>
-          <a:fontRef idx="minor"/>
-        </p:style>
-        <p:txBody>
-          <a:bodyPr wrap="none" lIns="90000" tIns="45000" rIns="90000" bIns="45000"/>
-          <a:lstStyle/>
-          <a:p>
-            <a:pPr>
-              <a:lnSpc>
-                <a:spcPct val="100000"/>
-              </a:lnSpc>
-            </a:pPr>
-            <a:r>
-              <a:rPr lang="en-US" sz="15000" b="0" strike="noStrike" spc="-1" dirty="0">
-                <a:solidFill>
-                  <a:srgbClr val="000000"/>
-                </a:solidFill>
-                <a:uFill>
-                  <a:solidFill>
-                    <a:srgbClr val="FFFFFF"/>
-                  </a:solidFill>
-                </a:uFill>
-                <a:latin typeface="Calibri"/>
-              </a:rPr>
-              <a:t>S</a:t>
-            </a:r>
-            <a:endParaRPr lang="en-US" sz="1800" b="0" strike="noStrike" spc="-1" dirty="0">
-              <a:solidFill>
-                <a:srgbClr val="000000"/>
-              </a:solidFill>
-              <a:uFill>
-                <a:solidFill>
-                  <a:srgbClr val="FFFFFF"/>
-                </a:solidFill>
-              </a:uFill>
-              <a:latin typeface="Arial"/>
-            </a:endParaRPr>
-          </a:p>
-        </p:txBody>
-      </p:sp>
-      <p:sp>
-        <p:nvSpPr>
-          <p:cNvPr id="129" name="CustomShape 30"/>
-          <p:cNvSpPr/>
-          <p:nvPr/>
-        </p:nvSpPr>
-        <p:spPr>
-          <a:xfrm>
-            <a:off x="25873541" y="11862064"/>
-            <a:ext cx="1829880" cy="2376360"/>
-          </a:xfrm>
-          <a:prstGeom prst="rect">
-            <a:avLst/>
-          </a:prstGeom>
-          <a:noFill/>
-          <a:ln>
-            <a:noFill/>
-          </a:ln>
-        </p:spPr>
-        <p:style>
-          <a:lnRef idx="0">
-            <a:scrgbClr r="0" g="0" b="0"/>
-          </a:lnRef>
-          <a:fillRef idx="0">
-            <a:scrgbClr r="0" g="0" b="0"/>
-          </a:fillRef>
-          <a:effectRef idx="0">
-            <a:scrgbClr r="0" g="0" b="0"/>
-          </a:effectRef>
-          <a:fontRef idx="minor"/>
-        </p:style>
-        <p:txBody>
-          <a:bodyPr wrap="none" lIns="90000" tIns="45000" rIns="90000" bIns="45000"/>
-          <a:lstStyle/>
-          <a:p>
-            <a:pPr>
-              <a:lnSpc>
-                <a:spcPct val="100000"/>
-              </a:lnSpc>
-            </a:pPr>
-            <a:r>
-              <a:rPr lang="en-US" sz="15000" b="0" strike="noStrike" spc="-1" dirty="0" err="1">
-                <a:solidFill>
-                  <a:srgbClr val="000000"/>
-                </a:solidFill>
-                <a:uFill>
-                  <a:solidFill>
-                    <a:srgbClr val="FFFFFF"/>
-                  </a:solidFill>
-                </a:uFill>
-                <a:latin typeface="Calibri"/>
-              </a:rPr>
-              <a:t>Pr</a:t>
-            </a:r>
-            <a:endParaRPr lang="en-US" sz="1800" b="0" strike="noStrike" spc="-1" dirty="0">
-              <a:solidFill>
-                <a:srgbClr val="000000"/>
-              </a:solidFill>
-              <a:uFill>
-                <a:solidFill>
-                  <a:srgbClr val="FFFFFF"/>
-                </a:solidFill>
-              </a:uFill>
-              <a:latin typeface="Arial"/>
-            </a:endParaRPr>
-          </a:p>
-        </p:txBody>
-      </p:sp>
-      <p:cxnSp>
-        <p:nvCxnSpPr>
-          <p:cNvPr id="5" name="Curved Connector 4"/>
-          <p:cNvCxnSpPr>
-            <a:stCxn id="89" idx="0"/>
-            <a:endCxn id="93" idx="0"/>
-          </p:cNvCxnSpPr>
-          <p:nvPr/>
-        </p:nvCxnSpPr>
-        <p:spPr>
-          <a:xfrm rot="16200000" flipH="1">
-            <a:off x="16268380" y="997624"/>
-            <a:ext cx="152640" cy="20965681"/>
-          </a:xfrm>
-          <a:prstGeom prst="curvedConnector3">
-            <a:avLst>
-              <a:gd name="adj1" fmla="val -839154"/>
-            </a:avLst>
-          </a:prstGeom>
-          <a:ln w="101600">
-            <a:solidFill>
-              <a:schemeClr val="tx1">
-                <a:lumMod val="50000"/>
-                <a:lumOff val="50000"/>
-              </a:schemeClr>
-            </a:solidFill>
-            <a:tailEnd type="triangle" w="lg" len="med"/>
-          </a:ln>
-        </p:spPr>
-        <p:style>
-          <a:lnRef idx="2">
-            <a:schemeClr val="accent1"/>
-          </a:lnRef>
-          <a:fillRef idx="0">
-            <a:schemeClr val="accent1"/>
-          </a:fillRef>
-          <a:effectRef idx="1">
-            <a:schemeClr val="accent1"/>
-          </a:effectRef>
-          <a:fontRef idx="minor">
-            <a:schemeClr val="tx1"/>
-          </a:fontRef>
-        </p:style>
-      </p:cxnSp>
-      <p:cxnSp>
-        <p:nvCxnSpPr>
-          <p:cNvPr id="8" name="Curved Connector 7"/>
-          <p:cNvCxnSpPr>
-            <a:stCxn id="89" idx="3"/>
-          </p:cNvCxnSpPr>
-          <p:nvPr/>
-        </p:nvCxnSpPr>
-        <p:spPr>
-          <a:xfrm flipV="1">
-            <a:off x="8147680" y="13106641"/>
-            <a:ext cx="815847" cy="9843"/>
-          </a:xfrm>
-          <a:prstGeom prst="curvedConnector3">
-            <a:avLst/>
-          </a:prstGeom>
-          <a:ln w="101600">
-            <a:solidFill>
-              <a:schemeClr val="tx1">
-                <a:lumMod val="50000"/>
-                <a:lumOff val="50000"/>
-              </a:schemeClr>
-            </a:solidFill>
-            <a:tailEnd type="triangle" w="lg" len="med"/>
-          </a:ln>
-        </p:spPr>
-        <p:style>
-          <a:lnRef idx="2">
-            <a:schemeClr val="accent1"/>
-          </a:lnRef>
-          <a:fillRef idx="0">
-            <a:schemeClr val="accent1"/>
-          </a:fillRef>
-          <a:effectRef idx="1">
-            <a:schemeClr val="accent1"/>
-          </a:effectRef>
-          <a:fontRef idx="minor">
-            <a:schemeClr val="tx1"/>
-          </a:fontRef>
-        </p:style>
-      </p:cxnSp>
-      <p:cxnSp>
-        <p:nvCxnSpPr>
-          <p:cNvPr id="16" name="Straight Arrow Connector 15"/>
-          <p:cNvCxnSpPr>
-            <a:stCxn id="92" idx="3"/>
-          </p:cNvCxnSpPr>
-          <p:nvPr/>
-        </p:nvCxnSpPr>
-        <p:spPr>
-          <a:xfrm>
-            <a:off x="23945380" y="13193344"/>
-            <a:ext cx="594361" cy="0"/>
-          </a:xfrm>
-          <a:prstGeom prst="straightConnector1">
-            <a:avLst/>
-          </a:prstGeom>
-          <a:ln w="101600">
-            <a:solidFill>
-              <a:schemeClr val="tx1">
-                <a:lumMod val="50000"/>
-                <a:lumOff val="50000"/>
-              </a:schemeClr>
-            </a:solidFill>
-            <a:tailEnd type="triangle" w="lg" len="med"/>
-          </a:ln>
-        </p:spPr>
-        <p:style>
-          <a:lnRef idx="2">
-            <a:schemeClr val="accent1"/>
-          </a:lnRef>
-          <a:fillRef idx="0">
-            <a:schemeClr val="accent1"/>
-          </a:fillRef>
-          <a:effectRef idx="1">
-            <a:schemeClr val="accent1"/>
-          </a:effectRef>
-          <a:fontRef idx="minor">
-            <a:schemeClr val="tx1"/>
-          </a:fontRef>
-        </p:style>
-      </p:cxnSp>
-      <p:cxnSp>
-        <p:nvCxnSpPr>
-          <p:cNvPr id="21" name="Straight Arrow Connector 20"/>
-          <p:cNvCxnSpPr>
-            <a:stCxn id="91" idx="3"/>
-            <a:endCxn id="92" idx="1"/>
-          </p:cNvCxnSpPr>
-          <p:nvPr/>
-        </p:nvCxnSpPr>
-        <p:spPr>
-          <a:xfrm>
-            <a:off x="18651724" y="13179213"/>
-            <a:ext cx="706896" cy="14131"/>
-          </a:xfrm>
-          <a:prstGeom prst="straightConnector1">
-            <a:avLst/>
-          </a:prstGeom>
-          <a:ln w="101600">
-            <a:solidFill>
-              <a:schemeClr val="tx1">
-                <a:lumMod val="50000"/>
-                <a:lumOff val="50000"/>
-              </a:schemeClr>
-            </a:solidFill>
-            <a:tailEnd type="triangle" w="lg" len="med"/>
-          </a:ln>
-        </p:spPr>
-        <p:style>
-          <a:lnRef idx="2">
-            <a:schemeClr val="accent1"/>
-          </a:lnRef>
-          <a:fillRef idx="0">
-            <a:schemeClr val="accent1"/>
-          </a:fillRef>
-          <a:effectRef idx="1">
-            <a:schemeClr val="accent1"/>
-          </a:effectRef>
-          <a:fontRef idx="minor">
-            <a:schemeClr val="tx1"/>
-          </a:fontRef>
-        </p:style>
-      </p:cxnSp>
-      <p:cxnSp>
-        <p:nvCxnSpPr>
-          <p:cNvPr id="23" name="Straight Arrow Connector 22"/>
-          <p:cNvCxnSpPr>
-            <a:stCxn id="90" idx="3"/>
-            <a:endCxn id="91" idx="1"/>
-          </p:cNvCxnSpPr>
-          <p:nvPr/>
-        </p:nvCxnSpPr>
-        <p:spPr>
-          <a:xfrm>
-            <a:off x="13504567" y="13160510"/>
-            <a:ext cx="609717" cy="18703"/>
-          </a:xfrm>
-          <a:prstGeom prst="straightConnector1">
-            <a:avLst/>
-          </a:prstGeom>
-          <a:ln w="101600">
-            <a:solidFill>
-              <a:schemeClr val="tx1">
-                <a:lumMod val="50000"/>
-                <a:lumOff val="50000"/>
-              </a:schemeClr>
-            </a:solidFill>
-            <a:tailEnd type="triangle" w="lg" len="med"/>
-          </a:ln>
-        </p:spPr>
-        <p:style>
-          <a:lnRef idx="2">
-            <a:schemeClr val="accent1"/>
-          </a:lnRef>
-          <a:fillRef idx="0">
-            <a:schemeClr val="accent1"/>
-          </a:fillRef>
-          <a:effectRef idx="1">
-            <a:schemeClr val="accent1"/>
-          </a:effectRef>
-          <a:fontRef idx="minor">
-            <a:schemeClr val="tx1"/>
-          </a:fontRef>
-        </p:style>
-      </p:cxnSp>
-      <p:sp>
-        <p:nvSpPr>
-          <p:cNvPr id="51" name="CustomShape 25"/>
-          <p:cNvSpPr/>
-          <p:nvPr/>
-        </p:nvSpPr>
-        <p:spPr>
-          <a:xfrm>
-            <a:off x="5130662" y="3904327"/>
-            <a:ext cx="1055880" cy="2376360"/>
-          </a:xfrm>
-          <a:prstGeom prst="rect">
-            <a:avLst/>
-          </a:prstGeom>
-          <a:noFill/>
-          <a:ln>
-            <a:noFill/>
-          </a:ln>
-        </p:spPr>
-        <p:style>
-          <a:lnRef idx="0">
-            <a:scrgbClr r="0" g="0" b="0"/>
-          </a:lnRef>
-          <a:fillRef idx="0">
-            <a:scrgbClr r="0" g="0" b="0"/>
-          </a:fillRef>
-          <a:effectRef idx="0">
-            <a:scrgbClr r="0" g="0" b="0"/>
-          </a:effectRef>
-          <a:fontRef idx="minor"/>
-        </p:style>
-        <p:txBody>
-          <a:bodyPr wrap="none" lIns="90000" tIns="45000" rIns="90000" bIns="45000"/>
-          <a:lstStyle/>
-          <a:p>
-            <a:pPr>
-              <a:lnSpc>
-                <a:spcPct val="100000"/>
-              </a:lnSpc>
-            </a:pPr>
-            <a:r>
-              <a:rPr lang="en-US" sz="15000" b="0" strike="noStrike" spc="-1" dirty="0">
-                <a:solidFill>
-                  <a:srgbClr val="000000"/>
-                </a:solidFill>
-                <a:uFill>
-                  <a:solidFill>
-                    <a:srgbClr val="FFFFFF"/>
-                  </a:solidFill>
-                </a:uFill>
-                <a:latin typeface="Calibri"/>
-              </a:rPr>
-              <a:t>F</a:t>
-            </a:r>
-            <a:endParaRPr lang="en-US" sz="1800" b="0" strike="noStrike" spc="-1" dirty="0">
-              <a:solidFill>
-                <a:srgbClr val="000000"/>
-              </a:solidFill>
-              <a:uFill>
-                <a:solidFill>
-                  <a:srgbClr val="FFFFFF"/>
-                </a:solidFill>
-              </a:uFill>
-              <a:latin typeface="Arial"/>
-            </a:endParaRPr>
-          </a:p>
-        </p:txBody>
-      </p:sp>
-      <p:sp>
-        <p:nvSpPr>
-          <p:cNvPr id="53" name="CustomShape 21"/>
-          <p:cNvSpPr/>
-          <p:nvPr/>
-        </p:nvSpPr>
-        <p:spPr>
-          <a:xfrm>
-            <a:off x="9656431" y="3904327"/>
-            <a:ext cx="2183760" cy="2376360"/>
-          </a:xfrm>
-          <a:prstGeom prst="rect">
-            <a:avLst/>
-          </a:prstGeom>
-          <a:noFill/>
-          <a:ln>
-            <a:noFill/>
-          </a:ln>
-        </p:spPr>
-        <p:style>
-          <a:lnRef idx="0">
-            <a:scrgbClr r="0" g="0" b="0"/>
-          </a:lnRef>
-          <a:fillRef idx="0">
-            <a:scrgbClr r="0" g="0" b="0"/>
-          </a:fillRef>
-          <a:effectRef idx="0">
-            <a:scrgbClr r="0" g="0" b="0"/>
-          </a:effectRef>
-          <a:fontRef idx="minor"/>
-        </p:style>
-        <p:txBody>
-          <a:bodyPr wrap="none" lIns="90000" tIns="45000" rIns="90000" bIns="45000"/>
-          <a:lstStyle/>
-          <a:p>
-            <a:pPr>
-              <a:lnSpc>
-                <a:spcPct val="100000"/>
-              </a:lnSpc>
-            </a:pPr>
-            <a:r>
-              <a:rPr lang="en-US" sz="15000" b="0" strike="noStrike" spc="-1" dirty="0">
-                <a:solidFill>
-                  <a:srgbClr val="000000"/>
-                </a:solidFill>
-                <a:uFill>
-                  <a:solidFill>
-                    <a:srgbClr val="FFFFFF"/>
-                  </a:solidFill>
-                </a:uFill>
-                <a:latin typeface="Calibri"/>
-              </a:rPr>
-              <a:t>B1</a:t>
-            </a:r>
-            <a:endParaRPr lang="en-US" sz="1800" b="0" strike="noStrike" spc="-1" dirty="0">
-              <a:solidFill>
-                <a:srgbClr val="000000"/>
-              </a:solidFill>
-              <a:uFill>
-                <a:solidFill>
-                  <a:srgbClr val="FFFFFF"/>
-                </a:solidFill>
-              </a:uFill>
-              <a:latin typeface="Arial"/>
-            </a:endParaRPr>
-          </a:p>
-        </p:txBody>
-      </p:sp>
-      <p:sp>
-        <p:nvSpPr>
-          <p:cNvPr id="54" name="CustomShape 22"/>
-          <p:cNvSpPr/>
-          <p:nvPr/>
-        </p:nvSpPr>
-        <p:spPr>
-          <a:xfrm>
-            <a:off x="14731360" y="3880152"/>
-            <a:ext cx="2183760" cy="2376360"/>
-          </a:xfrm>
-          <a:prstGeom prst="rect">
-            <a:avLst/>
-          </a:prstGeom>
-          <a:noFill/>
-          <a:ln>
-            <a:noFill/>
-          </a:ln>
-        </p:spPr>
-        <p:style>
-          <a:lnRef idx="0">
-            <a:scrgbClr r="0" g="0" b="0"/>
-          </a:lnRef>
-          <a:fillRef idx="0">
-            <a:scrgbClr r="0" g="0" b="0"/>
-          </a:fillRef>
-          <a:effectRef idx="0">
-            <a:scrgbClr r="0" g="0" b="0"/>
-          </a:effectRef>
-          <a:fontRef idx="minor"/>
-        </p:style>
-        <p:txBody>
-          <a:bodyPr wrap="none" lIns="90000" tIns="45000" rIns="90000" bIns="45000"/>
-          <a:lstStyle/>
-          <a:p>
-            <a:pPr>
-              <a:lnSpc>
-                <a:spcPct val="100000"/>
-              </a:lnSpc>
-            </a:pPr>
-            <a:r>
-              <a:rPr lang="en-US" sz="15000" b="0" strike="noStrike" spc="-1" dirty="0">
-                <a:solidFill>
-                  <a:srgbClr val="000000"/>
-                </a:solidFill>
-                <a:uFill>
-                  <a:solidFill>
-                    <a:srgbClr val="FFFFFF"/>
-                  </a:solidFill>
-                </a:uFill>
-                <a:latin typeface="Calibri"/>
-              </a:rPr>
-              <a:t>B2</a:t>
-            </a:r>
-            <a:endParaRPr lang="en-US" sz="1800" b="0" strike="noStrike" spc="-1" dirty="0">
-              <a:solidFill>
-                <a:srgbClr val="000000"/>
-              </a:solidFill>
-              <a:uFill>
-                <a:solidFill>
-                  <a:srgbClr val="FFFFFF"/>
-                </a:solidFill>
-              </a:uFill>
-              <a:latin typeface="Arial"/>
-            </a:endParaRPr>
-          </a:p>
-        </p:txBody>
-      </p:sp>
-      <p:sp>
-        <p:nvSpPr>
-          <p:cNvPr id="55" name="CustomShape 23"/>
-          <p:cNvSpPr/>
-          <p:nvPr/>
-        </p:nvSpPr>
-        <p:spPr>
-          <a:xfrm>
-            <a:off x="19720020" y="3904327"/>
-            <a:ext cx="2131920" cy="2376360"/>
-          </a:xfrm>
-          <a:prstGeom prst="rect">
-            <a:avLst/>
-          </a:prstGeom>
-          <a:noFill/>
-          <a:ln>
-            <a:noFill/>
-          </a:ln>
-        </p:spPr>
-        <p:style>
-          <a:lnRef idx="0">
-            <a:scrgbClr r="0" g="0" b="0"/>
-          </a:lnRef>
-          <a:fillRef idx="0">
-            <a:scrgbClr r="0" g="0" b="0"/>
-          </a:fillRef>
-          <a:effectRef idx="0">
-            <a:scrgbClr r="0" g="0" b="0"/>
-          </a:effectRef>
-          <a:fontRef idx="minor"/>
-        </p:style>
-        <p:txBody>
-          <a:bodyPr wrap="none" lIns="90000" tIns="45000" rIns="90000" bIns="45000"/>
-          <a:lstStyle/>
-          <a:p>
-            <a:pPr>
-              <a:lnSpc>
-                <a:spcPct val="100000"/>
-              </a:lnSpc>
-            </a:pPr>
-            <a:r>
-              <a:rPr lang="en-US" sz="15000" b="0" strike="noStrike" spc="-1" dirty="0">
-                <a:solidFill>
-                  <a:srgbClr val="000000"/>
-                </a:solidFill>
-                <a:uFill>
-                  <a:solidFill>
-                    <a:srgbClr val="FFFFFF"/>
-                  </a:solidFill>
-                </a:uFill>
-                <a:latin typeface="Calibri"/>
-              </a:rPr>
-              <a:t>P1</a:t>
-            </a:r>
-            <a:endParaRPr lang="en-US" sz="1800" b="0" strike="noStrike" spc="-1" dirty="0">
-              <a:solidFill>
-                <a:srgbClr val="000000"/>
-              </a:solidFill>
-              <a:uFill>
-                <a:solidFill>
-                  <a:srgbClr val="FFFFFF"/>
-                </a:solidFill>
-              </a:uFill>
-              <a:latin typeface="Arial"/>
-            </a:endParaRPr>
-          </a:p>
-        </p:txBody>
-      </p:sp>
-      <p:sp>
-        <p:nvSpPr>
-          <p:cNvPr id="56" name="CustomShape 24"/>
-          <p:cNvSpPr/>
-          <p:nvPr/>
-        </p:nvSpPr>
-        <p:spPr>
-          <a:xfrm>
-            <a:off x="24695621" y="3868041"/>
-            <a:ext cx="2131920" cy="2376360"/>
-          </a:xfrm>
-          <a:prstGeom prst="rect">
-            <a:avLst/>
-          </a:prstGeom>
-          <a:noFill/>
-          <a:ln>
-            <a:noFill/>
-          </a:ln>
-        </p:spPr>
-        <p:style>
-          <a:lnRef idx="0">
-            <a:scrgbClr r="0" g="0" b="0"/>
-          </a:lnRef>
-          <a:fillRef idx="0">
-            <a:scrgbClr r="0" g="0" b="0"/>
-          </a:fillRef>
-          <a:effectRef idx="0">
-            <a:scrgbClr r="0" g="0" b="0"/>
-          </a:effectRef>
-          <a:fontRef idx="minor"/>
-        </p:style>
-        <p:txBody>
-          <a:bodyPr wrap="none" lIns="90000" tIns="45000" rIns="90000" bIns="45000"/>
-          <a:lstStyle/>
-          <a:p>
-            <a:pPr>
-              <a:lnSpc>
-                <a:spcPct val="100000"/>
-              </a:lnSpc>
-            </a:pPr>
-            <a:r>
-              <a:rPr lang="en-US" sz="15000" b="0" strike="noStrike" spc="-1" dirty="0">
-                <a:solidFill>
-                  <a:srgbClr val="000000"/>
-                </a:solidFill>
-                <a:uFill>
-                  <a:solidFill>
-                    <a:srgbClr val="FFFFFF"/>
-                  </a:solidFill>
-                </a:uFill>
-                <a:latin typeface="Calibri"/>
-              </a:rPr>
-              <a:t>P2</a:t>
-            </a:r>
-            <a:endParaRPr lang="en-US" sz="1800" b="0" strike="noStrike" spc="-1" dirty="0">
-              <a:solidFill>
-                <a:srgbClr val="000000"/>
-              </a:solidFill>
-              <a:uFill>
-                <a:solidFill>
-                  <a:srgbClr val="FFFFFF"/>
-                </a:solidFill>
-              </a:uFill>
-              <a:latin typeface="Arial"/>
-            </a:endParaRPr>
-          </a:p>
-        </p:txBody>
-      </p:sp>
-      <p:sp>
-        <p:nvSpPr>
-          <p:cNvPr id="57" name="CustomShape 20"/>
-          <p:cNvSpPr/>
-          <p:nvPr/>
-        </p:nvSpPr>
-        <p:spPr>
-          <a:xfrm>
-            <a:off x="29431552" y="4120383"/>
-            <a:ext cx="1829880" cy="2376360"/>
-          </a:xfrm>
-          <a:prstGeom prst="rect">
-            <a:avLst/>
-          </a:prstGeom>
-          <a:noFill/>
-          <a:ln>
-            <a:noFill/>
-          </a:ln>
-        </p:spPr>
-        <p:style>
-          <a:lnRef idx="0">
-            <a:scrgbClr r="0" g="0" b="0"/>
-          </a:lnRef>
-          <a:fillRef idx="0">
-            <a:scrgbClr r="0" g="0" b="0"/>
-          </a:fillRef>
-          <a:effectRef idx="0">
-            <a:scrgbClr r="0" g="0" b="0"/>
-          </a:effectRef>
-          <a:fontRef idx="minor"/>
-        </p:style>
-        <p:txBody>
-          <a:bodyPr wrap="none" lIns="90000" tIns="45000" rIns="90000" bIns="45000"/>
-          <a:lstStyle/>
-          <a:p>
-            <a:pPr>
-              <a:lnSpc>
-                <a:spcPct val="100000"/>
-              </a:lnSpc>
-            </a:pPr>
-            <a:r>
-              <a:rPr lang="en-US" sz="15000" b="0" strike="noStrike" spc="-1" dirty="0" err="1">
-                <a:solidFill>
-                  <a:srgbClr val="000000"/>
-                </a:solidFill>
-                <a:uFill>
-                  <a:solidFill>
-                    <a:srgbClr val="FFFFFF"/>
-                  </a:solidFill>
-                </a:uFill>
-                <a:latin typeface="Calibri"/>
-              </a:rPr>
-              <a:t>Pr</a:t>
-            </a:r>
-            <a:endParaRPr lang="en-US" sz="1800" b="0" strike="noStrike" spc="-1" dirty="0">
-              <a:solidFill>
-                <a:srgbClr val="000000"/>
-              </a:solidFill>
-              <a:uFill>
-                <a:solidFill>
-                  <a:srgbClr val="FFFFFF"/>
-                </a:solidFill>
-              </a:uFill>
-              <a:latin typeface="Arial"/>
-            </a:endParaRPr>
-          </a:p>
-        </p:txBody>
-      </p:sp>
-      <p:sp>
-        <p:nvSpPr>
-          <p:cNvPr id="58" name="CustomShape 20"/>
-          <p:cNvSpPr/>
-          <p:nvPr/>
-        </p:nvSpPr>
-        <p:spPr>
-          <a:xfrm rot="16200000">
-            <a:off x="-983590" y="4257540"/>
-            <a:ext cx="5198563" cy="2376360"/>
-          </a:xfrm>
-          <a:prstGeom prst="rect">
-            <a:avLst/>
-          </a:prstGeom>
-          <a:noFill/>
-          <a:ln>
-            <a:noFill/>
-          </a:ln>
-        </p:spPr>
-        <p:style>
-          <a:lnRef idx="0">
-            <a:scrgbClr r="0" g="0" b="0"/>
-          </a:lnRef>
-          <a:fillRef idx="0">
-            <a:scrgbClr r="0" g="0" b="0"/>
-          </a:fillRef>
-          <a:effectRef idx="0">
-            <a:scrgbClr r="0" g="0" b="0"/>
-          </a:effectRef>
-          <a:fontRef idx="minor"/>
-        </p:style>
-        <p:txBody>
-          <a:bodyPr wrap="none" lIns="90000" tIns="45000" rIns="90000" bIns="45000"/>
-          <a:lstStyle/>
-          <a:p>
-            <a:pPr>
-              <a:lnSpc>
-                <a:spcPct val="100000"/>
-              </a:lnSpc>
-            </a:pPr>
-            <a:r>
-              <a:rPr lang="en-US" sz="15000" spc="-1" dirty="0" smtClean="0">
-                <a:solidFill>
-                  <a:srgbClr val="000000"/>
-                </a:solidFill>
-                <a:uFill>
-                  <a:solidFill>
-                    <a:srgbClr val="FFFFFF"/>
-                  </a:solidFill>
-                </a:uFill>
-                <a:latin typeface="Calibri"/>
-              </a:rPr>
-              <a:t>“OLD”</a:t>
-            </a:r>
-            <a:endParaRPr lang="en-US" sz="1800" b="0" strike="noStrike" spc="-1" dirty="0">
-              <a:solidFill>
-                <a:srgbClr val="000000"/>
-              </a:solidFill>
-              <a:uFill>
-                <a:solidFill>
-                  <a:srgbClr val="FFFFFF"/>
-                </a:solidFill>
-              </a:uFill>
-              <a:latin typeface="Arial"/>
-            </a:endParaRPr>
-          </a:p>
-        </p:txBody>
-      </p:sp>
-      <p:sp>
-        <p:nvSpPr>
-          <p:cNvPr id="59" name="CustomShape 20"/>
-          <p:cNvSpPr/>
-          <p:nvPr/>
-        </p:nvSpPr>
-        <p:spPr>
-          <a:xfrm rot="16200000">
-            <a:off x="-831190" y="11729534"/>
-            <a:ext cx="5198563" cy="2376360"/>
-          </a:xfrm>
-          <a:prstGeom prst="rect">
-            <a:avLst/>
-          </a:prstGeom>
-          <a:noFill/>
-          <a:ln>
-            <a:noFill/>
-          </a:ln>
-        </p:spPr>
-        <p:style>
-          <a:lnRef idx="0">
-            <a:scrgbClr r="0" g="0" b="0"/>
-          </a:lnRef>
-          <a:fillRef idx="0">
-            <a:scrgbClr r="0" g="0" b="0"/>
-          </a:fillRef>
-          <a:effectRef idx="0">
-            <a:scrgbClr r="0" g="0" b="0"/>
-          </a:effectRef>
-          <a:fontRef idx="minor"/>
-        </p:style>
-        <p:txBody>
-          <a:bodyPr wrap="none" lIns="90000" tIns="45000" rIns="90000" bIns="45000"/>
-          <a:lstStyle/>
-          <a:p>
-            <a:pPr>
-              <a:lnSpc>
-                <a:spcPct val="100000"/>
-              </a:lnSpc>
-            </a:pPr>
-            <a:r>
-              <a:rPr lang="en-US" sz="15000" spc="-1" dirty="0" smtClean="0">
-                <a:solidFill>
-                  <a:srgbClr val="000000"/>
-                </a:solidFill>
-                <a:uFill>
-                  <a:solidFill>
-                    <a:srgbClr val="FFFFFF"/>
-                  </a:solidFill>
-                </a:uFill>
-                <a:latin typeface="Calibri"/>
-              </a:rPr>
-              <a:t>“NEW”</a:t>
-            </a:r>
-            <a:endParaRPr lang="en-US" sz="1800" b="0" strike="noStrike" spc="-1" dirty="0">
-              <a:solidFill>
-                <a:srgbClr val="000000"/>
-              </a:solidFill>
-              <a:uFill>
-                <a:solidFill>
-                  <a:srgbClr val="FFFFFF"/>
-                </a:solidFill>
-              </a:uFill>
-              <a:latin typeface="Arial"/>
-            </a:endParaRPr>
-          </a:p>
-        </p:txBody>
-      </p:sp>
+      </p:pic>
     </p:spTree>
+    <p:extLst>
+      <p:ext uri="{BB962C8B-B14F-4D97-AF65-F5344CB8AC3E}">
+        <p14:creationId xmlns:p14="http://schemas.microsoft.com/office/powerpoint/2010/main" val="1760819599"/>
+      </p:ext>
+    </p:extLst>
   </p:cSld>
   <p:clrMapOvr>
     <a:masterClrMapping/>
@@ -6523,356 +5084,6 @@
           <a:chExt cx="0" cy="0"/>
         </a:xfrm>
       </p:grpSpPr>
-      <p:pic>
-        <p:nvPicPr>
-          <p:cNvPr id="130" name="Picture 8"/>
-          <p:cNvPicPr/>
-          <p:nvPr/>
-        </p:nvPicPr>
-        <p:blipFill>
-          <a:blip r:embed="rId2"/>
-          <a:stretch/>
-        </p:blipFill>
-        <p:spPr>
-          <a:xfrm>
-            <a:off x="5457960" y="12998160"/>
-            <a:ext cx="7695720" cy="5714640"/>
-          </a:xfrm>
-          <a:prstGeom prst="rect">
-            <a:avLst/>
-          </a:prstGeom>
-          <a:ln>
-            <a:noFill/>
-          </a:ln>
-          <a:effectLst>
-            <a:outerShdw blurRad="63500" dist="152400" dir="12900000" algn="tl" rotWithShape="0">
-              <a:srgbClr val="000000">
-                <a:alpha val="43000"/>
-              </a:srgbClr>
-            </a:outerShdw>
-          </a:effectLst>
-        </p:spPr>
-      </p:pic>
-      <p:pic>
-        <p:nvPicPr>
-          <p:cNvPr id="131" name="Picture 6"/>
-          <p:cNvPicPr/>
-          <p:nvPr/>
-        </p:nvPicPr>
-        <p:blipFill>
-          <a:blip r:embed="rId3"/>
-          <a:stretch/>
-        </p:blipFill>
-        <p:spPr>
-          <a:xfrm>
-            <a:off x="7045560" y="14880600"/>
-            <a:ext cx="7695720" cy="5752800"/>
-          </a:xfrm>
-          <a:prstGeom prst="rect">
-            <a:avLst/>
-          </a:prstGeom>
-          <a:ln>
-            <a:noFill/>
-          </a:ln>
-          <a:effectLst>
-            <a:outerShdw blurRad="63500" dist="152400" dir="12900000" algn="tl" rotWithShape="0">
-              <a:srgbClr val="000000">
-                <a:alpha val="43000"/>
-              </a:srgbClr>
-            </a:outerShdw>
-          </a:effectLst>
-        </p:spPr>
-      </p:pic>
-      <p:pic>
-        <p:nvPicPr>
-          <p:cNvPr id="132" name="Picture 7"/>
-          <p:cNvPicPr/>
-          <p:nvPr/>
-        </p:nvPicPr>
-        <p:blipFill>
-          <a:blip r:embed="rId4"/>
-          <a:stretch/>
-        </p:blipFill>
-        <p:spPr>
-          <a:xfrm>
-            <a:off x="5470920" y="2070000"/>
-            <a:ext cx="7683120" cy="5740200"/>
-          </a:xfrm>
-          <a:prstGeom prst="rect">
-            <a:avLst/>
-          </a:prstGeom>
-          <a:ln>
-            <a:noFill/>
-          </a:ln>
-          <a:effectLst>
-            <a:outerShdw blurRad="63500" dist="152400" dir="12900000" algn="tl" rotWithShape="0">
-              <a:srgbClr val="000000">
-                <a:alpha val="43000"/>
-              </a:srgbClr>
-            </a:outerShdw>
-          </a:effectLst>
-        </p:spPr>
-      </p:pic>
-      <p:pic>
-        <p:nvPicPr>
-          <p:cNvPr id="133" name="Picture 3"/>
-          <p:cNvPicPr/>
-          <p:nvPr/>
-        </p:nvPicPr>
-        <p:blipFill>
-          <a:blip r:embed="rId5"/>
-          <a:stretch/>
-        </p:blipFill>
-        <p:spPr>
-          <a:xfrm>
-            <a:off x="17863200" y="13982400"/>
-            <a:ext cx="7569000" cy="5733720"/>
-          </a:xfrm>
-          <a:prstGeom prst="rect">
-            <a:avLst/>
-          </a:prstGeom>
-          <a:ln>
-            <a:noFill/>
-          </a:ln>
-          <a:effectLst>
-            <a:outerShdw blurRad="63500" dist="152400" dir="12900000" algn="tl" rotWithShape="0">
-              <a:srgbClr val="000000">
-                <a:alpha val="43000"/>
-              </a:srgbClr>
-            </a:outerShdw>
-          </a:effectLst>
-        </p:spPr>
-      </p:pic>
-      <p:pic>
-        <p:nvPicPr>
-          <p:cNvPr id="134" name="Picture 4"/>
-          <p:cNvPicPr/>
-          <p:nvPr/>
-        </p:nvPicPr>
-        <p:blipFill>
-          <a:blip r:embed="rId6"/>
-          <a:stretch/>
-        </p:blipFill>
-        <p:spPr>
-          <a:xfrm>
-            <a:off x="17939520" y="2431800"/>
-            <a:ext cx="7562520" cy="5721120"/>
-          </a:xfrm>
-          <a:prstGeom prst="rect">
-            <a:avLst/>
-          </a:prstGeom>
-          <a:ln>
-            <a:noFill/>
-          </a:ln>
-          <a:effectLst>
-            <a:outerShdw blurRad="63500" dist="152400" dir="12900000" algn="tl" rotWithShape="0">
-              <a:srgbClr val="000000">
-                <a:alpha val="43000"/>
-              </a:srgbClr>
-            </a:outerShdw>
-          </a:effectLst>
-        </p:spPr>
-      </p:pic>
-      <p:pic>
-        <p:nvPicPr>
-          <p:cNvPr id="135" name="Picture 5"/>
-          <p:cNvPicPr/>
-          <p:nvPr/>
-        </p:nvPicPr>
-        <p:blipFill>
-          <a:blip r:embed="rId7"/>
-          <a:stretch/>
-        </p:blipFill>
-        <p:spPr>
-          <a:xfrm>
-            <a:off x="7085160" y="4152600"/>
-            <a:ext cx="7683120" cy="5727240"/>
-          </a:xfrm>
-          <a:prstGeom prst="rect">
-            <a:avLst/>
-          </a:prstGeom>
-          <a:ln>
-            <a:noFill/>
-          </a:ln>
-          <a:effectLst>
-            <a:outerShdw blurRad="63500" dist="152400" dir="12900000" algn="tl" rotWithShape="0">
-              <a:srgbClr val="000000">
-                <a:alpha val="43000"/>
-              </a:srgbClr>
-            </a:outerShdw>
-          </a:effectLst>
-        </p:spPr>
-      </p:pic>
-      <p:sp>
-        <p:nvSpPr>
-          <p:cNvPr id="136" name="CustomShape 1"/>
-          <p:cNvSpPr/>
-          <p:nvPr/>
-        </p:nvSpPr>
-        <p:spPr>
-          <a:xfrm>
-            <a:off x="15086520" y="5292720"/>
-            <a:ext cx="2467080" cy="360"/>
-          </a:xfrm>
-          <a:custGeom>
-            <a:avLst/>
-            <a:gdLst/>
-            <a:ahLst/>
-            <a:cxnLst/>
-            <a:rect l="l" t="t" r="r" b="b"/>
-            <a:pathLst>
-              <a:path w="21600" h="21600">
-                <a:moveTo>
-                  <a:pt x="0" y="0"/>
-                </a:moveTo>
-                <a:lnTo>
-                  <a:pt x="21600" y="21600"/>
-                </a:lnTo>
-              </a:path>
-            </a:pathLst>
-          </a:custGeom>
-          <a:noFill/>
-          <a:ln w="254160">
-            <a:solidFill>
-              <a:schemeClr val="bg1">
-                <a:lumMod val="65000"/>
-              </a:schemeClr>
-            </a:solidFill>
-            <a:round/>
-            <a:tailEnd type="triangle" w="lg" len="lg"/>
-          </a:ln>
-          <a:effectLst>
-            <a:outerShdw blurRad="40000" dist="20000" dir="5400000" rotWithShape="0">
-              <a:srgbClr val="000000">
-                <a:alpha val="38000"/>
-              </a:srgbClr>
-            </a:outerShdw>
-          </a:effectLst>
-        </p:spPr>
-        <p:style>
-          <a:lnRef idx="2">
-            <a:schemeClr val="accent1"/>
-          </a:lnRef>
-          <a:fillRef idx="0">
-            <a:schemeClr val="accent1"/>
-          </a:fillRef>
-          <a:effectRef idx="1">
-            <a:schemeClr val="accent1"/>
-          </a:effectRef>
-          <a:fontRef idx="minor"/>
-        </p:style>
-      </p:sp>
-      <p:sp>
-        <p:nvSpPr>
-          <p:cNvPr id="137" name="CustomShape 2"/>
-          <p:cNvSpPr/>
-          <p:nvPr/>
-        </p:nvSpPr>
-        <p:spPr>
-          <a:xfrm>
-            <a:off x="15086520" y="16620840"/>
-            <a:ext cx="2467080" cy="360"/>
-          </a:xfrm>
-          <a:custGeom>
-            <a:avLst/>
-            <a:gdLst/>
-            <a:ahLst/>
-            <a:cxnLst/>
-            <a:rect l="l" t="t" r="r" b="b"/>
-            <a:pathLst>
-              <a:path w="21600" h="21600">
-                <a:moveTo>
-                  <a:pt x="0" y="0"/>
-                </a:moveTo>
-                <a:lnTo>
-                  <a:pt x="21600" y="21600"/>
-                </a:lnTo>
-              </a:path>
-            </a:pathLst>
-          </a:custGeom>
-          <a:noFill/>
-          <a:ln w="254160">
-            <a:solidFill>
-              <a:schemeClr val="bg1">
-                <a:lumMod val="65000"/>
-              </a:schemeClr>
-            </a:solidFill>
-            <a:round/>
-            <a:tailEnd type="triangle" w="lg" len="lg"/>
-          </a:ln>
-          <a:effectLst>
-            <a:outerShdw blurRad="40000" dist="20000" dir="5400000" rotWithShape="0">
-              <a:srgbClr val="000000">
-                <a:alpha val="38000"/>
-              </a:srgbClr>
-            </a:outerShdw>
-          </a:effectLst>
-        </p:spPr>
-        <p:style>
-          <a:lnRef idx="2">
-            <a:schemeClr val="accent1"/>
-          </a:lnRef>
-          <a:fillRef idx="0">
-            <a:schemeClr val="accent1"/>
-          </a:fillRef>
-          <a:effectRef idx="1">
-            <a:schemeClr val="accent1"/>
-          </a:effectRef>
-          <a:fontRef idx="minor"/>
-        </p:style>
-      </p:sp>
-    </p:spTree>
-  </p:cSld>
-  <p:clrMapOvr>
-    <a:masterClrMapping/>
-  </p:clrMapOvr>
-  <p:timing>
-    <p:tnLst>
-      <p:par>
-        <p:cTn xmlns:p14="http://schemas.microsoft.com/office/powerpoint/2010/main" id="1" dur="indefinite" restart="never" nodeType="tmRoot">
-          <p:childTnLst>
-            <p:seq>
-              <p:cTn id="2" nodeType="mainSeq"/>
-              <p:prevCondLst>
-                <p:cond evt="onPrev" delay="0">
-                  <p:tgtEl>
-                    <p:sldTgt/>
-                  </p:tgtEl>
-                </p:cond>
-              </p:prevCondLst>
-              <p:nextCondLst>
-                <p:cond evt="onNext" delay="0">
-                  <p:tgtEl>
-                    <p:sldTgt/>
-                  </p:tgtEl>
-                </p:cond>
-              </p:nextCondLst>
-            </p:seq>
-          </p:childTnLst>
-        </p:cTn>
-      </p:par>
-    </p:tnLst>
-  </p:timing>
-</p:sld>
-</file>
-
-<file path=ppt/slides/slide3.xml><?xml version="1.0" encoding="utf-8"?>
-<p:sld xmlns:a="http://schemas.openxmlformats.org/drawingml/2006/main" xmlns:r="http://schemas.openxmlformats.org/officeDocument/2006/relationships" xmlns:p="http://schemas.openxmlformats.org/presentationml/2006/main">
-  <p:cSld>
-    <p:spTree>
-      <p:nvGrpSpPr>
-        <p:cNvPr id="1" name=""/>
-        <p:cNvGrpSpPr/>
-        <p:nvPr/>
-      </p:nvGrpSpPr>
-      <p:grpSpPr>
-        <a:xfrm>
-          <a:off x="0" y="0"/>
-          <a:ext cx="0" cy="0"/>
-          <a:chOff x="0" y="0"/>
-          <a:chExt cx="0" cy="0"/>
-        </a:xfrm>
-      </p:grpSpPr>
       <p:sp>
         <p:nvSpPr>
           <p:cNvPr id="138" name="CustomShape 1"/>
@@ -7361,6 +5572,77 @@
           </a:p>
         </p:txBody>
       </p:sp>
+      <p:pic>
+        <p:nvPicPr>
+          <p:cNvPr id="2" name="Picture 1"/>
+          <p:cNvPicPr>
+            <a:picLocks noChangeAspect="1"/>
+          </p:cNvPicPr>
+          <p:nvPr/>
+        </p:nvPicPr>
+        <p:blipFill>
+          <a:blip r:embed="rId2"/>
+          <a:stretch>
+            <a:fillRect/>
+          </a:stretch>
+        </p:blipFill>
+        <p:spPr>
+          <a:xfrm>
+            <a:off x="10782300" y="931079"/>
+            <a:ext cx="11353800" cy="9772490"/>
+          </a:xfrm>
+          <a:prstGeom prst="rect">
+            <a:avLst/>
+          </a:prstGeom>
+        </p:spPr>
+      </p:pic>
+      <p:pic>
+        <p:nvPicPr>
+          <p:cNvPr id="3" name="Picture 2"/>
+          <p:cNvPicPr>
+            <a:picLocks noChangeAspect="1"/>
+          </p:cNvPicPr>
+          <p:nvPr/>
+        </p:nvPicPr>
+        <p:blipFill>
+          <a:blip r:embed="rId3"/>
+          <a:stretch>
+            <a:fillRect/>
+          </a:stretch>
+        </p:blipFill>
+        <p:spPr>
+          <a:xfrm>
+            <a:off x="10782300" y="10884996"/>
+            <a:ext cx="11353800" cy="6858000"/>
+          </a:xfrm>
+          <a:prstGeom prst="rect">
+            <a:avLst/>
+          </a:prstGeom>
+        </p:spPr>
+      </p:pic>
+      <p:pic>
+        <p:nvPicPr>
+          <p:cNvPr id="4" name="Picture 3"/>
+          <p:cNvPicPr>
+            <a:picLocks noChangeAspect="1"/>
+          </p:cNvPicPr>
+          <p:nvPr/>
+        </p:nvPicPr>
+        <p:blipFill rotWithShape="1">
+          <a:blip r:embed="rId4"/>
+          <a:srcRect t="2960"/>
+          <a:stretch/>
+        </p:blipFill>
+        <p:spPr>
+          <a:xfrm>
+            <a:off x="11761960" y="17975388"/>
+            <a:ext cx="9359737" cy="4965557"/>
+          </a:xfrm>
+          <a:prstGeom prst="rect">
+            <a:avLst/>
+          </a:prstGeom>
+        </p:spPr>
+      </p:pic>
     </p:spTree>
   </p:cSld>
   <p:clrMapOvr>
